--- a/raven_nancy_slides.pptx
+++ b/raven_nancy_slides.pptx
@@ -4,13 +4,27 @@
   <p:sldMasterIdLst>
     <p:sldMasterId id="2147483732" r:id="rId1"/>
   </p:sldMasterIdLst>
+  <p:notesMasterIdLst>
+    <p:notesMasterId r:id="rId19"/>
+  </p:notesMasterIdLst>
   <p:sldIdLst>
     <p:sldId id="256" r:id="rId2"/>
     <p:sldId id="257" r:id="rId3"/>
-    <p:sldId id="258" r:id="rId4"/>
-    <p:sldId id="259" r:id="rId5"/>
-    <p:sldId id="260" r:id="rId6"/>
-    <p:sldId id="261" r:id="rId7"/>
+    <p:sldId id="267" r:id="rId4"/>
+    <p:sldId id="258" r:id="rId5"/>
+    <p:sldId id="259" r:id="rId6"/>
+    <p:sldId id="260" r:id="rId7"/>
+    <p:sldId id="261" r:id="rId8"/>
+    <p:sldId id="268" r:id="rId9"/>
+    <p:sldId id="269" r:id="rId10"/>
+    <p:sldId id="270" r:id="rId11"/>
+    <p:sldId id="271" r:id="rId12"/>
+    <p:sldId id="272" r:id="rId13"/>
+    <p:sldId id="262" r:id="rId14"/>
+    <p:sldId id="263" r:id="rId15"/>
+    <p:sldId id="266" r:id="rId16"/>
+    <p:sldId id="264" r:id="rId17"/>
+    <p:sldId id="265" r:id="rId18"/>
   </p:sldIdLst>
   <p:sldSz cx="9144000" cy="6858000" type="screen4x3"/>
   <p:notesSz cx="6858000" cy="9144000"/>
@@ -112,6 +126,440 @@
 </p:presentation>
 </file>
 
+<file path=ppt/notesMasters/notesMaster1.xml><?xml version="1.0" encoding="utf-8"?>
+<p:notesMaster xmlns:a="http://schemas.openxmlformats.org/drawingml/2006/main" xmlns:r="http://schemas.openxmlformats.org/officeDocument/2006/relationships" xmlns:p="http://schemas.openxmlformats.org/presentationml/2006/main">
+  <p:cSld>
+    <p:bg>
+      <p:bgRef idx="1001">
+        <a:schemeClr val="bg1"/>
+      </p:bgRef>
+    </p:bg>
+    <p:spTree>
+      <p:nvGrpSpPr>
+        <p:cNvPr id="1" name=""/>
+        <p:cNvGrpSpPr/>
+        <p:nvPr/>
+      </p:nvGrpSpPr>
+      <p:grpSpPr>
+        <a:xfrm>
+          <a:off x="0" y="0"/>
+          <a:ext cx="0" cy="0"/>
+          <a:chOff x="0" y="0"/>
+          <a:chExt cx="0" cy="0"/>
+        </a:xfrm>
+      </p:grpSpPr>
+      <p:sp>
+        <p:nvSpPr>
+          <p:cNvPr id="2" name="Header Placeholder 1"/>
+          <p:cNvSpPr>
+            <a:spLocks noGrp="1"/>
+          </p:cNvSpPr>
+          <p:nvPr>
+            <p:ph type="hdr" sz="quarter"/>
+          </p:nvPr>
+        </p:nvSpPr>
+        <p:spPr>
+          <a:xfrm>
+            <a:off x="0" y="0"/>
+            <a:ext cx="2971800" cy="457200"/>
+          </a:xfrm>
+          <a:prstGeom prst="rect">
+            <a:avLst/>
+          </a:prstGeom>
+        </p:spPr>
+        <p:txBody>
+          <a:bodyPr vert="horz" lIns="91440" tIns="45720" rIns="91440" bIns="45720" rtlCol="0"/>
+          <a:lstStyle>
+            <a:lvl1pPr algn="l">
+              <a:defRPr sz="1200"/>
+            </a:lvl1pPr>
+          </a:lstStyle>
+          <a:p>
+            <a:endParaRPr lang="en-US"/>
+          </a:p>
+        </p:txBody>
+      </p:sp>
+      <p:sp>
+        <p:nvSpPr>
+          <p:cNvPr id="3" name="Date Placeholder 2"/>
+          <p:cNvSpPr>
+            <a:spLocks noGrp="1"/>
+          </p:cNvSpPr>
+          <p:nvPr>
+            <p:ph type="dt" idx="1"/>
+          </p:nvPr>
+        </p:nvSpPr>
+        <p:spPr>
+          <a:xfrm>
+            <a:off x="3884613" y="0"/>
+            <a:ext cx="2971800" cy="457200"/>
+          </a:xfrm>
+          <a:prstGeom prst="rect">
+            <a:avLst/>
+          </a:prstGeom>
+        </p:spPr>
+        <p:txBody>
+          <a:bodyPr vert="horz" lIns="91440" tIns="45720" rIns="91440" bIns="45720" rtlCol="0"/>
+          <a:lstStyle>
+            <a:lvl1pPr algn="r">
+              <a:defRPr sz="1200"/>
+            </a:lvl1pPr>
+          </a:lstStyle>
+          <a:p>
+            <a:fld id="{92E78090-F871-4603-9BA9-1BEE2828B686}" type="datetimeFigureOut">
+              <a:rPr lang="en-US" smtClean="0"/>
+              <a:t>8/10/2011</a:t>
+            </a:fld>
+            <a:endParaRPr lang="en-US"/>
+          </a:p>
+        </p:txBody>
+      </p:sp>
+      <p:sp>
+        <p:nvSpPr>
+          <p:cNvPr id="4" name="Slide Image Placeholder 3"/>
+          <p:cNvSpPr>
+            <a:spLocks noGrp="1" noRot="1" noChangeAspect="1"/>
+          </p:cNvSpPr>
+          <p:nvPr>
+            <p:ph type="sldImg" idx="2"/>
+          </p:nvPr>
+        </p:nvSpPr>
+        <p:spPr>
+          <a:xfrm>
+            <a:off x="1143000" y="685800"/>
+            <a:ext cx="4572000" cy="3429000"/>
+          </a:xfrm>
+          <a:prstGeom prst="rect">
+            <a:avLst/>
+          </a:prstGeom>
+          <a:noFill/>
+          <a:ln w="12700">
+            <a:solidFill>
+              <a:prstClr val="black"/>
+            </a:solidFill>
+          </a:ln>
+        </p:spPr>
+        <p:txBody>
+          <a:bodyPr vert="horz" lIns="91440" tIns="45720" rIns="91440" bIns="45720" rtlCol="0" anchor="ctr"/>
+          <a:lstStyle/>
+          <a:p>
+            <a:endParaRPr lang="en-US"/>
+          </a:p>
+        </p:txBody>
+      </p:sp>
+      <p:sp>
+        <p:nvSpPr>
+          <p:cNvPr id="5" name="Notes Placeholder 4"/>
+          <p:cNvSpPr>
+            <a:spLocks noGrp="1"/>
+          </p:cNvSpPr>
+          <p:nvPr>
+            <p:ph type="body" sz="quarter" idx="3"/>
+          </p:nvPr>
+        </p:nvSpPr>
+        <p:spPr>
+          <a:xfrm>
+            <a:off x="685800" y="4343400"/>
+            <a:ext cx="5486400" cy="4114800"/>
+          </a:xfrm>
+          <a:prstGeom prst="rect">
+            <a:avLst/>
+          </a:prstGeom>
+        </p:spPr>
+        <p:txBody>
+          <a:bodyPr vert="horz" lIns="91440" tIns="45720" rIns="91440" bIns="45720" rtlCol="0"/>
+          <a:lstStyle/>
+          <a:p>
+            <a:pPr lvl="0"/>
+            <a:r>
+              <a:rPr lang="en-US" smtClean="0"/>
+              <a:t>Click to edit Master text styles</a:t>
+            </a:r>
+          </a:p>
+          <a:p>
+            <a:pPr lvl="1"/>
+            <a:r>
+              <a:rPr lang="en-US" smtClean="0"/>
+              <a:t>Second level</a:t>
+            </a:r>
+          </a:p>
+          <a:p>
+            <a:pPr lvl="2"/>
+            <a:r>
+              <a:rPr lang="en-US" smtClean="0"/>
+              <a:t>Third level</a:t>
+            </a:r>
+          </a:p>
+          <a:p>
+            <a:pPr lvl="3"/>
+            <a:r>
+              <a:rPr lang="en-US" smtClean="0"/>
+              <a:t>Fourth level</a:t>
+            </a:r>
+          </a:p>
+          <a:p>
+            <a:pPr lvl="4"/>
+            <a:r>
+              <a:rPr lang="en-US" smtClean="0"/>
+              <a:t>Fifth level</a:t>
+            </a:r>
+            <a:endParaRPr lang="en-US"/>
+          </a:p>
+        </p:txBody>
+      </p:sp>
+      <p:sp>
+        <p:nvSpPr>
+          <p:cNvPr id="6" name="Footer Placeholder 5"/>
+          <p:cNvSpPr>
+            <a:spLocks noGrp="1"/>
+          </p:cNvSpPr>
+          <p:nvPr>
+            <p:ph type="ftr" sz="quarter" idx="4"/>
+          </p:nvPr>
+        </p:nvSpPr>
+        <p:spPr>
+          <a:xfrm>
+            <a:off x="0" y="8685213"/>
+            <a:ext cx="2971800" cy="457200"/>
+          </a:xfrm>
+          <a:prstGeom prst="rect">
+            <a:avLst/>
+          </a:prstGeom>
+        </p:spPr>
+        <p:txBody>
+          <a:bodyPr vert="horz" lIns="91440" tIns="45720" rIns="91440" bIns="45720" rtlCol="0" anchor="b"/>
+          <a:lstStyle>
+            <a:lvl1pPr algn="l">
+              <a:defRPr sz="1200"/>
+            </a:lvl1pPr>
+          </a:lstStyle>
+          <a:p>
+            <a:endParaRPr lang="en-US"/>
+          </a:p>
+        </p:txBody>
+      </p:sp>
+      <p:sp>
+        <p:nvSpPr>
+          <p:cNvPr id="7" name="Slide Number Placeholder 6"/>
+          <p:cNvSpPr>
+            <a:spLocks noGrp="1"/>
+          </p:cNvSpPr>
+          <p:nvPr>
+            <p:ph type="sldNum" sz="quarter" idx="5"/>
+          </p:nvPr>
+        </p:nvSpPr>
+        <p:spPr>
+          <a:xfrm>
+            <a:off x="3884613" y="8685213"/>
+            <a:ext cx="2971800" cy="457200"/>
+          </a:xfrm>
+          <a:prstGeom prst="rect">
+            <a:avLst/>
+          </a:prstGeom>
+        </p:spPr>
+        <p:txBody>
+          <a:bodyPr vert="horz" lIns="91440" tIns="45720" rIns="91440" bIns="45720" rtlCol="0" anchor="b"/>
+          <a:lstStyle>
+            <a:lvl1pPr algn="r">
+              <a:defRPr sz="1200"/>
+            </a:lvl1pPr>
+          </a:lstStyle>
+          <a:p>
+            <a:fld id="{437B0A2B-24B4-470C-B6D7-7A11D8AA68BF}" type="slidenum">
+              <a:rPr lang="en-US" smtClean="0"/>
+              <a:t>‹#›</a:t>
+            </a:fld>
+            <a:endParaRPr lang="en-US"/>
+          </a:p>
+        </p:txBody>
+      </p:sp>
+    </p:spTree>
+    <p:extLst>
+      <p:ext uri="{BB962C8B-B14F-4D97-AF65-F5344CB8AC3E}">
+        <p14:creationId xmlns:p14="http://schemas.microsoft.com/office/powerpoint/2010/main" val="3400250541"/>
+      </p:ext>
+    </p:extLst>
+  </p:cSld>
+  <p:clrMap bg1="lt1" tx1="dk1" bg2="lt2" tx2="dk2" accent1="accent1" accent2="accent2" accent3="accent3" accent4="accent4" accent5="accent5" accent6="accent6" hlink="hlink" folHlink="folHlink"/>
+  <p:notesStyle>
+    <a:lvl1pPr marL="0" algn="l" defTabSz="914400" rtl="0" eaLnBrk="1" latinLnBrk="0" hangingPunct="1">
+      <a:defRPr sz="1200" kern="1200">
+        <a:solidFill>
+          <a:schemeClr val="tx1"/>
+        </a:solidFill>
+        <a:latin typeface="+mn-lt"/>
+        <a:ea typeface="+mn-ea"/>
+        <a:cs typeface="+mn-cs"/>
+      </a:defRPr>
+    </a:lvl1pPr>
+    <a:lvl2pPr marL="457200" algn="l" defTabSz="914400" rtl="0" eaLnBrk="1" latinLnBrk="0" hangingPunct="1">
+      <a:defRPr sz="1200" kern="1200">
+        <a:solidFill>
+          <a:schemeClr val="tx1"/>
+        </a:solidFill>
+        <a:latin typeface="+mn-lt"/>
+        <a:ea typeface="+mn-ea"/>
+        <a:cs typeface="+mn-cs"/>
+      </a:defRPr>
+    </a:lvl2pPr>
+    <a:lvl3pPr marL="914400" algn="l" defTabSz="914400" rtl="0" eaLnBrk="1" latinLnBrk="0" hangingPunct="1">
+      <a:defRPr sz="1200" kern="1200">
+        <a:solidFill>
+          <a:schemeClr val="tx1"/>
+        </a:solidFill>
+        <a:latin typeface="+mn-lt"/>
+        <a:ea typeface="+mn-ea"/>
+        <a:cs typeface="+mn-cs"/>
+      </a:defRPr>
+    </a:lvl3pPr>
+    <a:lvl4pPr marL="1371600" algn="l" defTabSz="914400" rtl="0" eaLnBrk="1" latinLnBrk="0" hangingPunct="1">
+      <a:defRPr sz="1200" kern="1200">
+        <a:solidFill>
+          <a:schemeClr val="tx1"/>
+        </a:solidFill>
+        <a:latin typeface="+mn-lt"/>
+        <a:ea typeface="+mn-ea"/>
+        <a:cs typeface="+mn-cs"/>
+      </a:defRPr>
+    </a:lvl4pPr>
+    <a:lvl5pPr marL="1828800" algn="l" defTabSz="914400" rtl="0" eaLnBrk="1" latinLnBrk="0" hangingPunct="1">
+      <a:defRPr sz="1200" kern="1200">
+        <a:solidFill>
+          <a:schemeClr val="tx1"/>
+        </a:solidFill>
+        <a:latin typeface="+mn-lt"/>
+        <a:ea typeface="+mn-ea"/>
+        <a:cs typeface="+mn-cs"/>
+      </a:defRPr>
+    </a:lvl5pPr>
+    <a:lvl6pPr marL="2286000" algn="l" defTabSz="914400" rtl="0" eaLnBrk="1" latinLnBrk="0" hangingPunct="1">
+      <a:defRPr sz="1200" kern="1200">
+        <a:solidFill>
+          <a:schemeClr val="tx1"/>
+        </a:solidFill>
+        <a:latin typeface="+mn-lt"/>
+        <a:ea typeface="+mn-ea"/>
+        <a:cs typeface="+mn-cs"/>
+      </a:defRPr>
+    </a:lvl6pPr>
+    <a:lvl7pPr marL="2743200" algn="l" defTabSz="914400" rtl="0" eaLnBrk="1" latinLnBrk="0" hangingPunct="1">
+      <a:defRPr sz="1200" kern="1200">
+        <a:solidFill>
+          <a:schemeClr val="tx1"/>
+        </a:solidFill>
+        <a:latin typeface="+mn-lt"/>
+        <a:ea typeface="+mn-ea"/>
+        <a:cs typeface="+mn-cs"/>
+      </a:defRPr>
+    </a:lvl7pPr>
+    <a:lvl8pPr marL="3200400" algn="l" defTabSz="914400" rtl="0" eaLnBrk="1" latinLnBrk="0" hangingPunct="1">
+      <a:defRPr sz="1200" kern="1200">
+        <a:solidFill>
+          <a:schemeClr val="tx1"/>
+        </a:solidFill>
+        <a:latin typeface="+mn-lt"/>
+        <a:ea typeface="+mn-ea"/>
+        <a:cs typeface="+mn-cs"/>
+      </a:defRPr>
+    </a:lvl8pPr>
+    <a:lvl9pPr marL="3657600" algn="l" defTabSz="914400" rtl="0" eaLnBrk="1" latinLnBrk="0" hangingPunct="1">
+      <a:defRPr sz="1200" kern="1200">
+        <a:solidFill>
+          <a:schemeClr val="tx1"/>
+        </a:solidFill>
+        <a:latin typeface="+mn-lt"/>
+        <a:ea typeface="+mn-ea"/>
+        <a:cs typeface="+mn-cs"/>
+      </a:defRPr>
+    </a:lvl9pPr>
+  </p:notesStyle>
+</p:notesMaster>
+</file>
+
+<file path=ppt/notesSlides/notesSlide1.xml><?xml version="1.0" encoding="utf-8"?>
+<p:notes xmlns:a="http://schemas.openxmlformats.org/drawingml/2006/main" xmlns:r="http://schemas.openxmlformats.org/officeDocument/2006/relationships" xmlns:p="http://schemas.openxmlformats.org/presentationml/2006/main">
+  <p:cSld>
+    <p:spTree>
+      <p:nvGrpSpPr>
+        <p:cNvPr id="1" name=""/>
+        <p:cNvGrpSpPr/>
+        <p:nvPr/>
+      </p:nvGrpSpPr>
+      <p:grpSpPr>
+        <a:xfrm>
+          <a:off x="0" y="0"/>
+          <a:ext cx="0" cy="0"/>
+          <a:chOff x="0" y="0"/>
+          <a:chExt cx="0" cy="0"/>
+        </a:xfrm>
+      </p:grpSpPr>
+      <p:sp>
+        <p:nvSpPr>
+          <p:cNvPr id="2" name="Slide Image Placeholder 1"/>
+          <p:cNvSpPr>
+            <a:spLocks noGrp="1" noRot="1" noChangeAspect="1"/>
+          </p:cNvSpPr>
+          <p:nvPr>
+            <p:ph type="sldImg"/>
+          </p:nvPr>
+        </p:nvSpPr>
+        <p:spPr/>
+      </p:sp>
+      <p:sp>
+        <p:nvSpPr>
+          <p:cNvPr id="3" name="Notes Placeholder 2"/>
+          <p:cNvSpPr>
+            <a:spLocks noGrp="1"/>
+          </p:cNvSpPr>
+          <p:nvPr>
+            <p:ph type="body" idx="1"/>
+          </p:nvPr>
+        </p:nvSpPr>
+        <p:spPr/>
+        <p:txBody>
+          <a:bodyPr/>
+          <a:lstStyle/>
+          <a:p>
+            <a:endParaRPr lang="en-US" dirty="0"/>
+          </a:p>
+        </p:txBody>
+      </p:sp>
+      <p:sp>
+        <p:nvSpPr>
+          <p:cNvPr id="4" name="Slide Number Placeholder 3"/>
+          <p:cNvSpPr>
+            <a:spLocks noGrp="1"/>
+          </p:cNvSpPr>
+          <p:nvPr>
+            <p:ph type="sldNum" sz="quarter" idx="10"/>
+          </p:nvPr>
+        </p:nvSpPr>
+        <p:spPr/>
+        <p:txBody>
+          <a:bodyPr/>
+          <a:lstStyle/>
+          <a:p>
+            <a:fld id="{437B0A2B-24B4-470C-B6D7-7A11D8AA68BF}" type="slidenum">
+              <a:rPr lang="en-US" smtClean="0"/>
+              <a:t>15</a:t>
+            </a:fld>
+            <a:endParaRPr lang="en-US"/>
+          </a:p>
+        </p:txBody>
+      </p:sp>
+    </p:spTree>
+    <p:extLst>
+      <p:ext uri="{BB962C8B-B14F-4D97-AF65-F5344CB8AC3E}">
+        <p14:creationId xmlns:p14="http://schemas.microsoft.com/office/powerpoint/2010/main" val="4124932255"/>
+      </p:ext>
+    </p:extLst>
+  </p:cSld>
+  <p:clrMapOvr>
+    <a:masterClrMapping/>
+  </p:clrMapOvr>
+</p:notes>
+</file>
+
 <file path=ppt/slideLayouts/slideLayout1.xml><?xml version="1.0" encoding="utf-8"?>
 <p:sldLayout xmlns:a="http://schemas.openxmlformats.org/drawingml/2006/main" xmlns:r="http://schemas.openxmlformats.org/officeDocument/2006/relationships" xmlns:p="http://schemas.openxmlformats.org/presentationml/2006/main" type="title" preserve="1">
   <p:cSld name="Title Slide">
@@ -223,7 +671,7 @@
           <a:p>
             <a:fld id="{43EC599E-0048-4E82-BBFA-6776EA2C4AB2}" type="datetimeFigureOut">
               <a:rPr lang="en-US" smtClean="0"/>
-              <a:t>8/9/2011</a:t>
+              <a:t>8/10/2011</a:t>
             </a:fld>
             <a:endParaRPr lang="en-US"/>
           </a:p>
@@ -449,7 +897,7 @@
           <a:p>
             <a:fld id="{43EC599E-0048-4E82-BBFA-6776EA2C4AB2}" type="datetimeFigureOut">
               <a:rPr lang="en-US" smtClean="0"/>
-              <a:t>8/9/2011</a:t>
+              <a:t>8/10/2011</a:t>
             </a:fld>
             <a:endParaRPr lang="en-US"/>
           </a:p>
@@ -624,7 +1072,7 @@
           <a:p>
             <a:fld id="{43EC599E-0048-4E82-BBFA-6776EA2C4AB2}" type="datetimeFigureOut">
               <a:rPr lang="en-US" smtClean="0"/>
-              <a:t>8/9/2011</a:t>
+              <a:t>8/10/2011</a:t>
             </a:fld>
             <a:endParaRPr lang="en-US"/>
           </a:p>
@@ -789,7 +1237,7 @@
           <a:p>
             <a:fld id="{43EC599E-0048-4E82-BBFA-6776EA2C4AB2}" type="datetimeFigureOut">
               <a:rPr lang="en-US" smtClean="0"/>
-              <a:t>8/9/2011</a:t>
+              <a:t>8/10/2011</a:t>
             </a:fld>
             <a:endParaRPr lang="en-US"/>
           </a:p>
@@ -1033,7 +1481,7 @@
           <a:p>
             <a:fld id="{43EC599E-0048-4E82-BBFA-6776EA2C4AB2}" type="datetimeFigureOut">
               <a:rPr lang="en-US" smtClean="0"/>
-              <a:t>8/9/2011</a:t>
+              <a:t>8/10/2011</a:t>
             </a:fld>
             <a:endParaRPr lang="en-US"/>
           </a:p>
@@ -1297,7 +1745,7 @@
           <a:p>
             <a:fld id="{43EC599E-0048-4E82-BBFA-6776EA2C4AB2}" type="datetimeFigureOut">
               <a:rPr lang="en-US" smtClean="0"/>
-              <a:t>8/9/2011</a:t>
+              <a:t>8/10/2011</a:t>
             </a:fld>
             <a:endParaRPr lang="en-US"/>
           </a:p>
@@ -1671,7 +2119,7 @@
           <a:p>
             <a:fld id="{43EC599E-0048-4E82-BBFA-6776EA2C4AB2}" type="datetimeFigureOut">
               <a:rPr lang="en-US" smtClean="0"/>
-              <a:t>8/9/2011</a:t>
+              <a:t>8/10/2011</a:t>
             </a:fld>
             <a:endParaRPr lang="en-US"/>
           </a:p>
@@ -1784,7 +2232,7 @@
           <a:p>
             <a:fld id="{43EC599E-0048-4E82-BBFA-6776EA2C4AB2}" type="datetimeFigureOut">
               <a:rPr lang="en-US" smtClean="0"/>
-              <a:t>8/9/2011</a:t>
+              <a:t>8/10/2011</a:t>
             </a:fld>
             <a:endParaRPr lang="en-US"/>
           </a:p>
@@ -1874,7 +2322,7 @@
           <a:p>
             <a:fld id="{43EC599E-0048-4E82-BBFA-6776EA2C4AB2}" type="datetimeFigureOut">
               <a:rPr lang="en-US" smtClean="0"/>
-              <a:t>8/9/2011</a:t>
+              <a:t>8/10/2011</a:t>
             </a:fld>
             <a:endParaRPr lang="en-US"/>
           </a:p>
@@ -2132,7 +2580,7 @@
           <a:p>
             <a:fld id="{43EC599E-0048-4E82-BBFA-6776EA2C4AB2}" type="datetimeFigureOut">
               <a:rPr lang="en-US" smtClean="0"/>
-              <a:t>8/9/2011</a:t>
+              <a:t>8/10/2011</a:t>
             </a:fld>
             <a:endParaRPr lang="en-US"/>
           </a:p>
@@ -2396,7 +2844,7 @@
           <a:p>
             <a:fld id="{43EC599E-0048-4E82-BBFA-6776EA2C4AB2}" type="datetimeFigureOut">
               <a:rPr lang="en-US" smtClean="0"/>
-              <a:t>8/9/2011</a:t>
+              <a:t>8/10/2011</a:t>
             </a:fld>
             <a:endParaRPr lang="en-US"/>
           </a:p>
@@ -2613,7 +3061,7 @@
           <a:p>
             <a:fld id="{43EC599E-0048-4E82-BBFA-6776EA2C4AB2}" type="datetimeFigureOut">
               <a:rPr lang="en-US" smtClean="0"/>
-              <a:t>8/9/2011</a:t>
+              <a:t>8/10/2011</a:t>
             </a:fld>
             <a:endParaRPr lang="en-US"/>
           </a:p>
@@ -3059,21 +3507,65 @@
           <a:lstStyle/>
           <a:p>
             <a:r>
-              <a:rPr lang="en-US" smtClean="0"/>
-              <a:t>Intro </a:t>
-            </a:r>
-            <a:r>
-              <a:rPr lang="en-US" dirty="0" smtClean="0"/>
-              <a:t>to RavenDB </a:t>
-            </a:r>
-            <a:r>
-              <a:rPr lang="en-US" smtClean="0"/>
-              <a:t>with NancyFX</a:t>
-            </a:r>
-            <a:endParaRPr lang="en-US" dirty="0"/>
-          </a:p>
-        </p:txBody>
-      </p:sp>
+              <a:rPr lang="en-US" cap="none" dirty="0" smtClean="0">
+                <a:effectLst>
+                  <a:outerShdw blurRad="38100" dist="38100" dir="2700000" algn="tl">
+                    <a:srgbClr val="000000">
+                      <a:alpha val="43137"/>
+                    </a:srgbClr>
+                  </a:outerShdw>
+                </a:effectLst>
+                <a:latin typeface="Verdana" pitchFamily="34" charset="0"/>
+                <a:ea typeface="Verdana" pitchFamily="34" charset="0"/>
+                <a:cs typeface="Verdana" pitchFamily="34" charset="0"/>
+              </a:rPr>
+              <a:t>Intro to RavenDB with NancyFX</a:t>
+            </a:r>
+            <a:endParaRPr lang="en-US" cap="none" dirty="0">
+              <a:effectLst>
+                <a:outerShdw blurRad="38100" dist="38100" dir="2700000" algn="tl">
+                  <a:srgbClr val="000000">
+                    <a:alpha val="43137"/>
+                  </a:srgbClr>
+                </a:outerShdw>
+              </a:effectLst>
+              <a:latin typeface="Verdana" pitchFamily="34" charset="0"/>
+              <a:ea typeface="Verdana" pitchFamily="34" charset="0"/>
+              <a:cs typeface="Verdana" pitchFamily="34" charset="0"/>
+            </a:endParaRPr>
+          </a:p>
+        </p:txBody>
+      </p:sp>
+      <p:pic>
+        <p:nvPicPr>
+          <p:cNvPr id="3" name="Picture 2"/>
+          <p:cNvPicPr>
+            <a:picLocks noChangeAspect="1"/>
+          </p:cNvPicPr>
+          <p:nvPr/>
+        </p:nvPicPr>
+        <p:blipFill>
+          <a:blip r:embed="rId2">
+            <a:extLst>
+              <a:ext uri="{28A0092B-C50C-407E-A947-70E740481C1C}">
+                <a14:useLocalDpi xmlns:a14="http://schemas.microsoft.com/office/drawing/2010/main" val="0"/>
+              </a:ext>
+            </a:extLst>
+          </a:blip>
+          <a:stretch>
+            <a:fillRect/>
+          </a:stretch>
+        </p:blipFill>
+        <p:spPr>
+          <a:xfrm>
+            <a:off x="2660949" y="4076315"/>
+            <a:ext cx="3754368" cy="952885"/>
+          </a:xfrm>
+          <a:prstGeom prst="rect">
+            <a:avLst/>
+          </a:prstGeom>
+        </p:spPr>
+      </p:pic>
     </p:spTree>
     <p:extLst>
       <p:ext uri="{BB962C8B-B14F-4D97-AF65-F5344CB8AC3E}">
@@ -3088,6 +3580,2620 @@
     <p:tnLst>
       <p:par>
         <p:cTn id="1" dur="indefinite" restart="never" nodeType="tmRoot"/>
+      </p:par>
+    </p:tnLst>
+  </p:timing>
+</p:sld>
+</file>
+
+<file path=ppt/slides/slide10.xml><?xml version="1.0" encoding="utf-8"?>
+<p:sld xmlns:a="http://schemas.openxmlformats.org/drawingml/2006/main" xmlns:r="http://schemas.openxmlformats.org/officeDocument/2006/relationships" xmlns:p="http://schemas.openxmlformats.org/presentationml/2006/main">
+  <p:cSld>
+    <p:spTree>
+      <p:nvGrpSpPr>
+        <p:cNvPr id="1" name=""/>
+        <p:cNvGrpSpPr/>
+        <p:nvPr/>
+      </p:nvGrpSpPr>
+      <p:grpSpPr>
+        <a:xfrm>
+          <a:off x="0" y="0"/>
+          <a:ext cx="0" cy="0"/>
+          <a:chOff x="0" y="0"/>
+          <a:chExt cx="0" cy="0"/>
+        </a:xfrm>
+      </p:grpSpPr>
+      <p:sp>
+        <p:nvSpPr>
+          <p:cNvPr id="2" name="Title 1"/>
+          <p:cNvSpPr>
+            <a:spLocks noGrp="1"/>
+          </p:cNvSpPr>
+          <p:nvPr>
+            <p:ph type="title"/>
+          </p:nvPr>
+        </p:nvSpPr>
+        <p:spPr/>
+        <p:txBody>
+          <a:bodyPr/>
+          <a:lstStyle/>
+          <a:p>
+            <a:r>
+              <a:rPr lang="en-US" dirty="0" smtClean="0"/>
+              <a:t>Ok... So what does that mean?</a:t>
+            </a:r>
+            <a:endParaRPr lang="en-US" dirty="0"/>
+          </a:p>
+        </p:txBody>
+      </p:sp>
+      <p:pic>
+        <p:nvPicPr>
+          <p:cNvPr id="3" name="Picture 2"/>
+          <p:cNvPicPr>
+            <a:picLocks noChangeAspect="1"/>
+          </p:cNvPicPr>
+          <p:nvPr/>
+        </p:nvPicPr>
+        <p:blipFill>
+          <a:blip r:embed="rId2">
+            <a:extLst>
+              <a:ext uri="{28A0092B-C50C-407E-A947-70E740481C1C}">
+                <a14:useLocalDpi xmlns:a14="http://schemas.microsoft.com/office/drawing/2010/main" val="0"/>
+              </a:ext>
+            </a:extLst>
+          </a:blip>
+          <a:stretch>
+            <a:fillRect/>
+          </a:stretch>
+        </p:blipFill>
+        <p:spPr>
+          <a:xfrm>
+            <a:off x="2286000" y="1817648"/>
+            <a:ext cx="4572000" cy="3668752"/>
+          </a:xfrm>
+          <a:prstGeom prst="rect">
+            <a:avLst/>
+          </a:prstGeom>
+        </p:spPr>
+      </p:pic>
+    </p:spTree>
+    <p:extLst>
+      <p:ext uri="{BB962C8B-B14F-4D97-AF65-F5344CB8AC3E}">
+        <p14:creationId xmlns:p14="http://schemas.microsoft.com/office/powerpoint/2010/main" val="1964479388"/>
+      </p:ext>
+    </p:extLst>
+  </p:cSld>
+  <p:clrMapOvr>
+    <a:masterClrMapping/>
+  </p:clrMapOvr>
+  <p:timing>
+    <p:tnLst>
+      <p:par>
+        <p:cTn id="1" dur="indefinite" restart="never" nodeType="tmRoot"/>
+      </p:par>
+    </p:tnLst>
+  </p:timing>
+</p:sld>
+</file>
+
+<file path=ppt/slides/slide11.xml><?xml version="1.0" encoding="utf-8"?>
+<p:sld xmlns:a="http://schemas.openxmlformats.org/drawingml/2006/main" xmlns:r="http://schemas.openxmlformats.org/officeDocument/2006/relationships" xmlns:p="http://schemas.openxmlformats.org/presentationml/2006/main">
+  <p:cSld>
+    <p:spTree>
+      <p:nvGrpSpPr>
+        <p:cNvPr id="1" name=""/>
+        <p:cNvGrpSpPr/>
+        <p:nvPr/>
+      </p:nvGrpSpPr>
+      <p:grpSpPr>
+        <a:xfrm>
+          <a:off x="0" y="0"/>
+          <a:ext cx="0" cy="0"/>
+          <a:chOff x="0" y="0"/>
+          <a:chExt cx="0" cy="0"/>
+        </a:xfrm>
+      </p:grpSpPr>
+      <p:sp>
+        <p:nvSpPr>
+          <p:cNvPr id="2" name="Title 1"/>
+          <p:cNvSpPr>
+            <a:spLocks noGrp="1"/>
+          </p:cNvSpPr>
+          <p:nvPr>
+            <p:ph type="title"/>
+          </p:nvPr>
+        </p:nvSpPr>
+        <p:spPr/>
+        <p:txBody>
+          <a:bodyPr/>
+          <a:lstStyle/>
+          <a:p>
+            <a:r>
+              <a:rPr lang="en-US" dirty="0" smtClean="0"/>
+              <a:t>What it offers</a:t>
+            </a:r>
+            <a:endParaRPr lang="en-US" dirty="0"/>
+          </a:p>
+        </p:txBody>
+      </p:sp>
+      <p:sp>
+        <p:nvSpPr>
+          <p:cNvPr id="7" name="Content Placeholder 6"/>
+          <p:cNvSpPr>
+            <a:spLocks noGrp="1"/>
+          </p:cNvSpPr>
+          <p:nvPr>
+            <p:ph sz="half" idx="1"/>
+          </p:nvPr>
+        </p:nvSpPr>
+        <p:spPr>
+          <a:xfrm>
+            <a:off x="457200" y="1981200"/>
+            <a:ext cx="4038600" cy="2743200"/>
+          </a:xfrm>
+        </p:spPr>
+        <p:txBody>
+          <a:bodyPr/>
+          <a:lstStyle/>
+          <a:p>
+            <a:r>
+              <a:rPr lang="en-US" dirty="0" smtClean="0"/>
+              <a:t>Linq</a:t>
+            </a:r>
+          </a:p>
+          <a:p>
+            <a:r>
+              <a:rPr lang="en-US" dirty="0" smtClean="0"/>
+              <a:t>Transactions</a:t>
+            </a:r>
+          </a:p>
+          <a:p>
+            <a:r>
+              <a:rPr lang="en-US" dirty="0" smtClean="0"/>
+              <a:t>Safe by default</a:t>
+            </a:r>
+          </a:p>
+          <a:p>
+            <a:r>
+              <a:rPr lang="en-US" dirty="0" smtClean="0"/>
+              <a:t>Ad hoc queries</a:t>
+            </a:r>
+          </a:p>
+          <a:p>
+            <a:r>
+              <a:rPr lang="en-US" dirty="0" smtClean="0"/>
+              <a:t>Extensibility</a:t>
+            </a:r>
+            <a:endParaRPr lang="en-US" dirty="0"/>
+          </a:p>
+        </p:txBody>
+      </p:sp>
+      <p:sp>
+        <p:nvSpPr>
+          <p:cNvPr id="8" name="Content Placeholder 7"/>
+          <p:cNvSpPr>
+            <a:spLocks noGrp="1"/>
+          </p:cNvSpPr>
+          <p:nvPr>
+            <p:ph sz="half" idx="2"/>
+          </p:nvPr>
+        </p:nvSpPr>
+        <p:spPr>
+          <a:xfrm>
+            <a:off x="4648200" y="1981200"/>
+            <a:ext cx="4038600" cy="2819400"/>
+          </a:xfrm>
+        </p:spPr>
+        <p:txBody>
+          <a:bodyPr/>
+          <a:lstStyle/>
+          <a:p>
+            <a:r>
+              <a:rPr lang="en-US" dirty="0" smtClean="0"/>
+              <a:t>Live Projections</a:t>
+            </a:r>
+          </a:p>
+          <a:p>
+            <a:r>
+              <a:rPr lang="en-US" dirty="0" smtClean="0"/>
+              <a:t>Replication</a:t>
+            </a:r>
+          </a:p>
+          <a:p>
+            <a:r>
+              <a:rPr lang="en-US" dirty="0" smtClean="0"/>
+              <a:t>Replicate to RDBMS</a:t>
+            </a:r>
+          </a:p>
+          <a:p>
+            <a:r>
+              <a:rPr lang="en-US" dirty="0" smtClean="0"/>
+              <a:t>Set based operations</a:t>
+            </a:r>
+            <a:endParaRPr lang="en-US" dirty="0"/>
+          </a:p>
+        </p:txBody>
+      </p:sp>
+    </p:spTree>
+    <p:extLst>
+      <p:ext uri="{BB962C8B-B14F-4D97-AF65-F5344CB8AC3E}">
+        <p14:creationId xmlns:p14="http://schemas.microsoft.com/office/powerpoint/2010/main" val="2525950689"/>
+      </p:ext>
+    </p:extLst>
+  </p:cSld>
+  <p:clrMapOvr>
+    <a:masterClrMapping/>
+  </p:clrMapOvr>
+  <p:timing>
+    <p:tnLst>
+      <p:par>
+        <p:cTn id="1" dur="indefinite" restart="never" nodeType="tmRoot">
+          <p:childTnLst>
+            <p:seq concurrent="1" nextAc="seek">
+              <p:cTn id="2" dur="indefinite" nodeType="mainSeq">
+                <p:childTnLst>
+                  <p:par>
+                    <p:cTn id="3" fill="hold">
+                      <p:stCondLst>
+                        <p:cond delay="indefinite"/>
+                      </p:stCondLst>
+                      <p:childTnLst>
+                        <p:par>
+                          <p:cTn id="4" fill="hold">
+                            <p:stCondLst>
+                              <p:cond delay="0"/>
+                            </p:stCondLst>
+                            <p:childTnLst>
+                              <p:par>
+                                <p:cTn id="5" presetID="10" presetClass="entr" presetSubtype="0" fill="hold" grpId="0" nodeType="clickEffect">
+                                  <p:stCondLst>
+                                    <p:cond delay="0"/>
+                                  </p:stCondLst>
+                                  <p:childTnLst>
+                                    <p:set>
+                                      <p:cBhvr>
+                                        <p:cTn id="6" dur="1" fill="hold">
+                                          <p:stCondLst>
+                                            <p:cond delay="0"/>
+                                          </p:stCondLst>
+                                        </p:cTn>
+                                        <p:tgtEl>
+                                          <p:spTgt spid="7">
+                                            <p:txEl>
+                                              <p:pRg st="0" end="0"/>
+                                            </p:txEl>
+                                          </p:spTgt>
+                                        </p:tgtEl>
+                                        <p:attrNameLst>
+                                          <p:attrName>style.visibility</p:attrName>
+                                        </p:attrNameLst>
+                                      </p:cBhvr>
+                                      <p:to>
+                                        <p:strVal val="visible"/>
+                                      </p:to>
+                                    </p:set>
+                                    <p:animEffect transition="in" filter="fade">
+                                      <p:cBhvr>
+                                        <p:cTn id="7" dur="500"/>
+                                        <p:tgtEl>
+                                          <p:spTgt spid="7">
+                                            <p:txEl>
+                                              <p:pRg st="0" end="0"/>
+                                            </p:txEl>
+                                          </p:spTgt>
+                                        </p:tgtEl>
+                                      </p:cBhvr>
+                                    </p:animEffect>
+                                  </p:childTnLst>
+                                </p:cTn>
+                              </p:par>
+                              <p:par>
+                                <p:cTn id="8" presetID="10" presetClass="entr" presetSubtype="0" fill="hold" grpId="0" nodeType="withEffect">
+                                  <p:stCondLst>
+                                    <p:cond delay="0"/>
+                                  </p:stCondLst>
+                                  <p:childTnLst>
+                                    <p:set>
+                                      <p:cBhvr>
+                                        <p:cTn id="9" dur="1" fill="hold">
+                                          <p:stCondLst>
+                                            <p:cond delay="0"/>
+                                          </p:stCondLst>
+                                        </p:cTn>
+                                        <p:tgtEl>
+                                          <p:spTgt spid="7">
+                                            <p:txEl>
+                                              <p:pRg st="1" end="1"/>
+                                            </p:txEl>
+                                          </p:spTgt>
+                                        </p:tgtEl>
+                                        <p:attrNameLst>
+                                          <p:attrName>style.visibility</p:attrName>
+                                        </p:attrNameLst>
+                                      </p:cBhvr>
+                                      <p:to>
+                                        <p:strVal val="visible"/>
+                                      </p:to>
+                                    </p:set>
+                                    <p:animEffect transition="in" filter="fade">
+                                      <p:cBhvr>
+                                        <p:cTn id="10" dur="500"/>
+                                        <p:tgtEl>
+                                          <p:spTgt spid="7">
+                                            <p:txEl>
+                                              <p:pRg st="1" end="1"/>
+                                            </p:txEl>
+                                          </p:spTgt>
+                                        </p:tgtEl>
+                                      </p:cBhvr>
+                                    </p:animEffect>
+                                  </p:childTnLst>
+                                </p:cTn>
+                              </p:par>
+                              <p:par>
+                                <p:cTn id="11" presetID="10" presetClass="entr" presetSubtype="0" fill="hold" grpId="0" nodeType="withEffect">
+                                  <p:stCondLst>
+                                    <p:cond delay="0"/>
+                                  </p:stCondLst>
+                                  <p:childTnLst>
+                                    <p:set>
+                                      <p:cBhvr>
+                                        <p:cTn id="12" dur="1" fill="hold">
+                                          <p:stCondLst>
+                                            <p:cond delay="0"/>
+                                          </p:stCondLst>
+                                        </p:cTn>
+                                        <p:tgtEl>
+                                          <p:spTgt spid="7">
+                                            <p:txEl>
+                                              <p:pRg st="2" end="2"/>
+                                            </p:txEl>
+                                          </p:spTgt>
+                                        </p:tgtEl>
+                                        <p:attrNameLst>
+                                          <p:attrName>style.visibility</p:attrName>
+                                        </p:attrNameLst>
+                                      </p:cBhvr>
+                                      <p:to>
+                                        <p:strVal val="visible"/>
+                                      </p:to>
+                                    </p:set>
+                                    <p:animEffect transition="in" filter="fade">
+                                      <p:cBhvr>
+                                        <p:cTn id="13" dur="500"/>
+                                        <p:tgtEl>
+                                          <p:spTgt spid="7">
+                                            <p:txEl>
+                                              <p:pRg st="2" end="2"/>
+                                            </p:txEl>
+                                          </p:spTgt>
+                                        </p:tgtEl>
+                                      </p:cBhvr>
+                                    </p:animEffect>
+                                  </p:childTnLst>
+                                </p:cTn>
+                              </p:par>
+                              <p:par>
+                                <p:cTn id="14" presetID="10" presetClass="entr" presetSubtype="0" fill="hold" grpId="0" nodeType="withEffect">
+                                  <p:stCondLst>
+                                    <p:cond delay="0"/>
+                                  </p:stCondLst>
+                                  <p:childTnLst>
+                                    <p:set>
+                                      <p:cBhvr>
+                                        <p:cTn id="15" dur="1" fill="hold">
+                                          <p:stCondLst>
+                                            <p:cond delay="0"/>
+                                          </p:stCondLst>
+                                        </p:cTn>
+                                        <p:tgtEl>
+                                          <p:spTgt spid="7">
+                                            <p:txEl>
+                                              <p:pRg st="3" end="3"/>
+                                            </p:txEl>
+                                          </p:spTgt>
+                                        </p:tgtEl>
+                                        <p:attrNameLst>
+                                          <p:attrName>style.visibility</p:attrName>
+                                        </p:attrNameLst>
+                                      </p:cBhvr>
+                                      <p:to>
+                                        <p:strVal val="visible"/>
+                                      </p:to>
+                                    </p:set>
+                                    <p:animEffect transition="in" filter="fade">
+                                      <p:cBhvr>
+                                        <p:cTn id="16" dur="500"/>
+                                        <p:tgtEl>
+                                          <p:spTgt spid="7">
+                                            <p:txEl>
+                                              <p:pRg st="3" end="3"/>
+                                            </p:txEl>
+                                          </p:spTgt>
+                                        </p:tgtEl>
+                                      </p:cBhvr>
+                                    </p:animEffect>
+                                  </p:childTnLst>
+                                </p:cTn>
+                              </p:par>
+                              <p:par>
+                                <p:cTn id="17" presetID="10" presetClass="entr" presetSubtype="0" fill="hold" grpId="0" nodeType="withEffect">
+                                  <p:stCondLst>
+                                    <p:cond delay="0"/>
+                                  </p:stCondLst>
+                                  <p:childTnLst>
+                                    <p:set>
+                                      <p:cBhvr>
+                                        <p:cTn id="18" dur="1" fill="hold">
+                                          <p:stCondLst>
+                                            <p:cond delay="0"/>
+                                          </p:stCondLst>
+                                        </p:cTn>
+                                        <p:tgtEl>
+                                          <p:spTgt spid="7">
+                                            <p:txEl>
+                                              <p:pRg st="4" end="4"/>
+                                            </p:txEl>
+                                          </p:spTgt>
+                                        </p:tgtEl>
+                                        <p:attrNameLst>
+                                          <p:attrName>style.visibility</p:attrName>
+                                        </p:attrNameLst>
+                                      </p:cBhvr>
+                                      <p:to>
+                                        <p:strVal val="visible"/>
+                                      </p:to>
+                                    </p:set>
+                                    <p:animEffect transition="in" filter="fade">
+                                      <p:cBhvr>
+                                        <p:cTn id="19" dur="500"/>
+                                        <p:tgtEl>
+                                          <p:spTgt spid="7">
+                                            <p:txEl>
+                                              <p:pRg st="4" end="4"/>
+                                            </p:txEl>
+                                          </p:spTgt>
+                                        </p:tgtEl>
+                                      </p:cBhvr>
+                                    </p:animEffect>
+                                  </p:childTnLst>
+                                </p:cTn>
+                              </p:par>
+                            </p:childTnLst>
+                          </p:cTn>
+                        </p:par>
+                      </p:childTnLst>
+                    </p:cTn>
+                  </p:par>
+                  <p:par>
+                    <p:cTn id="20" fill="hold">
+                      <p:stCondLst>
+                        <p:cond delay="indefinite"/>
+                      </p:stCondLst>
+                      <p:childTnLst>
+                        <p:par>
+                          <p:cTn id="21" fill="hold">
+                            <p:stCondLst>
+                              <p:cond delay="0"/>
+                            </p:stCondLst>
+                            <p:childTnLst>
+                              <p:par>
+                                <p:cTn id="22" presetID="10" presetClass="entr" presetSubtype="0" fill="hold" grpId="0" nodeType="clickEffect">
+                                  <p:stCondLst>
+                                    <p:cond delay="0"/>
+                                  </p:stCondLst>
+                                  <p:childTnLst>
+                                    <p:set>
+                                      <p:cBhvr>
+                                        <p:cTn id="23" dur="1" fill="hold">
+                                          <p:stCondLst>
+                                            <p:cond delay="0"/>
+                                          </p:stCondLst>
+                                        </p:cTn>
+                                        <p:tgtEl>
+                                          <p:spTgt spid="8">
+                                            <p:txEl>
+                                              <p:pRg st="0" end="0"/>
+                                            </p:txEl>
+                                          </p:spTgt>
+                                        </p:tgtEl>
+                                        <p:attrNameLst>
+                                          <p:attrName>style.visibility</p:attrName>
+                                        </p:attrNameLst>
+                                      </p:cBhvr>
+                                      <p:to>
+                                        <p:strVal val="visible"/>
+                                      </p:to>
+                                    </p:set>
+                                    <p:animEffect transition="in" filter="fade">
+                                      <p:cBhvr>
+                                        <p:cTn id="24" dur="500"/>
+                                        <p:tgtEl>
+                                          <p:spTgt spid="8">
+                                            <p:txEl>
+                                              <p:pRg st="0" end="0"/>
+                                            </p:txEl>
+                                          </p:spTgt>
+                                        </p:tgtEl>
+                                      </p:cBhvr>
+                                    </p:animEffect>
+                                  </p:childTnLst>
+                                </p:cTn>
+                              </p:par>
+                              <p:par>
+                                <p:cTn id="25" presetID="10" presetClass="entr" presetSubtype="0" fill="hold" grpId="0" nodeType="withEffect">
+                                  <p:stCondLst>
+                                    <p:cond delay="0"/>
+                                  </p:stCondLst>
+                                  <p:childTnLst>
+                                    <p:set>
+                                      <p:cBhvr>
+                                        <p:cTn id="26" dur="1" fill="hold">
+                                          <p:stCondLst>
+                                            <p:cond delay="0"/>
+                                          </p:stCondLst>
+                                        </p:cTn>
+                                        <p:tgtEl>
+                                          <p:spTgt spid="8">
+                                            <p:txEl>
+                                              <p:pRg st="1" end="1"/>
+                                            </p:txEl>
+                                          </p:spTgt>
+                                        </p:tgtEl>
+                                        <p:attrNameLst>
+                                          <p:attrName>style.visibility</p:attrName>
+                                        </p:attrNameLst>
+                                      </p:cBhvr>
+                                      <p:to>
+                                        <p:strVal val="visible"/>
+                                      </p:to>
+                                    </p:set>
+                                    <p:animEffect transition="in" filter="fade">
+                                      <p:cBhvr>
+                                        <p:cTn id="27" dur="500"/>
+                                        <p:tgtEl>
+                                          <p:spTgt spid="8">
+                                            <p:txEl>
+                                              <p:pRg st="1" end="1"/>
+                                            </p:txEl>
+                                          </p:spTgt>
+                                        </p:tgtEl>
+                                      </p:cBhvr>
+                                    </p:animEffect>
+                                  </p:childTnLst>
+                                </p:cTn>
+                              </p:par>
+                              <p:par>
+                                <p:cTn id="28" presetID="10" presetClass="entr" presetSubtype="0" fill="hold" grpId="0" nodeType="withEffect">
+                                  <p:stCondLst>
+                                    <p:cond delay="0"/>
+                                  </p:stCondLst>
+                                  <p:childTnLst>
+                                    <p:set>
+                                      <p:cBhvr>
+                                        <p:cTn id="29" dur="1" fill="hold">
+                                          <p:stCondLst>
+                                            <p:cond delay="0"/>
+                                          </p:stCondLst>
+                                        </p:cTn>
+                                        <p:tgtEl>
+                                          <p:spTgt spid="8">
+                                            <p:txEl>
+                                              <p:pRg st="2" end="2"/>
+                                            </p:txEl>
+                                          </p:spTgt>
+                                        </p:tgtEl>
+                                        <p:attrNameLst>
+                                          <p:attrName>style.visibility</p:attrName>
+                                        </p:attrNameLst>
+                                      </p:cBhvr>
+                                      <p:to>
+                                        <p:strVal val="visible"/>
+                                      </p:to>
+                                    </p:set>
+                                    <p:animEffect transition="in" filter="fade">
+                                      <p:cBhvr>
+                                        <p:cTn id="30" dur="500"/>
+                                        <p:tgtEl>
+                                          <p:spTgt spid="8">
+                                            <p:txEl>
+                                              <p:pRg st="2" end="2"/>
+                                            </p:txEl>
+                                          </p:spTgt>
+                                        </p:tgtEl>
+                                      </p:cBhvr>
+                                    </p:animEffect>
+                                  </p:childTnLst>
+                                </p:cTn>
+                              </p:par>
+                              <p:par>
+                                <p:cTn id="31" presetID="10" presetClass="entr" presetSubtype="0" fill="hold" grpId="0" nodeType="withEffect">
+                                  <p:stCondLst>
+                                    <p:cond delay="0"/>
+                                  </p:stCondLst>
+                                  <p:childTnLst>
+                                    <p:set>
+                                      <p:cBhvr>
+                                        <p:cTn id="32" dur="1" fill="hold">
+                                          <p:stCondLst>
+                                            <p:cond delay="0"/>
+                                          </p:stCondLst>
+                                        </p:cTn>
+                                        <p:tgtEl>
+                                          <p:spTgt spid="8">
+                                            <p:txEl>
+                                              <p:pRg st="3" end="3"/>
+                                            </p:txEl>
+                                          </p:spTgt>
+                                        </p:tgtEl>
+                                        <p:attrNameLst>
+                                          <p:attrName>style.visibility</p:attrName>
+                                        </p:attrNameLst>
+                                      </p:cBhvr>
+                                      <p:to>
+                                        <p:strVal val="visible"/>
+                                      </p:to>
+                                    </p:set>
+                                    <p:animEffect transition="in" filter="fade">
+                                      <p:cBhvr>
+                                        <p:cTn id="33" dur="500"/>
+                                        <p:tgtEl>
+                                          <p:spTgt spid="8">
+                                            <p:txEl>
+                                              <p:pRg st="3" end="3"/>
+                                            </p:txEl>
+                                          </p:spTgt>
+                                        </p:tgtEl>
+                                      </p:cBhvr>
+                                    </p:animEffect>
+                                  </p:childTnLst>
+                                </p:cTn>
+                              </p:par>
+                            </p:childTnLst>
+                          </p:cTn>
+                        </p:par>
+                      </p:childTnLst>
+                    </p:cTn>
+                  </p:par>
+                </p:childTnLst>
+              </p:cTn>
+              <p:prevCondLst>
+                <p:cond evt="onPrev" delay="0">
+                  <p:tgtEl>
+                    <p:sldTgt/>
+                  </p:tgtEl>
+                </p:cond>
+              </p:prevCondLst>
+              <p:nextCondLst>
+                <p:cond evt="onNext" delay="0">
+                  <p:tgtEl>
+                    <p:sldTgt/>
+                  </p:tgtEl>
+                </p:cond>
+              </p:nextCondLst>
+            </p:seq>
+          </p:childTnLst>
+        </p:cTn>
+      </p:par>
+    </p:tnLst>
+    <p:bldLst>
+      <p:bldP spid="7" grpId="0" uiExpand="1" build="p"/>
+      <p:bldP spid="8" grpId="0" uiExpand="1" build="p"/>
+    </p:bldLst>
+  </p:timing>
+</p:sld>
+</file>
+
+<file path=ppt/slides/slide12.xml><?xml version="1.0" encoding="utf-8"?>
+<p:sld xmlns:a="http://schemas.openxmlformats.org/drawingml/2006/main" xmlns:r="http://schemas.openxmlformats.org/officeDocument/2006/relationships" xmlns:p="http://schemas.openxmlformats.org/presentationml/2006/main">
+  <p:cSld>
+    <p:spTree>
+      <p:nvGrpSpPr>
+        <p:cNvPr id="1" name=""/>
+        <p:cNvGrpSpPr/>
+        <p:nvPr/>
+      </p:nvGrpSpPr>
+      <p:grpSpPr>
+        <a:xfrm>
+          <a:off x="0" y="0"/>
+          <a:ext cx="0" cy="0"/>
+          <a:chOff x="0" y="0"/>
+          <a:chExt cx="0" cy="0"/>
+        </a:xfrm>
+      </p:grpSpPr>
+      <p:sp>
+        <p:nvSpPr>
+          <p:cNvPr id="2" name="Title 1"/>
+          <p:cNvSpPr>
+            <a:spLocks noGrp="1"/>
+          </p:cNvSpPr>
+          <p:nvPr>
+            <p:ph type="title"/>
+          </p:nvPr>
+        </p:nvSpPr>
+        <p:spPr/>
+        <p:txBody>
+          <a:bodyPr/>
+          <a:lstStyle/>
+          <a:p>
+            <a:r>
+              <a:rPr lang="en-US" dirty="0" smtClean="0"/>
+              <a:t>The API</a:t>
+            </a:r>
+            <a:endParaRPr lang="en-US" dirty="0"/>
+          </a:p>
+        </p:txBody>
+      </p:sp>
+      <p:sp>
+        <p:nvSpPr>
+          <p:cNvPr id="3" name="Content Placeholder 2"/>
+          <p:cNvSpPr>
+            <a:spLocks noGrp="1"/>
+          </p:cNvSpPr>
+          <p:nvPr>
+            <p:ph idx="1"/>
+          </p:nvPr>
+        </p:nvSpPr>
+        <p:spPr>
+          <a:xfrm>
+            <a:off x="2590800" y="1828800"/>
+            <a:ext cx="5791200" cy="3581400"/>
+          </a:xfrm>
+        </p:spPr>
+        <p:txBody>
+          <a:bodyPr>
+            <a:noAutofit/>
+          </a:bodyPr>
+          <a:lstStyle/>
+          <a:p>
+            <a:pPr>
+              <a:lnSpc>
+                <a:spcPct val="200000"/>
+              </a:lnSpc>
+            </a:pPr>
+            <a:r>
+              <a:rPr lang="en-US" sz="3200" dirty="0" smtClean="0"/>
+              <a:t>IDocumentStore</a:t>
+            </a:r>
+          </a:p>
+          <a:p>
+            <a:pPr>
+              <a:lnSpc>
+                <a:spcPct val="200000"/>
+              </a:lnSpc>
+            </a:pPr>
+            <a:r>
+              <a:rPr lang="en-US" sz="3200" dirty="0" smtClean="0"/>
+              <a:t>IDocumentSession</a:t>
+            </a:r>
+          </a:p>
+          <a:p>
+            <a:pPr>
+              <a:lnSpc>
+                <a:spcPct val="200000"/>
+              </a:lnSpc>
+            </a:pPr>
+            <a:r>
+              <a:rPr lang="en-US" sz="3200" dirty="0" smtClean="0"/>
+              <a:t>IDocumentQuery</a:t>
+            </a:r>
+            <a:endParaRPr lang="en-US" sz="3200" dirty="0"/>
+          </a:p>
+        </p:txBody>
+      </p:sp>
+    </p:spTree>
+    <p:extLst>
+      <p:ext uri="{BB962C8B-B14F-4D97-AF65-F5344CB8AC3E}">
+        <p14:creationId xmlns:p14="http://schemas.microsoft.com/office/powerpoint/2010/main" val="290105984"/>
+      </p:ext>
+    </p:extLst>
+  </p:cSld>
+  <p:clrMapOvr>
+    <a:masterClrMapping/>
+  </p:clrMapOvr>
+  <p:timing>
+    <p:tnLst>
+      <p:par>
+        <p:cTn id="1" dur="indefinite" restart="never" nodeType="tmRoot">
+          <p:childTnLst>
+            <p:seq concurrent="1" nextAc="seek">
+              <p:cTn id="2" dur="indefinite" nodeType="mainSeq">
+                <p:childTnLst>
+                  <p:par>
+                    <p:cTn id="3" fill="hold">
+                      <p:stCondLst>
+                        <p:cond delay="indefinite"/>
+                      </p:stCondLst>
+                      <p:childTnLst>
+                        <p:par>
+                          <p:cTn id="4" fill="hold">
+                            <p:stCondLst>
+                              <p:cond delay="0"/>
+                            </p:stCondLst>
+                            <p:childTnLst>
+                              <p:par>
+                                <p:cTn id="5" presetID="10" presetClass="entr" presetSubtype="0" fill="hold" grpId="0" nodeType="clickEffect">
+                                  <p:stCondLst>
+                                    <p:cond delay="0"/>
+                                  </p:stCondLst>
+                                  <p:childTnLst>
+                                    <p:set>
+                                      <p:cBhvr>
+                                        <p:cTn id="6" dur="1" fill="hold">
+                                          <p:stCondLst>
+                                            <p:cond delay="0"/>
+                                          </p:stCondLst>
+                                        </p:cTn>
+                                        <p:tgtEl>
+                                          <p:spTgt spid="3">
+                                            <p:txEl>
+                                              <p:pRg st="0" end="0"/>
+                                            </p:txEl>
+                                          </p:spTgt>
+                                        </p:tgtEl>
+                                        <p:attrNameLst>
+                                          <p:attrName>style.visibility</p:attrName>
+                                        </p:attrNameLst>
+                                      </p:cBhvr>
+                                      <p:to>
+                                        <p:strVal val="visible"/>
+                                      </p:to>
+                                    </p:set>
+                                    <p:animEffect transition="in" filter="fade">
+                                      <p:cBhvr>
+                                        <p:cTn id="7" dur="500"/>
+                                        <p:tgtEl>
+                                          <p:spTgt spid="3">
+                                            <p:txEl>
+                                              <p:pRg st="0" end="0"/>
+                                            </p:txEl>
+                                          </p:spTgt>
+                                        </p:tgtEl>
+                                      </p:cBhvr>
+                                    </p:animEffect>
+                                  </p:childTnLst>
+                                </p:cTn>
+                              </p:par>
+                            </p:childTnLst>
+                          </p:cTn>
+                        </p:par>
+                      </p:childTnLst>
+                    </p:cTn>
+                  </p:par>
+                  <p:par>
+                    <p:cTn id="8" fill="hold">
+                      <p:stCondLst>
+                        <p:cond delay="indefinite"/>
+                      </p:stCondLst>
+                      <p:childTnLst>
+                        <p:par>
+                          <p:cTn id="9" fill="hold">
+                            <p:stCondLst>
+                              <p:cond delay="0"/>
+                            </p:stCondLst>
+                            <p:childTnLst>
+                              <p:par>
+                                <p:cTn id="10" presetID="10" presetClass="entr" presetSubtype="0" fill="hold" grpId="0" nodeType="clickEffect">
+                                  <p:stCondLst>
+                                    <p:cond delay="0"/>
+                                  </p:stCondLst>
+                                  <p:childTnLst>
+                                    <p:set>
+                                      <p:cBhvr>
+                                        <p:cTn id="11" dur="1" fill="hold">
+                                          <p:stCondLst>
+                                            <p:cond delay="0"/>
+                                          </p:stCondLst>
+                                        </p:cTn>
+                                        <p:tgtEl>
+                                          <p:spTgt spid="3">
+                                            <p:txEl>
+                                              <p:pRg st="1" end="1"/>
+                                            </p:txEl>
+                                          </p:spTgt>
+                                        </p:tgtEl>
+                                        <p:attrNameLst>
+                                          <p:attrName>style.visibility</p:attrName>
+                                        </p:attrNameLst>
+                                      </p:cBhvr>
+                                      <p:to>
+                                        <p:strVal val="visible"/>
+                                      </p:to>
+                                    </p:set>
+                                    <p:animEffect transition="in" filter="fade">
+                                      <p:cBhvr>
+                                        <p:cTn id="12" dur="500"/>
+                                        <p:tgtEl>
+                                          <p:spTgt spid="3">
+                                            <p:txEl>
+                                              <p:pRg st="1" end="1"/>
+                                            </p:txEl>
+                                          </p:spTgt>
+                                        </p:tgtEl>
+                                      </p:cBhvr>
+                                    </p:animEffect>
+                                  </p:childTnLst>
+                                </p:cTn>
+                              </p:par>
+                            </p:childTnLst>
+                          </p:cTn>
+                        </p:par>
+                      </p:childTnLst>
+                    </p:cTn>
+                  </p:par>
+                  <p:par>
+                    <p:cTn id="13" fill="hold">
+                      <p:stCondLst>
+                        <p:cond delay="indefinite"/>
+                      </p:stCondLst>
+                      <p:childTnLst>
+                        <p:par>
+                          <p:cTn id="14" fill="hold">
+                            <p:stCondLst>
+                              <p:cond delay="0"/>
+                            </p:stCondLst>
+                            <p:childTnLst>
+                              <p:par>
+                                <p:cTn id="15" presetID="10" presetClass="entr" presetSubtype="0" fill="hold" grpId="0" nodeType="clickEffect">
+                                  <p:stCondLst>
+                                    <p:cond delay="0"/>
+                                  </p:stCondLst>
+                                  <p:childTnLst>
+                                    <p:set>
+                                      <p:cBhvr>
+                                        <p:cTn id="16" dur="1" fill="hold">
+                                          <p:stCondLst>
+                                            <p:cond delay="0"/>
+                                          </p:stCondLst>
+                                        </p:cTn>
+                                        <p:tgtEl>
+                                          <p:spTgt spid="3">
+                                            <p:txEl>
+                                              <p:pRg st="2" end="2"/>
+                                            </p:txEl>
+                                          </p:spTgt>
+                                        </p:tgtEl>
+                                        <p:attrNameLst>
+                                          <p:attrName>style.visibility</p:attrName>
+                                        </p:attrNameLst>
+                                      </p:cBhvr>
+                                      <p:to>
+                                        <p:strVal val="visible"/>
+                                      </p:to>
+                                    </p:set>
+                                    <p:animEffect transition="in" filter="fade">
+                                      <p:cBhvr>
+                                        <p:cTn id="17" dur="500"/>
+                                        <p:tgtEl>
+                                          <p:spTgt spid="3">
+                                            <p:txEl>
+                                              <p:pRg st="2" end="2"/>
+                                            </p:txEl>
+                                          </p:spTgt>
+                                        </p:tgtEl>
+                                      </p:cBhvr>
+                                    </p:animEffect>
+                                  </p:childTnLst>
+                                </p:cTn>
+                              </p:par>
+                            </p:childTnLst>
+                          </p:cTn>
+                        </p:par>
+                      </p:childTnLst>
+                    </p:cTn>
+                  </p:par>
+                </p:childTnLst>
+              </p:cTn>
+              <p:prevCondLst>
+                <p:cond evt="onPrev" delay="0">
+                  <p:tgtEl>
+                    <p:sldTgt/>
+                  </p:tgtEl>
+                </p:cond>
+              </p:prevCondLst>
+              <p:nextCondLst>
+                <p:cond evt="onNext" delay="0">
+                  <p:tgtEl>
+                    <p:sldTgt/>
+                  </p:tgtEl>
+                </p:cond>
+              </p:nextCondLst>
+            </p:seq>
+          </p:childTnLst>
+        </p:cTn>
+      </p:par>
+    </p:tnLst>
+    <p:bldLst>
+      <p:bldP spid="3" grpId="0" build="p"/>
+    </p:bldLst>
+  </p:timing>
+</p:sld>
+</file>
+
+<file path=ppt/slides/slide13.xml><?xml version="1.0" encoding="utf-8"?>
+<p:sld xmlns:a="http://schemas.openxmlformats.org/drawingml/2006/main" xmlns:r="http://schemas.openxmlformats.org/officeDocument/2006/relationships" xmlns:p="http://schemas.openxmlformats.org/presentationml/2006/main">
+  <p:cSld>
+    <p:spTree>
+      <p:nvGrpSpPr>
+        <p:cNvPr id="1" name=""/>
+        <p:cNvGrpSpPr/>
+        <p:nvPr/>
+      </p:nvGrpSpPr>
+      <p:grpSpPr>
+        <a:xfrm>
+          <a:off x="0" y="0"/>
+          <a:ext cx="0" cy="0"/>
+          <a:chOff x="0" y="0"/>
+          <a:chExt cx="0" cy="0"/>
+        </a:xfrm>
+      </p:grpSpPr>
+      <p:sp>
+        <p:nvSpPr>
+          <p:cNvPr id="2" name="Title 1"/>
+          <p:cNvSpPr>
+            <a:spLocks noGrp="1"/>
+          </p:cNvSpPr>
+          <p:nvPr>
+            <p:ph type="title"/>
+          </p:nvPr>
+        </p:nvSpPr>
+        <p:spPr>
+          <a:xfrm>
+            <a:off x="457200" y="0"/>
+            <a:ext cx="8229600" cy="1143000"/>
+          </a:xfrm>
+        </p:spPr>
+        <p:txBody>
+          <a:bodyPr>
+            <a:normAutofit/>
+          </a:bodyPr>
+          <a:lstStyle/>
+          <a:p>
+            <a:r>
+              <a:rPr lang="en-US" dirty="0" smtClean="0"/>
+              <a:t>Micro web frameworks</a:t>
+            </a:r>
+            <a:endParaRPr lang="en-US" dirty="0"/>
+          </a:p>
+        </p:txBody>
+      </p:sp>
+      <p:pic>
+        <p:nvPicPr>
+          <p:cNvPr id="6" name="Content Placeholder 5"/>
+          <p:cNvPicPr>
+            <a:picLocks noGrp="1" noChangeAspect="1"/>
+          </p:cNvPicPr>
+          <p:nvPr>
+            <p:ph idx="1"/>
+          </p:nvPr>
+        </p:nvPicPr>
+        <p:blipFill>
+          <a:blip r:embed="rId2">
+            <a:extLst>
+              <a:ext uri="{28A0092B-C50C-407E-A947-70E740481C1C}">
+                <a14:useLocalDpi xmlns:a14="http://schemas.microsoft.com/office/drawing/2010/main" val="0"/>
+              </a:ext>
+            </a:extLst>
+          </a:blip>
+          <a:stretch>
+            <a:fillRect/>
+          </a:stretch>
+        </p:blipFill>
+        <p:spPr>
+          <a:xfrm>
+            <a:off x="1984373" y="1524000"/>
+            <a:ext cx="5178428" cy="4518756"/>
+          </a:xfrm>
+        </p:spPr>
+      </p:pic>
+      <p:sp>
+        <p:nvSpPr>
+          <p:cNvPr id="7" name="TextBox 6"/>
+          <p:cNvSpPr txBox="1"/>
+          <p:nvPr/>
+        </p:nvSpPr>
+        <p:spPr>
+          <a:xfrm>
+            <a:off x="2057400" y="5391090"/>
+            <a:ext cx="3198311" cy="400110"/>
+          </a:xfrm>
+          <a:prstGeom prst="rect">
+            <a:avLst/>
+          </a:prstGeom>
+          <a:noFill/>
+        </p:spPr>
+        <p:txBody>
+          <a:bodyPr wrap="none" rtlCol="0">
+            <a:spAutoFit/>
+          </a:bodyPr>
+          <a:lstStyle/>
+          <a:p>
+            <a:r>
+              <a:rPr lang="en-US" sz="2000" b="1" dirty="0" smtClean="0"/>
+              <a:t>Use only what you need...</a:t>
+            </a:r>
+            <a:endParaRPr lang="en-US" sz="2000" b="1" dirty="0"/>
+          </a:p>
+        </p:txBody>
+      </p:sp>
+    </p:spTree>
+    <p:extLst>
+      <p:ext uri="{BB962C8B-B14F-4D97-AF65-F5344CB8AC3E}">
+        <p14:creationId xmlns:p14="http://schemas.microsoft.com/office/powerpoint/2010/main" val="2748541403"/>
+      </p:ext>
+    </p:extLst>
+  </p:cSld>
+  <p:clrMapOvr>
+    <a:masterClrMapping/>
+  </p:clrMapOvr>
+  <p:timing>
+    <p:tnLst>
+      <p:par>
+        <p:cTn id="1" dur="indefinite" restart="never" nodeType="tmRoot"/>
+      </p:par>
+    </p:tnLst>
+  </p:timing>
+</p:sld>
+</file>
+
+<file path=ppt/slides/slide14.xml><?xml version="1.0" encoding="utf-8"?>
+<p:sld xmlns:a="http://schemas.openxmlformats.org/drawingml/2006/main" xmlns:r="http://schemas.openxmlformats.org/officeDocument/2006/relationships" xmlns:p="http://schemas.openxmlformats.org/presentationml/2006/main">
+  <p:cSld>
+    <p:spTree>
+      <p:nvGrpSpPr>
+        <p:cNvPr id="1" name=""/>
+        <p:cNvGrpSpPr/>
+        <p:nvPr/>
+      </p:nvGrpSpPr>
+      <p:grpSpPr>
+        <a:xfrm>
+          <a:off x="0" y="0"/>
+          <a:ext cx="0" cy="0"/>
+          <a:chOff x="0" y="0"/>
+          <a:chExt cx="0" cy="0"/>
+        </a:xfrm>
+      </p:grpSpPr>
+      <p:sp>
+        <p:nvSpPr>
+          <p:cNvPr id="2" name="Title 1"/>
+          <p:cNvSpPr>
+            <a:spLocks noGrp="1"/>
+          </p:cNvSpPr>
+          <p:nvPr>
+            <p:ph type="title"/>
+          </p:nvPr>
+        </p:nvSpPr>
+        <p:spPr>
+          <a:xfrm>
+            <a:off x="457200" y="304800"/>
+            <a:ext cx="8229600" cy="1143000"/>
+          </a:xfrm>
+        </p:spPr>
+        <p:txBody>
+          <a:bodyPr>
+            <a:normAutofit fontScale="90000"/>
+          </a:bodyPr>
+          <a:lstStyle/>
+          <a:p>
+            <a:r>
+              <a:rPr lang="en-US" dirty="0" smtClean="0"/>
+              <a:t>NancyFX, </a:t>
+            </a:r>
+            <a:br>
+              <a:rPr lang="en-US" dirty="0" smtClean="0"/>
+            </a:br>
+            <a:r>
+              <a:rPr lang="en-US" sz="3600" dirty="0" smtClean="0"/>
+              <a:t>a Sinatra inspired framework</a:t>
+            </a:r>
+            <a:endParaRPr lang="en-US" sz="3600" dirty="0"/>
+          </a:p>
+        </p:txBody>
+      </p:sp>
+      <p:sp>
+        <p:nvSpPr>
+          <p:cNvPr id="4" name="TextBox 3"/>
+          <p:cNvSpPr txBox="1"/>
+          <p:nvPr/>
+        </p:nvSpPr>
+        <p:spPr>
+          <a:xfrm>
+            <a:off x="2895600" y="2152905"/>
+            <a:ext cx="3729567" cy="2677656"/>
+          </a:xfrm>
+          <a:prstGeom prst="rect">
+            <a:avLst/>
+          </a:prstGeom>
+          <a:solidFill>
+            <a:schemeClr val="tx1"/>
+          </a:solidFill>
+        </p:spPr>
+        <p:txBody>
+          <a:bodyPr wrap="square" rtlCol="0">
+            <a:spAutoFit/>
+          </a:bodyPr>
+          <a:lstStyle/>
+          <a:p>
+            <a:r>
+              <a:rPr lang="en-US" sz="2800" dirty="0" smtClean="0">
+                <a:solidFill>
+                  <a:schemeClr val="bg1"/>
+                </a:solidFill>
+                <a:latin typeface="Consolas" pitchFamily="49" charset="0"/>
+                <a:cs typeface="Consolas" pitchFamily="49" charset="0"/>
+              </a:rPr>
+              <a:t>require ‘sinatra’</a:t>
+            </a:r>
+          </a:p>
+          <a:p>
+            <a:endParaRPr lang="en-US" sz="2800" dirty="0">
+              <a:solidFill>
+                <a:schemeClr val="bg1"/>
+              </a:solidFill>
+              <a:latin typeface="Consolas" pitchFamily="49" charset="0"/>
+              <a:cs typeface="Consolas" pitchFamily="49" charset="0"/>
+            </a:endParaRPr>
+          </a:p>
+          <a:p>
+            <a:r>
+              <a:rPr lang="en-US" sz="2800" dirty="0" smtClean="0">
+                <a:solidFill>
+                  <a:schemeClr val="bg1"/>
+                </a:solidFill>
+                <a:latin typeface="Consolas" pitchFamily="49" charset="0"/>
+                <a:cs typeface="Consolas" pitchFamily="49" charset="0"/>
+              </a:rPr>
+              <a:t>get ‘/’ do</a:t>
+            </a:r>
+          </a:p>
+          <a:p>
+            <a:r>
+              <a:rPr lang="en-US" sz="2800" dirty="0">
+                <a:solidFill>
+                  <a:schemeClr val="bg1"/>
+                </a:solidFill>
+                <a:latin typeface="Consolas" pitchFamily="49" charset="0"/>
+                <a:cs typeface="Consolas" pitchFamily="49" charset="0"/>
+              </a:rPr>
+              <a:t> </a:t>
+            </a:r>
+            <a:r>
+              <a:rPr lang="en-US" sz="2800" dirty="0" smtClean="0">
+                <a:solidFill>
+                  <a:schemeClr val="bg1"/>
+                </a:solidFill>
+                <a:latin typeface="Consolas" pitchFamily="49" charset="0"/>
+                <a:cs typeface="Consolas" pitchFamily="49" charset="0"/>
+              </a:rPr>
+              <a:t> ‘Hello World’</a:t>
+            </a:r>
+            <a:endParaRPr lang="en-US" sz="2800" dirty="0">
+              <a:solidFill>
+                <a:schemeClr val="bg1"/>
+              </a:solidFill>
+              <a:latin typeface="Consolas" pitchFamily="49" charset="0"/>
+              <a:cs typeface="Consolas" pitchFamily="49" charset="0"/>
+            </a:endParaRPr>
+          </a:p>
+          <a:p>
+            <a:r>
+              <a:rPr lang="en-US" sz="2800" dirty="0" smtClean="0">
+                <a:solidFill>
+                  <a:schemeClr val="bg1"/>
+                </a:solidFill>
+                <a:latin typeface="Consolas" pitchFamily="49" charset="0"/>
+                <a:cs typeface="Consolas" pitchFamily="49" charset="0"/>
+              </a:rPr>
+              <a:t>end </a:t>
+            </a:r>
+            <a:br>
+              <a:rPr lang="en-US" sz="2800" dirty="0" smtClean="0">
+                <a:solidFill>
+                  <a:schemeClr val="bg1"/>
+                </a:solidFill>
+                <a:latin typeface="Consolas" pitchFamily="49" charset="0"/>
+                <a:cs typeface="Consolas" pitchFamily="49" charset="0"/>
+              </a:rPr>
+            </a:br>
+            <a:endParaRPr lang="en-US" sz="2800" dirty="0">
+              <a:solidFill>
+                <a:schemeClr val="bg1"/>
+              </a:solidFill>
+              <a:latin typeface="Consolas" pitchFamily="49" charset="0"/>
+              <a:cs typeface="Consolas" pitchFamily="49" charset="0"/>
+            </a:endParaRPr>
+          </a:p>
+        </p:txBody>
+      </p:sp>
+      <p:pic>
+        <p:nvPicPr>
+          <p:cNvPr id="5" name="Picture 4"/>
+          <p:cNvPicPr>
+            <a:picLocks noChangeAspect="1"/>
+          </p:cNvPicPr>
+          <p:nvPr/>
+        </p:nvPicPr>
+        <p:blipFill>
+          <a:blip r:embed="rId2">
+            <a:extLst>
+              <a:ext uri="{28A0092B-C50C-407E-A947-70E740481C1C}">
+                <a14:useLocalDpi xmlns:a14="http://schemas.microsoft.com/office/drawing/2010/main" val="0"/>
+              </a:ext>
+            </a:extLst>
+          </a:blip>
+          <a:stretch>
+            <a:fillRect/>
+          </a:stretch>
+        </p:blipFill>
+        <p:spPr>
+          <a:xfrm>
+            <a:off x="2895600" y="4819904"/>
+            <a:ext cx="3729567" cy="895096"/>
+          </a:xfrm>
+          <a:prstGeom prst="rect">
+            <a:avLst/>
+          </a:prstGeom>
+        </p:spPr>
+      </p:pic>
+    </p:spTree>
+    <p:extLst>
+      <p:ext uri="{BB962C8B-B14F-4D97-AF65-F5344CB8AC3E}">
+        <p14:creationId xmlns:p14="http://schemas.microsoft.com/office/powerpoint/2010/main" val="2898838804"/>
+      </p:ext>
+    </p:extLst>
+  </p:cSld>
+  <p:clrMapOvr>
+    <a:masterClrMapping/>
+  </p:clrMapOvr>
+  <p:timing>
+    <p:tnLst>
+      <p:par>
+        <p:cTn id="1" dur="indefinite" restart="never" nodeType="tmRoot"/>
+      </p:par>
+    </p:tnLst>
+  </p:timing>
+</p:sld>
+</file>
+
+<file path=ppt/slides/slide15.xml><?xml version="1.0" encoding="utf-8"?>
+<p:sld xmlns:a="http://schemas.openxmlformats.org/drawingml/2006/main" xmlns:r="http://schemas.openxmlformats.org/officeDocument/2006/relationships" xmlns:p="http://schemas.openxmlformats.org/presentationml/2006/main">
+  <p:cSld>
+    <p:spTree>
+      <p:nvGrpSpPr>
+        <p:cNvPr id="1" name=""/>
+        <p:cNvGrpSpPr/>
+        <p:nvPr/>
+      </p:nvGrpSpPr>
+      <p:grpSpPr>
+        <a:xfrm>
+          <a:off x="0" y="0"/>
+          <a:ext cx="0" cy="0"/>
+          <a:chOff x="0" y="0"/>
+          <a:chExt cx="0" cy="0"/>
+        </a:xfrm>
+      </p:grpSpPr>
+      <p:sp>
+        <p:nvSpPr>
+          <p:cNvPr id="2" name="Title 1"/>
+          <p:cNvSpPr>
+            <a:spLocks noGrp="1"/>
+          </p:cNvSpPr>
+          <p:nvPr>
+            <p:ph type="title"/>
+          </p:nvPr>
+        </p:nvSpPr>
+        <p:spPr/>
+        <p:txBody>
+          <a:bodyPr/>
+          <a:lstStyle/>
+          <a:p>
+            <a:r>
+              <a:rPr lang="en-US" dirty="0" smtClean="0"/>
+              <a:t>What it isn’t</a:t>
+            </a:r>
+            <a:endParaRPr lang="en-US" dirty="0"/>
+          </a:p>
+        </p:txBody>
+      </p:sp>
+      <p:pic>
+        <p:nvPicPr>
+          <p:cNvPr id="3" name="Picture 2"/>
+          <p:cNvPicPr>
+            <a:picLocks noChangeAspect="1"/>
+          </p:cNvPicPr>
+          <p:nvPr/>
+        </p:nvPicPr>
+        <p:blipFill>
+          <a:blip r:embed="rId3">
+            <a:extLst>
+              <a:ext uri="{28A0092B-C50C-407E-A947-70E740481C1C}">
+                <a14:useLocalDpi xmlns:a14="http://schemas.microsoft.com/office/drawing/2010/main" val="0"/>
+              </a:ext>
+            </a:extLst>
+          </a:blip>
+          <a:stretch>
+            <a:fillRect/>
+          </a:stretch>
+        </p:blipFill>
+        <p:spPr>
+          <a:xfrm>
+            <a:off x="231125" y="1885053"/>
+            <a:ext cx="3197875" cy="3525147"/>
+          </a:xfrm>
+          <a:prstGeom prst="rect">
+            <a:avLst/>
+          </a:prstGeom>
+        </p:spPr>
+      </p:pic>
+      <p:sp>
+        <p:nvSpPr>
+          <p:cNvPr id="8" name="TextBox 7"/>
+          <p:cNvSpPr txBox="1"/>
+          <p:nvPr/>
+        </p:nvSpPr>
+        <p:spPr>
+          <a:xfrm>
+            <a:off x="231125" y="5345669"/>
+            <a:ext cx="3197875" cy="369332"/>
+          </a:xfrm>
+          <a:prstGeom prst="rect">
+            <a:avLst/>
+          </a:prstGeom>
+          <a:solidFill>
+            <a:schemeClr val="tx1"/>
+          </a:solidFill>
+        </p:spPr>
+        <p:txBody>
+          <a:bodyPr wrap="square" rtlCol="0">
+            <a:spAutoFit/>
+          </a:bodyPr>
+          <a:lstStyle/>
+          <a:p>
+            <a:r>
+              <a:rPr lang="en-US" b="1" dirty="0" smtClean="0">
+                <a:solidFill>
+                  <a:schemeClr val="bg1"/>
+                </a:solidFill>
+              </a:rPr>
+              <a:t>   Asp.Net MVC           Nancy</a:t>
+            </a:r>
+            <a:endParaRPr lang="en-US" b="1" dirty="0">
+              <a:solidFill>
+                <a:schemeClr val="bg1"/>
+              </a:solidFill>
+            </a:endParaRPr>
+          </a:p>
+        </p:txBody>
+      </p:sp>
+      <p:pic>
+        <p:nvPicPr>
+          <p:cNvPr id="10" name="Picture 9"/>
+          <p:cNvPicPr>
+            <a:picLocks noChangeAspect="1"/>
+          </p:cNvPicPr>
+          <p:nvPr/>
+        </p:nvPicPr>
+        <p:blipFill>
+          <a:blip r:embed="rId4">
+            <a:extLst>
+              <a:ext uri="{28A0092B-C50C-407E-A947-70E740481C1C}">
+                <a14:useLocalDpi xmlns:a14="http://schemas.microsoft.com/office/drawing/2010/main" val="0"/>
+              </a:ext>
+            </a:extLst>
+          </a:blip>
+          <a:stretch>
+            <a:fillRect/>
+          </a:stretch>
+        </p:blipFill>
+        <p:spPr>
+          <a:xfrm>
+            <a:off x="4800600" y="1295400"/>
+            <a:ext cx="3380595" cy="2062163"/>
+          </a:xfrm>
+          <a:prstGeom prst="rect">
+            <a:avLst/>
+          </a:prstGeom>
+        </p:spPr>
+      </p:pic>
+      <p:pic>
+        <p:nvPicPr>
+          <p:cNvPr id="11" name="Picture 10"/>
+          <p:cNvPicPr>
+            <a:picLocks noChangeAspect="1"/>
+          </p:cNvPicPr>
+          <p:nvPr/>
+        </p:nvPicPr>
+        <p:blipFill>
+          <a:blip r:embed="rId5">
+            <a:extLst>
+              <a:ext uri="{28A0092B-C50C-407E-A947-70E740481C1C}">
+                <a14:useLocalDpi xmlns:a14="http://schemas.microsoft.com/office/drawing/2010/main" val="0"/>
+              </a:ext>
+            </a:extLst>
+          </a:blip>
+          <a:stretch>
+            <a:fillRect/>
+          </a:stretch>
+        </p:blipFill>
+        <p:spPr>
+          <a:xfrm>
+            <a:off x="3962400" y="3733800"/>
+            <a:ext cx="3562350" cy="2876550"/>
+          </a:xfrm>
+          <a:prstGeom prst="rect">
+            <a:avLst/>
+          </a:prstGeom>
+        </p:spPr>
+      </p:pic>
+    </p:spTree>
+    <p:extLst>
+      <p:ext uri="{BB962C8B-B14F-4D97-AF65-F5344CB8AC3E}">
+        <p14:creationId xmlns:p14="http://schemas.microsoft.com/office/powerpoint/2010/main" val="3863423636"/>
+      </p:ext>
+    </p:extLst>
+  </p:cSld>
+  <p:clrMapOvr>
+    <a:masterClrMapping/>
+  </p:clrMapOvr>
+  <p:timing>
+    <p:tnLst>
+      <p:par>
+        <p:cTn id="1" dur="indefinite" restart="never" nodeType="tmRoot">
+          <p:childTnLst>
+            <p:seq concurrent="1" nextAc="seek">
+              <p:cTn id="2" dur="indefinite" nodeType="mainSeq">
+                <p:childTnLst>
+                  <p:par>
+                    <p:cTn id="3" fill="hold">
+                      <p:stCondLst>
+                        <p:cond delay="indefinite"/>
+                      </p:stCondLst>
+                      <p:childTnLst>
+                        <p:par>
+                          <p:cTn id="4" fill="hold">
+                            <p:stCondLst>
+                              <p:cond delay="0"/>
+                            </p:stCondLst>
+                            <p:childTnLst>
+                              <p:par>
+                                <p:cTn id="5" presetID="10" presetClass="entr" presetSubtype="0" fill="hold" nodeType="clickEffect">
+                                  <p:stCondLst>
+                                    <p:cond delay="0"/>
+                                  </p:stCondLst>
+                                  <p:childTnLst>
+                                    <p:set>
+                                      <p:cBhvr>
+                                        <p:cTn id="6" dur="1" fill="hold">
+                                          <p:stCondLst>
+                                            <p:cond delay="0"/>
+                                          </p:stCondLst>
+                                        </p:cTn>
+                                        <p:tgtEl>
+                                          <p:spTgt spid="3"/>
+                                        </p:tgtEl>
+                                        <p:attrNameLst>
+                                          <p:attrName>style.visibility</p:attrName>
+                                        </p:attrNameLst>
+                                      </p:cBhvr>
+                                      <p:to>
+                                        <p:strVal val="visible"/>
+                                      </p:to>
+                                    </p:set>
+                                    <p:animEffect transition="in" filter="fade">
+                                      <p:cBhvr>
+                                        <p:cTn id="7" dur="500"/>
+                                        <p:tgtEl>
+                                          <p:spTgt spid="3"/>
+                                        </p:tgtEl>
+                                      </p:cBhvr>
+                                    </p:animEffect>
+                                  </p:childTnLst>
+                                </p:cTn>
+                              </p:par>
+                              <p:par>
+                                <p:cTn id="8" presetID="10" presetClass="entr" presetSubtype="0" fill="hold" grpId="0" nodeType="withEffect">
+                                  <p:stCondLst>
+                                    <p:cond delay="0"/>
+                                  </p:stCondLst>
+                                  <p:childTnLst>
+                                    <p:set>
+                                      <p:cBhvr>
+                                        <p:cTn id="9" dur="1" fill="hold">
+                                          <p:stCondLst>
+                                            <p:cond delay="0"/>
+                                          </p:stCondLst>
+                                        </p:cTn>
+                                        <p:tgtEl>
+                                          <p:spTgt spid="8"/>
+                                        </p:tgtEl>
+                                        <p:attrNameLst>
+                                          <p:attrName>style.visibility</p:attrName>
+                                        </p:attrNameLst>
+                                      </p:cBhvr>
+                                      <p:to>
+                                        <p:strVal val="visible"/>
+                                      </p:to>
+                                    </p:set>
+                                    <p:animEffect transition="in" filter="fade">
+                                      <p:cBhvr>
+                                        <p:cTn id="10" dur="500"/>
+                                        <p:tgtEl>
+                                          <p:spTgt spid="8"/>
+                                        </p:tgtEl>
+                                      </p:cBhvr>
+                                    </p:animEffect>
+                                  </p:childTnLst>
+                                </p:cTn>
+                              </p:par>
+                            </p:childTnLst>
+                          </p:cTn>
+                        </p:par>
+                      </p:childTnLst>
+                    </p:cTn>
+                  </p:par>
+                  <p:par>
+                    <p:cTn id="11" fill="hold">
+                      <p:stCondLst>
+                        <p:cond delay="indefinite"/>
+                      </p:stCondLst>
+                      <p:childTnLst>
+                        <p:par>
+                          <p:cTn id="12" fill="hold">
+                            <p:stCondLst>
+                              <p:cond delay="0"/>
+                            </p:stCondLst>
+                            <p:childTnLst>
+                              <p:par>
+                                <p:cTn id="13" presetID="10" presetClass="entr" presetSubtype="0" fill="hold" nodeType="clickEffect">
+                                  <p:stCondLst>
+                                    <p:cond delay="0"/>
+                                  </p:stCondLst>
+                                  <p:childTnLst>
+                                    <p:set>
+                                      <p:cBhvr>
+                                        <p:cTn id="14" dur="1" fill="hold">
+                                          <p:stCondLst>
+                                            <p:cond delay="0"/>
+                                          </p:stCondLst>
+                                        </p:cTn>
+                                        <p:tgtEl>
+                                          <p:spTgt spid="10"/>
+                                        </p:tgtEl>
+                                        <p:attrNameLst>
+                                          <p:attrName>style.visibility</p:attrName>
+                                        </p:attrNameLst>
+                                      </p:cBhvr>
+                                      <p:to>
+                                        <p:strVal val="visible"/>
+                                      </p:to>
+                                    </p:set>
+                                    <p:animEffect transition="in" filter="fade">
+                                      <p:cBhvr>
+                                        <p:cTn id="15" dur="500"/>
+                                        <p:tgtEl>
+                                          <p:spTgt spid="10"/>
+                                        </p:tgtEl>
+                                      </p:cBhvr>
+                                    </p:animEffect>
+                                  </p:childTnLst>
+                                </p:cTn>
+                              </p:par>
+                            </p:childTnLst>
+                          </p:cTn>
+                        </p:par>
+                      </p:childTnLst>
+                    </p:cTn>
+                  </p:par>
+                  <p:par>
+                    <p:cTn id="16" fill="hold">
+                      <p:stCondLst>
+                        <p:cond delay="indefinite"/>
+                      </p:stCondLst>
+                      <p:childTnLst>
+                        <p:par>
+                          <p:cTn id="17" fill="hold">
+                            <p:stCondLst>
+                              <p:cond delay="0"/>
+                            </p:stCondLst>
+                            <p:childTnLst>
+                              <p:par>
+                                <p:cTn id="18" presetID="10" presetClass="entr" presetSubtype="0" fill="hold" nodeType="clickEffect">
+                                  <p:stCondLst>
+                                    <p:cond delay="0"/>
+                                  </p:stCondLst>
+                                  <p:childTnLst>
+                                    <p:set>
+                                      <p:cBhvr>
+                                        <p:cTn id="19" dur="1" fill="hold">
+                                          <p:stCondLst>
+                                            <p:cond delay="0"/>
+                                          </p:stCondLst>
+                                        </p:cTn>
+                                        <p:tgtEl>
+                                          <p:spTgt spid="11"/>
+                                        </p:tgtEl>
+                                        <p:attrNameLst>
+                                          <p:attrName>style.visibility</p:attrName>
+                                        </p:attrNameLst>
+                                      </p:cBhvr>
+                                      <p:to>
+                                        <p:strVal val="visible"/>
+                                      </p:to>
+                                    </p:set>
+                                    <p:animEffect transition="in" filter="fade">
+                                      <p:cBhvr>
+                                        <p:cTn id="20" dur="500"/>
+                                        <p:tgtEl>
+                                          <p:spTgt spid="11"/>
+                                        </p:tgtEl>
+                                      </p:cBhvr>
+                                    </p:animEffect>
+                                  </p:childTnLst>
+                                </p:cTn>
+                              </p:par>
+                            </p:childTnLst>
+                          </p:cTn>
+                        </p:par>
+                      </p:childTnLst>
+                    </p:cTn>
+                  </p:par>
+                </p:childTnLst>
+              </p:cTn>
+              <p:prevCondLst>
+                <p:cond evt="onPrev" delay="0">
+                  <p:tgtEl>
+                    <p:sldTgt/>
+                  </p:tgtEl>
+                </p:cond>
+              </p:prevCondLst>
+              <p:nextCondLst>
+                <p:cond evt="onNext" delay="0">
+                  <p:tgtEl>
+                    <p:sldTgt/>
+                  </p:tgtEl>
+                </p:cond>
+              </p:nextCondLst>
+            </p:seq>
+          </p:childTnLst>
+        </p:cTn>
+      </p:par>
+    </p:tnLst>
+    <p:bldLst>
+      <p:bldP spid="8" grpId="0" animBg="1"/>
+    </p:bldLst>
+  </p:timing>
+</p:sld>
+</file>
+
+<file path=ppt/slides/slide16.xml><?xml version="1.0" encoding="utf-8"?>
+<p:sld xmlns:a="http://schemas.openxmlformats.org/drawingml/2006/main" xmlns:r="http://schemas.openxmlformats.org/officeDocument/2006/relationships" xmlns:p="http://schemas.openxmlformats.org/presentationml/2006/main">
+  <p:cSld>
+    <p:spTree>
+      <p:nvGrpSpPr>
+        <p:cNvPr id="1" name=""/>
+        <p:cNvGrpSpPr/>
+        <p:nvPr/>
+      </p:nvGrpSpPr>
+      <p:grpSpPr>
+        <a:xfrm>
+          <a:off x="0" y="0"/>
+          <a:ext cx="0" cy="0"/>
+          <a:chOff x="0" y="0"/>
+          <a:chExt cx="0" cy="0"/>
+        </a:xfrm>
+      </p:grpSpPr>
+      <p:sp>
+        <p:nvSpPr>
+          <p:cNvPr id="2" name="Title 1"/>
+          <p:cNvSpPr>
+            <a:spLocks noGrp="1"/>
+          </p:cNvSpPr>
+          <p:nvPr>
+            <p:ph type="title"/>
+          </p:nvPr>
+        </p:nvSpPr>
+        <p:spPr/>
+        <p:txBody>
+          <a:bodyPr/>
+          <a:lstStyle/>
+          <a:p>
+            <a:r>
+              <a:rPr lang="en-US" dirty="0" smtClean="0"/>
+              <a:t>Hosting options</a:t>
+            </a:r>
+            <a:endParaRPr lang="en-US" dirty="0"/>
+          </a:p>
+        </p:txBody>
+      </p:sp>
+      <p:sp>
+        <p:nvSpPr>
+          <p:cNvPr id="3" name="TextBox 2"/>
+          <p:cNvSpPr txBox="1"/>
+          <p:nvPr/>
+        </p:nvSpPr>
+        <p:spPr>
+          <a:xfrm>
+            <a:off x="2557678" y="1676400"/>
+            <a:ext cx="2242922" cy="2613921"/>
+          </a:xfrm>
+          <a:prstGeom prst="rect">
+            <a:avLst/>
+          </a:prstGeom>
+          <a:noFill/>
+        </p:spPr>
+        <p:txBody>
+          <a:bodyPr wrap="none" rtlCol="0">
+            <a:spAutoFit/>
+          </a:bodyPr>
+          <a:lstStyle/>
+          <a:p>
+            <a:pPr marL="285750" indent="-285750">
+              <a:lnSpc>
+                <a:spcPct val="150000"/>
+              </a:lnSpc>
+              <a:buFont typeface="Arial" pitchFamily="34" charset="0"/>
+              <a:buChar char="•"/>
+            </a:pPr>
+            <a:r>
+              <a:rPr lang="en-US" sz="2800" dirty="0" smtClean="0"/>
+              <a:t>Asp.Net</a:t>
+            </a:r>
+          </a:p>
+          <a:p>
+            <a:pPr marL="285750" indent="-285750">
+              <a:lnSpc>
+                <a:spcPct val="150000"/>
+              </a:lnSpc>
+              <a:buFont typeface="Arial" pitchFamily="34" charset="0"/>
+              <a:buChar char="•"/>
+            </a:pPr>
+            <a:r>
+              <a:rPr lang="en-US" sz="2800" dirty="0" smtClean="0"/>
+              <a:t>Self-hosted</a:t>
+            </a:r>
+          </a:p>
+          <a:p>
+            <a:pPr marL="285750" indent="-285750">
+              <a:lnSpc>
+                <a:spcPct val="150000"/>
+              </a:lnSpc>
+              <a:buFont typeface="Arial" pitchFamily="34" charset="0"/>
+              <a:buChar char="•"/>
+            </a:pPr>
+            <a:r>
+              <a:rPr lang="en-US" sz="2800" dirty="0" smtClean="0"/>
+              <a:t>Wcf</a:t>
+            </a:r>
+          </a:p>
+          <a:p>
+            <a:pPr marL="285750" indent="-285750">
+              <a:lnSpc>
+                <a:spcPct val="150000"/>
+              </a:lnSpc>
+              <a:buFont typeface="Arial" pitchFamily="34" charset="0"/>
+              <a:buChar char="•"/>
+            </a:pPr>
+            <a:r>
+              <a:rPr lang="en-US" sz="2800" dirty="0" smtClean="0"/>
+              <a:t>OWIN</a:t>
+            </a:r>
+            <a:endParaRPr lang="en-US" sz="2800" dirty="0"/>
+          </a:p>
+        </p:txBody>
+      </p:sp>
+    </p:spTree>
+    <p:extLst>
+      <p:ext uri="{BB962C8B-B14F-4D97-AF65-F5344CB8AC3E}">
+        <p14:creationId xmlns:p14="http://schemas.microsoft.com/office/powerpoint/2010/main" val="2082062783"/>
+      </p:ext>
+    </p:extLst>
+  </p:cSld>
+  <p:clrMapOvr>
+    <a:masterClrMapping/>
+  </p:clrMapOvr>
+  <p:timing>
+    <p:tnLst>
+      <p:par>
+        <p:cTn id="1" dur="indefinite" restart="never" nodeType="tmRoot">
+          <p:childTnLst>
+            <p:seq concurrent="1" nextAc="seek">
+              <p:cTn id="2" dur="indefinite" nodeType="mainSeq">
+                <p:childTnLst>
+                  <p:par>
+                    <p:cTn id="3" fill="hold">
+                      <p:stCondLst>
+                        <p:cond delay="indefinite"/>
+                      </p:stCondLst>
+                      <p:childTnLst>
+                        <p:par>
+                          <p:cTn id="4" fill="hold">
+                            <p:stCondLst>
+                              <p:cond delay="0"/>
+                            </p:stCondLst>
+                            <p:childTnLst>
+                              <p:par>
+                                <p:cTn id="5" presetID="10" presetClass="entr" presetSubtype="0" fill="hold" nodeType="clickEffect">
+                                  <p:stCondLst>
+                                    <p:cond delay="0"/>
+                                  </p:stCondLst>
+                                  <p:childTnLst>
+                                    <p:set>
+                                      <p:cBhvr>
+                                        <p:cTn id="6" dur="1" fill="hold">
+                                          <p:stCondLst>
+                                            <p:cond delay="0"/>
+                                          </p:stCondLst>
+                                        </p:cTn>
+                                        <p:tgtEl>
+                                          <p:spTgt spid="3">
+                                            <p:txEl>
+                                              <p:pRg st="0" end="0"/>
+                                            </p:txEl>
+                                          </p:spTgt>
+                                        </p:tgtEl>
+                                        <p:attrNameLst>
+                                          <p:attrName>style.visibility</p:attrName>
+                                        </p:attrNameLst>
+                                      </p:cBhvr>
+                                      <p:to>
+                                        <p:strVal val="visible"/>
+                                      </p:to>
+                                    </p:set>
+                                    <p:animEffect transition="in" filter="fade">
+                                      <p:cBhvr>
+                                        <p:cTn id="7" dur="500"/>
+                                        <p:tgtEl>
+                                          <p:spTgt spid="3">
+                                            <p:txEl>
+                                              <p:pRg st="0" end="0"/>
+                                            </p:txEl>
+                                          </p:spTgt>
+                                        </p:tgtEl>
+                                      </p:cBhvr>
+                                    </p:animEffect>
+                                  </p:childTnLst>
+                                </p:cTn>
+                              </p:par>
+                            </p:childTnLst>
+                          </p:cTn>
+                        </p:par>
+                      </p:childTnLst>
+                    </p:cTn>
+                  </p:par>
+                  <p:par>
+                    <p:cTn id="8" fill="hold">
+                      <p:stCondLst>
+                        <p:cond delay="indefinite"/>
+                      </p:stCondLst>
+                      <p:childTnLst>
+                        <p:par>
+                          <p:cTn id="9" fill="hold">
+                            <p:stCondLst>
+                              <p:cond delay="0"/>
+                            </p:stCondLst>
+                            <p:childTnLst>
+                              <p:par>
+                                <p:cTn id="10" presetID="10" presetClass="entr" presetSubtype="0" fill="hold" nodeType="clickEffect">
+                                  <p:stCondLst>
+                                    <p:cond delay="0"/>
+                                  </p:stCondLst>
+                                  <p:childTnLst>
+                                    <p:set>
+                                      <p:cBhvr>
+                                        <p:cTn id="11" dur="1" fill="hold">
+                                          <p:stCondLst>
+                                            <p:cond delay="0"/>
+                                          </p:stCondLst>
+                                        </p:cTn>
+                                        <p:tgtEl>
+                                          <p:spTgt spid="3">
+                                            <p:txEl>
+                                              <p:pRg st="1" end="1"/>
+                                            </p:txEl>
+                                          </p:spTgt>
+                                        </p:tgtEl>
+                                        <p:attrNameLst>
+                                          <p:attrName>style.visibility</p:attrName>
+                                        </p:attrNameLst>
+                                      </p:cBhvr>
+                                      <p:to>
+                                        <p:strVal val="visible"/>
+                                      </p:to>
+                                    </p:set>
+                                    <p:animEffect transition="in" filter="fade">
+                                      <p:cBhvr>
+                                        <p:cTn id="12" dur="500"/>
+                                        <p:tgtEl>
+                                          <p:spTgt spid="3">
+                                            <p:txEl>
+                                              <p:pRg st="1" end="1"/>
+                                            </p:txEl>
+                                          </p:spTgt>
+                                        </p:tgtEl>
+                                      </p:cBhvr>
+                                    </p:animEffect>
+                                  </p:childTnLst>
+                                </p:cTn>
+                              </p:par>
+                            </p:childTnLst>
+                          </p:cTn>
+                        </p:par>
+                      </p:childTnLst>
+                    </p:cTn>
+                  </p:par>
+                  <p:par>
+                    <p:cTn id="13" fill="hold">
+                      <p:stCondLst>
+                        <p:cond delay="indefinite"/>
+                      </p:stCondLst>
+                      <p:childTnLst>
+                        <p:par>
+                          <p:cTn id="14" fill="hold">
+                            <p:stCondLst>
+                              <p:cond delay="0"/>
+                            </p:stCondLst>
+                            <p:childTnLst>
+                              <p:par>
+                                <p:cTn id="15" presetID="10" presetClass="entr" presetSubtype="0" fill="hold" nodeType="clickEffect">
+                                  <p:stCondLst>
+                                    <p:cond delay="0"/>
+                                  </p:stCondLst>
+                                  <p:childTnLst>
+                                    <p:set>
+                                      <p:cBhvr>
+                                        <p:cTn id="16" dur="1" fill="hold">
+                                          <p:stCondLst>
+                                            <p:cond delay="0"/>
+                                          </p:stCondLst>
+                                        </p:cTn>
+                                        <p:tgtEl>
+                                          <p:spTgt spid="3">
+                                            <p:txEl>
+                                              <p:pRg st="2" end="2"/>
+                                            </p:txEl>
+                                          </p:spTgt>
+                                        </p:tgtEl>
+                                        <p:attrNameLst>
+                                          <p:attrName>style.visibility</p:attrName>
+                                        </p:attrNameLst>
+                                      </p:cBhvr>
+                                      <p:to>
+                                        <p:strVal val="visible"/>
+                                      </p:to>
+                                    </p:set>
+                                    <p:animEffect transition="in" filter="fade">
+                                      <p:cBhvr>
+                                        <p:cTn id="17" dur="500"/>
+                                        <p:tgtEl>
+                                          <p:spTgt spid="3">
+                                            <p:txEl>
+                                              <p:pRg st="2" end="2"/>
+                                            </p:txEl>
+                                          </p:spTgt>
+                                        </p:tgtEl>
+                                      </p:cBhvr>
+                                    </p:animEffect>
+                                  </p:childTnLst>
+                                </p:cTn>
+                              </p:par>
+                            </p:childTnLst>
+                          </p:cTn>
+                        </p:par>
+                      </p:childTnLst>
+                    </p:cTn>
+                  </p:par>
+                  <p:par>
+                    <p:cTn id="18" fill="hold">
+                      <p:stCondLst>
+                        <p:cond delay="indefinite"/>
+                      </p:stCondLst>
+                      <p:childTnLst>
+                        <p:par>
+                          <p:cTn id="19" fill="hold">
+                            <p:stCondLst>
+                              <p:cond delay="0"/>
+                            </p:stCondLst>
+                            <p:childTnLst>
+                              <p:par>
+                                <p:cTn id="20" presetID="10" presetClass="entr" presetSubtype="0" fill="hold" nodeType="clickEffect">
+                                  <p:stCondLst>
+                                    <p:cond delay="0"/>
+                                  </p:stCondLst>
+                                  <p:childTnLst>
+                                    <p:set>
+                                      <p:cBhvr>
+                                        <p:cTn id="21" dur="1" fill="hold">
+                                          <p:stCondLst>
+                                            <p:cond delay="0"/>
+                                          </p:stCondLst>
+                                        </p:cTn>
+                                        <p:tgtEl>
+                                          <p:spTgt spid="3">
+                                            <p:txEl>
+                                              <p:pRg st="3" end="3"/>
+                                            </p:txEl>
+                                          </p:spTgt>
+                                        </p:tgtEl>
+                                        <p:attrNameLst>
+                                          <p:attrName>style.visibility</p:attrName>
+                                        </p:attrNameLst>
+                                      </p:cBhvr>
+                                      <p:to>
+                                        <p:strVal val="visible"/>
+                                      </p:to>
+                                    </p:set>
+                                    <p:animEffect transition="in" filter="fade">
+                                      <p:cBhvr>
+                                        <p:cTn id="22" dur="500"/>
+                                        <p:tgtEl>
+                                          <p:spTgt spid="3">
+                                            <p:txEl>
+                                              <p:pRg st="3" end="3"/>
+                                            </p:txEl>
+                                          </p:spTgt>
+                                        </p:tgtEl>
+                                      </p:cBhvr>
+                                    </p:animEffect>
+                                  </p:childTnLst>
+                                </p:cTn>
+                              </p:par>
+                            </p:childTnLst>
+                          </p:cTn>
+                        </p:par>
+                      </p:childTnLst>
+                    </p:cTn>
+                  </p:par>
+                </p:childTnLst>
+              </p:cTn>
+              <p:prevCondLst>
+                <p:cond evt="onPrev" delay="0">
+                  <p:tgtEl>
+                    <p:sldTgt/>
+                  </p:tgtEl>
+                </p:cond>
+              </p:prevCondLst>
+              <p:nextCondLst>
+                <p:cond evt="onNext" delay="0">
+                  <p:tgtEl>
+                    <p:sldTgt/>
+                  </p:tgtEl>
+                </p:cond>
+              </p:nextCondLst>
+            </p:seq>
+          </p:childTnLst>
+        </p:cTn>
+      </p:par>
+    </p:tnLst>
+  </p:timing>
+</p:sld>
+</file>
+
+<file path=ppt/slides/slide17.xml><?xml version="1.0" encoding="utf-8"?>
+<p:sld xmlns:a="http://schemas.openxmlformats.org/drawingml/2006/main" xmlns:r="http://schemas.openxmlformats.org/officeDocument/2006/relationships" xmlns:p="http://schemas.openxmlformats.org/presentationml/2006/main">
+  <p:cSld>
+    <p:spTree>
+      <p:nvGrpSpPr>
+        <p:cNvPr id="1" name=""/>
+        <p:cNvGrpSpPr/>
+        <p:nvPr/>
+      </p:nvGrpSpPr>
+      <p:grpSpPr>
+        <a:xfrm>
+          <a:off x="0" y="0"/>
+          <a:ext cx="0" cy="0"/>
+          <a:chOff x="0" y="0"/>
+          <a:chExt cx="0" cy="0"/>
+        </a:xfrm>
+      </p:grpSpPr>
+      <p:sp>
+        <p:nvSpPr>
+          <p:cNvPr id="2" name="Title 1"/>
+          <p:cNvSpPr>
+            <a:spLocks noGrp="1"/>
+          </p:cNvSpPr>
+          <p:nvPr>
+            <p:ph type="title"/>
+          </p:nvPr>
+        </p:nvSpPr>
+        <p:spPr>
+          <a:xfrm>
+            <a:off x="304800" y="152400"/>
+            <a:ext cx="3962400" cy="990600"/>
+          </a:xfrm>
+        </p:spPr>
+        <p:txBody>
+          <a:bodyPr>
+            <a:normAutofit fontScale="90000"/>
+          </a:bodyPr>
+          <a:lstStyle/>
+          <a:p>
+            <a:r>
+              <a:rPr lang="en-US" dirty="0" smtClean="0"/>
+              <a:t>The middleman</a:t>
+            </a:r>
+            <a:endParaRPr lang="en-US" dirty="0"/>
+          </a:p>
+        </p:txBody>
+      </p:sp>
+      <p:pic>
+        <p:nvPicPr>
+          <p:cNvPr id="4" name="Content Placeholder 3"/>
+          <p:cNvPicPr>
+            <a:picLocks noGrp="1" noChangeAspect="1"/>
+          </p:cNvPicPr>
+          <p:nvPr>
+            <p:ph idx="1"/>
+          </p:nvPr>
+        </p:nvPicPr>
+        <p:blipFill>
+          <a:blip r:embed="rId2">
+            <a:extLst>
+              <a:ext uri="{28A0092B-C50C-407E-A947-70E740481C1C}">
+                <a14:useLocalDpi xmlns:a14="http://schemas.microsoft.com/office/drawing/2010/main" val="0"/>
+              </a:ext>
+            </a:extLst>
+          </a:blip>
+          <a:stretch>
+            <a:fillRect/>
+          </a:stretch>
+        </p:blipFill>
+        <p:spPr>
+          <a:xfrm>
+            <a:off x="783168" y="1371600"/>
+            <a:ext cx="3026832" cy="2270124"/>
+          </a:xfrm>
+        </p:spPr>
+      </p:pic>
+      <p:sp>
+        <p:nvSpPr>
+          <p:cNvPr id="7" name="TextBox 6"/>
+          <p:cNvSpPr txBox="1"/>
+          <p:nvPr/>
+        </p:nvSpPr>
+        <p:spPr>
+          <a:xfrm>
+            <a:off x="4572000" y="3733800"/>
+            <a:ext cx="4171335" cy="2123658"/>
+          </a:xfrm>
+          <a:prstGeom prst="rect">
+            <a:avLst/>
+          </a:prstGeom>
+          <a:noFill/>
+        </p:spPr>
+        <p:txBody>
+          <a:bodyPr wrap="none" rtlCol="0">
+            <a:spAutoFit/>
+          </a:bodyPr>
+          <a:lstStyle/>
+          <a:p>
+            <a:r>
+              <a:rPr lang="en-US" sz="2400" dirty="0" smtClean="0"/>
+              <a:t>Some common middleware...</a:t>
+            </a:r>
+          </a:p>
+          <a:p>
+            <a:pPr marL="342900" indent="-342900">
+              <a:lnSpc>
+                <a:spcPct val="150000"/>
+              </a:lnSpc>
+              <a:buFont typeface="Arial" pitchFamily="34" charset="0"/>
+              <a:buChar char="•"/>
+            </a:pPr>
+            <a:r>
+              <a:rPr lang="en-US" sz="2400" dirty="0" smtClean="0"/>
+              <a:t>Rack</a:t>
+            </a:r>
+          </a:p>
+          <a:p>
+            <a:pPr marL="342900" indent="-342900">
+              <a:lnSpc>
+                <a:spcPct val="150000"/>
+              </a:lnSpc>
+              <a:buFont typeface="Arial" pitchFamily="34" charset="0"/>
+              <a:buChar char="•"/>
+            </a:pPr>
+            <a:r>
+              <a:rPr lang="en-US" sz="2400" dirty="0" smtClean="0"/>
+              <a:t>WSGI </a:t>
+            </a:r>
+          </a:p>
+          <a:p>
+            <a:pPr marL="342900" indent="-342900">
+              <a:lnSpc>
+                <a:spcPct val="150000"/>
+              </a:lnSpc>
+              <a:buFont typeface="Arial" pitchFamily="34" charset="0"/>
+              <a:buChar char="•"/>
+            </a:pPr>
+            <a:r>
+              <a:rPr lang="en-US" sz="2400" dirty="0" smtClean="0"/>
+              <a:t>OWIN</a:t>
+            </a:r>
+            <a:endParaRPr lang="en-US" sz="2400" dirty="0"/>
+          </a:p>
+        </p:txBody>
+      </p:sp>
+    </p:spTree>
+    <p:extLst>
+      <p:ext uri="{BB962C8B-B14F-4D97-AF65-F5344CB8AC3E}">
+        <p14:creationId xmlns:p14="http://schemas.microsoft.com/office/powerpoint/2010/main" val="3719193099"/>
+      </p:ext>
+    </p:extLst>
+  </p:cSld>
+  <p:clrMapOvr>
+    <a:masterClrMapping/>
+  </p:clrMapOvr>
+  <p:timing>
+    <p:tnLst>
+      <p:par>
+        <p:cTn id="1" dur="indefinite" restart="never" nodeType="tmRoot">
+          <p:childTnLst>
+            <p:seq concurrent="1" nextAc="seek">
+              <p:cTn id="2" dur="indefinite" nodeType="mainSeq">
+                <p:childTnLst>
+                  <p:par>
+                    <p:cTn id="3" fill="hold">
+                      <p:stCondLst>
+                        <p:cond delay="indefinite"/>
+                      </p:stCondLst>
+                      <p:childTnLst>
+                        <p:par>
+                          <p:cTn id="4" fill="hold">
+                            <p:stCondLst>
+                              <p:cond delay="0"/>
+                            </p:stCondLst>
+                            <p:childTnLst>
+                              <p:par>
+                                <p:cTn id="5" presetID="10" presetClass="entr" presetSubtype="0" fill="hold" nodeType="clickEffect">
+                                  <p:stCondLst>
+                                    <p:cond delay="0"/>
+                                  </p:stCondLst>
+                                  <p:childTnLst>
+                                    <p:set>
+                                      <p:cBhvr>
+                                        <p:cTn id="6" dur="1" fill="hold">
+                                          <p:stCondLst>
+                                            <p:cond delay="0"/>
+                                          </p:stCondLst>
+                                        </p:cTn>
+                                        <p:tgtEl>
+                                          <p:spTgt spid="7">
+                                            <p:txEl>
+                                              <p:pRg st="0" end="0"/>
+                                            </p:txEl>
+                                          </p:spTgt>
+                                        </p:tgtEl>
+                                        <p:attrNameLst>
+                                          <p:attrName>style.visibility</p:attrName>
+                                        </p:attrNameLst>
+                                      </p:cBhvr>
+                                      <p:to>
+                                        <p:strVal val="visible"/>
+                                      </p:to>
+                                    </p:set>
+                                    <p:animEffect transition="in" filter="fade">
+                                      <p:cBhvr>
+                                        <p:cTn id="7" dur="500"/>
+                                        <p:tgtEl>
+                                          <p:spTgt spid="7">
+                                            <p:txEl>
+                                              <p:pRg st="0" end="0"/>
+                                            </p:txEl>
+                                          </p:spTgt>
+                                        </p:tgtEl>
+                                      </p:cBhvr>
+                                    </p:animEffect>
+                                  </p:childTnLst>
+                                </p:cTn>
+                              </p:par>
+                            </p:childTnLst>
+                          </p:cTn>
+                        </p:par>
+                      </p:childTnLst>
+                    </p:cTn>
+                  </p:par>
+                  <p:par>
+                    <p:cTn id="8" fill="hold">
+                      <p:stCondLst>
+                        <p:cond delay="indefinite"/>
+                      </p:stCondLst>
+                      <p:childTnLst>
+                        <p:par>
+                          <p:cTn id="9" fill="hold">
+                            <p:stCondLst>
+                              <p:cond delay="0"/>
+                            </p:stCondLst>
+                            <p:childTnLst>
+                              <p:par>
+                                <p:cTn id="10" presetID="10" presetClass="entr" presetSubtype="0" fill="hold" nodeType="clickEffect">
+                                  <p:stCondLst>
+                                    <p:cond delay="0"/>
+                                  </p:stCondLst>
+                                  <p:childTnLst>
+                                    <p:set>
+                                      <p:cBhvr>
+                                        <p:cTn id="11" dur="1" fill="hold">
+                                          <p:stCondLst>
+                                            <p:cond delay="0"/>
+                                          </p:stCondLst>
+                                        </p:cTn>
+                                        <p:tgtEl>
+                                          <p:spTgt spid="7">
+                                            <p:txEl>
+                                              <p:pRg st="1" end="1"/>
+                                            </p:txEl>
+                                          </p:spTgt>
+                                        </p:tgtEl>
+                                        <p:attrNameLst>
+                                          <p:attrName>style.visibility</p:attrName>
+                                        </p:attrNameLst>
+                                      </p:cBhvr>
+                                      <p:to>
+                                        <p:strVal val="visible"/>
+                                      </p:to>
+                                    </p:set>
+                                    <p:animEffect transition="in" filter="fade">
+                                      <p:cBhvr>
+                                        <p:cTn id="12" dur="500"/>
+                                        <p:tgtEl>
+                                          <p:spTgt spid="7">
+                                            <p:txEl>
+                                              <p:pRg st="1" end="1"/>
+                                            </p:txEl>
+                                          </p:spTgt>
+                                        </p:tgtEl>
+                                      </p:cBhvr>
+                                    </p:animEffect>
+                                  </p:childTnLst>
+                                </p:cTn>
+                              </p:par>
+                            </p:childTnLst>
+                          </p:cTn>
+                        </p:par>
+                      </p:childTnLst>
+                    </p:cTn>
+                  </p:par>
+                  <p:par>
+                    <p:cTn id="13" fill="hold">
+                      <p:stCondLst>
+                        <p:cond delay="indefinite"/>
+                      </p:stCondLst>
+                      <p:childTnLst>
+                        <p:par>
+                          <p:cTn id="14" fill="hold">
+                            <p:stCondLst>
+                              <p:cond delay="0"/>
+                            </p:stCondLst>
+                            <p:childTnLst>
+                              <p:par>
+                                <p:cTn id="15" presetID="10" presetClass="entr" presetSubtype="0" fill="hold" nodeType="clickEffect">
+                                  <p:stCondLst>
+                                    <p:cond delay="0"/>
+                                  </p:stCondLst>
+                                  <p:childTnLst>
+                                    <p:set>
+                                      <p:cBhvr>
+                                        <p:cTn id="16" dur="1" fill="hold">
+                                          <p:stCondLst>
+                                            <p:cond delay="0"/>
+                                          </p:stCondLst>
+                                        </p:cTn>
+                                        <p:tgtEl>
+                                          <p:spTgt spid="7">
+                                            <p:txEl>
+                                              <p:pRg st="2" end="2"/>
+                                            </p:txEl>
+                                          </p:spTgt>
+                                        </p:tgtEl>
+                                        <p:attrNameLst>
+                                          <p:attrName>style.visibility</p:attrName>
+                                        </p:attrNameLst>
+                                      </p:cBhvr>
+                                      <p:to>
+                                        <p:strVal val="visible"/>
+                                      </p:to>
+                                    </p:set>
+                                    <p:animEffect transition="in" filter="fade">
+                                      <p:cBhvr>
+                                        <p:cTn id="17" dur="500"/>
+                                        <p:tgtEl>
+                                          <p:spTgt spid="7">
+                                            <p:txEl>
+                                              <p:pRg st="2" end="2"/>
+                                            </p:txEl>
+                                          </p:spTgt>
+                                        </p:tgtEl>
+                                      </p:cBhvr>
+                                    </p:animEffect>
+                                  </p:childTnLst>
+                                </p:cTn>
+                              </p:par>
+                            </p:childTnLst>
+                          </p:cTn>
+                        </p:par>
+                      </p:childTnLst>
+                    </p:cTn>
+                  </p:par>
+                  <p:par>
+                    <p:cTn id="18" fill="hold">
+                      <p:stCondLst>
+                        <p:cond delay="indefinite"/>
+                      </p:stCondLst>
+                      <p:childTnLst>
+                        <p:par>
+                          <p:cTn id="19" fill="hold">
+                            <p:stCondLst>
+                              <p:cond delay="0"/>
+                            </p:stCondLst>
+                            <p:childTnLst>
+                              <p:par>
+                                <p:cTn id="20" presetID="10" presetClass="entr" presetSubtype="0" fill="hold" nodeType="clickEffect">
+                                  <p:stCondLst>
+                                    <p:cond delay="0"/>
+                                  </p:stCondLst>
+                                  <p:childTnLst>
+                                    <p:set>
+                                      <p:cBhvr>
+                                        <p:cTn id="21" dur="1" fill="hold">
+                                          <p:stCondLst>
+                                            <p:cond delay="0"/>
+                                          </p:stCondLst>
+                                        </p:cTn>
+                                        <p:tgtEl>
+                                          <p:spTgt spid="7">
+                                            <p:txEl>
+                                              <p:pRg st="3" end="3"/>
+                                            </p:txEl>
+                                          </p:spTgt>
+                                        </p:tgtEl>
+                                        <p:attrNameLst>
+                                          <p:attrName>style.visibility</p:attrName>
+                                        </p:attrNameLst>
+                                      </p:cBhvr>
+                                      <p:to>
+                                        <p:strVal val="visible"/>
+                                      </p:to>
+                                    </p:set>
+                                    <p:animEffect transition="in" filter="fade">
+                                      <p:cBhvr>
+                                        <p:cTn id="22" dur="500"/>
+                                        <p:tgtEl>
+                                          <p:spTgt spid="7">
+                                            <p:txEl>
+                                              <p:pRg st="3" end="3"/>
+                                            </p:txEl>
+                                          </p:spTgt>
+                                        </p:tgtEl>
+                                      </p:cBhvr>
+                                    </p:animEffect>
+                                  </p:childTnLst>
+                                </p:cTn>
+                              </p:par>
+                            </p:childTnLst>
+                          </p:cTn>
+                        </p:par>
+                      </p:childTnLst>
+                    </p:cTn>
+                  </p:par>
+                </p:childTnLst>
+              </p:cTn>
+              <p:prevCondLst>
+                <p:cond evt="onPrev" delay="0">
+                  <p:tgtEl>
+                    <p:sldTgt/>
+                  </p:tgtEl>
+                </p:cond>
+              </p:prevCondLst>
+              <p:nextCondLst>
+                <p:cond evt="onNext" delay="0">
+                  <p:tgtEl>
+                    <p:sldTgt/>
+                  </p:tgtEl>
+                </p:cond>
+              </p:nextCondLst>
+            </p:seq>
+          </p:childTnLst>
+        </p:cTn>
       </p:par>
     </p:tnLst>
   </p:timing>
@@ -3199,6 +6305,172 @@
 </file>
 
 <file path=ppt/slides/slide3.xml><?xml version="1.0" encoding="utf-8"?>
+<p:sld xmlns:a="http://schemas.openxmlformats.org/drawingml/2006/main" xmlns:r="http://schemas.openxmlformats.org/officeDocument/2006/relationships" xmlns:p="http://schemas.openxmlformats.org/presentationml/2006/main">
+  <p:cSld>
+    <p:spTree>
+      <p:nvGrpSpPr>
+        <p:cNvPr id="1" name=""/>
+        <p:cNvGrpSpPr/>
+        <p:nvPr/>
+      </p:nvGrpSpPr>
+      <p:grpSpPr>
+        <a:xfrm>
+          <a:off x="0" y="0"/>
+          <a:ext cx="0" cy="0"/>
+          <a:chOff x="0" y="0"/>
+          <a:chExt cx="0" cy="0"/>
+        </a:xfrm>
+      </p:grpSpPr>
+      <p:sp>
+        <p:nvSpPr>
+          <p:cNvPr id="2" name="Title 1"/>
+          <p:cNvSpPr>
+            <a:spLocks noGrp="1"/>
+          </p:cNvSpPr>
+          <p:nvPr>
+            <p:ph type="title"/>
+          </p:nvPr>
+        </p:nvSpPr>
+        <p:spPr/>
+        <p:txBody>
+          <a:bodyPr/>
+          <a:lstStyle/>
+          <a:p>
+            <a:r>
+              <a:rPr lang="en-US" dirty="0" smtClean="0"/>
+              <a:t>Before we begin...</a:t>
+            </a:r>
+            <a:endParaRPr lang="en-US" dirty="0"/>
+          </a:p>
+        </p:txBody>
+      </p:sp>
+      <p:pic>
+        <p:nvPicPr>
+          <p:cNvPr id="4" name="Picture 3"/>
+          <p:cNvPicPr>
+            <a:picLocks noChangeAspect="1"/>
+          </p:cNvPicPr>
+          <p:nvPr/>
+        </p:nvPicPr>
+        <p:blipFill>
+          <a:blip r:embed="rId2">
+            <a:extLst>
+              <a:ext uri="{28A0092B-C50C-407E-A947-70E740481C1C}">
+                <a14:useLocalDpi xmlns:a14="http://schemas.microsoft.com/office/drawing/2010/main" val="0"/>
+              </a:ext>
+            </a:extLst>
+          </a:blip>
+          <a:stretch>
+            <a:fillRect/>
+          </a:stretch>
+        </p:blipFill>
+        <p:spPr>
+          <a:xfrm>
+            <a:off x="2895600" y="1752600"/>
+            <a:ext cx="3352800" cy="3352800"/>
+          </a:xfrm>
+          <a:prstGeom prst="rect">
+            <a:avLst/>
+          </a:prstGeom>
+        </p:spPr>
+      </p:pic>
+    </p:spTree>
+    <p:extLst>
+      <p:ext uri="{BB962C8B-B14F-4D97-AF65-F5344CB8AC3E}">
+        <p14:creationId xmlns:p14="http://schemas.microsoft.com/office/powerpoint/2010/main" val="480081035"/>
+      </p:ext>
+    </p:extLst>
+  </p:cSld>
+  <p:clrMapOvr>
+    <a:masterClrMapping/>
+  </p:clrMapOvr>
+  <p:timing>
+    <p:tnLst>
+      <p:par>
+        <p:cTn id="1" dur="indefinite" restart="never" nodeType="tmRoot">
+          <p:childTnLst>
+            <p:seq concurrent="1" nextAc="seek">
+              <p:cTn id="2" dur="indefinite" nodeType="mainSeq">
+                <p:childTnLst>
+                  <p:par>
+                    <p:cTn id="3" fill="hold">
+                      <p:stCondLst>
+                        <p:cond delay="indefinite"/>
+                      </p:stCondLst>
+                      <p:childTnLst>
+                        <p:par>
+                          <p:cTn id="4" fill="hold">
+                            <p:stCondLst>
+                              <p:cond delay="0"/>
+                            </p:stCondLst>
+                            <p:childTnLst>
+                              <p:par>
+                                <p:cTn id="5" presetID="10" presetClass="entr" presetSubtype="0" fill="hold" nodeType="clickEffect">
+                                  <p:stCondLst>
+                                    <p:cond delay="0"/>
+                                  </p:stCondLst>
+                                  <p:childTnLst>
+                                    <p:set>
+                                      <p:cBhvr>
+                                        <p:cTn id="6" dur="1" fill="hold">
+                                          <p:stCondLst>
+                                            <p:cond delay="0"/>
+                                          </p:stCondLst>
+                                        </p:cTn>
+                                        <p:tgtEl>
+                                          <p:spTgt spid="4"/>
+                                        </p:tgtEl>
+                                        <p:attrNameLst>
+                                          <p:attrName>style.visibility</p:attrName>
+                                        </p:attrNameLst>
+                                      </p:cBhvr>
+                                      <p:to>
+                                        <p:strVal val="visible"/>
+                                      </p:to>
+                                    </p:set>
+                                    <p:animEffect transition="in" filter="fade">
+                                      <p:cBhvr>
+                                        <p:cTn id="7" dur="500"/>
+                                        <p:tgtEl>
+                                          <p:spTgt spid="4"/>
+                                        </p:tgtEl>
+                                      </p:cBhvr>
+                                    </p:animEffect>
+                                  </p:childTnLst>
+                                </p:cTn>
+                              </p:par>
+                            </p:childTnLst>
+                          </p:cTn>
+                        </p:par>
+                      </p:childTnLst>
+                    </p:cTn>
+                  </p:par>
+                </p:childTnLst>
+              </p:cTn>
+              <p:prevCondLst>
+                <p:cond evt="onPrev" delay="0">
+                  <p:tgtEl>
+                    <p:sldTgt/>
+                  </p:tgtEl>
+                </p:cond>
+              </p:prevCondLst>
+              <p:nextCondLst>
+                <p:cond evt="onNext" delay="0">
+                  <p:tgtEl>
+                    <p:sldTgt/>
+                  </p:tgtEl>
+                </p:cond>
+              </p:nextCondLst>
+            </p:seq>
+          </p:childTnLst>
+        </p:cTn>
+      </p:par>
+    </p:tnLst>
+  </p:timing>
+</p:sld>
+</file>
+
+<file path=ppt/slides/slide4.xml><?xml version="1.0" encoding="utf-8"?>
 <p:sld xmlns:a="http://schemas.openxmlformats.org/drawingml/2006/main" xmlns:r="http://schemas.openxmlformats.org/officeDocument/2006/relationships" xmlns:p="http://schemas.openxmlformats.org/presentationml/2006/main">
   <p:cSld>
     <p:spTree>
@@ -3287,7 +6559,7 @@
 </p:sld>
 </file>
 
-<file path=ppt/slides/slide4.xml><?xml version="1.0" encoding="utf-8"?>
+<file path=ppt/slides/slide5.xml><?xml version="1.0" encoding="utf-8"?>
 <p:sld xmlns:a="http://schemas.openxmlformats.org/drawingml/2006/main" xmlns:r="http://schemas.openxmlformats.org/officeDocument/2006/relationships" xmlns:p="http://schemas.openxmlformats.org/presentationml/2006/main">
   <p:cSld>
     <p:spTree>
@@ -3407,14 +6679,128 @@
   <p:timing>
     <p:tnLst>
       <p:par>
-        <p:cTn id="1" dur="indefinite" restart="never" nodeType="tmRoot"/>
+        <p:cTn id="1" dur="indefinite" restart="never" nodeType="tmRoot">
+          <p:childTnLst>
+            <p:seq concurrent="1" nextAc="seek">
+              <p:cTn id="2" dur="indefinite" nodeType="mainSeq">
+                <p:childTnLst>
+                  <p:par>
+                    <p:cTn id="3" fill="hold">
+                      <p:stCondLst>
+                        <p:cond delay="indefinite"/>
+                      </p:stCondLst>
+                      <p:childTnLst>
+                        <p:par>
+                          <p:cTn id="4" fill="hold">
+                            <p:stCondLst>
+                              <p:cond delay="0"/>
+                            </p:stCondLst>
+                            <p:childTnLst>
+                              <p:par>
+                                <p:cTn id="5" presetID="10" presetClass="entr" presetSubtype="0" fill="hold" nodeType="clickEffect">
+                                  <p:stCondLst>
+                                    <p:cond delay="0"/>
+                                  </p:stCondLst>
+                                  <p:childTnLst>
+                                    <p:set>
+                                      <p:cBhvr>
+                                        <p:cTn id="6" dur="1" fill="hold">
+                                          <p:stCondLst>
+                                            <p:cond delay="0"/>
+                                          </p:stCondLst>
+                                        </p:cTn>
+                                        <p:tgtEl>
+                                          <p:spTgt spid="6"/>
+                                        </p:tgtEl>
+                                        <p:attrNameLst>
+                                          <p:attrName>style.visibility</p:attrName>
+                                        </p:attrNameLst>
+                                      </p:cBhvr>
+                                      <p:to>
+                                        <p:strVal val="visible"/>
+                                      </p:to>
+                                    </p:set>
+                                    <p:animEffect transition="in" filter="fade">
+                                      <p:cBhvr>
+                                        <p:cTn id="7" dur="500"/>
+                                        <p:tgtEl>
+                                          <p:spTgt spid="6"/>
+                                        </p:tgtEl>
+                                      </p:cBhvr>
+                                    </p:animEffect>
+                                  </p:childTnLst>
+                                </p:cTn>
+                              </p:par>
+                              <p:par>
+                                <p:cTn id="8" presetID="10" presetClass="entr" presetSubtype="0" fill="hold" grpId="0" nodeType="withEffect">
+                                  <p:stCondLst>
+                                    <p:cond delay="0"/>
+                                  </p:stCondLst>
+                                  <p:childTnLst>
+                                    <p:set>
+                                      <p:cBhvr>
+                                        <p:cTn id="9" dur="1" fill="hold">
+                                          <p:stCondLst>
+                                            <p:cond delay="0"/>
+                                          </p:stCondLst>
+                                        </p:cTn>
+                                        <p:tgtEl>
+                                          <p:spTgt spid="7"/>
+                                        </p:tgtEl>
+                                        <p:attrNameLst>
+                                          <p:attrName>style.visibility</p:attrName>
+                                        </p:attrNameLst>
+                                      </p:cBhvr>
+                                      <p:to>
+                                        <p:strVal val="visible"/>
+                                      </p:to>
+                                    </p:set>
+                                    <p:animEffect transition="in" filter="fade">
+                                      <p:cBhvr>
+                                        <p:cTn id="10" dur="500"/>
+                                        <p:tgtEl>
+                                          <p:spTgt spid="7"/>
+                                        </p:tgtEl>
+                                      </p:cBhvr>
+                                    </p:animEffect>
+                                  </p:childTnLst>
+                                </p:cTn>
+                              </p:par>
+                            </p:childTnLst>
+                          </p:cTn>
+                        </p:par>
+                      </p:childTnLst>
+                    </p:cTn>
+                  </p:par>
+                </p:childTnLst>
+              </p:cTn>
+              <p:prevCondLst>
+                <p:cond evt="onPrev" delay="0">
+                  <p:tgtEl>
+                    <p:sldTgt/>
+                  </p:tgtEl>
+                </p:cond>
+              </p:prevCondLst>
+              <p:nextCondLst>
+                <p:cond evt="onNext" delay="0">
+                  <p:tgtEl>
+                    <p:sldTgt/>
+                  </p:tgtEl>
+                </p:cond>
+              </p:nextCondLst>
+            </p:seq>
+          </p:childTnLst>
+        </p:cTn>
       </p:par>
     </p:tnLst>
+    <p:bldLst>
+      <p:bldP spid="7" grpId="0"/>
+    </p:bldLst>
   </p:timing>
 </p:sld>
 </file>
 
-<file path=ppt/slides/slide5.xml><?xml version="1.0" encoding="utf-8"?>
+<file path=ppt/slides/slide6.xml><?xml version="1.0" encoding="utf-8"?>
 <p:sld xmlns:a="http://schemas.openxmlformats.org/drawingml/2006/main" xmlns:r="http://schemas.openxmlformats.org/officeDocument/2006/relationships" xmlns:p="http://schemas.openxmlformats.org/presentationml/2006/main">
   <p:cSld>
     <p:spTree>
@@ -3503,7 +6889,7 @@
 </p:sld>
 </file>
 
-<file path=ppt/slides/slide6.xml><?xml version="1.0" encoding="utf-8"?>
+<file path=ppt/slides/slide7.xml><?xml version="1.0" encoding="utf-8"?>
 <p:sld xmlns:a="http://schemas.openxmlformats.org/drawingml/2006/main" xmlns:r="http://schemas.openxmlformats.org/officeDocument/2006/relationships" xmlns:p="http://schemas.openxmlformats.org/presentationml/2006/main">
   <p:cSld>
     <p:spTree>
@@ -3593,9 +6979,332 @@
   <p:timing>
     <p:tnLst>
       <p:par>
+        <p:cTn id="1" dur="indefinite" restart="never" nodeType="tmRoot">
+          <p:childTnLst>
+            <p:seq concurrent="1" nextAc="seek">
+              <p:cTn id="2" dur="indefinite" nodeType="mainSeq">
+                <p:childTnLst>
+                  <p:par>
+                    <p:cTn id="3" fill="hold">
+                      <p:stCondLst>
+                        <p:cond delay="indefinite"/>
+                      </p:stCondLst>
+                      <p:childTnLst>
+                        <p:par>
+                          <p:cTn id="4" fill="hold">
+                            <p:stCondLst>
+                              <p:cond delay="0"/>
+                            </p:stCondLst>
+                            <p:childTnLst>
+                              <p:par>
+                                <p:cTn id="5" presetID="10" presetClass="entr" presetSubtype="0" fill="hold" nodeType="clickEffect">
+                                  <p:stCondLst>
+                                    <p:cond delay="0"/>
+                                  </p:stCondLst>
+                                  <p:childTnLst>
+                                    <p:set>
+                                      <p:cBhvr>
+                                        <p:cTn id="6" dur="1" fill="hold">
+                                          <p:stCondLst>
+                                            <p:cond delay="0"/>
+                                          </p:stCondLst>
+                                        </p:cTn>
+                                        <p:tgtEl>
+                                          <p:spTgt spid="3"/>
+                                        </p:tgtEl>
+                                        <p:attrNameLst>
+                                          <p:attrName>style.visibility</p:attrName>
+                                        </p:attrNameLst>
+                                      </p:cBhvr>
+                                      <p:to>
+                                        <p:strVal val="visible"/>
+                                      </p:to>
+                                    </p:set>
+                                    <p:animEffect transition="in" filter="fade">
+                                      <p:cBhvr>
+                                        <p:cTn id="7" dur="500"/>
+                                        <p:tgtEl>
+                                          <p:spTgt spid="3"/>
+                                        </p:tgtEl>
+                                      </p:cBhvr>
+                                    </p:animEffect>
+                                  </p:childTnLst>
+                                </p:cTn>
+                              </p:par>
+                            </p:childTnLst>
+                          </p:cTn>
+                        </p:par>
+                      </p:childTnLst>
+                    </p:cTn>
+                  </p:par>
+                </p:childTnLst>
+              </p:cTn>
+              <p:prevCondLst>
+                <p:cond evt="onPrev" delay="0">
+                  <p:tgtEl>
+                    <p:sldTgt/>
+                  </p:tgtEl>
+                </p:cond>
+              </p:prevCondLst>
+              <p:nextCondLst>
+                <p:cond evt="onNext" delay="0">
+                  <p:tgtEl>
+                    <p:sldTgt/>
+                  </p:tgtEl>
+                </p:cond>
+              </p:nextCondLst>
+            </p:seq>
+          </p:childTnLst>
+        </p:cTn>
+      </p:par>
+    </p:tnLst>
+  </p:timing>
+</p:sld>
+</file>
+
+<file path=ppt/slides/slide8.xml><?xml version="1.0" encoding="utf-8"?>
+<p:sld xmlns:a="http://schemas.openxmlformats.org/drawingml/2006/main" xmlns:r="http://schemas.openxmlformats.org/officeDocument/2006/relationships" xmlns:p="http://schemas.openxmlformats.org/presentationml/2006/main">
+  <p:cSld>
+    <p:spTree>
+      <p:nvGrpSpPr>
+        <p:cNvPr id="1" name=""/>
+        <p:cNvGrpSpPr/>
+        <p:nvPr/>
+      </p:nvGrpSpPr>
+      <p:grpSpPr>
+        <a:xfrm>
+          <a:off x="0" y="0"/>
+          <a:ext cx="0" cy="0"/>
+          <a:chOff x="0" y="0"/>
+          <a:chExt cx="0" cy="0"/>
+        </a:xfrm>
+      </p:grpSpPr>
+      <p:pic>
+        <p:nvPicPr>
+          <p:cNvPr id="2" name="Picture 1"/>
+          <p:cNvPicPr>
+            <a:picLocks noChangeAspect="1"/>
+          </p:cNvPicPr>
+          <p:nvPr/>
+        </p:nvPicPr>
+        <p:blipFill>
+          <a:blip r:embed="rId2">
+            <a:extLst>
+              <a:ext uri="{28A0092B-C50C-407E-A947-70E740481C1C}">
+                <a14:useLocalDpi xmlns:a14="http://schemas.microsoft.com/office/drawing/2010/main" val="0"/>
+              </a:ext>
+            </a:extLst>
+          </a:blip>
+          <a:stretch>
+            <a:fillRect/>
+          </a:stretch>
+        </p:blipFill>
+        <p:spPr>
+          <a:xfrm>
+            <a:off x="2694816" y="2952557"/>
+            <a:ext cx="3754368" cy="952885"/>
+          </a:xfrm>
+          <a:prstGeom prst="rect">
+            <a:avLst/>
+          </a:prstGeom>
+        </p:spPr>
+      </p:pic>
+    </p:spTree>
+    <p:extLst>
+      <p:ext uri="{BB962C8B-B14F-4D97-AF65-F5344CB8AC3E}">
+        <p14:creationId xmlns:p14="http://schemas.microsoft.com/office/powerpoint/2010/main" val="3483906474"/>
+      </p:ext>
+    </p:extLst>
+  </p:cSld>
+  <p:clrMapOvr>
+    <a:masterClrMapping/>
+  </p:clrMapOvr>
+  <p:timing>
+    <p:tnLst>
+      <p:par>
         <p:cTn id="1" dur="indefinite" restart="never" nodeType="tmRoot"/>
       </p:par>
     </p:tnLst>
+  </p:timing>
+</p:sld>
+</file>
+
+<file path=ppt/slides/slide9.xml><?xml version="1.0" encoding="utf-8"?>
+<p:sld xmlns:a="http://schemas.openxmlformats.org/drawingml/2006/main" xmlns:r="http://schemas.openxmlformats.org/officeDocument/2006/relationships" xmlns:p="http://schemas.openxmlformats.org/presentationml/2006/main">
+  <p:cSld>
+    <p:spTree>
+      <p:nvGrpSpPr>
+        <p:cNvPr id="1" name=""/>
+        <p:cNvGrpSpPr/>
+        <p:nvPr/>
+      </p:nvGrpSpPr>
+      <p:grpSpPr>
+        <a:xfrm>
+          <a:off x="0" y="0"/>
+          <a:ext cx="0" cy="0"/>
+          <a:chOff x="0" y="0"/>
+          <a:chExt cx="0" cy="0"/>
+        </a:xfrm>
+      </p:grpSpPr>
+      <p:sp>
+        <p:nvSpPr>
+          <p:cNvPr id="2" name="Title 1"/>
+          <p:cNvSpPr>
+            <a:spLocks noGrp="1"/>
+          </p:cNvSpPr>
+          <p:nvPr>
+            <p:ph type="title"/>
+          </p:nvPr>
+        </p:nvSpPr>
+        <p:spPr/>
+        <p:txBody>
+          <a:bodyPr/>
+          <a:lstStyle/>
+          <a:p>
+            <a:r>
+              <a:rPr lang="en-US" dirty="0" smtClean="0"/>
+              <a:t>What is Raven?</a:t>
+            </a:r>
+            <a:endParaRPr lang="en-US" dirty="0"/>
+          </a:p>
+        </p:txBody>
+      </p:sp>
+      <p:sp>
+        <p:nvSpPr>
+          <p:cNvPr id="4" name="Content Placeholder 3"/>
+          <p:cNvSpPr>
+            <a:spLocks noGrp="1"/>
+          </p:cNvSpPr>
+          <p:nvPr>
+            <p:ph idx="1"/>
+          </p:nvPr>
+        </p:nvSpPr>
+        <p:spPr/>
+        <p:txBody>
+          <a:bodyPr/>
+          <a:lstStyle/>
+          <a:p>
+            <a:pPr marL="137160" indent="0">
+              <a:buNone/>
+            </a:pPr>
+            <a:r>
+              <a:rPr lang="en-US" dirty="0"/>
+              <a:t>Raven is a .NET Linq enabled Document Database, focused on </a:t>
+            </a:r>
+            <a:r>
+              <a:rPr lang="en-US" dirty="0" smtClean="0"/>
+              <a:t>providing a </a:t>
+            </a:r>
+            <a:r>
+              <a:rPr lang="en-US" dirty="0"/>
+              <a:t>high performance, schema-less, flexible and scalable NoSQL data store for the .NET and Windows platforms.</a:t>
+            </a:r>
+          </a:p>
+        </p:txBody>
+      </p:sp>
+    </p:spTree>
+    <p:extLst>
+      <p:ext uri="{BB962C8B-B14F-4D97-AF65-F5344CB8AC3E}">
+        <p14:creationId xmlns:p14="http://schemas.microsoft.com/office/powerpoint/2010/main" val="2326518527"/>
+      </p:ext>
+    </p:extLst>
+  </p:cSld>
+  <p:clrMapOvr>
+    <a:masterClrMapping/>
+  </p:clrMapOvr>
+  <p:timing>
+    <p:tnLst>
+      <p:par>
+        <p:cTn id="1" dur="indefinite" restart="never" nodeType="tmRoot">
+          <p:childTnLst>
+            <p:seq concurrent="1" nextAc="seek">
+              <p:cTn id="2" dur="indefinite" nodeType="mainSeq">
+                <p:childTnLst>
+                  <p:par>
+                    <p:cTn id="3" fill="hold">
+                      <p:stCondLst>
+                        <p:cond delay="indefinite"/>
+                      </p:stCondLst>
+                      <p:childTnLst>
+                        <p:par>
+                          <p:cTn id="4" fill="hold">
+                            <p:stCondLst>
+                              <p:cond delay="0"/>
+                            </p:stCondLst>
+                            <p:childTnLst>
+                              <p:par>
+                                <p:cTn id="5" presetID="10" presetClass="entr" presetSubtype="0" fill="hold" grpId="0" nodeType="clickEffect">
+                                  <p:stCondLst>
+                                    <p:cond delay="0"/>
+                                  </p:stCondLst>
+                                  <p:childTnLst>
+                                    <p:set>
+                                      <p:cBhvr>
+                                        <p:cTn id="6" dur="1" fill="hold">
+                                          <p:stCondLst>
+                                            <p:cond delay="0"/>
+                                          </p:stCondLst>
+                                        </p:cTn>
+                                        <p:tgtEl>
+                                          <p:spTgt spid="4">
+                                            <p:txEl>
+                                              <p:pRg st="0" end="0"/>
+                                            </p:txEl>
+                                          </p:spTgt>
+                                        </p:tgtEl>
+                                        <p:attrNameLst>
+                                          <p:attrName>style.visibility</p:attrName>
+                                        </p:attrNameLst>
+                                      </p:cBhvr>
+                                      <p:to>
+                                        <p:strVal val="visible"/>
+                                      </p:to>
+                                    </p:set>
+                                    <p:animEffect transition="in" filter="fade">
+                                      <p:cBhvr>
+                                        <p:cTn id="7" dur="500"/>
+                                        <p:tgtEl>
+                                          <p:spTgt spid="4">
+                                            <p:txEl>
+                                              <p:pRg st="0" end="0"/>
+                                            </p:txEl>
+                                          </p:spTgt>
+                                        </p:tgtEl>
+                                      </p:cBhvr>
+                                    </p:animEffect>
+                                  </p:childTnLst>
+                                </p:cTn>
+                              </p:par>
+                            </p:childTnLst>
+                          </p:cTn>
+                        </p:par>
+                      </p:childTnLst>
+                    </p:cTn>
+                  </p:par>
+                </p:childTnLst>
+              </p:cTn>
+              <p:prevCondLst>
+                <p:cond evt="onPrev" delay="0">
+                  <p:tgtEl>
+                    <p:sldTgt/>
+                  </p:tgtEl>
+                </p:cond>
+              </p:prevCondLst>
+              <p:nextCondLst>
+                <p:cond evt="onNext" delay="0">
+                  <p:tgtEl>
+                    <p:sldTgt/>
+                  </p:tgtEl>
+                </p:cond>
+              </p:nextCondLst>
+            </p:seq>
+          </p:childTnLst>
+        </p:cTn>
+      </p:par>
+    </p:tnLst>
+    <p:bldLst>
+      <p:bldP spid="4" grpId="0" build="p"/>
+    </p:bldLst>
   </p:timing>
 </p:sld>
 </file>
@@ -3887,4 +7596,289 @@
   <a:objectDefaults/>
   <a:extraClrSchemeLst/>
 </a:theme>
+</file>
+
+<file path=ppt/theme/theme2.xml><?xml version="1.0" encoding="utf-8"?>
+<a:theme xmlns:a="http://schemas.openxmlformats.org/drawingml/2006/main" name="Office Theme">
+  <a:themeElements>
+    <a:clrScheme name="Office">
+      <a:dk1>
+        <a:sysClr val="windowText" lastClr="000000"/>
+      </a:dk1>
+      <a:lt1>
+        <a:sysClr val="window" lastClr="FFFFFF"/>
+      </a:lt1>
+      <a:dk2>
+        <a:srgbClr val="1F497D"/>
+      </a:dk2>
+      <a:lt2>
+        <a:srgbClr val="EEECE1"/>
+      </a:lt2>
+      <a:accent1>
+        <a:srgbClr val="4F81BD"/>
+      </a:accent1>
+      <a:accent2>
+        <a:srgbClr val="C0504D"/>
+      </a:accent2>
+      <a:accent3>
+        <a:srgbClr val="9BBB59"/>
+      </a:accent3>
+      <a:accent4>
+        <a:srgbClr val="8064A2"/>
+      </a:accent4>
+      <a:accent5>
+        <a:srgbClr val="4BACC6"/>
+      </a:accent5>
+      <a:accent6>
+        <a:srgbClr val="F79646"/>
+      </a:accent6>
+      <a:hlink>
+        <a:srgbClr val="0000FF"/>
+      </a:hlink>
+      <a:folHlink>
+        <a:srgbClr val="800080"/>
+      </a:folHlink>
+    </a:clrScheme>
+    <a:fontScheme name="Office">
+      <a:majorFont>
+        <a:latin typeface="Calibri"/>
+        <a:ea typeface=""/>
+        <a:cs typeface=""/>
+        <a:font script="Jpan" typeface="ＭＳ Ｐゴシック"/>
+        <a:font script="Hang" typeface="맑은 고딕"/>
+        <a:font script="Hans" typeface="宋体"/>
+        <a:font script="Hant" typeface="新細明體"/>
+        <a:font script="Arab" typeface="Times New Roman"/>
+        <a:font script="Hebr" typeface="Times New Roman"/>
+        <a:font script="Thai" typeface="Angsana New"/>
+        <a:font script="Ethi" typeface="Nyala"/>
+        <a:font script="Beng" typeface="Vrinda"/>
+        <a:font script="Gujr" typeface="Shruti"/>
+        <a:font script="Khmr" typeface="MoolBoran"/>
+        <a:font script="Knda" typeface="Tunga"/>
+        <a:font script="Guru" typeface="Raavi"/>
+        <a:font script="Cans" typeface="Euphemia"/>
+        <a:font script="Cher" typeface="Plantagenet Cherokee"/>
+        <a:font script="Yiii" typeface="Microsoft Yi Baiti"/>
+        <a:font script="Tibt" typeface="Microsoft Himalaya"/>
+        <a:font script="Thaa" typeface="MV Boli"/>
+        <a:font script="Deva" typeface="Mangal"/>
+        <a:font script="Telu" typeface="Gautami"/>
+        <a:font script="Taml" typeface="Latha"/>
+        <a:font script="Syrc" typeface="Estrangelo Edessa"/>
+        <a:font script="Orya" typeface="Kalinga"/>
+        <a:font script="Mlym" typeface="Kartika"/>
+        <a:font script="Laoo" typeface="DokChampa"/>
+        <a:font script="Sinh" typeface="Iskoola Pota"/>
+        <a:font script="Mong" typeface="Mongolian Baiti"/>
+        <a:font script="Viet" typeface="Times New Roman"/>
+        <a:font script="Uigh" typeface="Microsoft Uighur"/>
+        <a:font script="Geor" typeface="Sylfaen"/>
+      </a:majorFont>
+      <a:minorFont>
+        <a:latin typeface="Calibri"/>
+        <a:ea typeface=""/>
+        <a:cs typeface=""/>
+        <a:font script="Jpan" typeface="ＭＳ Ｐゴシック"/>
+        <a:font script="Hang" typeface="맑은 고딕"/>
+        <a:font script="Hans" typeface="宋体"/>
+        <a:font script="Hant" typeface="新細明體"/>
+        <a:font script="Arab" typeface="Arial"/>
+        <a:font script="Hebr" typeface="Arial"/>
+        <a:font script="Thai" typeface="Cordia New"/>
+        <a:font script="Ethi" typeface="Nyala"/>
+        <a:font script="Beng" typeface="Vrinda"/>
+        <a:font script="Gujr" typeface="Shruti"/>
+        <a:font script="Khmr" typeface="DaunPenh"/>
+        <a:font script="Knda" typeface="Tunga"/>
+        <a:font script="Guru" typeface="Raavi"/>
+        <a:font script="Cans" typeface="Euphemia"/>
+        <a:font script="Cher" typeface="Plantagenet Cherokee"/>
+        <a:font script="Yiii" typeface="Microsoft Yi Baiti"/>
+        <a:font script="Tibt" typeface="Microsoft Himalaya"/>
+        <a:font script="Thaa" typeface="MV Boli"/>
+        <a:font script="Deva" typeface="Mangal"/>
+        <a:font script="Telu" typeface="Gautami"/>
+        <a:font script="Taml" typeface="Latha"/>
+        <a:font script="Syrc" typeface="Estrangelo Edessa"/>
+        <a:font script="Orya" typeface="Kalinga"/>
+        <a:font script="Mlym" typeface="Kartika"/>
+        <a:font script="Laoo" typeface="DokChampa"/>
+        <a:font script="Sinh" typeface="Iskoola Pota"/>
+        <a:font script="Mong" typeface="Mongolian Baiti"/>
+        <a:font script="Viet" typeface="Arial"/>
+        <a:font script="Uigh" typeface="Microsoft Uighur"/>
+        <a:font script="Geor" typeface="Sylfaen"/>
+      </a:minorFont>
+    </a:fontScheme>
+    <a:fmtScheme name="Office">
+      <a:fillStyleLst>
+        <a:solidFill>
+          <a:schemeClr val="phClr"/>
+        </a:solidFill>
+        <a:gradFill rotWithShape="1">
+          <a:gsLst>
+            <a:gs pos="0">
+              <a:schemeClr val="phClr">
+                <a:tint val="50000"/>
+                <a:satMod val="300000"/>
+              </a:schemeClr>
+            </a:gs>
+            <a:gs pos="35000">
+              <a:schemeClr val="phClr">
+                <a:tint val="37000"/>
+                <a:satMod val="300000"/>
+              </a:schemeClr>
+            </a:gs>
+            <a:gs pos="100000">
+              <a:schemeClr val="phClr">
+                <a:tint val="15000"/>
+                <a:satMod val="350000"/>
+              </a:schemeClr>
+            </a:gs>
+          </a:gsLst>
+          <a:lin ang="16200000" scaled="1"/>
+        </a:gradFill>
+        <a:gradFill rotWithShape="1">
+          <a:gsLst>
+            <a:gs pos="0">
+              <a:schemeClr val="phClr">
+                <a:shade val="51000"/>
+                <a:satMod val="130000"/>
+              </a:schemeClr>
+            </a:gs>
+            <a:gs pos="80000">
+              <a:schemeClr val="phClr">
+                <a:shade val="93000"/>
+                <a:satMod val="130000"/>
+              </a:schemeClr>
+            </a:gs>
+            <a:gs pos="100000">
+              <a:schemeClr val="phClr">
+                <a:shade val="94000"/>
+                <a:satMod val="135000"/>
+              </a:schemeClr>
+            </a:gs>
+          </a:gsLst>
+          <a:lin ang="16200000" scaled="0"/>
+        </a:gradFill>
+      </a:fillStyleLst>
+      <a:lnStyleLst>
+        <a:ln w="9525" cap="flat" cmpd="sng" algn="ctr">
+          <a:solidFill>
+            <a:schemeClr val="phClr">
+              <a:shade val="95000"/>
+              <a:satMod val="105000"/>
+            </a:schemeClr>
+          </a:solidFill>
+          <a:prstDash val="solid"/>
+        </a:ln>
+        <a:ln w="25400" cap="flat" cmpd="sng" algn="ctr">
+          <a:solidFill>
+            <a:schemeClr val="phClr"/>
+          </a:solidFill>
+          <a:prstDash val="solid"/>
+        </a:ln>
+        <a:ln w="38100" cap="flat" cmpd="sng" algn="ctr">
+          <a:solidFill>
+            <a:schemeClr val="phClr"/>
+          </a:solidFill>
+          <a:prstDash val="solid"/>
+        </a:ln>
+      </a:lnStyleLst>
+      <a:effectStyleLst>
+        <a:effectStyle>
+          <a:effectLst>
+            <a:outerShdw blurRad="40000" dist="20000" dir="5400000" rotWithShape="0">
+              <a:srgbClr val="000000">
+                <a:alpha val="38000"/>
+              </a:srgbClr>
+            </a:outerShdw>
+          </a:effectLst>
+        </a:effectStyle>
+        <a:effectStyle>
+          <a:effectLst>
+            <a:outerShdw blurRad="40000" dist="23000" dir="5400000" rotWithShape="0">
+              <a:srgbClr val="000000">
+                <a:alpha val="35000"/>
+              </a:srgbClr>
+            </a:outerShdw>
+          </a:effectLst>
+        </a:effectStyle>
+        <a:effectStyle>
+          <a:effectLst>
+            <a:outerShdw blurRad="40000" dist="23000" dir="5400000" rotWithShape="0">
+              <a:srgbClr val="000000">
+                <a:alpha val="35000"/>
+              </a:srgbClr>
+            </a:outerShdw>
+          </a:effectLst>
+          <a:scene3d>
+            <a:camera prst="orthographicFront">
+              <a:rot lat="0" lon="0" rev="0"/>
+            </a:camera>
+            <a:lightRig rig="threePt" dir="t">
+              <a:rot lat="0" lon="0" rev="1200000"/>
+            </a:lightRig>
+          </a:scene3d>
+          <a:sp3d>
+            <a:bevelT w="63500" h="25400"/>
+          </a:sp3d>
+        </a:effectStyle>
+      </a:effectStyleLst>
+      <a:bgFillStyleLst>
+        <a:solidFill>
+          <a:schemeClr val="phClr"/>
+        </a:solidFill>
+        <a:gradFill rotWithShape="1">
+          <a:gsLst>
+            <a:gs pos="0">
+              <a:schemeClr val="phClr">
+                <a:tint val="40000"/>
+                <a:satMod val="350000"/>
+              </a:schemeClr>
+            </a:gs>
+            <a:gs pos="40000">
+              <a:schemeClr val="phClr">
+                <a:tint val="45000"/>
+                <a:shade val="99000"/>
+                <a:satMod val="350000"/>
+              </a:schemeClr>
+            </a:gs>
+            <a:gs pos="100000">
+              <a:schemeClr val="phClr">
+                <a:shade val="20000"/>
+                <a:satMod val="255000"/>
+              </a:schemeClr>
+            </a:gs>
+          </a:gsLst>
+          <a:path path="circle">
+            <a:fillToRect l="50000" t="-80000" r="50000" b="180000"/>
+          </a:path>
+        </a:gradFill>
+        <a:gradFill rotWithShape="1">
+          <a:gsLst>
+            <a:gs pos="0">
+              <a:schemeClr val="phClr">
+                <a:tint val="80000"/>
+                <a:satMod val="300000"/>
+              </a:schemeClr>
+            </a:gs>
+            <a:gs pos="100000">
+              <a:schemeClr val="phClr">
+                <a:shade val="30000"/>
+                <a:satMod val="200000"/>
+              </a:schemeClr>
+            </a:gs>
+          </a:gsLst>
+          <a:path path="circle">
+            <a:fillToRect l="50000" t="50000" r="50000" b="50000"/>
+          </a:path>
+        </a:gradFill>
+      </a:bgFillStyleLst>
+    </a:fmtScheme>
+  </a:themeElements>
+  <a:objectDefaults/>
+  <a:extraClrSchemeLst/>
+</a:theme>
 </file>
--- a/raven_nancy_slides.pptx
+++ b/raven_nancy_slides.pptx
@@ -3,28 +3,30 @@
 <p:presentation xmlns:a="http://schemas.openxmlformats.org/drawingml/2006/main" xmlns:r="http://schemas.openxmlformats.org/officeDocument/2006/relationships" xmlns:p="http://schemas.openxmlformats.org/presentationml/2006/main" saveSubsetFonts="1">
   <p:sldMasterIdLst>
     <p:sldMasterId id="2147483732" r:id="rId1"/>
+    <p:sldMasterId id="2147483744" r:id="rId2"/>
   </p:sldMasterIdLst>
   <p:notesMasterIdLst>
-    <p:notesMasterId r:id="rId19"/>
+    <p:notesMasterId r:id="rId21"/>
   </p:notesMasterIdLst>
   <p:sldIdLst>
-    <p:sldId id="256" r:id="rId2"/>
-    <p:sldId id="257" r:id="rId3"/>
-    <p:sldId id="267" r:id="rId4"/>
-    <p:sldId id="258" r:id="rId5"/>
-    <p:sldId id="259" r:id="rId6"/>
-    <p:sldId id="260" r:id="rId7"/>
-    <p:sldId id="261" r:id="rId8"/>
-    <p:sldId id="268" r:id="rId9"/>
-    <p:sldId id="269" r:id="rId10"/>
-    <p:sldId id="270" r:id="rId11"/>
-    <p:sldId id="271" r:id="rId12"/>
-    <p:sldId id="272" r:id="rId13"/>
-    <p:sldId id="262" r:id="rId14"/>
-    <p:sldId id="263" r:id="rId15"/>
-    <p:sldId id="266" r:id="rId16"/>
-    <p:sldId id="264" r:id="rId17"/>
-    <p:sldId id="265" r:id="rId18"/>
+    <p:sldId id="273" r:id="rId3"/>
+    <p:sldId id="256" r:id="rId4"/>
+    <p:sldId id="257" r:id="rId5"/>
+    <p:sldId id="267" r:id="rId6"/>
+    <p:sldId id="258" r:id="rId7"/>
+    <p:sldId id="259" r:id="rId8"/>
+    <p:sldId id="260" r:id="rId9"/>
+    <p:sldId id="261" r:id="rId10"/>
+    <p:sldId id="268" r:id="rId11"/>
+    <p:sldId id="269" r:id="rId12"/>
+    <p:sldId id="270" r:id="rId13"/>
+    <p:sldId id="271" r:id="rId14"/>
+    <p:sldId id="272" r:id="rId15"/>
+    <p:sldId id="262" r:id="rId16"/>
+    <p:sldId id="263" r:id="rId17"/>
+    <p:sldId id="266" r:id="rId18"/>
+    <p:sldId id="264" r:id="rId19"/>
+    <p:sldId id="265" r:id="rId20"/>
   </p:sldIdLst>
   <p:sldSz cx="9144000" cy="6858000" type="screen4x3"/>
   <p:notesSz cx="6858000" cy="9144000"/>
@@ -208,7 +210,7 @@
           <a:p>
             <a:fld id="{92E78090-F871-4603-9BA9-1BEE2828B686}" type="datetimeFigureOut">
               <a:rPr lang="en-US" smtClean="0"/>
-              <a:t>8/10/2011</a:t>
+              <a:t>8/11/2011</a:t>
             </a:fld>
             <a:endParaRPr lang="en-US"/>
           </a:p>
@@ -541,7 +543,7 @@
           <a:p>
             <a:fld id="{437B0A2B-24B4-470C-B6D7-7A11D8AA68BF}" type="slidenum">
               <a:rPr lang="en-US" smtClean="0"/>
-              <a:t>15</a:t>
+              <a:t>16</a:t>
             </a:fld>
             <a:endParaRPr lang="en-US"/>
           </a:p>
@@ -671,7 +673,7 @@
           <a:p>
             <a:fld id="{43EC599E-0048-4E82-BBFA-6776EA2C4AB2}" type="datetimeFigureOut">
               <a:rPr lang="en-US" smtClean="0"/>
-              <a:t>8/10/2011</a:t>
+              <a:t>8/11/2011</a:t>
             </a:fld>
             <a:endParaRPr lang="en-US"/>
           </a:p>
@@ -897,7 +899,7 @@
           <a:p>
             <a:fld id="{43EC599E-0048-4E82-BBFA-6776EA2C4AB2}" type="datetimeFigureOut">
               <a:rPr lang="en-US" smtClean="0"/>
-              <a:t>8/10/2011</a:t>
+              <a:t>8/11/2011</a:t>
             </a:fld>
             <a:endParaRPr lang="en-US"/>
           </a:p>
@@ -1072,7 +1074,7 @@
           <a:p>
             <a:fld id="{43EC599E-0048-4E82-BBFA-6776EA2C4AB2}" type="datetimeFigureOut">
               <a:rPr lang="en-US" smtClean="0"/>
-              <a:t>8/10/2011</a:t>
+              <a:t>8/11/2011</a:t>
             </a:fld>
             <a:endParaRPr lang="en-US"/>
           </a:p>
@@ -1121,6 +1123,2120 @@
         </p:txBody>
       </p:sp>
     </p:spTree>
+  </p:cSld>
+  <p:clrMapOvr>
+    <a:masterClrMapping/>
+  </p:clrMapOvr>
+</p:sldLayout>
+</file>
+
+<file path=ppt/slideLayouts/slideLayout12.xml><?xml version="1.0" encoding="utf-8"?>
+<p:sldLayout xmlns:a="http://schemas.openxmlformats.org/drawingml/2006/main" xmlns:r="http://schemas.openxmlformats.org/officeDocument/2006/relationships" xmlns:p="http://schemas.openxmlformats.org/presentationml/2006/main" type="title" preserve="1">
+  <p:cSld name="Title Slide">
+    <p:spTree>
+      <p:nvGrpSpPr>
+        <p:cNvPr id="1" name=""/>
+        <p:cNvGrpSpPr/>
+        <p:nvPr/>
+      </p:nvGrpSpPr>
+      <p:grpSpPr>
+        <a:xfrm>
+          <a:off x="0" y="0"/>
+          <a:ext cx="0" cy="0"/>
+          <a:chOff x="0" y="0"/>
+          <a:chExt cx="0" cy="0"/>
+        </a:xfrm>
+      </p:grpSpPr>
+      <p:sp>
+        <p:nvSpPr>
+          <p:cNvPr id="2" name="Title 1"/>
+          <p:cNvSpPr>
+            <a:spLocks noGrp="1"/>
+          </p:cNvSpPr>
+          <p:nvPr>
+            <p:ph type="ctrTitle"/>
+          </p:nvPr>
+        </p:nvSpPr>
+        <p:spPr>
+          <a:xfrm>
+            <a:off x="685800" y="2130425"/>
+            <a:ext cx="7772400" cy="1470025"/>
+          </a:xfrm>
+        </p:spPr>
+        <p:txBody>
+          <a:bodyPr/>
+          <a:lstStyle/>
+          <a:p>
+            <a:r>
+              <a:rPr lang="en-US" smtClean="0"/>
+              <a:t>Click to edit Master title style</a:t>
+            </a:r>
+            <a:endParaRPr lang="en-US"/>
+          </a:p>
+        </p:txBody>
+      </p:sp>
+      <p:sp>
+        <p:nvSpPr>
+          <p:cNvPr id="3" name="Subtitle 2"/>
+          <p:cNvSpPr>
+            <a:spLocks noGrp="1"/>
+          </p:cNvSpPr>
+          <p:nvPr>
+            <p:ph type="subTitle" idx="1"/>
+          </p:nvPr>
+        </p:nvSpPr>
+        <p:spPr>
+          <a:xfrm>
+            <a:off x="1371600" y="3886200"/>
+            <a:ext cx="6400800" cy="1752600"/>
+          </a:xfrm>
+        </p:spPr>
+        <p:txBody>
+          <a:bodyPr/>
+          <a:lstStyle>
+            <a:lvl1pPr marL="0" indent="0" algn="ctr">
+              <a:buNone/>
+              <a:defRPr>
+                <a:solidFill>
+                  <a:schemeClr val="tx1">
+                    <a:tint val="75000"/>
+                  </a:schemeClr>
+                </a:solidFill>
+              </a:defRPr>
+            </a:lvl1pPr>
+            <a:lvl2pPr marL="457200" indent="0" algn="ctr">
+              <a:buNone/>
+              <a:defRPr>
+                <a:solidFill>
+                  <a:schemeClr val="tx1">
+                    <a:tint val="75000"/>
+                  </a:schemeClr>
+                </a:solidFill>
+              </a:defRPr>
+            </a:lvl2pPr>
+            <a:lvl3pPr marL="914400" indent="0" algn="ctr">
+              <a:buNone/>
+              <a:defRPr>
+                <a:solidFill>
+                  <a:schemeClr val="tx1">
+                    <a:tint val="75000"/>
+                  </a:schemeClr>
+                </a:solidFill>
+              </a:defRPr>
+            </a:lvl3pPr>
+            <a:lvl4pPr marL="1371600" indent="0" algn="ctr">
+              <a:buNone/>
+              <a:defRPr>
+                <a:solidFill>
+                  <a:schemeClr val="tx1">
+                    <a:tint val="75000"/>
+                  </a:schemeClr>
+                </a:solidFill>
+              </a:defRPr>
+            </a:lvl4pPr>
+            <a:lvl5pPr marL="1828800" indent="0" algn="ctr">
+              <a:buNone/>
+              <a:defRPr>
+                <a:solidFill>
+                  <a:schemeClr val="tx1">
+                    <a:tint val="75000"/>
+                  </a:schemeClr>
+                </a:solidFill>
+              </a:defRPr>
+            </a:lvl5pPr>
+            <a:lvl6pPr marL="2286000" indent="0" algn="ctr">
+              <a:buNone/>
+              <a:defRPr>
+                <a:solidFill>
+                  <a:schemeClr val="tx1">
+                    <a:tint val="75000"/>
+                  </a:schemeClr>
+                </a:solidFill>
+              </a:defRPr>
+            </a:lvl6pPr>
+            <a:lvl7pPr marL="2743200" indent="0" algn="ctr">
+              <a:buNone/>
+              <a:defRPr>
+                <a:solidFill>
+                  <a:schemeClr val="tx1">
+                    <a:tint val="75000"/>
+                  </a:schemeClr>
+                </a:solidFill>
+              </a:defRPr>
+            </a:lvl7pPr>
+            <a:lvl8pPr marL="3200400" indent="0" algn="ctr">
+              <a:buNone/>
+              <a:defRPr>
+                <a:solidFill>
+                  <a:schemeClr val="tx1">
+                    <a:tint val="75000"/>
+                  </a:schemeClr>
+                </a:solidFill>
+              </a:defRPr>
+            </a:lvl8pPr>
+            <a:lvl9pPr marL="3657600" indent="0" algn="ctr">
+              <a:buNone/>
+              <a:defRPr>
+                <a:solidFill>
+                  <a:schemeClr val="tx1">
+                    <a:tint val="75000"/>
+                  </a:schemeClr>
+                </a:solidFill>
+              </a:defRPr>
+            </a:lvl9pPr>
+          </a:lstStyle>
+          <a:p>
+            <a:r>
+              <a:rPr lang="en-US" smtClean="0"/>
+              <a:t>Click to edit Master subtitle style</a:t>
+            </a:r>
+            <a:endParaRPr lang="en-US"/>
+          </a:p>
+        </p:txBody>
+      </p:sp>
+      <p:sp>
+        <p:nvSpPr>
+          <p:cNvPr id="4" name="Date Placeholder 3"/>
+          <p:cNvSpPr>
+            <a:spLocks noGrp="1"/>
+          </p:cNvSpPr>
+          <p:nvPr>
+            <p:ph type="dt" sz="half" idx="10"/>
+          </p:nvPr>
+        </p:nvSpPr>
+        <p:spPr/>
+        <p:txBody>
+          <a:bodyPr/>
+          <a:lstStyle/>
+          <a:p>
+            <a:fld id="{471D20A6-8A7A-4372-BDB2-49DFC7C7084E}" type="datetimeFigureOut">
+              <a:rPr lang="en-US" smtClean="0">
+                <a:solidFill>
+                  <a:prstClr val="black">
+                    <a:tint val="75000"/>
+                  </a:prstClr>
+                </a:solidFill>
+              </a:rPr>
+              <a:pPr/>
+              <a:t>8/11/2011</a:t>
+            </a:fld>
+            <a:endParaRPr lang="en-US">
+              <a:solidFill>
+                <a:prstClr val="black">
+                  <a:tint val="75000"/>
+                </a:prstClr>
+              </a:solidFill>
+            </a:endParaRPr>
+          </a:p>
+        </p:txBody>
+      </p:sp>
+      <p:sp>
+        <p:nvSpPr>
+          <p:cNvPr id="5" name="Footer Placeholder 4"/>
+          <p:cNvSpPr>
+            <a:spLocks noGrp="1"/>
+          </p:cNvSpPr>
+          <p:nvPr>
+            <p:ph type="ftr" sz="quarter" idx="11"/>
+          </p:nvPr>
+        </p:nvSpPr>
+        <p:spPr/>
+        <p:txBody>
+          <a:bodyPr/>
+          <a:lstStyle/>
+          <a:p>
+            <a:endParaRPr lang="en-US">
+              <a:solidFill>
+                <a:prstClr val="black">
+                  <a:tint val="75000"/>
+                </a:prstClr>
+              </a:solidFill>
+            </a:endParaRPr>
+          </a:p>
+        </p:txBody>
+      </p:sp>
+      <p:sp>
+        <p:nvSpPr>
+          <p:cNvPr id="6" name="Slide Number Placeholder 5"/>
+          <p:cNvSpPr>
+            <a:spLocks noGrp="1"/>
+          </p:cNvSpPr>
+          <p:nvPr>
+            <p:ph type="sldNum" sz="quarter" idx="12"/>
+          </p:nvPr>
+        </p:nvSpPr>
+        <p:spPr/>
+        <p:txBody>
+          <a:bodyPr/>
+          <a:lstStyle/>
+          <a:p>
+            <a:fld id="{FC4E75FB-A485-4C07-9F3B-1B8A6C2562B4}" type="slidenum">
+              <a:rPr lang="en-US" smtClean="0">
+                <a:solidFill>
+                  <a:prstClr val="black">
+                    <a:tint val="75000"/>
+                  </a:prstClr>
+                </a:solidFill>
+              </a:rPr>
+              <a:pPr/>
+              <a:t>‹#›</a:t>
+            </a:fld>
+            <a:endParaRPr lang="en-US">
+              <a:solidFill>
+                <a:prstClr val="black">
+                  <a:tint val="75000"/>
+                </a:prstClr>
+              </a:solidFill>
+            </a:endParaRPr>
+          </a:p>
+        </p:txBody>
+      </p:sp>
+    </p:spTree>
+    <p:extLst>
+      <p:ext uri="{BB962C8B-B14F-4D97-AF65-F5344CB8AC3E}">
+        <p14:creationId xmlns:p14="http://schemas.microsoft.com/office/powerpoint/2010/main" val="3863836790"/>
+      </p:ext>
+    </p:extLst>
+  </p:cSld>
+  <p:clrMapOvr>
+    <a:masterClrMapping/>
+  </p:clrMapOvr>
+</p:sldLayout>
+</file>
+
+<file path=ppt/slideLayouts/slideLayout13.xml><?xml version="1.0" encoding="utf-8"?>
+<p:sldLayout xmlns:a="http://schemas.openxmlformats.org/drawingml/2006/main" xmlns:r="http://schemas.openxmlformats.org/officeDocument/2006/relationships" xmlns:p="http://schemas.openxmlformats.org/presentationml/2006/main" type="obj" preserve="1">
+  <p:cSld name="Title and Content">
+    <p:spTree>
+      <p:nvGrpSpPr>
+        <p:cNvPr id="1" name=""/>
+        <p:cNvGrpSpPr/>
+        <p:nvPr/>
+      </p:nvGrpSpPr>
+      <p:grpSpPr>
+        <a:xfrm>
+          <a:off x="0" y="0"/>
+          <a:ext cx="0" cy="0"/>
+          <a:chOff x="0" y="0"/>
+          <a:chExt cx="0" cy="0"/>
+        </a:xfrm>
+      </p:grpSpPr>
+      <p:sp>
+        <p:nvSpPr>
+          <p:cNvPr id="2" name="Title 1"/>
+          <p:cNvSpPr>
+            <a:spLocks noGrp="1"/>
+          </p:cNvSpPr>
+          <p:nvPr>
+            <p:ph type="title"/>
+          </p:nvPr>
+        </p:nvSpPr>
+        <p:spPr/>
+        <p:txBody>
+          <a:bodyPr/>
+          <a:lstStyle/>
+          <a:p>
+            <a:r>
+              <a:rPr lang="en-US" smtClean="0"/>
+              <a:t>Click to edit Master title style</a:t>
+            </a:r>
+            <a:endParaRPr lang="en-US"/>
+          </a:p>
+        </p:txBody>
+      </p:sp>
+      <p:sp>
+        <p:nvSpPr>
+          <p:cNvPr id="3" name="Content Placeholder 2"/>
+          <p:cNvSpPr>
+            <a:spLocks noGrp="1"/>
+          </p:cNvSpPr>
+          <p:nvPr>
+            <p:ph idx="1"/>
+          </p:nvPr>
+        </p:nvSpPr>
+        <p:spPr/>
+        <p:txBody>
+          <a:bodyPr/>
+          <a:lstStyle/>
+          <a:p>
+            <a:pPr lvl="0"/>
+            <a:r>
+              <a:rPr lang="en-US" smtClean="0"/>
+              <a:t>Click to edit Master text styles</a:t>
+            </a:r>
+          </a:p>
+          <a:p>
+            <a:pPr lvl="1"/>
+            <a:r>
+              <a:rPr lang="en-US" smtClean="0"/>
+              <a:t>Second level</a:t>
+            </a:r>
+          </a:p>
+          <a:p>
+            <a:pPr lvl="2"/>
+            <a:r>
+              <a:rPr lang="en-US" smtClean="0"/>
+              <a:t>Third level</a:t>
+            </a:r>
+          </a:p>
+          <a:p>
+            <a:pPr lvl="3"/>
+            <a:r>
+              <a:rPr lang="en-US" smtClean="0"/>
+              <a:t>Fourth level</a:t>
+            </a:r>
+          </a:p>
+          <a:p>
+            <a:pPr lvl="4"/>
+            <a:r>
+              <a:rPr lang="en-US" smtClean="0"/>
+              <a:t>Fifth level</a:t>
+            </a:r>
+            <a:endParaRPr lang="en-US"/>
+          </a:p>
+        </p:txBody>
+      </p:sp>
+      <p:sp>
+        <p:nvSpPr>
+          <p:cNvPr id="4" name="Date Placeholder 3"/>
+          <p:cNvSpPr>
+            <a:spLocks noGrp="1"/>
+          </p:cNvSpPr>
+          <p:nvPr>
+            <p:ph type="dt" sz="half" idx="10"/>
+          </p:nvPr>
+        </p:nvSpPr>
+        <p:spPr/>
+        <p:txBody>
+          <a:bodyPr/>
+          <a:lstStyle/>
+          <a:p>
+            <a:fld id="{471D20A6-8A7A-4372-BDB2-49DFC7C7084E}" type="datetimeFigureOut">
+              <a:rPr lang="en-US" smtClean="0">
+                <a:solidFill>
+                  <a:prstClr val="black">
+                    <a:tint val="75000"/>
+                  </a:prstClr>
+                </a:solidFill>
+              </a:rPr>
+              <a:pPr/>
+              <a:t>8/11/2011</a:t>
+            </a:fld>
+            <a:endParaRPr lang="en-US">
+              <a:solidFill>
+                <a:prstClr val="black">
+                  <a:tint val="75000"/>
+                </a:prstClr>
+              </a:solidFill>
+            </a:endParaRPr>
+          </a:p>
+        </p:txBody>
+      </p:sp>
+      <p:sp>
+        <p:nvSpPr>
+          <p:cNvPr id="5" name="Footer Placeholder 4"/>
+          <p:cNvSpPr>
+            <a:spLocks noGrp="1"/>
+          </p:cNvSpPr>
+          <p:nvPr>
+            <p:ph type="ftr" sz="quarter" idx="11"/>
+          </p:nvPr>
+        </p:nvSpPr>
+        <p:spPr/>
+        <p:txBody>
+          <a:bodyPr/>
+          <a:lstStyle/>
+          <a:p>
+            <a:endParaRPr lang="en-US">
+              <a:solidFill>
+                <a:prstClr val="black">
+                  <a:tint val="75000"/>
+                </a:prstClr>
+              </a:solidFill>
+            </a:endParaRPr>
+          </a:p>
+        </p:txBody>
+      </p:sp>
+      <p:sp>
+        <p:nvSpPr>
+          <p:cNvPr id="6" name="Slide Number Placeholder 5"/>
+          <p:cNvSpPr>
+            <a:spLocks noGrp="1"/>
+          </p:cNvSpPr>
+          <p:nvPr>
+            <p:ph type="sldNum" sz="quarter" idx="12"/>
+          </p:nvPr>
+        </p:nvSpPr>
+        <p:spPr/>
+        <p:txBody>
+          <a:bodyPr/>
+          <a:lstStyle/>
+          <a:p>
+            <a:fld id="{FC4E75FB-A485-4C07-9F3B-1B8A6C2562B4}" type="slidenum">
+              <a:rPr lang="en-US" smtClean="0">
+                <a:solidFill>
+                  <a:prstClr val="black">
+                    <a:tint val="75000"/>
+                  </a:prstClr>
+                </a:solidFill>
+              </a:rPr>
+              <a:pPr/>
+              <a:t>‹#›</a:t>
+            </a:fld>
+            <a:endParaRPr lang="en-US">
+              <a:solidFill>
+                <a:prstClr val="black">
+                  <a:tint val="75000"/>
+                </a:prstClr>
+              </a:solidFill>
+            </a:endParaRPr>
+          </a:p>
+        </p:txBody>
+      </p:sp>
+    </p:spTree>
+    <p:extLst>
+      <p:ext uri="{BB962C8B-B14F-4D97-AF65-F5344CB8AC3E}">
+        <p14:creationId xmlns:p14="http://schemas.microsoft.com/office/powerpoint/2010/main" val="1709173032"/>
+      </p:ext>
+    </p:extLst>
+  </p:cSld>
+  <p:clrMapOvr>
+    <a:masterClrMapping/>
+  </p:clrMapOvr>
+</p:sldLayout>
+</file>
+
+<file path=ppt/slideLayouts/slideLayout14.xml><?xml version="1.0" encoding="utf-8"?>
+<p:sldLayout xmlns:a="http://schemas.openxmlformats.org/drawingml/2006/main" xmlns:r="http://schemas.openxmlformats.org/officeDocument/2006/relationships" xmlns:p="http://schemas.openxmlformats.org/presentationml/2006/main" type="secHead" preserve="1">
+  <p:cSld name="Section Header">
+    <p:spTree>
+      <p:nvGrpSpPr>
+        <p:cNvPr id="1" name=""/>
+        <p:cNvGrpSpPr/>
+        <p:nvPr/>
+      </p:nvGrpSpPr>
+      <p:grpSpPr>
+        <a:xfrm>
+          <a:off x="0" y="0"/>
+          <a:ext cx="0" cy="0"/>
+          <a:chOff x="0" y="0"/>
+          <a:chExt cx="0" cy="0"/>
+        </a:xfrm>
+      </p:grpSpPr>
+      <p:sp>
+        <p:nvSpPr>
+          <p:cNvPr id="2" name="Title 1"/>
+          <p:cNvSpPr>
+            <a:spLocks noGrp="1"/>
+          </p:cNvSpPr>
+          <p:nvPr>
+            <p:ph type="title"/>
+          </p:nvPr>
+        </p:nvSpPr>
+        <p:spPr>
+          <a:xfrm>
+            <a:off x="722313" y="4406900"/>
+            <a:ext cx="7772400" cy="1362075"/>
+          </a:xfrm>
+        </p:spPr>
+        <p:txBody>
+          <a:bodyPr anchor="t"/>
+          <a:lstStyle>
+            <a:lvl1pPr algn="l">
+              <a:defRPr sz="4000" b="1" cap="all"/>
+            </a:lvl1pPr>
+          </a:lstStyle>
+          <a:p>
+            <a:r>
+              <a:rPr lang="en-US" smtClean="0"/>
+              <a:t>Click to edit Master title style</a:t>
+            </a:r>
+            <a:endParaRPr lang="en-US"/>
+          </a:p>
+        </p:txBody>
+      </p:sp>
+      <p:sp>
+        <p:nvSpPr>
+          <p:cNvPr id="3" name="Text Placeholder 2"/>
+          <p:cNvSpPr>
+            <a:spLocks noGrp="1"/>
+          </p:cNvSpPr>
+          <p:nvPr>
+            <p:ph type="body" idx="1"/>
+          </p:nvPr>
+        </p:nvSpPr>
+        <p:spPr>
+          <a:xfrm>
+            <a:off x="722313" y="2906713"/>
+            <a:ext cx="7772400" cy="1500187"/>
+          </a:xfrm>
+        </p:spPr>
+        <p:txBody>
+          <a:bodyPr anchor="b"/>
+          <a:lstStyle>
+            <a:lvl1pPr marL="0" indent="0">
+              <a:buNone/>
+              <a:defRPr sz="2000">
+                <a:solidFill>
+                  <a:schemeClr val="tx1">
+                    <a:tint val="75000"/>
+                  </a:schemeClr>
+                </a:solidFill>
+              </a:defRPr>
+            </a:lvl1pPr>
+            <a:lvl2pPr marL="457200" indent="0">
+              <a:buNone/>
+              <a:defRPr sz="1800">
+                <a:solidFill>
+                  <a:schemeClr val="tx1">
+                    <a:tint val="75000"/>
+                  </a:schemeClr>
+                </a:solidFill>
+              </a:defRPr>
+            </a:lvl2pPr>
+            <a:lvl3pPr marL="914400" indent="0">
+              <a:buNone/>
+              <a:defRPr sz="1600">
+                <a:solidFill>
+                  <a:schemeClr val="tx1">
+                    <a:tint val="75000"/>
+                  </a:schemeClr>
+                </a:solidFill>
+              </a:defRPr>
+            </a:lvl3pPr>
+            <a:lvl4pPr marL="1371600" indent="0">
+              <a:buNone/>
+              <a:defRPr sz="1400">
+                <a:solidFill>
+                  <a:schemeClr val="tx1">
+                    <a:tint val="75000"/>
+                  </a:schemeClr>
+                </a:solidFill>
+              </a:defRPr>
+            </a:lvl4pPr>
+            <a:lvl5pPr marL="1828800" indent="0">
+              <a:buNone/>
+              <a:defRPr sz="1400">
+                <a:solidFill>
+                  <a:schemeClr val="tx1">
+                    <a:tint val="75000"/>
+                  </a:schemeClr>
+                </a:solidFill>
+              </a:defRPr>
+            </a:lvl5pPr>
+            <a:lvl6pPr marL="2286000" indent="0">
+              <a:buNone/>
+              <a:defRPr sz="1400">
+                <a:solidFill>
+                  <a:schemeClr val="tx1">
+                    <a:tint val="75000"/>
+                  </a:schemeClr>
+                </a:solidFill>
+              </a:defRPr>
+            </a:lvl6pPr>
+            <a:lvl7pPr marL="2743200" indent="0">
+              <a:buNone/>
+              <a:defRPr sz="1400">
+                <a:solidFill>
+                  <a:schemeClr val="tx1">
+                    <a:tint val="75000"/>
+                  </a:schemeClr>
+                </a:solidFill>
+              </a:defRPr>
+            </a:lvl7pPr>
+            <a:lvl8pPr marL="3200400" indent="0">
+              <a:buNone/>
+              <a:defRPr sz="1400">
+                <a:solidFill>
+                  <a:schemeClr val="tx1">
+                    <a:tint val="75000"/>
+                  </a:schemeClr>
+                </a:solidFill>
+              </a:defRPr>
+            </a:lvl8pPr>
+            <a:lvl9pPr marL="3657600" indent="0">
+              <a:buNone/>
+              <a:defRPr sz="1400">
+                <a:solidFill>
+                  <a:schemeClr val="tx1">
+                    <a:tint val="75000"/>
+                  </a:schemeClr>
+                </a:solidFill>
+              </a:defRPr>
+            </a:lvl9pPr>
+          </a:lstStyle>
+          <a:p>
+            <a:pPr lvl="0"/>
+            <a:r>
+              <a:rPr lang="en-US" smtClean="0"/>
+              <a:t>Click to edit Master text styles</a:t>
+            </a:r>
+          </a:p>
+        </p:txBody>
+      </p:sp>
+      <p:sp>
+        <p:nvSpPr>
+          <p:cNvPr id="4" name="Date Placeholder 3"/>
+          <p:cNvSpPr>
+            <a:spLocks noGrp="1"/>
+          </p:cNvSpPr>
+          <p:nvPr>
+            <p:ph type="dt" sz="half" idx="10"/>
+          </p:nvPr>
+        </p:nvSpPr>
+        <p:spPr/>
+        <p:txBody>
+          <a:bodyPr/>
+          <a:lstStyle/>
+          <a:p>
+            <a:fld id="{471D20A6-8A7A-4372-BDB2-49DFC7C7084E}" type="datetimeFigureOut">
+              <a:rPr lang="en-US" smtClean="0">
+                <a:solidFill>
+                  <a:prstClr val="black">
+                    <a:tint val="75000"/>
+                  </a:prstClr>
+                </a:solidFill>
+              </a:rPr>
+              <a:pPr/>
+              <a:t>8/11/2011</a:t>
+            </a:fld>
+            <a:endParaRPr lang="en-US">
+              <a:solidFill>
+                <a:prstClr val="black">
+                  <a:tint val="75000"/>
+                </a:prstClr>
+              </a:solidFill>
+            </a:endParaRPr>
+          </a:p>
+        </p:txBody>
+      </p:sp>
+      <p:sp>
+        <p:nvSpPr>
+          <p:cNvPr id="5" name="Footer Placeholder 4"/>
+          <p:cNvSpPr>
+            <a:spLocks noGrp="1"/>
+          </p:cNvSpPr>
+          <p:nvPr>
+            <p:ph type="ftr" sz="quarter" idx="11"/>
+          </p:nvPr>
+        </p:nvSpPr>
+        <p:spPr/>
+        <p:txBody>
+          <a:bodyPr/>
+          <a:lstStyle/>
+          <a:p>
+            <a:endParaRPr lang="en-US">
+              <a:solidFill>
+                <a:prstClr val="black">
+                  <a:tint val="75000"/>
+                </a:prstClr>
+              </a:solidFill>
+            </a:endParaRPr>
+          </a:p>
+        </p:txBody>
+      </p:sp>
+      <p:sp>
+        <p:nvSpPr>
+          <p:cNvPr id="6" name="Slide Number Placeholder 5"/>
+          <p:cNvSpPr>
+            <a:spLocks noGrp="1"/>
+          </p:cNvSpPr>
+          <p:nvPr>
+            <p:ph type="sldNum" sz="quarter" idx="12"/>
+          </p:nvPr>
+        </p:nvSpPr>
+        <p:spPr/>
+        <p:txBody>
+          <a:bodyPr/>
+          <a:lstStyle/>
+          <a:p>
+            <a:fld id="{FC4E75FB-A485-4C07-9F3B-1B8A6C2562B4}" type="slidenum">
+              <a:rPr lang="en-US" smtClean="0">
+                <a:solidFill>
+                  <a:prstClr val="black">
+                    <a:tint val="75000"/>
+                  </a:prstClr>
+                </a:solidFill>
+              </a:rPr>
+              <a:pPr/>
+              <a:t>‹#›</a:t>
+            </a:fld>
+            <a:endParaRPr lang="en-US">
+              <a:solidFill>
+                <a:prstClr val="black">
+                  <a:tint val="75000"/>
+                </a:prstClr>
+              </a:solidFill>
+            </a:endParaRPr>
+          </a:p>
+        </p:txBody>
+      </p:sp>
+    </p:spTree>
+    <p:extLst>
+      <p:ext uri="{BB962C8B-B14F-4D97-AF65-F5344CB8AC3E}">
+        <p14:creationId xmlns:p14="http://schemas.microsoft.com/office/powerpoint/2010/main" val="537005433"/>
+      </p:ext>
+    </p:extLst>
+  </p:cSld>
+  <p:clrMapOvr>
+    <a:masterClrMapping/>
+  </p:clrMapOvr>
+</p:sldLayout>
+</file>
+
+<file path=ppt/slideLayouts/slideLayout15.xml><?xml version="1.0" encoding="utf-8"?>
+<p:sldLayout xmlns:a="http://schemas.openxmlformats.org/drawingml/2006/main" xmlns:r="http://schemas.openxmlformats.org/officeDocument/2006/relationships" xmlns:p="http://schemas.openxmlformats.org/presentationml/2006/main" type="twoObj" preserve="1">
+  <p:cSld name="Two Content">
+    <p:spTree>
+      <p:nvGrpSpPr>
+        <p:cNvPr id="1" name=""/>
+        <p:cNvGrpSpPr/>
+        <p:nvPr/>
+      </p:nvGrpSpPr>
+      <p:grpSpPr>
+        <a:xfrm>
+          <a:off x="0" y="0"/>
+          <a:ext cx="0" cy="0"/>
+          <a:chOff x="0" y="0"/>
+          <a:chExt cx="0" cy="0"/>
+        </a:xfrm>
+      </p:grpSpPr>
+      <p:sp>
+        <p:nvSpPr>
+          <p:cNvPr id="2" name="Title 1"/>
+          <p:cNvSpPr>
+            <a:spLocks noGrp="1"/>
+          </p:cNvSpPr>
+          <p:nvPr>
+            <p:ph type="title"/>
+          </p:nvPr>
+        </p:nvSpPr>
+        <p:spPr/>
+        <p:txBody>
+          <a:bodyPr/>
+          <a:lstStyle/>
+          <a:p>
+            <a:r>
+              <a:rPr lang="en-US" smtClean="0"/>
+              <a:t>Click to edit Master title style</a:t>
+            </a:r>
+            <a:endParaRPr lang="en-US"/>
+          </a:p>
+        </p:txBody>
+      </p:sp>
+      <p:sp>
+        <p:nvSpPr>
+          <p:cNvPr id="3" name="Content Placeholder 2"/>
+          <p:cNvSpPr>
+            <a:spLocks noGrp="1"/>
+          </p:cNvSpPr>
+          <p:nvPr>
+            <p:ph sz="half" idx="1"/>
+          </p:nvPr>
+        </p:nvSpPr>
+        <p:spPr>
+          <a:xfrm>
+            <a:off x="457200" y="1600200"/>
+            <a:ext cx="4038600" cy="4525963"/>
+          </a:xfrm>
+        </p:spPr>
+        <p:txBody>
+          <a:bodyPr/>
+          <a:lstStyle>
+            <a:lvl1pPr>
+              <a:defRPr sz="2800"/>
+            </a:lvl1pPr>
+            <a:lvl2pPr>
+              <a:defRPr sz="2400"/>
+            </a:lvl2pPr>
+            <a:lvl3pPr>
+              <a:defRPr sz="2000"/>
+            </a:lvl3pPr>
+            <a:lvl4pPr>
+              <a:defRPr sz="1800"/>
+            </a:lvl4pPr>
+            <a:lvl5pPr>
+              <a:defRPr sz="1800"/>
+            </a:lvl5pPr>
+            <a:lvl6pPr>
+              <a:defRPr sz="1800"/>
+            </a:lvl6pPr>
+            <a:lvl7pPr>
+              <a:defRPr sz="1800"/>
+            </a:lvl7pPr>
+            <a:lvl8pPr>
+              <a:defRPr sz="1800"/>
+            </a:lvl8pPr>
+            <a:lvl9pPr>
+              <a:defRPr sz="1800"/>
+            </a:lvl9pPr>
+          </a:lstStyle>
+          <a:p>
+            <a:pPr lvl="0"/>
+            <a:r>
+              <a:rPr lang="en-US" smtClean="0"/>
+              <a:t>Click to edit Master text styles</a:t>
+            </a:r>
+          </a:p>
+          <a:p>
+            <a:pPr lvl="1"/>
+            <a:r>
+              <a:rPr lang="en-US" smtClean="0"/>
+              <a:t>Second level</a:t>
+            </a:r>
+          </a:p>
+          <a:p>
+            <a:pPr lvl="2"/>
+            <a:r>
+              <a:rPr lang="en-US" smtClean="0"/>
+              <a:t>Third level</a:t>
+            </a:r>
+          </a:p>
+          <a:p>
+            <a:pPr lvl="3"/>
+            <a:r>
+              <a:rPr lang="en-US" smtClean="0"/>
+              <a:t>Fourth level</a:t>
+            </a:r>
+          </a:p>
+          <a:p>
+            <a:pPr lvl="4"/>
+            <a:r>
+              <a:rPr lang="en-US" smtClean="0"/>
+              <a:t>Fifth level</a:t>
+            </a:r>
+            <a:endParaRPr lang="en-US"/>
+          </a:p>
+        </p:txBody>
+      </p:sp>
+      <p:sp>
+        <p:nvSpPr>
+          <p:cNvPr id="4" name="Content Placeholder 3"/>
+          <p:cNvSpPr>
+            <a:spLocks noGrp="1"/>
+          </p:cNvSpPr>
+          <p:nvPr>
+            <p:ph sz="half" idx="2"/>
+          </p:nvPr>
+        </p:nvSpPr>
+        <p:spPr>
+          <a:xfrm>
+            <a:off x="4648200" y="1600200"/>
+            <a:ext cx="4038600" cy="4525963"/>
+          </a:xfrm>
+        </p:spPr>
+        <p:txBody>
+          <a:bodyPr/>
+          <a:lstStyle>
+            <a:lvl1pPr>
+              <a:defRPr sz="2800"/>
+            </a:lvl1pPr>
+            <a:lvl2pPr>
+              <a:defRPr sz="2400"/>
+            </a:lvl2pPr>
+            <a:lvl3pPr>
+              <a:defRPr sz="2000"/>
+            </a:lvl3pPr>
+            <a:lvl4pPr>
+              <a:defRPr sz="1800"/>
+            </a:lvl4pPr>
+            <a:lvl5pPr>
+              <a:defRPr sz="1800"/>
+            </a:lvl5pPr>
+            <a:lvl6pPr>
+              <a:defRPr sz="1800"/>
+            </a:lvl6pPr>
+            <a:lvl7pPr>
+              <a:defRPr sz="1800"/>
+            </a:lvl7pPr>
+            <a:lvl8pPr>
+              <a:defRPr sz="1800"/>
+            </a:lvl8pPr>
+            <a:lvl9pPr>
+              <a:defRPr sz="1800"/>
+            </a:lvl9pPr>
+          </a:lstStyle>
+          <a:p>
+            <a:pPr lvl="0"/>
+            <a:r>
+              <a:rPr lang="en-US" smtClean="0"/>
+              <a:t>Click to edit Master text styles</a:t>
+            </a:r>
+          </a:p>
+          <a:p>
+            <a:pPr lvl="1"/>
+            <a:r>
+              <a:rPr lang="en-US" smtClean="0"/>
+              <a:t>Second level</a:t>
+            </a:r>
+          </a:p>
+          <a:p>
+            <a:pPr lvl="2"/>
+            <a:r>
+              <a:rPr lang="en-US" smtClean="0"/>
+              <a:t>Third level</a:t>
+            </a:r>
+          </a:p>
+          <a:p>
+            <a:pPr lvl="3"/>
+            <a:r>
+              <a:rPr lang="en-US" smtClean="0"/>
+              <a:t>Fourth level</a:t>
+            </a:r>
+          </a:p>
+          <a:p>
+            <a:pPr lvl="4"/>
+            <a:r>
+              <a:rPr lang="en-US" smtClean="0"/>
+              <a:t>Fifth level</a:t>
+            </a:r>
+            <a:endParaRPr lang="en-US"/>
+          </a:p>
+        </p:txBody>
+      </p:sp>
+      <p:sp>
+        <p:nvSpPr>
+          <p:cNvPr id="5" name="Date Placeholder 4"/>
+          <p:cNvSpPr>
+            <a:spLocks noGrp="1"/>
+          </p:cNvSpPr>
+          <p:nvPr>
+            <p:ph type="dt" sz="half" idx="10"/>
+          </p:nvPr>
+        </p:nvSpPr>
+        <p:spPr/>
+        <p:txBody>
+          <a:bodyPr/>
+          <a:lstStyle/>
+          <a:p>
+            <a:fld id="{471D20A6-8A7A-4372-BDB2-49DFC7C7084E}" type="datetimeFigureOut">
+              <a:rPr lang="en-US" smtClean="0">
+                <a:solidFill>
+                  <a:prstClr val="black">
+                    <a:tint val="75000"/>
+                  </a:prstClr>
+                </a:solidFill>
+              </a:rPr>
+              <a:pPr/>
+              <a:t>8/11/2011</a:t>
+            </a:fld>
+            <a:endParaRPr lang="en-US">
+              <a:solidFill>
+                <a:prstClr val="black">
+                  <a:tint val="75000"/>
+                </a:prstClr>
+              </a:solidFill>
+            </a:endParaRPr>
+          </a:p>
+        </p:txBody>
+      </p:sp>
+      <p:sp>
+        <p:nvSpPr>
+          <p:cNvPr id="6" name="Footer Placeholder 5"/>
+          <p:cNvSpPr>
+            <a:spLocks noGrp="1"/>
+          </p:cNvSpPr>
+          <p:nvPr>
+            <p:ph type="ftr" sz="quarter" idx="11"/>
+          </p:nvPr>
+        </p:nvSpPr>
+        <p:spPr/>
+        <p:txBody>
+          <a:bodyPr/>
+          <a:lstStyle/>
+          <a:p>
+            <a:endParaRPr lang="en-US">
+              <a:solidFill>
+                <a:prstClr val="black">
+                  <a:tint val="75000"/>
+                </a:prstClr>
+              </a:solidFill>
+            </a:endParaRPr>
+          </a:p>
+        </p:txBody>
+      </p:sp>
+      <p:sp>
+        <p:nvSpPr>
+          <p:cNvPr id="7" name="Slide Number Placeholder 6"/>
+          <p:cNvSpPr>
+            <a:spLocks noGrp="1"/>
+          </p:cNvSpPr>
+          <p:nvPr>
+            <p:ph type="sldNum" sz="quarter" idx="12"/>
+          </p:nvPr>
+        </p:nvSpPr>
+        <p:spPr/>
+        <p:txBody>
+          <a:bodyPr/>
+          <a:lstStyle/>
+          <a:p>
+            <a:fld id="{FC4E75FB-A485-4C07-9F3B-1B8A6C2562B4}" type="slidenum">
+              <a:rPr lang="en-US" smtClean="0">
+                <a:solidFill>
+                  <a:prstClr val="black">
+                    <a:tint val="75000"/>
+                  </a:prstClr>
+                </a:solidFill>
+              </a:rPr>
+              <a:pPr/>
+              <a:t>‹#›</a:t>
+            </a:fld>
+            <a:endParaRPr lang="en-US">
+              <a:solidFill>
+                <a:prstClr val="black">
+                  <a:tint val="75000"/>
+                </a:prstClr>
+              </a:solidFill>
+            </a:endParaRPr>
+          </a:p>
+        </p:txBody>
+      </p:sp>
+    </p:spTree>
+    <p:extLst>
+      <p:ext uri="{BB962C8B-B14F-4D97-AF65-F5344CB8AC3E}">
+        <p14:creationId xmlns:p14="http://schemas.microsoft.com/office/powerpoint/2010/main" val="1108183947"/>
+      </p:ext>
+    </p:extLst>
+  </p:cSld>
+  <p:clrMapOvr>
+    <a:masterClrMapping/>
+  </p:clrMapOvr>
+</p:sldLayout>
+</file>
+
+<file path=ppt/slideLayouts/slideLayout16.xml><?xml version="1.0" encoding="utf-8"?>
+<p:sldLayout xmlns:a="http://schemas.openxmlformats.org/drawingml/2006/main" xmlns:r="http://schemas.openxmlformats.org/officeDocument/2006/relationships" xmlns:p="http://schemas.openxmlformats.org/presentationml/2006/main" type="twoTxTwoObj" preserve="1">
+  <p:cSld name="Comparison">
+    <p:spTree>
+      <p:nvGrpSpPr>
+        <p:cNvPr id="1" name=""/>
+        <p:cNvGrpSpPr/>
+        <p:nvPr/>
+      </p:nvGrpSpPr>
+      <p:grpSpPr>
+        <a:xfrm>
+          <a:off x="0" y="0"/>
+          <a:ext cx="0" cy="0"/>
+          <a:chOff x="0" y="0"/>
+          <a:chExt cx="0" cy="0"/>
+        </a:xfrm>
+      </p:grpSpPr>
+      <p:sp>
+        <p:nvSpPr>
+          <p:cNvPr id="2" name="Title 1"/>
+          <p:cNvSpPr>
+            <a:spLocks noGrp="1"/>
+          </p:cNvSpPr>
+          <p:nvPr>
+            <p:ph type="title"/>
+          </p:nvPr>
+        </p:nvSpPr>
+        <p:spPr/>
+        <p:txBody>
+          <a:bodyPr/>
+          <a:lstStyle>
+            <a:lvl1pPr>
+              <a:defRPr/>
+            </a:lvl1pPr>
+          </a:lstStyle>
+          <a:p>
+            <a:r>
+              <a:rPr lang="en-US" smtClean="0"/>
+              <a:t>Click to edit Master title style</a:t>
+            </a:r>
+            <a:endParaRPr lang="en-US"/>
+          </a:p>
+        </p:txBody>
+      </p:sp>
+      <p:sp>
+        <p:nvSpPr>
+          <p:cNvPr id="3" name="Text Placeholder 2"/>
+          <p:cNvSpPr>
+            <a:spLocks noGrp="1"/>
+          </p:cNvSpPr>
+          <p:nvPr>
+            <p:ph type="body" idx="1"/>
+          </p:nvPr>
+        </p:nvSpPr>
+        <p:spPr>
+          <a:xfrm>
+            <a:off x="457200" y="1535113"/>
+            <a:ext cx="4040188" cy="639762"/>
+          </a:xfrm>
+        </p:spPr>
+        <p:txBody>
+          <a:bodyPr anchor="b"/>
+          <a:lstStyle>
+            <a:lvl1pPr marL="0" indent="0">
+              <a:buNone/>
+              <a:defRPr sz="2400" b="1"/>
+            </a:lvl1pPr>
+            <a:lvl2pPr marL="457200" indent="0">
+              <a:buNone/>
+              <a:defRPr sz="2000" b="1"/>
+            </a:lvl2pPr>
+            <a:lvl3pPr marL="914400" indent="0">
+              <a:buNone/>
+              <a:defRPr sz="1800" b="1"/>
+            </a:lvl3pPr>
+            <a:lvl4pPr marL="1371600" indent="0">
+              <a:buNone/>
+              <a:defRPr sz="1600" b="1"/>
+            </a:lvl4pPr>
+            <a:lvl5pPr marL="1828800" indent="0">
+              <a:buNone/>
+              <a:defRPr sz="1600" b="1"/>
+            </a:lvl5pPr>
+            <a:lvl6pPr marL="2286000" indent="0">
+              <a:buNone/>
+              <a:defRPr sz="1600" b="1"/>
+            </a:lvl6pPr>
+            <a:lvl7pPr marL="2743200" indent="0">
+              <a:buNone/>
+              <a:defRPr sz="1600" b="1"/>
+            </a:lvl7pPr>
+            <a:lvl8pPr marL="3200400" indent="0">
+              <a:buNone/>
+              <a:defRPr sz="1600" b="1"/>
+            </a:lvl8pPr>
+            <a:lvl9pPr marL="3657600" indent="0">
+              <a:buNone/>
+              <a:defRPr sz="1600" b="1"/>
+            </a:lvl9pPr>
+          </a:lstStyle>
+          <a:p>
+            <a:pPr lvl="0"/>
+            <a:r>
+              <a:rPr lang="en-US" smtClean="0"/>
+              <a:t>Click to edit Master text styles</a:t>
+            </a:r>
+          </a:p>
+        </p:txBody>
+      </p:sp>
+      <p:sp>
+        <p:nvSpPr>
+          <p:cNvPr id="4" name="Content Placeholder 3"/>
+          <p:cNvSpPr>
+            <a:spLocks noGrp="1"/>
+          </p:cNvSpPr>
+          <p:nvPr>
+            <p:ph sz="half" idx="2"/>
+          </p:nvPr>
+        </p:nvSpPr>
+        <p:spPr>
+          <a:xfrm>
+            <a:off x="457200" y="2174875"/>
+            <a:ext cx="4040188" cy="3951288"/>
+          </a:xfrm>
+        </p:spPr>
+        <p:txBody>
+          <a:bodyPr/>
+          <a:lstStyle>
+            <a:lvl1pPr>
+              <a:defRPr sz="2400"/>
+            </a:lvl1pPr>
+            <a:lvl2pPr>
+              <a:defRPr sz="2000"/>
+            </a:lvl2pPr>
+            <a:lvl3pPr>
+              <a:defRPr sz="1800"/>
+            </a:lvl3pPr>
+            <a:lvl4pPr>
+              <a:defRPr sz="1600"/>
+            </a:lvl4pPr>
+            <a:lvl5pPr>
+              <a:defRPr sz="1600"/>
+            </a:lvl5pPr>
+            <a:lvl6pPr>
+              <a:defRPr sz="1600"/>
+            </a:lvl6pPr>
+            <a:lvl7pPr>
+              <a:defRPr sz="1600"/>
+            </a:lvl7pPr>
+            <a:lvl8pPr>
+              <a:defRPr sz="1600"/>
+            </a:lvl8pPr>
+            <a:lvl9pPr>
+              <a:defRPr sz="1600"/>
+            </a:lvl9pPr>
+          </a:lstStyle>
+          <a:p>
+            <a:pPr lvl="0"/>
+            <a:r>
+              <a:rPr lang="en-US" smtClean="0"/>
+              <a:t>Click to edit Master text styles</a:t>
+            </a:r>
+          </a:p>
+          <a:p>
+            <a:pPr lvl="1"/>
+            <a:r>
+              <a:rPr lang="en-US" smtClean="0"/>
+              <a:t>Second level</a:t>
+            </a:r>
+          </a:p>
+          <a:p>
+            <a:pPr lvl="2"/>
+            <a:r>
+              <a:rPr lang="en-US" smtClean="0"/>
+              <a:t>Third level</a:t>
+            </a:r>
+          </a:p>
+          <a:p>
+            <a:pPr lvl="3"/>
+            <a:r>
+              <a:rPr lang="en-US" smtClean="0"/>
+              <a:t>Fourth level</a:t>
+            </a:r>
+          </a:p>
+          <a:p>
+            <a:pPr lvl="4"/>
+            <a:r>
+              <a:rPr lang="en-US" smtClean="0"/>
+              <a:t>Fifth level</a:t>
+            </a:r>
+            <a:endParaRPr lang="en-US"/>
+          </a:p>
+        </p:txBody>
+      </p:sp>
+      <p:sp>
+        <p:nvSpPr>
+          <p:cNvPr id="5" name="Text Placeholder 4"/>
+          <p:cNvSpPr>
+            <a:spLocks noGrp="1"/>
+          </p:cNvSpPr>
+          <p:nvPr>
+            <p:ph type="body" sz="quarter" idx="3"/>
+          </p:nvPr>
+        </p:nvSpPr>
+        <p:spPr>
+          <a:xfrm>
+            <a:off x="4645025" y="1535113"/>
+            <a:ext cx="4041775" cy="639762"/>
+          </a:xfrm>
+        </p:spPr>
+        <p:txBody>
+          <a:bodyPr anchor="b"/>
+          <a:lstStyle>
+            <a:lvl1pPr marL="0" indent="0">
+              <a:buNone/>
+              <a:defRPr sz="2400" b="1"/>
+            </a:lvl1pPr>
+            <a:lvl2pPr marL="457200" indent="0">
+              <a:buNone/>
+              <a:defRPr sz="2000" b="1"/>
+            </a:lvl2pPr>
+            <a:lvl3pPr marL="914400" indent="0">
+              <a:buNone/>
+              <a:defRPr sz="1800" b="1"/>
+            </a:lvl3pPr>
+            <a:lvl4pPr marL="1371600" indent="0">
+              <a:buNone/>
+              <a:defRPr sz="1600" b="1"/>
+            </a:lvl4pPr>
+            <a:lvl5pPr marL="1828800" indent="0">
+              <a:buNone/>
+              <a:defRPr sz="1600" b="1"/>
+            </a:lvl5pPr>
+            <a:lvl6pPr marL="2286000" indent="0">
+              <a:buNone/>
+              <a:defRPr sz="1600" b="1"/>
+            </a:lvl6pPr>
+            <a:lvl7pPr marL="2743200" indent="0">
+              <a:buNone/>
+              <a:defRPr sz="1600" b="1"/>
+            </a:lvl7pPr>
+            <a:lvl8pPr marL="3200400" indent="0">
+              <a:buNone/>
+              <a:defRPr sz="1600" b="1"/>
+            </a:lvl8pPr>
+            <a:lvl9pPr marL="3657600" indent="0">
+              <a:buNone/>
+              <a:defRPr sz="1600" b="1"/>
+            </a:lvl9pPr>
+          </a:lstStyle>
+          <a:p>
+            <a:pPr lvl="0"/>
+            <a:r>
+              <a:rPr lang="en-US" smtClean="0"/>
+              <a:t>Click to edit Master text styles</a:t>
+            </a:r>
+          </a:p>
+        </p:txBody>
+      </p:sp>
+      <p:sp>
+        <p:nvSpPr>
+          <p:cNvPr id="6" name="Content Placeholder 5"/>
+          <p:cNvSpPr>
+            <a:spLocks noGrp="1"/>
+          </p:cNvSpPr>
+          <p:nvPr>
+            <p:ph sz="quarter" idx="4"/>
+          </p:nvPr>
+        </p:nvSpPr>
+        <p:spPr>
+          <a:xfrm>
+            <a:off x="4645025" y="2174875"/>
+            <a:ext cx="4041775" cy="3951288"/>
+          </a:xfrm>
+        </p:spPr>
+        <p:txBody>
+          <a:bodyPr/>
+          <a:lstStyle>
+            <a:lvl1pPr>
+              <a:defRPr sz="2400"/>
+            </a:lvl1pPr>
+            <a:lvl2pPr>
+              <a:defRPr sz="2000"/>
+            </a:lvl2pPr>
+            <a:lvl3pPr>
+              <a:defRPr sz="1800"/>
+            </a:lvl3pPr>
+            <a:lvl4pPr>
+              <a:defRPr sz="1600"/>
+            </a:lvl4pPr>
+            <a:lvl5pPr>
+              <a:defRPr sz="1600"/>
+            </a:lvl5pPr>
+            <a:lvl6pPr>
+              <a:defRPr sz="1600"/>
+            </a:lvl6pPr>
+            <a:lvl7pPr>
+              <a:defRPr sz="1600"/>
+            </a:lvl7pPr>
+            <a:lvl8pPr>
+              <a:defRPr sz="1600"/>
+            </a:lvl8pPr>
+            <a:lvl9pPr>
+              <a:defRPr sz="1600"/>
+            </a:lvl9pPr>
+          </a:lstStyle>
+          <a:p>
+            <a:pPr lvl="0"/>
+            <a:r>
+              <a:rPr lang="en-US" smtClean="0"/>
+              <a:t>Click to edit Master text styles</a:t>
+            </a:r>
+          </a:p>
+          <a:p>
+            <a:pPr lvl="1"/>
+            <a:r>
+              <a:rPr lang="en-US" smtClean="0"/>
+              <a:t>Second level</a:t>
+            </a:r>
+          </a:p>
+          <a:p>
+            <a:pPr lvl="2"/>
+            <a:r>
+              <a:rPr lang="en-US" smtClean="0"/>
+              <a:t>Third level</a:t>
+            </a:r>
+          </a:p>
+          <a:p>
+            <a:pPr lvl="3"/>
+            <a:r>
+              <a:rPr lang="en-US" smtClean="0"/>
+              <a:t>Fourth level</a:t>
+            </a:r>
+          </a:p>
+          <a:p>
+            <a:pPr lvl="4"/>
+            <a:r>
+              <a:rPr lang="en-US" smtClean="0"/>
+              <a:t>Fifth level</a:t>
+            </a:r>
+            <a:endParaRPr lang="en-US"/>
+          </a:p>
+        </p:txBody>
+      </p:sp>
+      <p:sp>
+        <p:nvSpPr>
+          <p:cNvPr id="7" name="Date Placeholder 6"/>
+          <p:cNvSpPr>
+            <a:spLocks noGrp="1"/>
+          </p:cNvSpPr>
+          <p:nvPr>
+            <p:ph type="dt" sz="half" idx="10"/>
+          </p:nvPr>
+        </p:nvSpPr>
+        <p:spPr/>
+        <p:txBody>
+          <a:bodyPr/>
+          <a:lstStyle/>
+          <a:p>
+            <a:fld id="{471D20A6-8A7A-4372-BDB2-49DFC7C7084E}" type="datetimeFigureOut">
+              <a:rPr lang="en-US" smtClean="0">
+                <a:solidFill>
+                  <a:prstClr val="black">
+                    <a:tint val="75000"/>
+                  </a:prstClr>
+                </a:solidFill>
+              </a:rPr>
+              <a:pPr/>
+              <a:t>8/11/2011</a:t>
+            </a:fld>
+            <a:endParaRPr lang="en-US">
+              <a:solidFill>
+                <a:prstClr val="black">
+                  <a:tint val="75000"/>
+                </a:prstClr>
+              </a:solidFill>
+            </a:endParaRPr>
+          </a:p>
+        </p:txBody>
+      </p:sp>
+      <p:sp>
+        <p:nvSpPr>
+          <p:cNvPr id="8" name="Footer Placeholder 7"/>
+          <p:cNvSpPr>
+            <a:spLocks noGrp="1"/>
+          </p:cNvSpPr>
+          <p:nvPr>
+            <p:ph type="ftr" sz="quarter" idx="11"/>
+          </p:nvPr>
+        </p:nvSpPr>
+        <p:spPr/>
+        <p:txBody>
+          <a:bodyPr/>
+          <a:lstStyle/>
+          <a:p>
+            <a:endParaRPr lang="en-US">
+              <a:solidFill>
+                <a:prstClr val="black">
+                  <a:tint val="75000"/>
+                </a:prstClr>
+              </a:solidFill>
+            </a:endParaRPr>
+          </a:p>
+        </p:txBody>
+      </p:sp>
+      <p:sp>
+        <p:nvSpPr>
+          <p:cNvPr id="9" name="Slide Number Placeholder 8"/>
+          <p:cNvSpPr>
+            <a:spLocks noGrp="1"/>
+          </p:cNvSpPr>
+          <p:nvPr>
+            <p:ph type="sldNum" sz="quarter" idx="12"/>
+          </p:nvPr>
+        </p:nvSpPr>
+        <p:spPr/>
+        <p:txBody>
+          <a:bodyPr/>
+          <a:lstStyle/>
+          <a:p>
+            <a:fld id="{FC4E75FB-A485-4C07-9F3B-1B8A6C2562B4}" type="slidenum">
+              <a:rPr lang="en-US" smtClean="0">
+                <a:solidFill>
+                  <a:prstClr val="black">
+                    <a:tint val="75000"/>
+                  </a:prstClr>
+                </a:solidFill>
+              </a:rPr>
+              <a:pPr/>
+              <a:t>‹#›</a:t>
+            </a:fld>
+            <a:endParaRPr lang="en-US">
+              <a:solidFill>
+                <a:prstClr val="black">
+                  <a:tint val="75000"/>
+                </a:prstClr>
+              </a:solidFill>
+            </a:endParaRPr>
+          </a:p>
+        </p:txBody>
+      </p:sp>
+    </p:spTree>
+    <p:extLst>
+      <p:ext uri="{BB962C8B-B14F-4D97-AF65-F5344CB8AC3E}">
+        <p14:creationId xmlns:p14="http://schemas.microsoft.com/office/powerpoint/2010/main" val="535037221"/>
+      </p:ext>
+    </p:extLst>
+  </p:cSld>
+  <p:clrMapOvr>
+    <a:masterClrMapping/>
+  </p:clrMapOvr>
+</p:sldLayout>
+</file>
+
+<file path=ppt/slideLayouts/slideLayout17.xml><?xml version="1.0" encoding="utf-8"?>
+<p:sldLayout xmlns:a="http://schemas.openxmlformats.org/drawingml/2006/main" xmlns:r="http://schemas.openxmlformats.org/officeDocument/2006/relationships" xmlns:p="http://schemas.openxmlformats.org/presentationml/2006/main" type="titleOnly" preserve="1">
+  <p:cSld name="Title Only">
+    <p:spTree>
+      <p:nvGrpSpPr>
+        <p:cNvPr id="1" name=""/>
+        <p:cNvGrpSpPr/>
+        <p:nvPr/>
+      </p:nvGrpSpPr>
+      <p:grpSpPr>
+        <a:xfrm>
+          <a:off x="0" y="0"/>
+          <a:ext cx="0" cy="0"/>
+          <a:chOff x="0" y="0"/>
+          <a:chExt cx="0" cy="0"/>
+        </a:xfrm>
+      </p:grpSpPr>
+      <p:sp>
+        <p:nvSpPr>
+          <p:cNvPr id="2" name="Title 1"/>
+          <p:cNvSpPr>
+            <a:spLocks noGrp="1"/>
+          </p:cNvSpPr>
+          <p:nvPr>
+            <p:ph type="title"/>
+          </p:nvPr>
+        </p:nvSpPr>
+        <p:spPr/>
+        <p:txBody>
+          <a:bodyPr/>
+          <a:lstStyle/>
+          <a:p>
+            <a:r>
+              <a:rPr lang="en-US" smtClean="0"/>
+              <a:t>Click to edit Master title style</a:t>
+            </a:r>
+            <a:endParaRPr lang="en-US"/>
+          </a:p>
+        </p:txBody>
+      </p:sp>
+      <p:sp>
+        <p:nvSpPr>
+          <p:cNvPr id="3" name="Date Placeholder 2"/>
+          <p:cNvSpPr>
+            <a:spLocks noGrp="1"/>
+          </p:cNvSpPr>
+          <p:nvPr>
+            <p:ph type="dt" sz="half" idx="10"/>
+          </p:nvPr>
+        </p:nvSpPr>
+        <p:spPr/>
+        <p:txBody>
+          <a:bodyPr/>
+          <a:lstStyle/>
+          <a:p>
+            <a:fld id="{471D20A6-8A7A-4372-BDB2-49DFC7C7084E}" type="datetimeFigureOut">
+              <a:rPr lang="en-US" smtClean="0">
+                <a:solidFill>
+                  <a:prstClr val="black">
+                    <a:tint val="75000"/>
+                  </a:prstClr>
+                </a:solidFill>
+              </a:rPr>
+              <a:pPr/>
+              <a:t>8/11/2011</a:t>
+            </a:fld>
+            <a:endParaRPr lang="en-US">
+              <a:solidFill>
+                <a:prstClr val="black">
+                  <a:tint val="75000"/>
+                </a:prstClr>
+              </a:solidFill>
+            </a:endParaRPr>
+          </a:p>
+        </p:txBody>
+      </p:sp>
+      <p:sp>
+        <p:nvSpPr>
+          <p:cNvPr id="4" name="Footer Placeholder 3"/>
+          <p:cNvSpPr>
+            <a:spLocks noGrp="1"/>
+          </p:cNvSpPr>
+          <p:nvPr>
+            <p:ph type="ftr" sz="quarter" idx="11"/>
+          </p:nvPr>
+        </p:nvSpPr>
+        <p:spPr/>
+        <p:txBody>
+          <a:bodyPr/>
+          <a:lstStyle/>
+          <a:p>
+            <a:endParaRPr lang="en-US">
+              <a:solidFill>
+                <a:prstClr val="black">
+                  <a:tint val="75000"/>
+                </a:prstClr>
+              </a:solidFill>
+            </a:endParaRPr>
+          </a:p>
+        </p:txBody>
+      </p:sp>
+      <p:sp>
+        <p:nvSpPr>
+          <p:cNvPr id="5" name="Slide Number Placeholder 4"/>
+          <p:cNvSpPr>
+            <a:spLocks noGrp="1"/>
+          </p:cNvSpPr>
+          <p:nvPr>
+            <p:ph type="sldNum" sz="quarter" idx="12"/>
+          </p:nvPr>
+        </p:nvSpPr>
+        <p:spPr/>
+        <p:txBody>
+          <a:bodyPr/>
+          <a:lstStyle/>
+          <a:p>
+            <a:fld id="{FC4E75FB-A485-4C07-9F3B-1B8A6C2562B4}" type="slidenum">
+              <a:rPr lang="en-US" smtClean="0">
+                <a:solidFill>
+                  <a:prstClr val="black">
+                    <a:tint val="75000"/>
+                  </a:prstClr>
+                </a:solidFill>
+              </a:rPr>
+              <a:pPr/>
+              <a:t>‹#›</a:t>
+            </a:fld>
+            <a:endParaRPr lang="en-US">
+              <a:solidFill>
+                <a:prstClr val="black">
+                  <a:tint val="75000"/>
+                </a:prstClr>
+              </a:solidFill>
+            </a:endParaRPr>
+          </a:p>
+        </p:txBody>
+      </p:sp>
+    </p:spTree>
+    <p:extLst>
+      <p:ext uri="{BB962C8B-B14F-4D97-AF65-F5344CB8AC3E}">
+        <p14:creationId xmlns:p14="http://schemas.microsoft.com/office/powerpoint/2010/main" val="1506096725"/>
+      </p:ext>
+    </p:extLst>
+  </p:cSld>
+  <p:clrMapOvr>
+    <a:masterClrMapping/>
+  </p:clrMapOvr>
+</p:sldLayout>
+</file>
+
+<file path=ppt/slideLayouts/slideLayout18.xml><?xml version="1.0" encoding="utf-8"?>
+<p:sldLayout xmlns:a="http://schemas.openxmlformats.org/drawingml/2006/main" xmlns:r="http://schemas.openxmlformats.org/officeDocument/2006/relationships" xmlns:p="http://schemas.openxmlformats.org/presentationml/2006/main" type="blank" preserve="1">
+  <p:cSld name="Blank">
+    <p:spTree>
+      <p:nvGrpSpPr>
+        <p:cNvPr id="1" name=""/>
+        <p:cNvGrpSpPr/>
+        <p:nvPr/>
+      </p:nvGrpSpPr>
+      <p:grpSpPr>
+        <a:xfrm>
+          <a:off x="0" y="0"/>
+          <a:ext cx="0" cy="0"/>
+          <a:chOff x="0" y="0"/>
+          <a:chExt cx="0" cy="0"/>
+        </a:xfrm>
+      </p:grpSpPr>
+      <p:sp>
+        <p:nvSpPr>
+          <p:cNvPr id="2" name="Date Placeholder 1"/>
+          <p:cNvSpPr>
+            <a:spLocks noGrp="1"/>
+          </p:cNvSpPr>
+          <p:nvPr>
+            <p:ph type="dt" sz="half" idx="10"/>
+          </p:nvPr>
+        </p:nvSpPr>
+        <p:spPr/>
+        <p:txBody>
+          <a:bodyPr/>
+          <a:lstStyle/>
+          <a:p>
+            <a:fld id="{471D20A6-8A7A-4372-BDB2-49DFC7C7084E}" type="datetimeFigureOut">
+              <a:rPr lang="en-US" smtClean="0">
+                <a:solidFill>
+                  <a:prstClr val="black">
+                    <a:tint val="75000"/>
+                  </a:prstClr>
+                </a:solidFill>
+              </a:rPr>
+              <a:pPr/>
+              <a:t>8/11/2011</a:t>
+            </a:fld>
+            <a:endParaRPr lang="en-US">
+              <a:solidFill>
+                <a:prstClr val="black">
+                  <a:tint val="75000"/>
+                </a:prstClr>
+              </a:solidFill>
+            </a:endParaRPr>
+          </a:p>
+        </p:txBody>
+      </p:sp>
+      <p:sp>
+        <p:nvSpPr>
+          <p:cNvPr id="3" name="Footer Placeholder 2"/>
+          <p:cNvSpPr>
+            <a:spLocks noGrp="1"/>
+          </p:cNvSpPr>
+          <p:nvPr>
+            <p:ph type="ftr" sz="quarter" idx="11"/>
+          </p:nvPr>
+        </p:nvSpPr>
+        <p:spPr/>
+        <p:txBody>
+          <a:bodyPr/>
+          <a:lstStyle/>
+          <a:p>
+            <a:endParaRPr lang="en-US">
+              <a:solidFill>
+                <a:prstClr val="black">
+                  <a:tint val="75000"/>
+                </a:prstClr>
+              </a:solidFill>
+            </a:endParaRPr>
+          </a:p>
+        </p:txBody>
+      </p:sp>
+      <p:sp>
+        <p:nvSpPr>
+          <p:cNvPr id="4" name="Slide Number Placeholder 3"/>
+          <p:cNvSpPr>
+            <a:spLocks noGrp="1"/>
+          </p:cNvSpPr>
+          <p:nvPr>
+            <p:ph type="sldNum" sz="quarter" idx="12"/>
+          </p:nvPr>
+        </p:nvSpPr>
+        <p:spPr/>
+        <p:txBody>
+          <a:bodyPr/>
+          <a:lstStyle/>
+          <a:p>
+            <a:fld id="{FC4E75FB-A485-4C07-9F3B-1B8A6C2562B4}" type="slidenum">
+              <a:rPr lang="en-US" smtClean="0">
+                <a:solidFill>
+                  <a:prstClr val="black">
+                    <a:tint val="75000"/>
+                  </a:prstClr>
+                </a:solidFill>
+              </a:rPr>
+              <a:pPr/>
+              <a:t>‹#›</a:t>
+            </a:fld>
+            <a:endParaRPr lang="en-US">
+              <a:solidFill>
+                <a:prstClr val="black">
+                  <a:tint val="75000"/>
+                </a:prstClr>
+              </a:solidFill>
+            </a:endParaRPr>
+          </a:p>
+        </p:txBody>
+      </p:sp>
+    </p:spTree>
+    <p:extLst>
+      <p:ext uri="{BB962C8B-B14F-4D97-AF65-F5344CB8AC3E}">
+        <p14:creationId xmlns:p14="http://schemas.microsoft.com/office/powerpoint/2010/main" val="648073576"/>
+      </p:ext>
+    </p:extLst>
+  </p:cSld>
+  <p:clrMapOvr>
+    <a:masterClrMapping/>
+  </p:clrMapOvr>
+</p:sldLayout>
+</file>
+
+<file path=ppt/slideLayouts/slideLayout19.xml><?xml version="1.0" encoding="utf-8"?>
+<p:sldLayout xmlns:a="http://schemas.openxmlformats.org/drawingml/2006/main" xmlns:r="http://schemas.openxmlformats.org/officeDocument/2006/relationships" xmlns:p="http://schemas.openxmlformats.org/presentationml/2006/main" type="objTx" preserve="1">
+  <p:cSld name="Content with Caption">
+    <p:spTree>
+      <p:nvGrpSpPr>
+        <p:cNvPr id="1" name=""/>
+        <p:cNvGrpSpPr/>
+        <p:nvPr/>
+      </p:nvGrpSpPr>
+      <p:grpSpPr>
+        <a:xfrm>
+          <a:off x="0" y="0"/>
+          <a:ext cx="0" cy="0"/>
+          <a:chOff x="0" y="0"/>
+          <a:chExt cx="0" cy="0"/>
+        </a:xfrm>
+      </p:grpSpPr>
+      <p:sp>
+        <p:nvSpPr>
+          <p:cNvPr id="2" name="Title 1"/>
+          <p:cNvSpPr>
+            <a:spLocks noGrp="1"/>
+          </p:cNvSpPr>
+          <p:nvPr>
+            <p:ph type="title"/>
+          </p:nvPr>
+        </p:nvSpPr>
+        <p:spPr>
+          <a:xfrm>
+            <a:off x="457200" y="273050"/>
+            <a:ext cx="3008313" cy="1162050"/>
+          </a:xfrm>
+        </p:spPr>
+        <p:txBody>
+          <a:bodyPr anchor="b"/>
+          <a:lstStyle>
+            <a:lvl1pPr algn="l">
+              <a:defRPr sz="2000" b="1"/>
+            </a:lvl1pPr>
+          </a:lstStyle>
+          <a:p>
+            <a:r>
+              <a:rPr lang="en-US" smtClean="0"/>
+              <a:t>Click to edit Master title style</a:t>
+            </a:r>
+            <a:endParaRPr lang="en-US"/>
+          </a:p>
+        </p:txBody>
+      </p:sp>
+      <p:sp>
+        <p:nvSpPr>
+          <p:cNvPr id="3" name="Content Placeholder 2"/>
+          <p:cNvSpPr>
+            <a:spLocks noGrp="1"/>
+          </p:cNvSpPr>
+          <p:nvPr>
+            <p:ph idx="1"/>
+          </p:nvPr>
+        </p:nvSpPr>
+        <p:spPr>
+          <a:xfrm>
+            <a:off x="3575050" y="273050"/>
+            <a:ext cx="5111750" cy="5853113"/>
+          </a:xfrm>
+        </p:spPr>
+        <p:txBody>
+          <a:bodyPr/>
+          <a:lstStyle>
+            <a:lvl1pPr>
+              <a:defRPr sz="3200"/>
+            </a:lvl1pPr>
+            <a:lvl2pPr>
+              <a:defRPr sz="2800"/>
+            </a:lvl2pPr>
+            <a:lvl3pPr>
+              <a:defRPr sz="2400"/>
+            </a:lvl3pPr>
+            <a:lvl4pPr>
+              <a:defRPr sz="2000"/>
+            </a:lvl4pPr>
+            <a:lvl5pPr>
+              <a:defRPr sz="2000"/>
+            </a:lvl5pPr>
+            <a:lvl6pPr>
+              <a:defRPr sz="2000"/>
+            </a:lvl6pPr>
+            <a:lvl7pPr>
+              <a:defRPr sz="2000"/>
+            </a:lvl7pPr>
+            <a:lvl8pPr>
+              <a:defRPr sz="2000"/>
+            </a:lvl8pPr>
+            <a:lvl9pPr>
+              <a:defRPr sz="2000"/>
+            </a:lvl9pPr>
+          </a:lstStyle>
+          <a:p>
+            <a:pPr lvl="0"/>
+            <a:r>
+              <a:rPr lang="en-US" smtClean="0"/>
+              <a:t>Click to edit Master text styles</a:t>
+            </a:r>
+          </a:p>
+          <a:p>
+            <a:pPr lvl="1"/>
+            <a:r>
+              <a:rPr lang="en-US" smtClean="0"/>
+              <a:t>Second level</a:t>
+            </a:r>
+          </a:p>
+          <a:p>
+            <a:pPr lvl="2"/>
+            <a:r>
+              <a:rPr lang="en-US" smtClean="0"/>
+              <a:t>Third level</a:t>
+            </a:r>
+          </a:p>
+          <a:p>
+            <a:pPr lvl="3"/>
+            <a:r>
+              <a:rPr lang="en-US" smtClean="0"/>
+              <a:t>Fourth level</a:t>
+            </a:r>
+          </a:p>
+          <a:p>
+            <a:pPr lvl="4"/>
+            <a:r>
+              <a:rPr lang="en-US" smtClean="0"/>
+              <a:t>Fifth level</a:t>
+            </a:r>
+            <a:endParaRPr lang="en-US"/>
+          </a:p>
+        </p:txBody>
+      </p:sp>
+      <p:sp>
+        <p:nvSpPr>
+          <p:cNvPr id="4" name="Text Placeholder 3"/>
+          <p:cNvSpPr>
+            <a:spLocks noGrp="1"/>
+          </p:cNvSpPr>
+          <p:nvPr>
+            <p:ph type="body" sz="half" idx="2"/>
+          </p:nvPr>
+        </p:nvSpPr>
+        <p:spPr>
+          <a:xfrm>
+            <a:off x="457200" y="1435100"/>
+            <a:ext cx="3008313" cy="4691063"/>
+          </a:xfrm>
+        </p:spPr>
+        <p:txBody>
+          <a:bodyPr/>
+          <a:lstStyle>
+            <a:lvl1pPr marL="0" indent="0">
+              <a:buNone/>
+              <a:defRPr sz="1400"/>
+            </a:lvl1pPr>
+            <a:lvl2pPr marL="457200" indent="0">
+              <a:buNone/>
+              <a:defRPr sz="1200"/>
+            </a:lvl2pPr>
+            <a:lvl3pPr marL="914400" indent="0">
+              <a:buNone/>
+              <a:defRPr sz="1000"/>
+            </a:lvl3pPr>
+            <a:lvl4pPr marL="1371600" indent="0">
+              <a:buNone/>
+              <a:defRPr sz="900"/>
+            </a:lvl4pPr>
+            <a:lvl5pPr marL="1828800" indent="0">
+              <a:buNone/>
+              <a:defRPr sz="900"/>
+            </a:lvl5pPr>
+            <a:lvl6pPr marL="2286000" indent="0">
+              <a:buNone/>
+              <a:defRPr sz="900"/>
+            </a:lvl6pPr>
+            <a:lvl7pPr marL="2743200" indent="0">
+              <a:buNone/>
+              <a:defRPr sz="900"/>
+            </a:lvl7pPr>
+            <a:lvl8pPr marL="3200400" indent="0">
+              <a:buNone/>
+              <a:defRPr sz="900"/>
+            </a:lvl8pPr>
+            <a:lvl9pPr marL="3657600" indent="0">
+              <a:buNone/>
+              <a:defRPr sz="900"/>
+            </a:lvl9pPr>
+          </a:lstStyle>
+          <a:p>
+            <a:pPr lvl="0"/>
+            <a:r>
+              <a:rPr lang="en-US" smtClean="0"/>
+              <a:t>Click to edit Master text styles</a:t>
+            </a:r>
+          </a:p>
+        </p:txBody>
+      </p:sp>
+      <p:sp>
+        <p:nvSpPr>
+          <p:cNvPr id="5" name="Date Placeholder 4"/>
+          <p:cNvSpPr>
+            <a:spLocks noGrp="1"/>
+          </p:cNvSpPr>
+          <p:nvPr>
+            <p:ph type="dt" sz="half" idx="10"/>
+          </p:nvPr>
+        </p:nvSpPr>
+        <p:spPr/>
+        <p:txBody>
+          <a:bodyPr/>
+          <a:lstStyle/>
+          <a:p>
+            <a:fld id="{471D20A6-8A7A-4372-BDB2-49DFC7C7084E}" type="datetimeFigureOut">
+              <a:rPr lang="en-US" smtClean="0">
+                <a:solidFill>
+                  <a:prstClr val="black">
+                    <a:tint val="75000"/>
+                  </a:prstClr>
+                </a:solidFill>
+              </a:rPr>
+              <a:pPr/>
+              <a:t>8/11/2011</a:t>
+            </a:fld>
+            <a:endParaRPr lang="en-US">
+              <a:solidFill>
+                <a:prstClr val="black">
+                  <a:tint val="75000"/>
+                </a:prstClr>
+              </a:solidFill>
+            </a:endParaRPr>
+          </a:p>
+        </p:txBody>
+      </p:sp>
+      <p:sp>
+        <p:nvSpPr>
+          <p:cNvPr id="6" name="Footer Placeholder 5"/>
+          <p:cNvSpPr>
+            <a:spLocks noGrp="1"/>
+          </p:cNvSpPr>
+          <p:nvPr>
+            <p:ph type="ftr" sz="quarter" idx="11"/>
+          </p:nvPr>
+        </p:nvSpPr>
+        <p:spPr/>
+        <p:txBody>
+          <a:bodyPr/>
+          <a:lstStyle/>
+          <a:p>
+            <a:endParaRPr lang="en-US">
+              <a:solidFill>
+                <a:prstClr val="black">
+                  <a:tint val="75000"/>
+                </a:prstClr>
+              </a:solidFill>
+            </a:endParaRPr>
+          </a:p>
+        </p:txBody>
+      </p:sp>
+      <p:sp>
+        <p:nvSpPr>
+          <p:cNvPr id="7" name="Slide Number Placeholder 6"/>
+          <p:cNvSpPr>
+            <a:spLocks noGrp="1"/>
+          </p:cNvSpPr>
+          <p:nvPr>
+            <p:ph type="sldNum" sz="quarter" idx="12"/>
+          </p:nvPr>
+        </p:nvSpPr>
+        <p:spPr/>
+        <p:txBody>
+          <a:bodyPr/>
+          <a:lstStyle/>
+          <a:p>
+            <a:fld id="{FC4E75FB-A485-4C07-9F3B-1B8A6C2562B4}" type="slidenum">
+              <a:rPr lang="en-US" smtClean="0">
+                <a:solidFill>
+                  <a:prstClr val="black">
+                    <a:tint val="75000"/>
+                  </a:prstClr>
+                </a:solidFill>
+              </a:rPr>
+              <a:pPr/>
+              <a:t>‹#›</a:t>
+            </a:fld>
+            <a:endParaRPr lang="en-US">
+              <a:solidFill>
+                <a:prstClr val="black">
+                  <a:tint val="75000"/>
+                </a:prstClr>
+              </a:solidFill>
+            </a:endParaRPr>
+          </a:p>
+        </p:txBody>
+      </p:sp>
+    </p:spTree>
+    <p:extLst>
+      <p:ext uri="{BB962C8B-B14F-4D97-AF65-F5344CB8AC3E}">
+        <p14:creationId xmlns:p14="http://schemas.microsoft.com/office/powerpoint/2010/main" val="359930868"/>
+      </p:ext>
+    </p:extLst>
   </p:cSld>
   <p:clrMapOvr>
     <a:masterClrMapping/>
@@ -1237,7 +3353,7 @@
           <a:p>
             <a:fld id="{43EC599E-0048-4E82-BBFA-6776EA2C4AB2}" type="datetimeFigureOut">
               <a:rPr lang="en-US" smtClean="0"/>
-              <a:t>8/10/2011</a:t>
+              <a:t>8/11/2011</a:t>
             </a:fld>
             <a:endParaRPr lang="en-US"/>
           </a:p>
@@ -1286,6 +3402,705 @@
         </p:txBody>
       </p:sp>
     </p:spTree>
+  </p:cSld>
+  <p:clrMapOvr>
+    <a:masterClrMapping/>
+  </p:clrMapOvr>
+</p:sldLayout>
+</file>
+
+<file path=ppt/slideLayouts/slideLayout20.xml><?xml version="1.0" encoding="utf-8"?>
+<p:sldLayout xmlns:a="http://schemas.openxmlformats.org/drawingml/2006/main" xmlns:r="http://schemas.openxmlformats.org/officeDocument/2006/relationships" xmlns:p="http://schemas.openxmlformats.org/presentationml/2006/main" type="picTx" preserve="1">
+  <p:cSld name="Picture with Caption">
+    <p:spTree>
+      <p:nvGrpSpPr>
+        <p:cNvPr id="1" name=""/>
+        <p:cNvGrpSpPr/>
+        <p:nvPr/>
+      </p:nvGrpSpPr>
+      <p:grpSpPr>
+        <a:xfrm>
+          <a:off x="0" y="0"/>
+          <a:ext cx="0" cy="0"/>
+          <a:chOff x="0" y="0"/>
+          <a:chExt cx="0" cy="0"/>
+        </a:xfrm>
+      </p:grpSpPr>
+      <p:sp>
+        <p:nvSpPr>
+          <p:cNvPr id="2" name="Title 1"/>
+          <p:cNvSpPr>
+            <a:spLocks noGrp="1"/>
+          </p:cNvSpPr>
+          <p:nvPr>
+            <p:ph type="title"/>
+          </p:nvPr>
+        </p:nvSpPr>
+        <p:spPr>
+          <a:xfrm>
+            <a:off x="1792288" y="4800600"/>
+            <a:ext cx="5486400" cy="566738"/>
+          </a:xfrm>
+        </p:spPr>
+        <p:txBody>
+          <a:bodyPr anchor="b"/>
+          <a:lstStyle>
+            <a:lvl1pPr algn="l">
+              <a:defRPr sz="2000" b="1"/>
+            </a:lvl1pPr>
+          </a:lstStyle>
+          <a:p>
+            <a:r>
+              <a:rPr lang="en-US" smtClean="0"/>
+              <a:t>Click to edit Master title style</a:t>
+            </a:r>
+            <a:endParaRPr lang="en-US"/>
+          </a:p>
+        </p:txBody>
+      </p:sp>
+      <p:sp>
+        <p:nvSpPr>
+          <p:cNvPr id="3" name="Picture Placeholder 2"/>
+          <p:cNvSpPr>
+            <a:spLocks noGrp="1"/>
+          </p:cNvSpPr>
+          <p:nvPr>
+            <p:ph type="pic" idx="1"/>
+          </p:nvPr>
+        </p:nvSpPr>
+        <p:spPr>
+          <a:xfrm>
+            <a:off x="1792288" y="612775"/>
+            <a:ext cx="5486400" cy="4114800"/>
+          </a:xfrm>
+        </p:spPr>
+        <p:txBody>
+          <a:bodyPr/>
+          <a:lstStyle>
+            <a:lvl1pPr marL="0" indent="0">
+              <a:buNone/>
+              <a:defRPr sz="3200"/>
+            </a:lvl1pPr>
+            <a:lvl2pPr marL="457200" indent="0">
+              <a:buNone/>
+              <a:defRPr sz="2800"/>
+            </a:lvl2pPr>
+            <a:lvl3pPr marL="914400" indent="0">
+              <a:buNone/>
+              <a:defRPr sz="2400"/>
+            </a:lvl3pPr>
+            <a:lvl4pPr marL="1371600" indent="0">
+              <a:buNone/>
+              <a:defRPr sz="2000"/>
+            </a:lvl4pPr>
+            <a:lvl5pPr marL="1828800" indent="0">
+              <a:buNone/>
+              <a:defRPr sz="2000"/>
+            </a:lvl5pPr>
+            <a:lvl6pPr marL="2286000" indent="0">
+              <a:buNone/>
+              <a:defRPr sz="2000"/>
+            </a:lvl6pPr>
+            <a:lvl7pPr marL="2743200" indent="0">
+              <a:buNone/>
+              <a:defRPr sz="2000"/>
+            </a:lvl7pPr>
+            <a:lvl8pPr marL="3200400" indent="0">
+              <a:buNone/>
+              <a:defRPr sz="2000"/>
+            </a:lvl8pPr>
+            <a:lvl9pPr marL="3657600" indent="0">
+              <a:buNone/>
+              <a:defRPr sz="2000"/>
+            </a:lvl9pPr>
+          </a:lstStyle>
+          <a:p>
+            <a:endParaRPr lang="en-US"/>
+          </a:p>
+        </p:txBody>
+      </p:sp>
+      <p:sp>
+        <p:nvSpPr>
+          <p:cNvPr id="4" name="Text Placeholder 3"/>
+          <p:cNvSpPr>
+            <a:spLocks noGrp="1"/>
+          </p:cNvSpPr>
+          <p:nvPr>
+            <p:ph type="body" sz="half" idx="2"/>
+          </p:nvPr>
+        </p:nvSpPr>
+        <p:spPr>
+          <a:xfrm>
+            <a:off x="1792288" y="5367338"/>
+            <a:ext cx="5486400" cy="804862"/>
+          </a:xfrm>
+        </p:spPr>
+        <p:txBody>
+          <a:bodyPr/>
+          <a:lstStyle>
+            <a:lvl1pPr marL="0" indent="0">
+              <a:buNone/>
+              <a:defRPr sz="1400"/>
+            </a:lvl1pPr>
+            <a:lvl2pPr marL="457200" indent="0">
+              <a:buNone/>
+              <a:defRPr sz="1200"/>
+            </a:lvl2pPr>
+            <a:lvl3pPr marL="914400" indent="0">
+              <a:buNone/>
+              <a:defRPr sz="1000"/>
+            </a:lvl3pPr>
+            <a:lvl4pPr marL="1371600" indent="0">
+              <a:buNone/>
+              <a:defRPr sz="900"/>
+            </a:lvl4pPr>
+            <a:lvl5pPr marL="1828800" indent="0">
+              <a:buNone/>
+              <a:defRPr sz="900"/>
+            </a:lvl5pPr>
+            <a:lvl6pPr marL="2286000" indent="0">
+              <a:buNone/>
+              <a:defRPr sz="900"/>
+            </a:lvl6pPr>
+            <a:lvl7pPr marL="2743200" indent="0">
+              <a:buNone/>
+              <a:defRPr sz="900"/>
+            </a:lvl7pPr>
+            <a:lvl8pPr marL="3200400" indent="0">
+              <a:buNone/>
+              <a:defRPr sz="900"/>
+            </a:lvl8pPr>
+            <a:lvl9pPr marL="3657600" indent="0">
+              <a:buNone/>
+              <a:defRPr sz="900"/>
+            </a:lvl9pPr>
+          </a:lstStyle>
+          <a:p>
+            <a:pPr lvl="0"/>
+            <a:r>
+              <a:rPr lang="en-US" smtClean="0"/>
+              <a:t>Click to edit Master text styles</a:t>
+            </a:r>
+          </a:p>
+        </p:txBody>
+      </p:sp>
+      <p:sp>
+        <p:nvSpPr>
+          <p:cNvPr id="5" name="Date Placeholder 4"/>
+          <p:cNvSpPr>
+            <a:spLocks noGrp="1"/>
+          </p:cNvSpPr>
+          <p:nvPr>
+            <p:ph type="dt" sz="half" idx="10"/>
+          </p:nvPr>
+        </p:nvSpPr>
+        <p:spPr/>
+        <p:txBody>
+          <a:bodyPr/>
+          <a:lstStyle/>
+          <a:p>
+            <a:fld id="{471D20A6-8A7A-4372-BDB2-49DFC7C7084E}" type="datetimeFigureOut">
+              <a:rPr lang="en-US" smtClean="0">
+                <a:solidFill>
+                  <a:prstClr val="black">
+                    <a:tint val="75000"/>
+                  </a:prstClr>
+                </a:solidFill>
+              </a:rPr>
+              <a:pPr/>
+              <a:t>8/11/2011</a:t>
+            </a:fld>
+            <a:endParaRPr lang="en-US">
+              <a:solidFill>
+                <a:prstClr val="black">
+                  <a:tint val="75000"/>
+                </a:prstClr>
+              </a:solidFill>
+            </a:endParaRPr>
+          </a:p>
+        </p:txBody>
+      </p:sp>
+      <p:sp>
+        <p:nvSpPr>
+          <p:cNvPr id="6" name="Footer Placeholder 5"/>
+          <p:cNvSpPr>
+            <a:spLocks noGrp="1"/>
+          </p:cNvSpPr>
+          <p:nvPr>
+            <p:ph type="ftr" sz="quarter" idx="11"/>
+          </p:nvPr>
+        </p:nvSpPr>
+        <p:spPr/>
+        <p:txBody>
+          <a:bodyPr/>
+          <a:lstStyle/>
+          <a:p>
+            <a:endParaRPr lang="en-US">
+              <a:solidFill>
+                <a:prstClr val="black">
+                  <a:tint val="75000"/>
+                </a:prstClr>
+              </a:solidFill>
+            </a:endParaRPr>
+          </a:p>
+        </p:txBody>
+      </p:sp>
+      <p:sp>
+        <p:nvSpPr>
+          <p:cNvPr id="7" name="Slide Number Placeholder 6"/>
+          <p:cNvSpPr>
+            <a:spLocks noGrp="1"/>
+          </p:cNvSpPr>
+          <p:nvPr>
+            <p:ph type="sldNum" sz="quarter" idx="12"/>
+          </p:nvPr>
+        </p:nvSpPr>
+        <p:spPr/>
+        <p:txBody>
+          <a:bodyPr/>
+          <a:lstStyle/>
+          <a:p>
+            <a:fld id="{FC4E75FB-A485-4C07-9F3B-1B8A6C2562B4}" type="slidenum">
+              <a:rPr lang="en-US" smtClean="0">
+                <a:solidFill>
+                  <a:prstClr val="black">
+                    <a:tint val="75000"/>
+                  </a:prstClr>
+                </a:solidFill>
+              </a:rPr>
+              <a:pPr/>
+              <a:t>‹#›</a:t>
+            </a:fld>
+            <a:endParaRPr lang="en-US">
+              <a:solidFill>
+                <a:prstClr val="black">
+                  <a:tint val="75000"/>
+                </a:prstClr>
+              </a:solidFill>
+            </a:endParaRPr>
+          </a:p>
+        </p:txBody>
+      </p:sp>
+    </p:spTree>
+    <p:extLst>
+      <p:ext uri="{BB962C8B-B14F-4D97-AF65-F5344CB8AC3E}">
+        <p14:creationId xmlns:p14="http://schemas.microsoft.com/office/powerpoint/2010/main" val="1437232591"/>
+      </p:ext>
+    </p:extLst>
+  </p:cSld>
+  <p:clrMapOvr>
+    <a:masterClrMapping/>
+  </p:clrMapOvr>
+</p:sldLayout>
+</file>
+
+<file path=ppt/slideLayouts/slideLayout21.xml><?xml version="1.0" encoding="utf-8"?>
+<p:sldLayout xmlns:a="http://schemas.openxmlformats.org/drawingml/2006/main" xmlns:r="http://schemas.openxmlformats.org/officeDocument/2006/relationships" xmlns:p="http://schemas.openxmlformats.org/presentationml/2006/main" type="vertTx" preserve="1">
+  <p:cSld name="Title and Vertical Text">
+    <p:spTree>
+      <p:nvGrpSpPr>
+        <p:cNvPr id="1" name=""/>
+        <p:cNvGrpSpPr/>
+        <p:nvPr/>
+      </p:nvGrpSpPr>
+      <p:grpSpPr>
+        <a:xfrm>
+          <a:off x="0" y="0"/>
+          <a:ext cx="0" cy="0"/>
+          <a:chOff x="0" y="0"/>
+          <a:chExt cx="0" cy="0"/>
+        </a:xfrm>
+      </p:grpSpPr>
+      <p:sp>
+        <p:nvSpPr>
+          <p:cNvPr id="2" name="Title 1"/>
+          <p:cNvSpPr>
+            <a:spLocks noGrp="1"/>
+          </p:cNvSpPr>
+          <p:nvPr>
+            <p:ph type="title"/>
+          </p:nvPr>
+        </p:nvSpPr>
+        <p:spPr/>
+        <p:txBody>
+          <a:bodyPr/>
+          <a:lstStyle/>
+          <a:p>
+            <a:r>
+              <a:rPr lang="en-US" smtClean="0"/>
+              <a:t>Click to edit Master title style</a:t>
+            </a:r>
+            <a:endParaRPr lang="en-US"/>
+          </a:p>
+        </p:txBody>
+      </p:sp>
+      <p:sp>
+        <p:nvSpPr>
+          <p:cNvPr id="3" name="Vertical Text Placeholder 2"/>
+          <p:cNvSpPr>
+            <a:spLocks noGrp="1"/>
+          </p:cNvSpPr>
+          <p:nvPr>
+            <p:ph type="body" orient="vert" idx="1"/>
+          </p:nvPr>
+        </p:nvSpPr>
+        <p:spPr/>
+        <p:txBody>
+          <a:bodyPr vert="eaVert"/>
+          <a:lstStyle/>
+          <a:p>
+            <a:pPr lvl="0"/>
+            <a:r>
+              <a:rPr lang="en-US" smtClean="0"/>
+              <a:t>Click to edit Master text styles</a:t>
+            </a:r>
+          </a:p>
+          <a:p>
+            <a:pPr lvl="1"/>
+            <a:r>
+              <a:rPr lang="en-US" smtClean="0"/>
+              <a:t>Second level</a:t>
+            </a:r>
+          </a:p>
+          <a:p>
+            <a:pPr lvl="2"/>
+            <a:r>
+              <a:rPr lang="en-US" smtClean="0"/>
+              <a:t>Third level</a:t>
+            </a:r>
+          </a:p>
+          <a:p>
+            <a:pPr lvl="3"/>
+            <a:r>
+              <a:rPr lang="en-US" smtClean="0"/>
+              <a:t>Fourth level</a:t>
+            </a:r>
+          </a:p>
+          <a:p>
+            <a:pPr lvl="4"/>
+            <a:r>
+              <a:rPr lang="en-US" smtClean="0"/>
+              <a:t>Fifth level</a:t>
+            </a:r>
+            <a:endParaRPr lang="en-US"/>
+          </a:p>
+        </p:txBody>
+      </p:sp>
+      <p:sp>
+        <p:nvSpPr>
+          <p:cNvPr id="4" name="Date Placeholder 3"/>
+          <p:cNvSpPr>
+            <a:spLocks noGrp="1"/>
+          </p:cNvSpPr>
+          <p:nvPr>
+            <p:ph type="dt" sz="half" idx="10"/>
+          </p:nvPr>
+        </p:nvSpPr>
+        <p:spPr/>
+        <p:txBody>
+          <a:bodyPr/>
+          <a:lstStyle/>
+          <a:p>
+            <a:fld id="{471D20A6-8A7A-4372-BDB2-49DFC7C7084E}" type="datetimeFigureOut">
+              <a:rPr lang="en-US" smtClean="0">
+                <a:solidFill>
+                  <a:prstClr val="black">
+                    <a:tint val="75000"/>
+                  </a:prstClr>
+                </a:solidFill>
+              </a:rPr>
+              <a:pPr/>
+              <a:t>8/11/2011</a:t>
+            </a:fld>
+            <a:endParaRPr lang="en-US">
+              <a:solidFill>
+                <a:prstClr val="black">
+                  <a:tint val="75000"/>
+                </a:prstClr>
+              </a:solidFill>
+            </a:endParaRPr>
+          </a:p>
+        </p:txBody>
+      </p:sp>
+      <p:sp>
+        <p:nvSpPr>
+          <p:cNvPr id="5" name="Footer Placeholder 4"/>
+          <p:cNvSpPr>
+            <a:spLocks noGrp="1"/>
+          </p:cNvSpPr>
+          <p:nvPr>
+            <p:ph type="ftr" sz="quarter" idx="11"/>
+          </p:nvPr>
+        </p:nvSpPr>
+        <p:spPr/>
+        <p:txBody>
+          <a:bodyPr/>
+          <a:lstStyle/>
+          <a:p>
+            <a:endParaRPr lang="en-US">
+              <a:solidFill>
+                <a:prstClr val="black">
+                  <a:tint val="75000"/>
+                </a:prstClr>
+              </a:solidFill>
+            </a:endParaRPr>
+          </a:p>
+        </p:txBody>
+      </p:sp>
+      <p:sp>
+        <p:nvSpPr>
+          <p:cNvPr id="6" name="Slide Number Placeholder 5"/>
+          <p:cNvSpPr>
+            <a:spLocks noGrp="1"/>
+          </p:cNvSpPr>
+          <p:nvPr>
+            <p:ph type="sldNum" sz="quarter" idx="12"/>
+          </p:nvPr>
+        </p:nvSpPr>
+        <p:spPr/>
+        <p:txBody>
+          <a:bodyPr/>
+          <a:lstStyle/>
+          <a:p>
+            <a:fld id="{FC4E75FB-A485-4C07-9F3B-1B8A6C2562B4}" type="slidenum">
+              <a:rPr lang="en-US" smtClean="0">
+                <a:solidFill>
+                  <a:prstClr val="black">
+                    <a:tint val="75000"/>
+                  </a:prstClr>
+                </a:solidFill>
+              </a:rPr>
+              <a:pPr/>
+              <a:t>‹#›</a:t>
+            </a:fld>
+            <a:endParaRPr lang="en-US">
+              <a:solidFill>
+                <a:prstClr val="black">
+                  <a:tint val="75000"/>
+                </a:prstClr>
+              </a:solidFill>
+            </a:endParaRPr>
+          </a:p>
+        </p:txBody>
+      </p:sp>
+    </p:spTree>
+    <p:extLst>
+      <p:ext uri="{BB962C8B-B14F-4D97-AF65-F5344CB8AC3E}">
+        <p14:creationId xmlns:p14="http://schemas.microsoft.com/office/powerpoint/2010/main" val="256194966"/>
+      </p:ext>
+    </p:extLst>
+  </p:cSld>
+  <p:clrMapOvr>
+    <a:masterClrMapping/>
+  </p:clrMapOvr>
+</p:sldLayout>
+</file>
+
+<file path=ppt/slideLayouts/slideLayout22.xml><?xml version="1.0" encoding="utf-8"?>
+<p:sldLayout xmlns:a="http://schemas.openxmlformats.org/drawingml/2006/main" xmlns:r="http://schemas.openxmlformats.org/officeDocument/2006/relationships" xmlns:p="http://schemas.openxmlformats.org/presentationml/2006/main" type="vertTitleAndTx" preserve="1">
+  <p:cSld name="Vertical Title and Text">
+    <p:spTree>
+      <p:nvGrpSpPr>
+        <p:cNvPr id="1" name=""/>
+        <p:cNvGrpSpPr/>
+        <p:nvPr/>
+      </p:nvGrpSpPr>
+      <p:grpSpPr>
+        <a:xfrm>
+          <a:off x="0" y="0"/>
+          <a:ext cx="0" cy="0"/>
+          <a:chOff x="0" y="0"/>
+          <a:chExt cx="0" cy="0"/>
+        </a:xfrm>
+      </p:grpSpPr>
+      <p:sp>
+        <p:nvSpPr>
+          <p:cNvPr id="2" name="Vertical Title 1"/>
+          <p:cNvSpPr>
+            <a:spLocks noGrp="1"/>
+          </p:cNvSpPr>
+          <p:nvPr>
+            <p:ph type="title" orient="vert"/>
+          </p:nvPr>
+        </p:nvSpPr>
+        <p:spPr>
+          <a:xfrm>
+            <a:off x="6629400" y="274638"/>
+            <a:ext cx="2057400" cy="5851525"/>
+          </a:xfrm>
+        </p:spPr>
+        <p:txBody>
+          <a:bodyPr vert="eaVert"/>
+          <a:lstStyle/>
+          <a:p>
+            <a:r>
+              <a:rPr lang="en-US" smtClean="0"/>
+              <a:t>Click to edit Master title style</a:t>
+            </a:r>
+            <a:endParaRPr lang="en-US"/>
+          </a:p>
+        </p:txBody>
+      </p:sp>
+      <p:sp>
+        <p:nvSpPr>
+          <p:cNvPr id="3" name="Vertical Text Placeholder 2"/>
+          <p:cNvSpPr>
+            <a:spLocks noGrp="1"/>
+          </p:cNvSpPr>
+          <p:nvPr>
+            <p:ph type="body" orient="vert" idx="1"/>
+          </p:nvPr>
+        </p:nvSpPr>
+        <p:spPr>
+          <a:xfrm>
+            <a:off x="457200" y="274638"/>
+            <a:ext cx="6019800" cy="5851525"/>
+          </a:xfrm>
+        </p:spPr>
+        <p:txBody>
+          <a:bodyPr vert="eaVert"/>
+          <a:lstStyle/>
+          <a:p>
+            <a:pPr lvl="0"/>
+            <a:r>
+              <a:rPr lang="en-US" smtClean="0"/>
+              <a:t>Click to edit Master text styles</a:t>
+            </a:r>
+          </a:p>
+          <a:p>
+            <a:pPr lvl="1"/>
+            <a:r>
+              <a:rPr lang="en-US" smtClean="0"/>
+              <a:t>Second level</a:t>
+            </a:r>
+          </a:p>
+          <a:p>
+            <a:pPr lvl="2"/>
+            <a:r>
+              <a:rPr lang="en-US" smtClean="0"/>
+              <a:t>Third level</a:t>
+            </a:r>
+          </a:p>
+          <a:p>
+            <a:pPr lvl="3"/>
+            <a:r>
+              <a:rPr lang="en-US" smtClean="0"/>
+              <a:t>Fourth level</a:t>
+            </a:r>
+          </a:p>
+          <a:p>
+            <a:pPr lvl="4"/>
+            <a:r>
+              <a:rPr lang="en-US" smtClean="0"/>
+              <a:t>Fifth level</a:t>
+            </a:r>
+            <a:endParaRPr lang="en-US"/>
+          </a:p>
+        </p:txBody>
+      </p:sp>
+      <p:sp>
+        <p:nvSpPr>
+          <p:cNvPr id="4" name="Date Placeholder 3"/>
+          <p:cNvSpPr>
+            <a:spLocks noGrp="1"/>
+          </p:cNvSpPr>
+          <p:nvPr>
+            <p:ph type="dt" sz="half" idx="10"/>
+          </p:nvPr>
+        </p:nvSpPr>
+        <p:spPr/>
+        <p:txBody>
+          <a:bodyPr/>
+          <a:lstStyle/>
+          <a:p>
+            <a:fld id="{471D20A6-8A7A-4372-BDB2-49DFC7C7084E}" type="datetimeFigureOut">
+              <a:rPr lang="en-US" smtClean="0">
+                <a:solidFill>
+                  <a:prstClr val="black">
+                    <a:tint val="75000"/>
+                  </a:prstClr>
+                </a:solidFill>
+              </a:rPr>
+              <a:pPr/>
+              <a:t>8/11/2011</a:t>
+            </a:fld>
+            <a:endParaRPr lang="en-US">
+              <a:solidFill>
+                <a:prstClr val="black">
+                  <a:tint val="75000"/>
+                </a:prstClr>
+              </a:solidFill>
+            </a:endParaRPr>
+          </a:p>
+        </p:txBody>
+      </p:sp>
+      <p:sp>
+        <p:nvSpPr>
+          <p:cNvPr id="5" name="Footer Placeholder 4"/>
+          <p:cNvSpPr>
+            <a:spLocks noGrp="1"/>
+          </p:cNvSpPr>
+          <p:nvPr>
+            <p:ph type="ftr" sz="quarter" idx="11"/>
+          </p:nvPr>
+        </p:nvSpPr>
+        <p:spPr/>
+        <p:txBody>
+          <a:bodyPr/>
+          <a:lstStyle/>
+          <a:p>
+            <a:endParaRPr lang="en-US">
+              <a:solidFill>
+                <a:prstClr val="black">
+                  <a:tint val="75000"/>
+                </a:prstClr>
+              </a:solidFill>
+            </a:endParaRPr>
+          </a:p>
+        </p:txBody>
+      </p:sp>
+      <p:sp>
+        <p:nvSpPr>
+          <p:cNvPr id="6" name="Slide Number Placeholder 5"/>
+          <p:cNvSpPr>
+            <a:spLocks noGrp="1"/>
+          </p:cNvSpPr>
+          <p:nvPr>
+            <p:ph type="sldNum" sz="quarter" idx="12"/>
+          </p:nvPr>
+        </p:nvSpPr>
+        <p:spPr/>
+        <p:txBody>
+          <a:bodyPr/>
+          <a:lstStyle/>
+          <a:p>
+            <a:fld id="{FC4E75FB-A485-4C07-9F3B-1B8A6C2562B4}" type="slidenum">
+              <a:rPr lang="en-US" smtClean="0">
+                <a:solidFill>
+                  <a:prstClr val="black">
+                    <a:tint val="75000"/>
+                  </a:prstClr>
+                </a:solidFill>
+              </a:rPr>
+              <a:pPr/>
+              <a:t>‹#›</a:t>
+            </a:fld>
+            <a:endParaRPr lang="en-US">
+              <a:solidFill>
+                <a:prstClr val="black">
+                  <a:tint val="75000"/>
+                </a:prstClr>
+              </a:solidFill>
+            </a:endParaRPr>
+          </a:p>
+        </p:txBody>
+      </p:sp>
+    </p:spTree>
+    <p:extLst>
+      <p:ext uri="{BB962C8B-B14F-4D97-AF65-F5344CB8AC3E}">
+        <p14:creationId xmlns:p14="http://schemas.microsoft.com/office/powerpoint/2010/main" val="3662426545"/>
+      </p:ext>
+    </p:extLst>
   </p:cSld>
   <p:clrMapOvr>
     <a:masterClrMapping/>
@@ -1481,7 +4296,7 @@
           <a:p>
             <a:fld id="{43EC599E-0048-4E82-BBFA-6776EA2C4AB2}" type="datetimeFigureOut">
               <a:rPr lang="en-US" smtClean="0"/>
-              <a:t>8/10/2011</a:t>
+              <a:t>8/11/2011</a:t>
             </a:fld>
             <a:endParaRPr lang="en-US"/>
           </a:p>
@@ -1745,7 +4560,7 @@
           <a:p>
             <a:fld id="{43EC599E-0048-4E82-BBFA-6776EA2C4AB2}" type="datetimeFigureOut">
               <a:rPr lang="en-US" smtClean="0"/>
-              <a:t>8/10/2011</a:t>
+              <a:t>8/11/2011</a:t>
             </a:fld>
             <a:endParaRPr lang="en-US"/>
           </a:p>
@@ -2119,7 +4934,7 @@
           <a:p>
             <a:fld id="{43EC599E-0048-4E82-BBFA-6776EA2C4AB2}" type="datetimeFigureOut">
               <a:rPr lang="en-US" smtClean="0"/>
-              <a:t>8/10/2011</a:t>
+              <a:t>8/11/2011</a:t>
             </a:fld>
             <a:endParaRPr lang="en-US"/>
           </a:p>
@@ -2232,7 +5047,7 @@
           <a:p>
             <a:fld id="{43EC599E-0048-4E82-BBFA-6776EA2C4AB2}" type="datetimeFigureOut">
               <a:rPr lang="en-US" smtClean="0"/>
-              <a:t>8/10/2011</a:t>
+              <a:t>8/11/2011</a:t>
             </a:fld>
             <a:endParaRPr lang="en-US"/>
           </a:p>
@@ -2322,7 +5137,7 @@
           <a:p>
             <a:fld id="{43EC599E-0048-4E82-BBFA-6776EA2C4AB2}" type="datetimeFigureOut">
               <a:rPr lang="en-US" smtClean="0"/>
-              <a:t>8/10/2011</a:t>
+              <a:t>8/11/2011</a:t>
             </a:fld>
             <a:endParaRPr lang="en-US"/>
           </a:p>
@@ -2580,7 +5395,7 @@
           <a:p>
             <a:fld id="{43EC599E-0048-4E82-BBFA-6776EA2C4AB2}" type="datetimeFigureOut">
               <a:rPr lang="en-US" smtClean="0"/>
-              <a:t>8/10/2011</a:t>
+              <a:t>8/11/2011</a:t>
             </a:fld>
             <a:endParaRPr lang="en-US"/>
           </a:p>
@@ -2844,7 +5659,7 @@
           <a:p>
             <a:fld id="{43EC599E-0048-4E82-BBFA-6776EA2C4AB2}" type="datetimeFigureOut">
               <a:rPr lang="en-US" smtClean="0"/>
-              <a:t>8/10/2011</a:t>
+              <a:t>8/11/2011</a:t>
             </a:fld>
             <a:endParaRPr lang="en-US"/>
           </a:p>
@@ -3061,7 +5876,7 @@
           <a:p>
             <a:fld id="{43EC599E-0048-4E82-BBFA-6776EA2C4AB2}" type="datetimeFigureOut">
               <a:rPr lang="en-US" smtClean="0"/>
-              <a:t>8/10/2011</a:t>
+              <a:t>8/11/2011</a:t>
             </a:fld>
             <a:endParaRPr lang="en-US"/>
           </a:p>
@@ -3474,6 +6289,548 @@
 </p:sldMaster>
 </file>
 
+<file path=ppt/slideMasters/slideMaster2.xml><?xml version="1.0" encoding="utf-8"?>
+<p:sldMaster xmlns:a="http://schemas.openxmlformats.org/drawingml/2006/main" xmlns:r="http://schemas.openxmlformats.org/officeDocument/2006/relationships" xmlns:p="http://schemas.openxmlformats.org/presentationml/2006/main">
+  <p:cSld>
+    <p:bg>
+      <p:bgRef idx="1001">
+        <a:schemeClr val="bg1"/>
+      </p:bgRef>
+    </p:bg>
+    <p:spTree>
+      <p:nvGrpSpPr>
+        <p:cNvPr id="1" name=""/>
+        <p:cNvGrpSpPr/>
+        <p:nvPr/>
+      </p:nvGrpSpPr>
+      <p:grpSpPr>
+        <a:xfrm>
+          <a:off x="0" y="0"/>
+          <a:ext cx="0" cy="0"/>
+          <a:chOff x="0" y="0"/>
+          <a:chExt cx="0" cy="0"/>
+        </a:xfrm>
+      </p:grpSpPr>
+      <p:sp>
+        <p:nvSpPr>
+          <p:cNvPr id="2" name="Title Placeholder 1"/>
+          <p:cNvSpPr>
+            <a:spLocks noGrp="1"/>
+          </p:cNvSpPr>
+          <p:nvPr>
+            <p:ph type="title"/>
+          </p:nvPr>
+        </p:nvSpPr>
+        <p:spPr>
+          <a:xfrm>
+            <a:off x="457200" y="274638"/>
+            <a:ext cx="8229600" cy="1143000"/>
+          </a:xfrm>
+          <a:prstGeom prst="rect">
+            <a:avLst/>
+          </a:prstGeom>
+        </p:spPr>
+        <p:txBody>
+          <a:bodyPr vert="horz" lIns="91440" tIns="45720" rIns="91440" bIns="45720" rtlCol="0" anchor="ctr">
+            <a:normAutofit/>
+          </a:bodyPr>
+          <a:lstStyle/>
+          <a:p>
+            <a:r>
+              <a:rPr lang="en-US" smtClean="0"/>
+              <a:t>Click to edit Master title style</a:t>
+            </a:r>
+            <a:endParaRPr lang="en-US"/>
+          </a:p>
+        </p:txBody>
+      </p:sp>
+      <p:sp>
+        <p:nvSpPr>
+          <p:cNvPr id="3" name="Text Placeholder 2"/>
+          <p:cNvSpPr>
+            <a:spLocks noGrp="1"/>
+          </p:cNvSpPr>
+          <p:nvPr>
+            <p:ph type="body" idx="1"/>
+          </p:nvPr>
+        </p:nvSpPr>
+        <p:spPr>
+          <a:xfrm>
+            <a:off x="457200" y="1600200"/>
+            <a:ext cx="8229600" cy="4525963"/>
+          </a:xfrm>
+          <a:prstGeom prst="rect">
+            <a:avLst/>
+          </a:prstGeom>
+        </p:spPr>
+        <p:txBody>
+          <a:bodyPr vert="horz" lIns="91440" tIns="45720" rIns="91440" bIns="45720" rtlCol="0">
+            <a:normAutofit/>
+          </a:bodyPr>
+          <a:lstStyle/>
+          <a:p>
+            <a:pPr lvl="0"/>
+            <a:r>
+              <a:rPr lang="en-US" smtClean="0"/>
+              <a:t>Click to edit Master text styles</a:t>
+            </a:r>
+          </a:p>
+          <a:p>
+            <a:pPr lvl="1"/>
+            <a:r>
+              <a:rPr lang="en-US" smtClean="0"/>
+              <a:t>Second level</a:t>
+            </a:r>
+          </a:p>
+          <a:p>
+            <a:pPr lvl="2"/>
+            <a:r>
+              <a:rPr lang="en-US" smtClean="0"/>
+              <a:t>Third level</a:t>
+            </a:r>
+          </a:p>
+          <a:p>
+            <a:pPr lvl="3"/>
+            <a:r>
+              <a:rPr lang="en-US" smtClean="0"/>
+              <a:t>Fourth level</a:t>
+            </a:r>
+          </a:p>
+          <a:p>
+            <a:pPr lvl="4"/>
+            <a:r>
+              <a:rPr lang="en-US" smtClean="0"/>
+              <a:t>Fifth level</a:t>
+            </a:r>
+            <a:endParaRPr lang="en-US"/>
+          </a:p>
+        </p:txBody>
+      </p:sp>
+      <p:sp>
+        <p:nvSpPr>
+          <p:cNvPr id="4" name="Date Placeholder 3"/>
+          <p:cNvSpPr>
+            <a:spLocks noGrp="1"/>
+          </p:cNvSpPr>
+          <p:nvPr>
+            <p:ph type="dt" sz="half" idx="2"/>
+          </p:nvPr>
+        </p:nvSpPr>
+        <p:spPr>
+          <a:xfrm>
+            <a:off x="457200" y="6356350"/>
+            <a:ext cx="2133600" cy="365125"/>
+          </a:xfrm>
+          <a:prstGeom prst="rect">
+            <a:avLst/>
+          </a:prstGeom>
+        </p:spPr>
+        <p:txBody>
+          <a:bodyPr vert="horz" lIns="91440" tIns="45720" rIns="91440" bIns="45720" rtlCol="0" anchor="ctr"/>
+          <a:lstStyle>
+            <a:lvl1pPr algn="l">
+              <a:defRPr sz="1200">
+                <a:solidFill>
+                  <a:schemeClr val="tx1">
+                    <a:tint val="75000"/>
+                  </a:schemeClr>
+                </a:solidFill>
+              </a:defRPr>
+            </a:lvl1pPr>
+          </a:lstStyle>
+          <a:p>
+            <a:fld id="{471D20A6-8A7A-4372-BDB2-49DFC7C7084E}" type="datetimeFigureOut">
+              <a:rPr lang="en-US" smtClean="0">
+                <a:solidFill>
+                  <a:prstClr val="black">
+                    <a:tint val="75000"/>
+                  </a:prstClr>
+                </a:solidFill>
+              </a:rPr>
+              <a:pPr/>
+              <a:t>8/11/2011</a:t>
+            </a:fld>
+            <a:endParaRPr lang="en-US">
+              <a:solidFill>
+                <a:prstClr val="black">
+                  <a:tint val="75000"/>
+                </a:prstClr>
+              </a:solidFill>
+            </a:endParaRPr>
+          </a:p>
+        </p:txBody>
+      </p:sp>
+      <p:sp>
+        <p:nvSpPr>
+          <p:cNvPr id="5" name="Footer Placeholder 4"/>
+          <p:cNvSpPr>
+            <a:spLocks noGrp="1"/>
+          </p:cNvSpPr>
+          <p:nvPr>
+            <p:ph type="ftr" sz="quarter" idx="3"/>
+          </p:nvPr>
+        </p:nvSpPr>
+        <p:spPr>
+          <a:xfrm>
+            <a:off x="3124200" y="6356350"/>
+            <a:ext cx="2895600" cy="365125"/>
+          </a:xfrm>
+          <a:prstGeom prst="rect">
+            <a:avLst/>
+          </a:prstGeom>
+        </p:spPr>
+        <p:txBody>
+          <a:bodyPr vert="horz" lIns="91440" tIns="45720" rIns="91440" bIns="45720" rtlCol="0" anchor="ctr"/>
+          <a:lstStyle>
+            <a:lvl1pPr algn="ctr">
+              <a:defRPr sz="1200">
+                <a:solidFill>
+                  <a:schemeClr val="tx1">
+                    <a:tint val="75000"/>
+                  </a:schemeClr>
+                </a:solidFill>
+              </a:defRPr>
+            </a:lvl1pPr>
+          </a:lstStyle>
+          <a:p>
+            <a:endParaRPr lang="en-US">
+              <a:solidFill>
+                <a:prstClr val="black">
+                  <a:tint val="75000"/>
+                </a:prstClr>
+              </a:solidFill>
+            </a:endParaRPr>
+          </a:p>
+        </p:txBody>
+      </p:sp>
+      <p:sp>
+        <p:nvSpPr>
+          <p:cNvPr id="6" name="Slide Number Placeholder 5"/>
+          <p:cNvSpPr>
+            <a:spLocks noGrp="1"/>
+          </p:cNvSpPr>
+          <p:nvPr>
+            <p:ph type="sldNum" sz="quarter" idx="4"/>
+          </p:nvPr>
+        </p:nvSpPr>
+        <p:spPr>
+          <a:xfrm>
+            <a:off x="6553200" y="6356350"/>
+            <a:ext cx="2133600" cy="365125"/>
+          </a:xfrm>
+          <a:prstGeom prst="rect">
+            <a:avLst/>
+          </a:prstGeom>
+        </p:spPr>
+        <p:txBody>
+          <a:bodyPr vert="horz" lIns="91440" tIns="45720" rIns="91440" bIns="45720" rtlCol="0" anchor="ctr"/>
+          <a:lstStyle>
+            <a:lvl1pPr algn="r">
+              <a:defRPr sz="1200">
+                <a:solidFill>
+                  <a:schemeClr val="tx1">
+                    <a:tint val="75000"/>
+                  </a:schemeClr>
+                </a:solidFill>
+              </a:defRPr>
+            </a:lvl1pPr>
+          </a:lstStyle>
+          <a:p>
+            <a:fld id="{FC4E75FB-A485-4C07-9F3B-1B8A6C2562B4}" type="slidenum">
+              <a:rPr lang="en-US" smtClean="0">
+                <a:solidFill>
+                  <a:prstClr val="black">
+                    <a:tint val="75000"/>
+                  </a:prstClr>
+                </a:solidFill>
+              </a:rPr>
+              <a:pPr/>
+              <a:t>‹#›</a:t>
+            </a:fld>
+            <a:endParaRPr lang="en-US">
+              <a:solidFill>
+                <a:prstClr val="black">
+                  <a:tint val="75000"/>
+                </a:prstClr>
+              </a:solidFill>
+            </a:endParaRPr>
+          </a:p>
+        </p:txBody>
+      </p:sp>
+    </p:spTree>
+    <p:extLst>
+      <p:ext uri="{BB962C8B-B14F-4D97-AF65-F5344CB8AC3E}">
+        <p14:creationId xmlns:p14="http://schemas.microsoft.com/office/powerpoint/2010/main" val="1971429680"/>
+      </p:ext>
+    </p:extLst>
+  </p:cSld>
+  <p:clrMap bg1="lt1" tx1="dk1" bg2="lt2" tx2="dk2" accent1="accent1" accent2="accent2" accent3="accent3" accent4="accent4" accent5="accent5" accent6="accent6" hlink="hlink" folHlink="folHlink"/>
+  <p:sldLayoutIdLst>
+    <p:sldLayoutId id="2147483745" r:id="rId1"/>
+    <p:sldLayoutId id="2147483746" r:id="rId2"/>
+    <p:sldLayoutId id="2147483747" r:id="rId3"/>
+    <p:sldLayoutId id="2147483748" r:id="rId4"/>
+    <p:sldLayoutId id="2147483749" r:id="rId5"/>
+    <p:sldLayoutId id="2147483750" r:id="rId6"/>
+    <p:sldLayoutId id="2147483751" r:id="rId7"/>
+    <p:sldLayoutId id="2147483752" r:id="rId8"/>
+    <p:sldLayoutId id="2147483753" r:id="rId9"/>
+    <p:sldLayoutId id="2147483754" r:id="rId10"/>
+    <p:sldLayoutId id="2147483755" r:id="rId11"/>
+  </p:sldLayoutIdLst>
+  <p:txStyles>
+    <p:titleStyle>
+      <a:lvl1pPr algn="ctr" defTabSz="914400" rtl="0" eaLnBrk="1" latinLnBrk="0" hangingPunct="1">
+        <a:spcBef>
+          <a:spcPct val="0"/>
+        </a:spcBef>
+        <a:buNone/>
+        <a:defRPr sz="4400" kern="1200">
+          <a:solidFill>
+            <a:schemeClr val="tx1"/>
+          </a:solidFill>
+          <a:latin typeface="+mj-lt"/>
+          <a:ea typeface="+mj-ea"/>
+          <a:cs typeface="+mj-cs"/>
+        </a:defRPr>
+      </a:lvl1pPr>
+    </p:titleStyle>
+    <p:bodyStyle>
+      <a:lvl1pPr marL="342900" indent="-342900" algn="l" defTabSz="914400" rtl="0" eaLnBrk="1" latinLnBrk="0" hangingPunct="1">
+        <a:spcBef>
+          <a:spcPct val="20000"/>
+        </a:spcBef>
+        <a:buFont typeface="Arial" pitchFamily="34" charset="0"/>
+        <a:buChar char="•"/>
+        <a:defRPr sz="3200" kern="1200">
+          <a:solidFill>
+            <a:schemeClr val="tx1"/>
+          </a:solidFill>
+          <a:latin typeface="+mn-lt"/>
+          <a:ea typeface="+mn-ea"/>
+          <a:cs typeface="+mn-cs"/>
+        </a:defRPr>
+      </a:lvl1pPr>
+      <a:lvl2pPr marL="742950" indent="-285750" algn="l" defTabSz="914400" rtl="0" eaLnBrk="1" latinLnBrk="0" hangingPunct="1">
+        <a:spcBef>
+          <a:spcPct val="20000"/>
+        </a:spcBef>
+        <a:buFont typeface="Arial" pitchFamily="34" charset="0"/>
+        <a:buChar char="–"/>
+        <a:defRPr sz="2800" kern="1200">
+          <a:solidFill>
+            <a:schemeClr val="tx1"/>
+          </a:solidFill>
+          <a:latin typeface="+mn-lt"/>
+          <a:ea typeface="+mn-ea"/>
+          <a:cs typeface="+mn-cs"/>
+        </a:defRPr>
+      </a:lvl2pPr>
+      <a:lvl3pPr marL="1143000" indent="-228600" algn="l" defTabSz="914400" rtl="0" eaLnBrk="1" latinLnBrk="0" hangingPunct="1">
+        <a:spcBef>
+          <a:spcPct val="20000"/>
+        </a:spcBef>
+        <a:buFont typeface="Arial" pitchFamily="34" charset="0"/>
+        <a:buChar char="•"/>
+        <a:defRPr sz="2400" kern="1200">
+          <a:solidFill>
+            <a:schemeClr val="tx1"/>
+          </a:solidFill>
+          <a:latin typeface="+mn-lt"/>
+          <a:ea typeface="+mn-ea"/>
+          <a:cs typeface="+mn-cs"/>
+        </a:defRPr>
+      </a:lvl3pPr>
+      <a:lvl4pPr marL="1600200" indent="-228600" algn="l" defTabSz="914400" rtl="0" eaLnBrk="1" latinLnBrk="0" hangingPunct="1">
+        <a:spcBef>
+          <a:spcPct val="20000"/>
+        </a:spcBef>
+        <a:buFont typeface="Arial" pitchFamily="34" charset="0"/>
+        <a:buChar char="–"/>
+        <a:defRPr sz="2000" kern="1200">
+          <a:solidFill>
+            <a:schemeClr val="tx1"/>
+          </a:solidFill>
+          <a:latin typeface="+mn-lt"/>
+          <a:ea typeface="+mn-ea"/>
+          <a:cs typeface="+mn-cs"/>
+        </a:defRPr>
+      </a:lvl4pPr>
+      <a:lvl5pPr marL="2057400" indent="-228600" algn="l" defTabSz="914400" rtl="0" eaLnBrk="1" latinLnBrk="0" hangingPunct="1">
+        <a:spcBef>
+          <a:spcPct val="20000"/>
+        </a:spcBef>
+        <a:buFont typeface="Arial" pitchFamily="34" charset="0"/>
+        <a:buChar char="»"/>
+        <a:defRPr sz="2000" kern="1200">
+          <a:solidFill>
+            <a:schemeClr val="tx1"/>
+          </a:solidFill>
+          <a:latin typeface="+mn-lt"/>
+          <a:ea typeface="+mn-ea"/>
+          <a:cs typeface="+mn-cs"/>
+        </a:defRPr>
+      </a:lvl5pPr>
+      <a:lvl6pPr marL="2514600" indent="-228600" algn="l" defTabSz="914400" rtl="0" eaLnBrk="1" latinLnBrk="0" hangingPunct="1">
+        <a:spcBef>
+          <a:spcPct val="20000"/>
+        </a:spcBef>
+        <a:buFont typeface="Arial" pitchFamily="34" charset="0"/>
+        <a:buChar char="•"/>
+        <a:defRPr sz="2000" kern="1200">
+          <a:solidFill>
+            <a:schemeClr val="tx1"/>
+          </a:solidFill>
+          <a:latin typeface="+mn-lt"/>
+          <a:ea typeface="+mn-ea"/>
+          <a:cs typeface="+mn-cs"/>
+        </a:defRPr>
+      </a:lvl6pPr>
+      <a:lvl7pPr marL="2971800" indent="-228600" algn="l" defTabSz="914400" rtl="0" eaLnBrk="1" latinLnBrk="0" hangingPunct="1">
+        <a:spcBef>
+          <a:spcPct val="20000"/>
+        </a:spcBef>
+        <a:buFont typeface="Arial" pitchFamily="34" charset="0"/>
+        <a:buChar char="•"/>
+        <a:defRPr sz="2000" kern="1200">
+          <a:solidFill>
+            <a:schemeClr val="tx1"/>
+          </a:solidFill>
+          <a:latin typeface="+mn-lt"/>
+          <a:ea typeface="+mn-ea"/>
+          <a:cs typeface="+mn-cs"/>
+        </a:defRPr>
+      </a:lvl7pPr>
+      <a:lvl8pPr marL="3429000" indent="-228600" algn="l" defTabSz="914400" rtl="0" eaLnBrk="1" latinLnBrk="0" hangingPunct="1">
+        <a:spcBef>
+          <a:spcPct val="20000"/>
+        </a:spcBef>
+        <a:buFont typeface="Arial" pitchFamily="34" charset="0"/>
+        <a:buChar char="•"/>
+        <a:defRPr sz="2000" kern="1200">
+          <a:solidFill>
+            <a:schemeClr val="tx1"/>
+          </a:solidFill>
+          <a:latin typeface="+mn-lt"/>
+          <a:ea typeface="+mn-ea"/>
+          <a:cs typeface="+mn-cs"/>
+        </a:defRPr>
+      </a:lvl8pPr>
+      <a:lvl9pPr marL="3886200" indent="-228600" algn="l" defTabSz="914400" rtl="0" eaLnBrk="1" latinLnBrk="0" hangingPunct="1">
+        <a:spcBef>
+          <a:spcPct val="20000"/>
+        </a:spcBef>
+        <a:buFont typeface="Arial" pitchFamily="34" charset="0"/>
+        <a:buChar char="•"/>
+        <a:defRPr sz="2000" kern="1200">
+          <a:solidFill>
+            <a:schemeClr val="tx1"/>
+          </a:solidFill>
+          <a:latin typeface="+mn-lt"/>
+          <a:ea typeface="+mn-ea"/>
+          <a:cs typeface="+mn-cs"/>
+        </a:defRPr>
+      </a:lvl9pPr>
+    </p:bodyStyle>
+    <p:otherStyle>
+      <a:defPPr>
+        <a:defRPr lang="en-US"/>
+      </a:defPPr>
+      <a:lvl1pPr marL="0" algn="l" defTabSz="914400" rtl="0" eaLnBrk="1" latinLnBrk="0" hangingPunct="1">
+        <a:defRPr sz="1800" kern="1200">
+          <a:solidFill>
+            <a:schemeClr val="tx1"/>
+          </a:solidFill>
+          <a:latin typeface="+mn-lt"/>
+          <a:ea typeface="+mn-ea"/>
+          <a:cs typeface="+mn-cs"/>
+        </a:defRPr>
+      </a:lvl1pPr>
+      <a:lvl2pPr marL="457200" algn="l" defTabSz="914400" rtl="0" eaLnBrk="1" latinLnBrk="0" hangingPunct="1">
+        <a:defRPr sz="1800" kern="1200">
+          <a:solidFill>
+            <a:schemeClr val="tx1"/>
+          </a:solidFill>
+          <a:latin typeface="+mn-lt"/>
+          <a:ea typeface="+mn-ea"/>
+          <a:cs typeface="+mn-cs"/>
+        </a:defRPr>
+      </a:lvl2pPr>
+      <a:lvl3pPr marL="914400" algn="l" defTabSz="914400" rtl="0" eaLnBrk="1" latinLnBrk="0" hangingPunct="1">
+        <a:defRPr sz="1800" kern="1200">
+          <a:solidFill>
+            <a:schemeClr val="tx1"/>
+          </a:solidFill>
+          <a:latin typeface="+mn-lt"/>
+          <a:ea typeface="+mn-ea"/>
+          <a:cs typeface="+mn-cs"/>
+        </a:defRPr>
+      </a:lvl3pPr>
+      <a:lvl4pPr marL="1371600" algn="l" defTabSz="914400" rtl="0" eaLnBrk="1" latinLnBrk="0" hangingPunct="1">
+        <a:defRPr sz="1800" kern="1200">
+          <a:solidFill>
+            <a:schemeClr val="tx1"/>
+          </a:solidFill>
+          <a:latin typeface="+mn-lt"/>
+          <a:ea typeface="+mn-ea"/>
+          <a:cs typeface="+mn-cs"/>
+        </a:defRPr>
+      </a:lvl4pPr>
+      <a:lvl5pPr marL="1828800" algn="l" defTabSz="914400" rtl="0" eaLnBrk="1" latinLnBrk="0" hangingPunct="1">
+        <a:defRPr sz="1800" kern="1200">
+          <a:solidFill>
+            <a:schemeClr val="tx1"/>
+          </a:solidFill>
+          <a:latin typeface="+mn-lt"/>
+          <a:ea typeface="+mn-ea"/>
+          <a:cs typeface="+mn-cs"/>
+        </a:defRPr>
+      </a:lvl5pPr>
+      <a:lvl6pPr marL="2286000" algn="l" defTabSz="914400" rtl="0" eaLnBrk="1" latinLnBrk="0" hangingPunct="1">
+        <a:defRPr sz="1800" kern="1200">
+          <a:solidFill>
+            <a:schemeClr val="tx1"/>
+          </a:solidFill>
+          <a:latin typeface="+mn-lt"/>
+          <a:ea typeface="+mn-ea"/>
+          <a:cs typeface="+mn-cs"/>
+        </a:defRPr>
+      </a:lvl6pPr>
+      <a:lvl7pPr marL="2743200" algn="l" defTabSz="914400" rtl="0" eaLnBrk="1" latinLnBrk="0" hangingPunct="1">
+        <a:defRPr sz="1800" kern="1200">
+          <a:solidFill>
+            <a:schemeClr val="tx1"/>
+          </a:solidFill>
+          <a:latin typeface="+mn-lt"/>
+          <a:ea typeface="+mn-ea"/>
+          <a:cs typeface="+mn-cs"/>
+        </a:defRPr>
+      </a:lvl7pPr>
+      <a:lvl8pPr marL="3200400" algn="l" defTabSz="914400" rtl="0" eaLnBrk="1" latinLnBrk="0" hangingPunct="1">
+        <a:defRPr sz="1800" kern="1200">
+          <a:solidFill>
+            <a:schemeClr val="tx1"/>
+          </a:solidFill>
+          <a:latin typeface="+mn-lt"/>
+          <a:ea typeface="+mn-ea"/>
+          <a:cs typeface="+mn-cs"/>
+        </a:defRPr>
+      </a:lvl8pPr>
+      <a:lvl9pPr marL="3657600" algn="l" defTabSz="914400" rtl="0" eaLnBrk="1" latinLnBrk="0" hangingPunct="1">
+        <a:defRPr sz="1800" kern="1200">
+          <a:solidFill>
+            <a:schemeClr val="tx1"/>
+          </a:solidFill>
+          <a:latin typeface="+mn-lt"/>
+          <a:ea typeface="+mn-ea"/>
+          <a:cs typeface="+mn-cs"/>
+        </a:defRPr>
+      </a:lvl9pPr>
+    </p:otherStyle>
+  </p:txStyles>
+</p:sldMaster>
+</file>
+
 <file path=ppt/slides/slide1.xml><?xml version="1.0" encoding="utf-8"?>
 <p:sld xmlns:a="http://schemas.openxmlformats.org/drawingml/2006/main" xmlns:r="http://schemas.openxmlformats.org/officeDocument/2006/relationships" xmlns:p="http://schemas.openxmlformats.org/presentationml/2006/main">
   <p:cSld>
@@ -3491,56 +6848,11 @@
           <a:chExt cx="0" cy="0"/>
         </a:xfrm>
       </p:grpSpPr>
-      <p:sp>
-        <p:nvSpPr>
-          <p:cNvPr id="2" name="Title 1"/>
-          <p:cNvSpPr>
-            <a:spLocks noGrp="1"/>
-          </p:cNvSpPr>
-          <p:nvPr>
-            <p:ph type="ctrTitle"/>
-          </p:nvPr>
-        </p:nvSpPr>
-        <p:spPr/>
-        <p:txBody>
-          <a:bodyPr/>
-          <a:lstStyle/>
-          <a:p>
-            <a:r>
-              <a:rPr lang="en-US" cap="none" dirty="0" smtClean="0">
-                <a:effectLst>
-                  <a:outerShdw blurRad="38100" dist="38100" dir="2700000" algn="tl">
-                    <a:srgbClr val="000000">
-                      <a:alpha val="43137"/>
-                    </a:srgbClr>
-                  </a:outerShdw>
-                </a:effectLst>
-                <a:latin typeface="Verdana" pitchFamily="34" charset="0"/>
-                <a:ea typeface="Verdana" pitchFamily="34" charset="0"/>
-                <a:cs typeface="Verdana" pitchFamily="34" charset="0"/>
-              </a:rPr>
-              <a:t>Intro to RavenDB with NancyFX</a:t>
-            </a:r>
-            <a:endParaRPr lang="en-US" cap="none" dirty="0">
-              <a:effectLst>
-                <a:outerShdw blurRad="38100" dist="38100" dir="2700000" algn="tl">
-                  <a:srgbClr val="000000">
-                    <a:alpha val="43137"/>
-                  </a:srgbClr>
-                </a:outerShdw>
-              </a:effectLst>
-              <a:latin typeface="Verdana" pitchFamily="34" charset="0"/>
-              <a:ea typeface="Verdana" pitchFamily="34" charset="0"/>
-              <a:cs typeface="Verdana" pitchFamily="34" charset="0"/>
-            </a:endParaRPr>
-          </a:p>
-        </p:txBody>
-      </p:sp>
       <p:pic>
         <p:nvPicPr>
-          <p:cNvPr id="3" name="Picture 2"/>
+          <p:cNvPr id="1029" name="Picture 5" descr="C:\Users\bryanhunter\Desktop\Nashville .NET User Group   Sponsors_files\tek_full-color.gif"/>
           <p:cNvPicPr>
-            <a:picLocks noChangeAspect="1"/>
+            <a:picLocks noChangeAspect="1" noChangeArrowheads="1"/>
           </p:cNvPicPr>
           <p:nvPr/>
         </p:nvPicPr>
@@ -3552,24 +6864,503 @@
               </a:ext>
             </a:extLst>
           </a:blip>
+          <a:srcRect/>
           <a:stretch>
             <a:fillRect/>
           </a:stretch>
         </p:blipFill>
+        <p:spPr bwMode="auto">
+          <a:xfrm>
+            <a:off x="6324292" y="2332849"/>
+            <a:ext cx="2395180" cy="1308006"/>
+          </a:xfrm>
+          <a:prstGeom prst="rect">
+            <a:avLst/>
+          </a:prstGeom>
+          <a:noFill/>
+          <a:extLst>
+            <a:ext uri="{909E8E84-426E-40DD-AFC4-6F175D3DCCD1}">
+              <a14:hiddenFill xmlns:a14="http://schemas.microsoft.com/office/drawing/2010/main">
+                <a:solidFill>
+                  <a:srgbClr val="FFFFFF"/>
+                </a:solidFill>
+              </a14:hiddenFill>
+            </a:ext>
+          </a:extLst>
+        </p:spPr>
+      </p:pic>
+      <p:pic>
+        <p:nvPicPr>
+          <p:cNvPr id="1030" name="Picture 6" descr="C:\Users\bryanhunter\Desktop\Nashville .NET User Group   Sponsors_files\conexess_logo.PNG"/>
+          <p:cNvPicPr>
+            <a:picLocks noChangeAspect="1" noChangeArrowheads="1"/>
+          </p:cNvPicPr>
+          <p:nvPr/>
+        </p:nvPicPr>
+        <p:blipFill>
+          <a:blip r:embed="rId3">
+            <a:extLst>
+              <a:ext uri="{28A0092B-C50C-407E-A947-70E740481C1C}">
+                <a14:useLocalDpi xmlns:a14="http://schemas.microsoft.com/office/drawing/2010/main" val="0"/>
+              </a:ext>
+            </a:extLst>
+          </a:blip>
+          <a:srcRect/>
+          <a:stretch>
+            <a:fillRect/>
+          </a:stretch>
+        </p:blipFill>
+        <p:spPr bwMode="auto">
+          <a:xfrm>
+            <a:off x="3053120" y="2184571"/>
+            <a:ext cx="3000756" cy="1676400"/>
+          </a:xfrm>
+          <a:prstGeom prst="rect">
+            <a:avLst/>
+          </a:prstGeom>
+          <a:noFill/>
+          <a:extLst>
+            <a:ext uri="{909E8E84-426E-40DD-AFC4-6F175D3DCCD1}">
+              <a14:hiddenFill xmlns:a14="http://schemas.microsoft.com/office/drawing/2010/main">
+                <a:solidFill>
+                  <a:srgbClr val="FFFFFF"/>
+                </a:solidFill>
+              </a14:hiddenFill>
+            </a:ext>
+          </a:extLst>
+        </p:spPr>
+      </p:pic>
+      <p:pic>
+        <p:nvPicPr>
+          <p:cNvPr id="1031" name="Picture 7" descr="C:\Users\bryanhunter\Desktop\Nashville .NET User Group   Sponsors_files\truebridgelogo3in.jpg"/>
+          <p:cNvPicPr>
+            <a:picLocks noChangeAspect="1" noChangeArrowheads="1"/>
+          </p:cNvPicPr>
+          <p:nvPr/>
+        </p:nvPicPr>
+        <p:blipFill>
+          <a:blip r:embed="rId4" cstate="print">
+            <a:extLst>
+              <a:ext uri="{28A0092B-C50C-407E-A947-70E740481C1C}">
+                <a14:useLocalDpi xmlns:a14="http://schemas.microsoft.com/office/drawing/2010/main" val="0"/>
+              </a:ext>
+            </a:extLst>
+          </a:blip>
+          <a:srcRect/>
+          <a:stretch>
+            <a:fillRect/>
+          </a:stretch>
+        </p:blipFill>
+        <p:spPr bwMode="auto">
+          <a:xfrm>
+            <a:off x="3004165" y="5276138"/>
+            <a:ext cx="3135668" cy="997713"/>
+          </a:xfrm>
+          <a:prstGeom prst="rect">
+            <a:avLst/>
+          </a:prstGeom>
+          <a:noFill/>
+          <a:extLst>
+            <a:ext uri="{909E8E84-426E-40DD-AFC4-6F175D3DCCD1}">
+              <a14:hiddenFill xmlns:a14="http://schemas.microsoft.com/office/drawing/2010/main">
+                <a:solidFill>
+                  <a:srgbClr val="FFFFFF"/>
+                </a:solidFill>
+              </a14:hiddenFill>
+            </a:ext>
+          </a:extLst>
+        </p:spPr>
+      </p:pic>
+      <p:sp>
+        <p:nvSpPr>
+          <p:cNvPr id="5" name="TextBox 4"/>
+          <p:cNvSpPr txBox="1"/>
+          <p:nvPr/>
+        </p:nvSpPr>
         <p:spPr>
           <a:xfrm>
-            <a:off x="2660949" y="4076315"/>
-            <a:ext cx="3754368" cy="952885"/>
+            <a:off x="496397" y="304800"/>
+            <a:ext cx="8114203" cy="523220"/>
+          </a:xfrm>
+          <a:prstGeom prst="rect">
+            <a:avLst/>
+          </a:prstGeom>
+          <a:noFill/>
+        </p:spPr>
+        <p:txBody>
+          <a:bodyPr wrap="square" rtlCol="0">
+            <a:spAutoFit/>
+          </a:bodyPr>
+          <a:lstStyle/>
+          <a:p>
+            <a:pPr algn="ctr"/>
+            <a:r>
+              <a:rPr lang="en-US" sz="2800" b="1" dirty="0" smtClean="0">
+                <a:solidFill>
+                  <a:prstClr val="black"/>
+                </a:solidFill>
+              </a:rPr>
+              <a:t>A big thanks to </a:t>
+            </a:r>
+            <a:r>
+              <a:rPr lang="en-US" sz="2800" b="1" dirty="0" err="1" smtClean="0">
+                <a:solidFill>
+                  <a:prstClr val="black"/>
+                </a:solidFill>
+              </a:rPr>
+              <a:t>NashDotNet’s</a:t>
+            </a:r>
+            <a:r>
+              <a:rPr lang="en-US" sz="2800" b="1" dirty="0" smtClean="0">
+                <a:solidFill>
+                  <a:prstClr val="black"/>
+                </a:solidFill>
+              </a:rPr>
+              <a:t> sponsors!</a:t>
+            </a:r>
+            <a:r>
+              <a:rPr lang="en-US" sz="2000" dirty="0" smtClean="0">
+                <a:solidFill>
+                  <a:prstClr val="black"/>
+                </a:solidFill>
+              </a:rPr>
+              <a:t> </a:t>
+            </a:r>
+            <a:endParaRPr lang="en-US" sz="1200" b="1" dirty="0">
+              <a:solidFill>
+                <a:prstClr val="white">
+                  <a:lumMod val="65000"/>
+                </a:prstClr>
+              </a:solidFill>
+            </a:endParaRPr>
+          </a:p>
+        </p:txBody>
+      </p:sp>
+      <p:sp>
+        <p:nvSpPr>
+          <p:cNvPr id="6" name="Rectangle 5"/>
+          <p:cNvSpPr/>
+          <p:nvPr/>
+        </p:nvSpPr>
+        <p:spPr>
+          <a:xfrm>
+            <a:off x="496397" y="4627602"/>
+            <a:ext cx="8114203" cy="553998"/>
           </a:xfrm>
           <a:prstGeom prst="rect">
             <a:avLst/>
           </a:prstGeom>
         </p:spPr>
+        <p:txBody>
+          <a:bodyPr wrap="square">
+            <a:spAutoFit/>
+          </a:bodyPr>
+          <a:lstStyle/>
+          <a:p>
+            <a:pPr algn="ctr"/>
+            <a:r>
+              <a:rPr lang="en-US" b="1" dirty="0" smtClean="0">
+                <a:solidFill>
+                  <a:prstClr val="black"/>
+                </a:solidFill>
+              </a:rPr>
+              <a:t>Our</a:t>
+            </a:r>
+            <a:r>
+              <a:rPr lang="en-US" b="1" i="1" dirty="0" smtClean="0">
+                <a:solidFill>
+                  <a:prstClr val="black"/>
+                </a:solidFill>
+              </a:rPr>
+              <a:t> VIP </a:t>
+            </a:r>
+            <a:r>
+              <a:rPr lang="en-US" b="1" dirty="0">
+                <a:solidFill>
+                  <a:prstClr val="black"/>
+                </a:solidFill>
+              </a:rPr>
+              <a:t>s</a:t>
+            </a:r>
+            <a:r>
+              <a:rPr lang="en-US" b="1" dirty="0" smtClean="0">
+                <a:solidFill>
+                  <a:prstClr val="black"/>
+                </a:solidFill>
+              </a:rPr>
+              <a:t>ponsor</a:t>
+            </a:r>
+            <a:r>
+              <a:rPr lang="en-US" b="1" i="1" dirty="0" smtClean="0">
+                <a:solidFill>
+                  <a:prstClr val="black"/>
+                </a:solidFill>
+              </a:rPr>
+              <a:t> </a:t>
+            </a:r>
+            <a:br>
+              <a:rPr lang="en-US" b="1" i="1" dirty="0" smtClean="0">
+                <a:solidFill>
+                  <a:prstClr val="black"/>
+                </a:solidFill>
+              </a:rPr>
+            </a:br>
+            <a:r>
+              <a:rPr lang="en-US" sz="1200" b="1" dirty="0" smtClean="0">
+                <a:solidFill>
+                  <a:prstClr val="white">
+                    <a:lumMod val="65000"/>
+                  </a:prstClr>
+                </a:solidFill>
+              </a:rPr>
+              <a:t>($500 per year)</a:t>
+            </a:r>
+            <a:endParaRPr lang="en-US" b="1" dirty="0">
+              <a:solidFill>
+                <a:prstClr val="white">
+                  <a:lumMod val="65000"/>
+                </a:prstClr>
+              </a:solidFill>
+            </a:endParaRPr>
+          </a:p>
+        </p:txBody>
+      </p:sp>
+      <p:sp>
+        <p:nvSpPr>
+          <p:cNvPr id="7" name="Rectangle 6"/>
+          <p:cNvSpPr/>
+          <p:nvPr/>
+        </p:nvSpPr>
+        <p:spPr>
+          <a:xfrm>
+            <a:off x="2286000" y="1295400"/>
+            <a:ext cx="4572000" cy="561692"/>
+          </a:xfrm>
+          <a:prstGeom prst="rect">
+            <a:avLst/>
+          </a:prstGeom>
+        </p:spPr>
+        <p:txBody>
+          <a:bodyPr>
+            <a:spAutoFit/>
+          </a:bodyPr>
+          <a:lstStyle/>
+          <a:p>
+            <a:pPr algn="ctr"/>
+            <a:r>
+              <a:rPr lang="en-US" b="1" dirty="0" smtClean="0">
+                <a:solidFill>
+                  <a:prstClr val="black"/>
+                </a:solidFill>
+              </a:rPr>
+              <a:t>Our</a:t>
+            </a:r>
+            <a:r>
+              <a:rPr lang="en-US" b="1" i="1" dirty="0" smtClean="0">
+                <a:solidFill>
+                  <a:prstClr val="black"/>
+                </a:solidFill>
+              </a:rPr>
+              <a:t> </a:t>
+            </a:r>
+            <a:r>
+              <a:rPr lang="en-US" sz="2000" b="1" i="1" dirty="0" smtClean="0">
+                <a:solidFill>
+                  <a:prstClr val="black"/>
+                </a:solidFill>
+              </a:rPr>
+              <a:t>“Rock Star</a:t>
+            </a:r>
+            <a:r>
+              <a:rPr lang="en-US" sz="2000" b="1" i="1" smtClean="0">
+                <a:solidFill>
+                  <a:prstClr val="black"/>
+                </a:solidFill>
+              </a:rPr>
+              <a:t>”</a:t>
+            </a:r>
+            <a:r>
+              <a:rPr lang="en-US" sz="2000" b="1" smtClean="0">
+                <a:solidFill>
+                  <a:prstClr val="black"/>
+                </a:solidFill>
+              </a:rPr>
+              <a:t> </a:t>
+            </a:r>
+            <a:r>
+              <a:rPr lang="en-US" b="1" smtClean="0">
+                <a:solidFill>
+                  <a:prstClr val="black"/>
+                </a:solidFill>
+              </a:rPr>
+              <a:t>sponsors </a:t>
+            </a:r>
+            <a:r>
+              <a:rPr lang="en-US" b="1" i="1" dirty="0" smtClean="0">
+                <a:solidFill>
+                  <a:prstClr val="black"/>
+                </a:solidFill>
+              </a:rPr>
+              <a:t/>
+            </a:r>
+            <a:br>
+              <a:rPr lang="en-US" b="1" i="1" dirty="0" smtClean="0">
+                <a:solidFill>
+                  <a:prstClr val="black"/>
+                </a:solidFill>
+              </a:rPr>
+            </a:br>
+            <a:r>
+              <a:rPr lang="en-US" sz="1050" b="1" dirty="0" smtClean="0">
+                <a:solidFill>
+                  <a:prstClr val="white">
+                    <a:lumMod val="65000"/>
+                  </a:prstClr>
+                </a:solidFill>
+              </a:rPr>
+              <a:t>($1,000 per year)</a:t>
+            </a:r>
+            <a:endParaRPr lang="en-US" sz="1050" b="1" dirty="0">
+              <a:solidFill>
+                <a:prstClr val="white">
+                  <a:lumMod val="65000"/>
+                </a:prstClr>
+              </a:solidFill>
+            </a:endParaRPr>
+          </a:p>
+        </p:txBody>
+      </p:sp>
+      <p:pic>
+        <p:nvPicPr>
+          <p:cNvPr id="2" name="Picture 2" descr="C:\Users\bryanhunter\Downloads\firefly-logo-black-on-white.small.jpg"/>
+          <p:cNvPicPr>
+            <a:picLocks noChangeAspect="1" noChangeArrowheads="1"/>
+          </p:cNvPicPr>
+          <p:nvPr/>
+        </p:nvPicPr>
+        <p:blipFill>
+          <a:blip r:embed="rId5">
+            <a:extLst>
+              <a:ext uri="{28A0092B-C50C-407E-A947-70E740481C1C}">
+                <a14:useLocalDpi xmlns:a14="http://schemas.microsoft.com/office/drawing/2010/main" val="0"/>
+              </a:ext>
+            </a:extLst>
+          </a:blip>
+          <a:srcRect/>
+          <a:stretch>
+            <a:fillRect/>
+          </a:stretch>
+        </p:blipFill>
+        <p:spPr bwMode="auto">
+          <a:xfrm>
+            <a:off x="496397" y="1886121"/>
+            <a:ext cx="2286000" cy="2273300"/>
+          </a:xfrm>
+          <a:prstGeom prst="rect">
+            <a:avLst/>
+          </a:prstGeom>
+          <a:noFill/>
+          <a:extLst>
+            <a:ext uri="{909E8E84-426E-40DD-AFC4-6F175D3DCCD1}">
+              <a14:hiddenFill xmlns:a14="http://schemas.microsoft.com/office/drawing/2010/main">
+                <a:solidFill>
+                  <a:srgbClr val="FFFFFF"/>
+                </a:solidFill>
+              </a14:hiddenFill>
+            </a:ext>
+          </a:extLst>
+        </p:spPr>
       </p:pic>
     </p:spTree>
     <p:extLst>
       <p:ext uri="{BB962C8B-B14F-4D97-AF65-F5344CB8AC3E}">
-        <p14:creationId xmlns:p14="http://schemas.microsoft.com/office/powerpoint/2010/main" val="3403672774"/>
+        <p14:creationId xmlns:p14="http://schemas.microsoft.com/office/powerpoint/2010/main" val="393106798"/>
+      </p:ext>
+    </p:extLst>
+  </p:cSld>
+  <p:clrMapOvr>
+    <a:masterClrMapping/>
+  </p:clrMapOvr>
+</p:sld>
+</file>
+
+<file path=ppt/slides/slide10.xml><?xml version="1.0" encoding="utf-8"?>
+<p:sld xmlns:a="http://schemas.openxmlformats.org/drawingml/2006/main" xmlns:r="http://schemas.openxmlformats.org/officeDocument/2006/relationships" xmlns:p="http://schemas.openxmlformats.org/presentationml/2006/main">
+  <p:cSld>
+    <p:spTree>
+      <p:nvGrpSpPr>
+        <p:cNvPr id="1" name=""/>
+        <p:cNvGrpSpPr/>
+        <p:nvPr/>
+      </p:nvGrpSpPr>
+      <p:grpSpPr>
+        <a:xfrm>
+          <a:off x="0" y="0"/>
+          <a:ext cx="0" cy="0"/>
+          <a:chOff x="0" y="0"/>
+          <a:chExt cx="0" cy="0"/>
+        </a:xfrm>
+      </p:grpSpPr>
+      <p:sp>
+        <p:nvSpPr>
+          <p:cNvPr id="2" name="Title 1"/>
+          <p:cNvSpPr>
+            <a:spLocks noGrp="1"/>
+          </p:cNvSpPr>
+          <p:nvPr>
+            <p:ph type="title"/>
+          </p:nvPr>
+        </p:nvSpPr>
+        <p:spPr/>
+        <p:txBody>
+          <a:bodyPr/>
+          <a:lstStyle/>
+          <a:p>
+            <a:r>
+              <a:rPr lang="en-US" dirty="0" smtClean="0"/>
+              <a:t>What is Raven?</a:t>
+            </a:r>
+            <a:endParaRPr lang="en-US" dirty="0"/>
+          </a:p>
+        </p:txBody>
+      </p:sp>
+      <p:sp>
+        <p:nvSpPr>
+          <p:cNvPr id="4" name="Content Placeholder 3"/>
+          <p:cNvSpPr>
+            <a:spLocks noGrp="1"/>
+          </p:cNvSpPr>
+          <p:nvPr>
+            <p:ph idx="1"/>
+          </p:nvPr>
+        </p:nvSpPr>
+        <p:spPr/>
+        <p:txBody>
+          <a:bodyPr/>
+          <a:lstStyle/>
+          <a:p>
+            <a:pPr marL="137160" indent="0">
+              <a:buNone/>
+            </a:pPr>
+            <a:r>
+              <a:rPr lang="en-US" dirty="0"/>
+              <a:t>Raven is a .NET Linq enabled Document Database, focused on </a:t>
+            </a:r>
+            <a:r>
+              <a:rPr lang="en-US" dirty="0" smtClean="0"/>
+              <a:t>providing a </a:t>
+            </a:r>
+            <a:r>
+              <a:rPr lang="en-US" dirty="0"/>
+              <a:t>high performance, schema-less, flexible and scalable NoSQL data store for the .NET and Windows platforms.</a:t>
+            </a:r>
+          </a:p>
+        </p:txBody>
+      </p:sp>
+    </p:spTree>
+    <p:extLst>
+      <p:ext uri="{BB962C8B-B14F-4D97-AF65-F5344CB8AC3E}">
+        <p14:creationId xmlns:p14="http://schemas.microsoft.com/office/powerpoint/2010/main" val="2326518527"/>
       </p:ext>
     </p:extLst>
   </p:cSld>
@@ -3579,14 +7370,101 @@
   <p:timing>
     <p:tnLst>
       <p:par>
-        <p:cTn id="1" dur="indefinite" restart="never" nodeType="tmRoot"/>
+        <p:cTn id="1" dur="indefinite" restart="never" nodeType="tmRoot">
+          <p:childTnLst>
+            <p:seq concurrent="1" nextAc="seek">
+              <p:cTn id="2" dur="indefinite" nodeType="mainSeq">
+                <p:childTnLst>
+                  <p:par>
+                    <p:cTn id="3" fill="hold">
+                      <p:stCondLst>
+                        <p:cond delay="indefinite"/>
+                      </p:stCondLst>
+                      <p:childTnLst>
+                        <p:par>
+                          <p:cTn id="4" fill="hold">
+                            <p:stCondLst>
+                              <p:cond delay="0"/>
+                            </p:stCondLst>
+                            <p:childTnLst>
+                              <p:par>
+                                <p:cTn id="5" presetID="10" presetClass="entr" presetSubtype="0" fill="hold" grpId="0" nodeType="clickEffect">
+                                  <p:stCondLst>
+                                    <p:cond delay="0"/>
+                                  </p:stCondLst>
+                                  <p:childTnLst>
+                                    <p:set>
+                                      <p:cBhvr>
+                                        <p:cTn id="6" dur="1" fill="hold">
+                                          <p:stCondLst>
+                                            <p:cond delay="0"/>
+                                          </p:stCondLst>
+                                        </p:cTn>
+                                        <p:tgtEl>
+                                          <p:spTgt spid="4">
+                                            <p:txEl>
+                                              <p:pRg st="0" end="0"/>
+                                            </p:txEl>
+                                          </p:spTgt>
+                                        </p:tgtEl>
+                                        <p:attrNameLst>
+                                          <p:attrName>style.visibility</p:attrName>
+                                        </p:attrNameLst>
+                                      </p:cBhvr>
+                                      <p:to>
+                                        <p:strVal val="visible"/>
+                                      </p:to>
+                                    </p:set>
+                                    <p:animEffect transition="in" filter="fade">
+                                      <p:cBhvr>
+                                        <p:cTn id="7" dur="500"/>
+                                        <p:tgtEl>
+                                          <p:spTgt spid="4">
+                                            <p:txEl>
+                                              <p:pRg st="0" end="0"/>
+                                            </p:txEl>
+                                          </p:spTgt>
+                                        </p:tgtEl>
+                                      </p:cBhvr>
+                                    </p:animEffect>
+                                  </p:childTnLst>
+                                </p:cTn>
+                              </p:par>
+                            </p:childTnLst>
+                          </p:cTn>
+                        </p:par>
+                      </p:childTnLst>
+                    </p:cTn>
+                  </p:par>
+                </p:childTnLst>
+              </p:cTn>
+              <p:prevCondLst>
+                <p:cond evt="onPrev" delay="0">
+                  <p:tgtEl>
+                    <p:sldTgt/>
+                  </p:tgtEl>
+                </p:cond>
+              </p:prevCondLst>
+              <p:nextCondLst>
+                <p:cond evt="onNext" delay="0">
+                  <p:tgtEl>
+                    <p:sldTgt/>
+                  </p:tgtEl>
+                </p:cond>
+              </p:nextCondLst>
+            </p:seq>
+          </p:childTnLst>
+        </p:cTn>
       </p:par>
     </p:tnLst>
+    <p:bldLst>
+      <p:bldP spid="4" grpId="0" build="p"/>
+    </p:bldLst>
   </p:timing>
 </p:sld>
 </file>
 
-<file path=ppt/slides/slide10.xml><?xml version="1.0" encoding="utf-8"?>
+<file path=ppt/slides/slide11.xml><?xml version="1.0" encoding="utf-8"?>
 <p:sld xmlns:a="http://schemas.openxmlformats.org/drawingml/2006/main" xmlns:r="http://schemas.openxmlformats.org/officeDocument/2006/relationships" xmlns:p="http://schemas.openxmlformats.org/presentationml/2006/main">
   <p:cSld>
     <p:spTree>
@@ -3676,7 +7554,7 @@
 </p:sld>
 </file>
 
-<file path=ppt/slides/slide11.xml><?xml version="1.0" encoding="utf-8"?>
+<file path=ppt/slides/slide12.xml><?xml version="1.0" encoding="utf-8"?>
 <p:sld xmlns:a="http://schemas.openxmlformats.org/drawingml/2006/main" xmlns:r="http://schemas.openxmlformats.org/officeDocument/2006/relationships" xmlns:p="http://schemas.openxmlformats.org/presentationml/2006/main">
   <p:cSld>
     <p:spTree>
@@ -4284,7 +8162,7 @@
 </p:sld>
 </file>
 
-<file path=ppt/slides/slide12.xml><?xml version="1.0" encoding="utf-8"?>
+<file path=ppt/slides/slide13.xml><?xml version="1.0" encoding="utf-8"?>
 <p:sld xmlns:a="http://schemas.openxmlformats.org/drawingml/2006/main" xmlns:r="http://schemas.openxmlformats.org/officeDocument/2006/relationships" xmlns:p="http://schemas.openxmlformats.org/presentationml/2006/main">
   <p:cSld>
     <p:spTree>
@@ -4610,7 +8488,7 @@
 </p:sld>
 </file>
 
-<file path=ppt/slides/slide13.xml><?xml version="1.0" encoding="utf-8"?>
+<file path=ppt/slides/slide14.xml><?xml version="1.0" encoding="utf-8"?>
 <p:sld xmlns:a="http://schemas.openxmlformats.org/drawingml/2006/main" xmlns:r="http://schemas.openxmlformats.org/officeDocument/2006/relationships" xmlns:p="http://schemas.openxmlformats.org/presentationml/2006/main">
   <p:cSld>
     <p:spTree>
@@ -4736,7 +8614,7 @@
 </p:sld>
 </file>
 
-<file path=ppt/slides/slide14.xml><?xml version="1.0" encoding="utf-8"?>
+<file path=ppt/slides/slide15.xml><?xml version="1.0" encoding="utf-8"?>
 <p:sld xmlns:a="http://schemas.openxmlformats.org/drawingml/2006/main" xmlns:r="http://schemas.openxmlformats.org/officeDocument/2006/relationships" xmlns:p="http://schemas.openxmlformats.org/presentationml/2006/main">
   <p:cSld>
     <p:spTree>
@@ -4955,7 +8833,7 @@
 </p:sld>
 </file>
 
-<file path=ppt/slides/slide15.xml><?xml version="1.0" encoding="utf-8"?>
+<file path=ppt/slides/slide16.xml><?xml version="1.0" encoding="utf-8"?>
 <p:sld xmlns:a="http://schemas.openxmlformats.org/drawingml/2006/main" xmlns:r="http://schemas.openxmlformats.org/officeDocument/2006/relationships" xmlns:p="http://schemas.openxmlformats.org/presentationml/2006/main">
   <p:cSld>
     <p:spTree>
@@ -5365,7 +9243,7 @@
 </p:sld>
 </file>
 
-<file path=ppt/slides/slide16.xml><?xml version="1.0" encoding="utf-8"?>
+<file path=ppt/slides/slide17.xml><?xml version="1.0" encoding="utf-8"?>
 <p:sld xmlns:a="http://schemas.openxmlformats.org/drawingml/2006/main" xmlns:r="http://schemas.openxmlformats.org/officeDocument/2006/relationships" xmlns:p="http://schemas.openxmlformats.org/presentationml/2006/main">
   <p:cSld>
     <p:spTree>
@@ -5768,7 +9646,7 @@
 </p:sld>
 </file>
 
-<file path=ppt/slides/slide17.xml><?xml version="1.0" encoding="utf-8"?>
+<file path=ppt/slides/slide18.xml><?xml version="1.0" encoding="utf-8"?>
 <p:sld xmlns:a="http://schemas.openxmlformats.org/drawingml/2006/main" xmlns:r="http://schemas.openxmlformats.org/officeDocument/2006/relationships" xmlns:p="http://schemas.openxmlformats.org/presentationml/2006/main">
   <p:cSld>
     <p:spTree>
@@ -6224,6 +10102,118 @@
             <a:spLocks noGrp="1"/>
           </p:cNvSpPr>
           <p:nvPr>
+            <p:ph type="ctrTitle"/>
+          </p:nvPr>
+        </p:nvSpPr>
+        <p:spPr/>
+        <p:txBody>
+          <a:bodyPr/>
+          <a:lstStyle/>
+          <a:p>
+            <a:r>
+              <a:rPr lang="en-US" cap="none" dirty="0" smtClean="0">
+                <a:effectLst>
+                  <a:outerShdw blurRad="38100" dist="38100" dir="2700000" algn="tl">
+                    <a:srgbClr val="000000">
+                      <a:alpha val="43137"/>
+                    </a:srgbClr>
+                  </a:outerShdw>
+                </a:effectLst>
+                <a:latin typeface="Verdana" pitchFamily="34" charset="0"/>
+                <a:ea typeface="Verdana" pitchFamily="34" charset="0"/>
+                <a:cs typeface="Verdana" pitchFamily="34" charset="0"/>
+              </a:rPr>
+              <a:t>Intro to RavenDB with NancyFX</a:t>
+            </a:r>
+            <a:endParaRPr lang="en-US" cap="none" dirty="0">
+              <a:effectLst>
+                <a:outerShdw blurRad="38100" dist="38100" dir="2700000" algn="tl">
+                  <a:srgbClr val="000000">
+                    <a:alpha val="43137"/>
+                  </a:srgbClr>
+                </a:outerShdw>
+              </a:effectLst>
+              <a:latin typeface="Verdana" pitchFamily="34" charset="0"/>
+              <a:ea typeface="Verdana" pitchFamily="34" charset="0"/>
+              <a:cs typeface="Verdana" pitchFamily="34" charset="0"/>
+            </a:endParaRPr>
+          </a:p>
+        </p:txBody>
+      </p:sp>
+      <p:pic>
+        <p:nvPicPr>
+          <p:cNvPr id="3" name="Picture 2"/>
+          <p:cNvPicPr>
+            <a:picLocks noChangeAspect="1"/>
+          </p:cNvPicPr>
+          <p:nvPr/>
+        </p:nvPicPr>
+        <p:blipFill>
+          <a:blip r:embed="rId2">
+            <a:extLst>
+              <a:ext uri="{28A0092B-C50C-407E-A947-70E740481C1C}">
+                <a14:useLocalDpi xmlns:a14="http://schemas.microsoft.com/office/drawing/2010/main" val="0"/>
+              </a:ext>
+            </a:extLst>
+          </a:blip>
+          <a:stretch>
+            <a:fillRect/>
+          </a:stretch>
+        </p:blipFill>
+        <p:spPr>
+          <a:xfrm>
+            <a:off x="2660949" y="4076315"/>
+            <a:ext cx="3754368" cy="952885"/>
+          </a:xfrm>
+          <a:prstGeom prst="rect">
+            <a:avLst/>
+          </a:prstGeom>
+        </p:spPr>
+      </p:pic>
+    </p:spTree>
+    <p:extLst>
+      <p:ext uri="{BB962C8B-B14F-4D97-AF65-F5344CB8AC3E}">
+        <p14:creationId xmlns:p14="http://schemas.microsoft.com/office/powerpoint/2010/main" val="3403672774"/>
+      </p:ext>
+    </p:extLst>
+  </p:cSld>
+  <p:clrMapOvr>
+    <a:masterClrMapping/>
+  </p:clrMapOvr>
+  <p:timing>
+    <p:tnLst>
+      <p:par>
+        <p:cTn id="1" dur="indefinite" restart="never" nodeType="tmRoot"/>
+      </p:par>
+    </p:tnLst>
+  </p:timing>
+</p:sld>
+</file>
+
+<file path=ppt/slides/slide3.xml><?xml version="1.0" encoding="utf-8"?>
+<p:sld xmlns:a="http://schemas.openxmlformats.org/drawingml/2006/main" xmlns:r="http://schemas.openxmlformats.org/officeDocument/2006/relationships" xmlns:p="http://schemas.openxmlformats.org/presentationml/2006/main">
+  <p:cSld>
+    <p:spTree>
+      <p:nvGrpSpPr>
+        <p:cNvPr id="1" name=""/>
+        <p:cNvGrpSpPr/>
+        <p:nvPr/>
+      </p:nvGrpSpPr>
+      <p:grpSpPr>
+        <a:xfrm>
+          <a:off x="0" y="0"/>
+          <a:ext cx="0" cy="0"/>
+          <a:chOff x="0" y="0"/>
+          <a:chExt cx="0" cy="0"/>
+        </a:xfrm>
+      </p:grpSpPr>
+      <p:sp>
+        <p:nvSpPr>
+          <p:cNvPr id="2" name="Title 1"/>
+          <p:cNvSpPr>
+            <a:spLocks noGrp="1"/>
+          </p:cNvSpPr>
+          <p:nvPr>
             <p:ph type="title"/>
           </p:nvPr>
         </p:nvSpPr>
@@ -6304,7 +10294,7 @@
 </p:sld>
 </file>
 
-<file path=ppt/slides/slide3.xml><?xml version="1.0" encoding="utf-8"?>
+<file path=ppt/slides/slide4.xml><?xml version="1.0" encoding="utf-8"?>
 <p:sld xmlns:a="http://schemas.openxmlformats.org/drawingml/2006/main" xmlns:r="http://schemas.openxmlformats.org/officeDocument/2006/relationships" xmlns:p="http://schemas.openxmlformats.org/presentationml/2006/main">
   <p:cSld>
     <p:spTree>
@@ -6470,7 +10460,7 @@
 </p:sld>
 </file>
 
-<file path=ppt/slides/slide4.xml><?xml version="1.0" encoding="utf-8"?>
+<file path=ppt/slides/slide5.xml><?xml version="1.0" encoding="utf-8"?>
 <p:sld xmlns:a="http://schemas.openxmlformats.org/drawingml/2006/main" xmlns:r="http://schemas.openxmlformats.org/officeDocument/2006/relationships" xmlns:p="http://schemas.openxmlformats.org/presentationml/2006/main">
   <p:cSld>
     <p:spTree>
@@ -6559,7 +10549,7 @@
 </p:sld>
 </file>
 
-<file path=ppt/slides/slide5.xml><?xml version="1.0" encoding="utf-8"?>
+<file path=ppt/slides/slide6.xml><?xml version="1.0" encoding="utf-8"?>
 <p:sld xmlns:a="http://schemas.openxmlformats.org/drawingml/2006/main" xmlns:r="http://schemas.openxmlformats.org/officeDocument/2006/relationships" xmlns:p="http://schemas.openxmlformats.org/presentationml/2006/main">
   <p:cSld>
     <p:spTree>
@@ -6800,7 +10790,7 @@
 </p:sld>
 </file>
 
-<file path=ppt/slides/slide6.xml><?xml version="1.0" encoding="utf-8"?>
+<file path=ppt/slides/slide7.xml><?xml version="1.0" encoding="utf-8"?>
 <p:sld xmlns:a="http://schemas.openxmlformats.org/drawingml/2006/main" xmlns:r="http://schemas.openxmlformats.org/officeDocument/2006/relationships" xmlns:p="http://schemas.openxmlformats.org/presentationml/2006/main">
   <p:cSld>
     <p:spTree>
@@ -6889,7 +10879,7 @@
 </p:sld>
 </file>
 
-<file path=ppt/slides/slide7.xml><?xml version="1.0" encoding="utf-8"?>
+<file path=ppt/slides/slide8.xml><?xml version="1.0" encoding="utf-8"?>
 <p:sld xmlns:a="http://schemas.openxmlformats.org/drawingml/2006/main" xmlns:r="http://schemas.openxmlformats.org/officeDocument/2006/relationships" xmlns:p="http://schemas.openxmlformats.org/presentationml/2006/main">
   <p:cSld>
     <p:spTree>
@@ -7062,7 +11052,7 @@
 </p:sld>
 </file>
 
-<file path=ppt/slides/slide8.xml><?xml version="1.0" encoding="utf-8"?>
+<file path=ppt/slides/slide9.xml><?xml version="1.0" encoding="utf-8"?>
 <p:sld xmlns:a="http://schemas.openxmlformats.org/drawingml/2006/main" xmlns:r="http://schemas.openxmlformats.org/officeDocument/2006/relationships" xmlns:p="http://schemas.openxmlformats.org/presentationml/2006/main">
   <p:cSld>
     <p:spTree>
@@ -7125,186 +11115,6 @@
         <p:cTn id="1" dur="indefinite" restart="never" nodeType="tmRoot"/>
       </p:par>
     </p:tnLst>
-  </p:timing>
-</p:sld>
-</file>
-
-<file path=ppt/slides/slide9.xml><?xml version="1.0" encoding="utf-8"?>
-<p:sld xmlns:a="http://schemas.openxmlformats.org/drawingml/2006/main" xmlns:r="http://schemas.openxmlformats.org/officeDocument/2006/relationships" xmlns:p="http://schemas.openxmlformats.org/presentationml/2006/main">
-  <p:cSld>
-    <p:spTree>
-      <p:nvGrpSpPr>
-        <p:cNvPr id="1" name=""/>
-        <p:cNvGrpSpPr/>
-        <p:nvPr/>
-      </p:nvGrpSpPr>
-      <p:grpSpPr>
-        <a:xfrm>
-          <a:off x="0" y="0"/>
-          <a:ext cx="0" cy="0"/>
-          <a:chOff x="0" y="0"/>
-          <a:chExt cx="0" cy="0"/>
-        </a:xfrm>
-      </p:grpSpPr>
-      <p:sp>
-        <p:nvSpPr>
-          <p:cNvPr id="2" name="Title 1"/>
-          <p:cNvSpPr>
-            <a:spLocks noGrp="1"/>
-          </p:cNvSpPr>
-          <p:nvPr>
-            <p:ph type="title"/>
-          </p:nvPr>
-        </p:nvSpPr>
-        <p:spPr/>
-        <p:txBody>
-          <a:bodyPr/>
-          <a:lstStyle/>
-          <a:p>
-            <a:r>
-              <a:rPr lang="en-US" dirty="0" smtClean="0"/>
-              <a:t>What is Raven?</a:t>
-            </a:r>
-            <a:endParaRPr lang="en-US" dirty="0"/>
-          </a:p>
-        </p:txBody>
-      </p:sp>
-      <p:sp>
-        <p:nvSpPr>
-          <p:cNvPr id="4" name="Content Placeholder 3"/>
-          <p:cNvSpPr>
-            <a:spLocks noGrp="1"/>
-          </p:cNvSpPr>
-          <p:nvPr>
-            <p:ph idx="1"/>
-          </p:nvPr>
-        </p:nvSpPr>
-        <p:spPr/>
-        <p:txBody>
-          <a:bodyPr/>
-          <a:lstStyle/>
-          <a:p>
-            <a:pPr marL="137160" indent="0">
-              <a:buNone/>
-            </a:pPr>
-            <a:r>
-              <a:rPr lang="en-US" dirty="0"/>
-              <a:t>Raven is a .NET Linq enabled Document Database, focused on </a:t>
-            </a:r>
-            <a:r>
-              <a:rPr lang="en-US" dirty="0" smtClean="0"/>
-              <a:t>providing a </a:t>
-            </a:r>
-            <a:r>
-              <a:rPr lang="en-US" dirty="0"/>
-              <a:t>high performance, schema-less, flexible and scalable NoSQL data store for the .NET and Windows platforms.</a:t>
-            </a:r>
-          </a:p>
-        </p:txBody>
-      </p:sp>
-    </p:spTree>
-    <p:extLst>
-      <p:ext uri="{BB962C8B-B14F-4D97-AF65-F5344CB8AC3E}">
-        <p14:creationId xmlns:p14="http://schemas.microsoft.com/office/powerpoint/2010/main" val="2326518527"/>
-      </p:ext>
-    </p:extLst>
-  </p:cSld>
-  <p:clrMapOvr>
-    <a:masterClrMapping/>
-  </p:clrMapOvr>
-  <p:timing>
-    <p:tnLst>
-      <p:par>
-        <p:cTn id="1" dur="indefinite" restart="never" nodeType="tmRoot">
-          <p:childTnLst>
-            <p:seq concurrent="1" nextAc="seek">
-              <p:cTn id="2" dur="indefinite" nodeType="mainSeq">
-                <p:childTnLst>
-                  <p:par>
-                    <p:cTn id="3" fill="hold">
-                      <p:stCondLst>
-                        <p:cond delay="indefinite"/>
-                      </p:stCondLst>
-                      <p:childTnLst>
-                        <p:par>
-                          <p:cTn id="4" fill="hold">
-                            <p:stCondLst>
-                              <p:cond delay="0"/>
-                            </p:stCondLst>
-                            <p:childTnLst>
-                              <p:par>
-                                <p:cTn id="5" presetID="10" presetClass="entr" presetSubtype="0" fill="hold" grpId="0" nodeType="clickEffect">
-                                  <p:stCondLst>
-                                    <p:cond delay="0"/>
-                                  </p:stCondLst>
-                                  <p:childTnLst>
-                                    <p:set>
-                                      <p:cBhvr>
-                                        <p:cTn id="6" dur="1" fill="hold">
-                                          <p:stCondLst>
-                                            <p:cond delay="0"/>
-                                          </p:stCondLst>
-                                        </p:cTn>
-                                        <p:tgtEl>
-                                          <p:spTgt spid="4">
-                                            <p:txEl>
-                                              <p:pRg st="0" end="0"/>
-                                            </p:txEl>
-                                          </p:spTgt>
-                                        </p:tgtEl>
-                                        <p:attrNameLst>
-                                          <p:attrName>style.visibility</p:attrName>
-                                        </p:attrNameLst>
-                                      </p:cBhvr>
-                                      <p:to>
-                                        <p:strVal val="visible"/>
-                                      </p:to>
-                                    </p:set>
-                                    <p:animEffect transition="in" filter="fade">
-                                      <p:cBhvr>
-                                        <p:cTn id="7" dur="500"/>
-                                        <p:tgtEl>
-                                          <p:spTgt spid="4">
-                                            <p:txEl>
-                                              <p:pRg st="0" end="0"/>
-                                            </p:txEl>
-                                          </p:spTgt>
-                                        </p:tgtEl>
-                                      </p:cBhvr>
-                                    </p:animEffect>
-                                  </p:childTnLst>
-                                </p:cTn>
-                              </p:par>
-                            </p:childTnLst>
-                          </p:cTn>
-                        </p:par>
-                      </p:childTnLst>
-                    </p:cTn>
-                  </p:par>
-                </p:childTnLst>
-              </p:cTn>
-              <p:prevCondLst>
-                <p:cond evt="onPrev" delay="0">
-                  <p:tgtEl>
-                    <p:sldTgt/>
-                  </p:tgtEl>
-                </p:cond>
-              </p:prevCondLst>
-              <p:nextCondLst>
-                <p:cond evt="onNext" delay="0">
-                  <p:tgtEl>
-                    <p:sldTgt/>
-                  </p:tgtEl>
-                </p:cond>
-              </p:nextCondLst>
-            </p:seq>
-          </p:childTnLst>
-        </p:cTn>
-      </p:par>
-    </p:tnLst>
-    <p:bldLst>
-      <p:bldP spid="4" grpId="0" build="p"/>
-    </p:bldLst>
   </p:timing>
 </p:sld>
 </file>
@@ -7881,4 +11691,289 @@
   <a:objectDefaults/>
   <a:extraClrSchemeLst/>
 </a:theme>
+</file>
+
+<file path=ppt/theme/theme3.xml><?xml version="1.0" encoding="utf-8"?>
+<a:theme xmlns:a="http://schemas.openxmlformats.org/drawingml/2006/main" name="Office Theme">
+  <a:themeElements>
+    <a:clrScheme name="Office">
+      <a:dk1>
+        <a:sysClr val="windowText" lastClr="000000"/>
+      </a:dk1>
+      <a:lt1>
+        <a:sysClr val="window" lastClr="FFFFFF"/>
+      </a:lt1>
+      <a:dk2>
+        <a:srgbClr val="1F497D"/>
+      </a:dk2>
+      <a:lt2>
+        <a:srgbClr val="EEECE1"/>
+      </a:lt2>
+      <a:accent1>
+        <a:srgbClr val="4F81BD"/>
+      </a:accent1>
+      <a:accent2>
+        <a:srgbClr val="C0504D"/>
+      </a:accent2>
+      <a:accent3>
+        <a:srgbClr val="9BBB59"/>
+      </a:accent3>
+      <a:accent4>
+        <a:srgbClr val="8064A2"/>
+      </a:accent4>
+      <a:accent5>
+        <a:srgbClr val="4BACC6"/>
+      </a:accent5>
+      <a:accent6>
+        <a:srgbClr val="F79646"/>
+      </a:accent6>
+      <a:hlink>
+        <a:srgbClr val="0000FF"/>
+      </a:hlink>
+      <a:folHlink>
+        <a:srgbClr val="800080"/>
+      </a:folHlink>
+    </a:clrScheme>
+    <a:fontScheme name="Office">
+      <a:majorFont>
+        <a:latin typeface="Calibri"/>
+        <a:ea typeface=""/>
+        <a:cs typeface=""/>
+        <a:font script="Jpan" typeface="ＭＳ Ｐゴシック"/>
+        <a:font script="Hang" typeface="맑은 고딕"/>
+        <a:font script="Hans" typeface="宋体"/>
+        <a:font script="Hant" typeface="新細明體"/>
+        <a:font script="Arab" typeface="Times New Roman"/>
+        <a:font script="Hebr" typeface="Times New Roman"/>
+        <a:font script="Thai" typeface="Angsana New"/>
+        <a:font script="Ethi" typeface="Nyala"/>
+        <a:font script="Beng" typeface="Vrinda"/>
+        <a:font script="Gujr" typeface="Shruti"/>
+        <a:font script="Khmr" typeface="MoolBoran"/>
+        <a:font script="Knda" typeface="Tunga"/>
+        <a:font script="Guru" typeface="Raavi"/>
+        <a:font script="Cans" typeface="Euphemia"/>
+        <a:font script="Cher" typeface="Plantagenet Cherokee"/>
+        <a:font script="Yiii" typeface="Microsoft Yi Baiti"/>
+        <a:font script="Tibt" typeface="Microsoft Himalaya"/>
+        <a:font script="Thaa" typeface="MV Boli"/>
+        <a:font script="Deva" typeface="Mangal"/>
+        <a:font script="Telu" typeface="Gautami"/>
+        <a:font script="Taml" typeface="Latha"/>
+        <a:font script="Syrc" typeface="Estrangelo Edessa"/>
+        <a:font script="Orya" typeface="Kalinga"/>
+        <a:font script="Mlym" typeface="Kartika"/>
+        <a:font script="Laoo" typeface="DokChampa"/>
+        <a:font script="Sinh" typeface="Iskoola Pota"/>
+        <a:font script="Mong" typeface="Mongolian Baiti"/>
+        <a:font script="Viet" typeface="Times New Roman"/>
+        <a:font script="Uigh" typeface="Microsoft Uighur"/>
+        <a:font script="Geor" typeface="Sylfaen"/>
+      </a:majorFont>
+      <a:minorFont>
+        <a:latin typeface="Calibri"/>
+        <a:ea typeface=""/>
+        <a:cs typeface=""/>
+        <a:font script="Jpan" typeface="ＭＳ Ｐゴシック"/>
+        <a:font script="Hang" typeface="맑은 고딕"/>
+        <a:font script="Hans" typeface="宋体"/>
+        <a:font script="Hant" typeface="新細明體"/>
+        <a:font script="Arab" typeface="Arial"/>
+        <a:font script="Hebr" typeface="Arial"/>
+        <a:font script="Thai" typeface="Cordia New"/>
+        <a:font script="Ethi" typeface="Nyala"/>
+        <a:font script="Beng" typeface="Vrinda"/>
+        <a:font script="Gujr" typeface="Shruti"/>
+        <a:font script="Khmr" typeface="DaunPenh"/>
+        <a:font script="Knda" typeface="Tunga"/>
+        <a:font script="Guru" typeface="Raavi"/>
+        <a:font script="Cans" typeface="Euphemia"/>
+        <a:font script="Cher" typeface="Plantagenet Cherokee"/>
+        <a:font script="Yiii" typeface="Microsoft Yi Baiti"/>
+        <a:font script="Tibt" typeface="Microsoft Himalaya"/>
+        <a:font script="Thaa" typeface="MV Boli"/>
+        <a:font script="Deva" typeface="Mangal"/>
+        <a:font script="Telu" typeface="Gautami"/>
+        <a:font script="Taml" typeface="Latha"/>
+        <a:font script="Syrc" typeface="Estrangelo Edessa"/>
+        <a:font script="Orya" typeface="Kalinga"/>
+        <a:font script="Mlym" typeface="Kartika"/>
+        <a:font script="Laoo" typeface="DokChampa"/>
+        <a:font script="Sinh" typeface="Iskoola Pota"/>
+        <a:font script="Mong" typeface="Mongolian Baiti"/>
+        <a:font script="Viet" typeface="Arial"/>
+        <a:font script="Uigh" typeface="Microsoft Uighur"/>
+        <a:font script="Geor" typeface="Sylfaen"/>
+      </a:minorFont>
+    </a:fontScheme>
+    <a:fmtScheme name="Office">
+      <a:fillStyleLst>
+        <a:solidFill>
+          <a:schemeClr val="phClr"/>
+        </a:solidFill>
+        <a:gradFill rotWithShape="1">
+          <a:gsLst>
+            <a:gs pos="0">
+              <a:schemeClr val="phClr">
+                <a:tint val="50000"/>
+                <a:satMod val="300000"/>
+              </a:schemeClr>
+            </a:gs>
+            <a:gs pos="35000">
+              <a:schemeClr val="phClr">
+                <a:tint val="37000"/>
+                <a:satMod val="300000"/>
+              </a:schemeClr>
+            </a:gs>
+            <a:gs pos="100000">
+              <a:schemeClr val="phClr">
+                <a:tint val="15000"/>
+                <a:satMod val="350000"/>
+              </a:schemeClr>
+            </a:gs>
+          </a:gsLst>
+          <a:lin ang="16200000" scaled="1"/>
+        </a:gradFill>
+        <a:gradFill rotWithShape="1">
+          <a:gsLst>
+            <a:gs pos="0">
+              <a:schemeClr val="phClr">
+                <a:shade val="51000"/>
+                <a:satMod val="130000"/>
+              </a:schemeClr>
+            </a:gs>
+            <a:gs pos="80000">
+              <a:schemeClr val="phClr">
+                <a:shade val="93000"/>
+                <a:satMod val="130000"/>
+              </a:schemeClr>
+            </a:gs>
+            <a:gs pos="100000">
+              <a:schemeClr val="phClr">
+                <a:shade val="94000"/>
+                <a:satMod val="135000"/>
+              </a:schemeClr>
+            </a:gs>
+          </a:gsLst>
+          <a:lin ang="16200000" scaled="0"/>
+        </a:gradFill>
+      </a:fillStyleLst>
+      <a:lnStyleLst>
+        <a:ln w="9525" cap="flat" cmpd="sng" algn="ctr">
+          <a:solidFill>
+            <a:schemeClr val="phClr">
+              <a:shade val="95000"/>
+              <a:satMod val="105000"/>
+            </a:schemeClr>
+          </a:solidFill>
+          <a:prstDash val="solid"/>
+        </a:ln>
+        <a:ln w="25400" cap="flat" cmpd="sng" algn="ctr">
+          <a:solidFill>
+            <a:schemeClr val="phClr"/>
+          </a:solidFill>
+          <a:prstDash val="solid"/>
+        </a:ln>
+        <a:ln w="38100" cap="flat" cmpd="sng" algn="ctr">
+          <a:solidFill>
+            <a:schemeClr val="phClr"/>
+          </a:solidFill>
+          <a:prstDash val="solid"/>
+        </a:ln>
+      </a:lnStyleLst>
+      <a:effectStyleLst>
+        <a:effectStyle>
+          <a:effectLst>
+            <a:outerShdw blurRad="40000" dist="20000" dir="5400000" rotWithShape="0">
+              <a:srgbClr val="000000">
+                <a:alpha val="38000"/>
+              </a:srgbClr>
+            </a:outerShdw>
+          </a:effectLst>
+        </a:effectStyle>
+        <a:effectStyle>
+          <a:effectLst>
+            <a:outerShdw blurRad="40000" dist="23000" dir="5400000" rotWithShape="0">
+              <a:srgbClr val="000000">
+                <a:alpha val="35000"/>
+              </a:srgbClr>
+            </a:outerShdw>
+          </a:effectLst>
+        </a:effectStyle>
+        <a:effectStyle>
+          <a:effectLst>
+            <a:outerShdw blurRad="40000" dist="23000" dir="5400000" rotWithShape="0">
+              <a:srgbClr val="000000">
+                <a:alpha val="35000"/>
+              </a:srgbClr>
+            </a:outerShdw>
+          </a:effectLst>
+          <a:scene3d>
+            <a:camera prst="orthographicFront">
+              <a:rot lat="0" lon="0" rev="0"/>
+            </a:camera>
+            <a:lightRig rig="threePt" dir="t">
+              <a:rot lat="0" lon="0" rev="1200000"/>
+            </a:lightRig>
+          </a:scene3d>
+          <a:sp3d>
+            <a:bevelT w="63500" h="25400"/>
+          </a:sp3d>
+        </a:effectStyle>
+      </a:effectStyleLst>
+      <a:bgFillStyleLst>
+        <a:solidFill>
+          <a:schemeClr val="phClr"/>
+        </a:solidFill>
+        <a:gradFill rotWithShape="1">
+          <a:gsLst>
+            <a:gs pos="0">
+              <a:schemeClr val="phClr">
+                <a:tint val="40000"/>
+                <a:satMod val="350000"/>
+              </a:schemeClr>
+            </a:gs>
+            <a:gs pos="40000">
+              <a:schemeClr val="phClr">
+                <a:tint val="45000"/>
+                <a:shade val="99000"/>
+                <a:satMod val="350000"/>
+              </a:schemeClr>
+            </a:gs>
+            <a:gs pos="100000">
+              <a:schemeClr val="phClr">
+                <a:shade val="20000"/>
+                <a:satMod val="255000"/>
+              </a:schemeClr>
+            </a:gs>
+          </a:gsLst>
+          <a:path path="circle">
+            <a:fillToRect l="50000" t="-80000" r="50000" b="180000"/>
+          </a:path>
+        </a:gradFill>
+        <a:gradFill rotWithShape="1">
+          <a:gsLst>
+            <a:gs pos="0">
+              <a:schemeClr val="phClr">
+                <a:tint val="80000"/>
+                <a:satMod val="300000"/>
+              </a:schemeClr>
+            </a:gs>
+            <a:gs pos="100000">
+              <a:schemeClr val="phClr">
+                <a:shade val="30000"/>
+                <a:satMod val="200000"/>
+              </a:schemeClr>
+            </a:gs>
+          </a:gsLst>
+          <a:path path="circle">
+            <a:fillToRect l="50000" t="50000" r="50000" b="50000"/>
+          </a:path>
+        </a:gradFill>
+      </a:bgFillStyleLst>
+    </a:fmtScheme>
+  </a:themeElements>
+  <a:objectDefaults/>
+  <a:extraClrSchemeLst/>
+</a:theme>
 </file>
--- a/raven_nancy_slides.pptx
+++ b/raven_nancy_slides.pptx
@@ -6,7 +6,7 @@
     <p:sldMasterId id="2147483744" r:id="rId2"/>
   </p:sldMasterIdLst>
   <p:notesMasterIdLst>
-    <p:notesMasterId r:id="rId21"/>
+    <p:notesMasterId r:id="rId25"/>
   </p:notesMasterIdLst>
   <p:sldIdLst>
     <p:sldId id="273" r:id="rId3"/>
@@ -21,12 +21,16 @@
     <p:sldId id="269" r:id="rId12"/>
     <p:sldId id="270" r:id="rId13"/>
     <p:sldId id="271" r:id="rId14"/>
-    <p:sldId id="272" r:id="rId15"/>
-    <p:sldId id="262" r:id="rId16"/>
-    <p:sldId id="263" r:id="rId17"/>
-    <p:sldId id="266" r:id="rId18"/>
-    <p:sldId id="264" r:id="rId19"/>
-    <p:sldId id="265" r:id="rId20"/>
+    <p:sldId id="276" r:id="rId15"/>
+    <p:sldId id="272" r:id="rId16"/>
+    <p:sldId id="262" r:id="rId17"/>
+    <p:sldId id="263" r:id="rId18"/>
+    <p:sldId id="266" r:id="rId19"/>
+    <p:sldId id="264" r:id="rId20"/>
+    <p:sldId id="265" r:id="rId21"/>
+    <p:sldId id="277" r:id="rId22"/>
+    <p:sldId id="275" r:id="rId23"/>
+    <p:sldId id="274" r:id="rId24"/>
   </p:sldIdLst>
   <p:sldSz cx="9144000" cy="6858000" type="screen4x3"/>
   <p:notesSz cx="6858000" cy="9144000"/>
@@ -543,7 +547,7 @@
           <a:p>
             <a:fld id="{437B0A2B-24B4-470C-B6D7-7A11D8AA68BF}" type="slidenum">
               <a:rPr lang="en-US" smtClean="0"/>
-              <a:t>16</a:t>
+              <a:t>17</a:t>
             </a:fld>
             <a:endParaRPr lang="en-US"/>
           </a:p>
@@ -7281,6 +7285,13 @@
   <p:clrMapOvr>
     <a:masterClrMapping/>
   </p:clrMapOvr>
+  <p:timing>
+    <p:tnLst>
+      <p:par>
+        <p:cTn id="1" dur="indefinite" restart="never" nodeType="tmRoot"/>
+      </p:par>
+    </p:tnLst>
+  </p:timing>
 </p:sld>
 </file>
 
@@ -8196,6 +8207,183 @@
           <a:p>
             <a:r>
               <a:rPr lang="en-US" dirty="0" smtClean="0"/>
+              <a:t>RESTful Architecture</a:t>
+            </a:r>
+            <a:endParaRPr lang="en-US" dirty="0"/>
+          </a:p>
+        </p:txBody>
+      </p:sp>
+      <p:sp>
+        <p:nvSpPr>
+          <p:cNvPr id="3" name="Content Placeholder 2"/>
+          <p:cNvSpPr>
+            <a:spLocks noGrp="1"/>
+          </p:cNvSpPr>
+          <p:nvPr>
+            <p:ph idx="1"/>
+          </p:nvPr>
+        </p:nvSpPr>
+        <p:spPr/>
+        <p:txBody>
+          <a:bodyPr/>
+          <a:lstStyle/>
+          <a:p>
+            <a:r>
+              <a:rPr lang="en-US" dirty="0"/>
+              <a:t>Documents - </a:t>
+            </a:r>
+            <a:r>
+              <a:rPr lang="en-US" sz="2400" dirty="0">
+                <a:hlinkClick r:id="rId2"/>
+              </a:rPr>
+              <a:t>http://</a:t>
+            </a:r>
+            <a:r>
+              <a:rPr lang="en-US" sz="2400" dirty="0" smtClean="0">
+                <a:hlinkClick r:id="rId2"/>
+              </a:rPr>
+              <a:t>localhost:8080/docs</a:t>
+            </a:r>
+            <a:r>
+              <a:rPr lang="en-US" sz="2400" dirty="0">
+                <a:hlinkClick r:id="rId2"/>
+              </a:rPr>
+              <a:t>/{document_id</a:t>
+            </a:r>
+            <a:r>
+              <a:rPr lang="en-US" sz="2400" dirty="0" smtClean="0">
+                <a:hlinkClick r:id="rId2"/>
+              </a:rPr>
+              <a:t>}</a:t>
+            </a:r>
+            <a:endParaRPr lang="en-US" sz="2400" dirty="0" smtClean="0"/>
+          </a:p>
+          <a:p>
+            <a:endParaRPr lang="en-US" dirty="0"/>
+          </a:p>
+          <a:p>
+            <a:r>
+              <a:rPr lang="en-US" dirty="0" smtClean="0"/>
+              <a:t>Attachments -</a:t>
+            </a:r>
+            <a:r>
+              <a:rPr lang="en-US" sz="2400" dirty="0" smtClean="0">
+                <a:hlinkClick r:id="rId3"/>
+              </a:rPr>
+              <a:t>http</a:t>
+            </a:r>
+            <a:r>
+              <a:rPr lang="en-US" sz="2400" dirty="0">
+                <a:hlinkClick r:id="rId3"/>
+              </a:rPr>
+              <a:t>://localhost:8080/static/{attachment_path</a:t>
+            </a:r>
+            <a:r>
+              <a:rPr lang="en-US" sz="2400" dirty="0" smtClean="0">
+                <a:hlinkClick r:id="rId3"/>
+              </a:rPr>
+              <a:t>}</a:t>
+            </a:r>
+            <a:endParaRPr lang="en-US" sz="2400" dirty="0" smtClean="0"/>
+          </a:p>
+          <a:p>
+            <a:pPr marL="137160" indent="0">
+              <a:buNone/>
+            </a:pPr>
+            <a:endParaRPr lang="en-US" dirty="0" smtClean="0"/>
+          </a:p>
+          <a:p>
+            <a:r>
+              <a:rPr lang="en-US" dirty="0"/>
+              <a:t>Index </a:t>
+            </a:r>
+            <a:r>
+              <a:rPr lang="en-US" dirty="0" smtClean="0"/>
+              <a:t>– </a:t>
+            </a:r>
+          </a:p>
+          <a:p>
+            <a:pPr marL="137160" indent="0">
+              <a:buNone/>
+            </a:pPr>
+            <a:r>
+              <a:rPr lang="en-US" sz="2400" dirty="0" smtClean="0"/>
+              <a:t>      http://</a:t>
+            </a:r>
+            <a:r>
+              <a:rPr lang="en-US" sz="2400" dirty="0"/>
+              <a:t>localhost:8080/indexes/{index_id} </a:t>
+            </a:r>
+            <a:endParaRPr lang="en-US" sz="2400" dirty="0" smtClean="0"/>
+          </a:p>
+          <a:p>
+            <a:pPr marL="137160" indent="0">
+              <a:buNone/>
+            </a:pPr>
+            <a:endParaRPr lang="en-US" dirty="0"/>
+          </a:p>
+          <a:p>
+            <a:pPr marL="137160" indent="0">
+              <a:buNone/>
+            </a:pPr>
+            <a:endParaRPr lang="en-US" dirty="0"/>
+          </a:p>
+        </p:txBody>
+      </p:sp>
+    </p:spTree>
+    <p:extLst>
+      <p:ext uri="{BB962C8B-B14F-4D97-AF65-F5344CB8AC3E}">
+        <p14:creationId xmlns:p14="http://schemas.microsoft.com/office/powerpoint/2010/main" val="3867865988"/>
+      </p:ext>
+    </p:extLst>
+  </p:cSld>
+  <p:clrMapOvr>
+    <a:masterClrMapping/>
+  </p:clrMapOvr>
+  <p:timing>
+    <p:tnLst>
+      <p:par>
+        <p:cTn id="1" dur="indefinite" restart="never" nodeType="tmRoot"/>
+      </p:par>
+    </p:tnLst>
+  </p:timing>
+</p:sld>
+</file>
+
+<file path=ppt/slides/slide14.xml><?xml version="1.0" encoding="utf-8"?>
+<p:sld xmlns:a="http://schemas.openxmlformats.org/drawingml/2006/main" xmlns:r="http://schemas.openxmlformats.org/officeDocument/2006/relationships" xmlns:p="http://schemas.openxmlformats.org/presentationml/2006/main">
+  <p:cSld>
+    <p:spTree>
+      <p:nvGrpSpPr>
+        <p:cNvPr id="1" name=""/>
+        <p:cNvGrpSpPr/>
+        <p:nvPr/>
+      </p:nvGrpSpPr>
+      <p:grpSpPr>
+        <a:xfrm>
+          <a:off x="0" y="0"/>
+          <a:ext cx="0" cy="0"/>
+          <a:chOff x="0" y="0"/>
+          <a:chExt cx="0" cy="0"/>
+        </a:xfrm>
+      </p:grpSpPr>
+      <p:sp>
+        <p:nvSpPr>
+          <p:cNvPr id="2" name="Title 1"/>
+          <p:cNvSpPr>
+            <a:spLocks noGrp="1"/>
+          </p:cNvSpPr>
+          <p:nvPr>
+            <p:ph type="title"/>
+          </p:nvPr>
+        </p:nvSpPr>
+        <p:spPr/>
+        <p:txBody>
+          <a:bodyPr/>
+          <a:lstStyle/>
+          <a:p>
+            <a:r>
+              <a:rPr lang="en-US" dirty="0" smtClean="0"/>
               <a:t>The API</a:t>
             </a:r>
             <a:endParaRPr lang="en-US" dirty="0"/>
@@ -8488,7 +8676,7 @@
 </p:sld>
 </file>
 
-<file path=ppt/slides/slide14.xml><?xml version="1.0" encoding="utf-8"?>
+<file path=ppt/slides/slide15.xml><?xml version="1.0" encoding="utf-8"?>
 <p:sld xmlns:a="http://schemas.openxmlformats.org/drawingml/2006/main" xmlns:r="http://schemas.openxmlformats.org/officeDocument/2006/relationships" xmlns:p="http://schemas.openxmlformats.org/presentationml/2006/main">
   <p:cSld>
     <p:spTree>
@@ -8607,14 +8795,128 @@
   <p:timing>
     <p:tnLst>
       <p:par>
-        <p:cTn id="1" dur="indefinite" restart="never" nodeType="tmRoot"/>
+        <p:cTn id="1" dur="indefinite" restart="never" nodeType="tmRoot">
+          <p:childTnLst>
+            <p:seq concurrent="1" nextAc="seek">
+              <p:cTn id="2" dur="indefinite" nodeType="mainSeq">
+                <p:childTnLst>
+                  <p:par>
+                    <p:cTn id="3" fill="hold">
+                      <p:stCondLst>
+                        <p:cond delay="indefinite"/>
+                      </p:stCondLst>
+                      <p:childTnLst>
+                        <p:par>
+                          <p:cTn id="4" fill="hold">
+                            <p:stCondLst>
+                              <p:cond delay="0"/>
+                            </p:stCondLst>
+                            <p:childTnLst>
+                              <p:par>
+                                <p:cTn id="5" presetID="10" presetClass="entr" presetSubtype="0" fill="hold" nodeType="clickEffect">
+                                  <p:stCondLst>
+                                    <p:cond delay="0"/>
+                                  </p:stCondLst>
+                                  <p:childTnLst>
+                                    <p:set>
+                                      <p:cBhvr>
+                                        <p:cTn id="6" dur="1" fill="hold">
+                                          <p:stCondLst>
+                                            <p:cond delay="0"/>
+                                          </p:stCondLst>
+                                        </p:cTn>
+                                        <p:tgtEl>
+                                          <p:spTgt spid="6"/>
+                                        </p:tgtEl>
+                                        <p:attrNameLst>
+                                          <p:attrName>style.visibility</p:attrName>
+                                        </p:attrNameLst>
+                                      </p:cBhvr>
+                                      <p:to>
+                                        <p:strVal val="visible"/>
+                                      </p:to>
+                                    </p:set>
+                                    <p:animEffect transition="in" filter="fade">
+                                      <p:cBhvr>
+                                        <p:cTn id="7" dur="500"/>
+                                        <p:tgtEl>
+                                          <p:spTgt spid="6"/>
+                                        </p:tgtEl>
+                                      </p:cBhvr>
+                                    </p:animEffect>
+                                  </p:childTnLst>
+                                </p:cTn>
+                              </p:par>
+                              <p:par>
+                                <p:cTn id="8" presetID="10" presetClass="entr" presetSubtype="0" fill="hold" grpId="0" nodeType="withEffect">
+                                  <p:stCondLst>
+                                    <p:cond delay="0"/>
+                                  </p:stCondLst>
+                                  <p:childTnLst>
+                                    <p:set>
+                                      <p:cBhvr>
+                                        <p:cTn id="9" dur="1" fill="hold">
+                                          <p:stCondLst>
+                                            <p:cond delay="0"/>
+                                          </p:stCondLst>
+                                        </p:cTn>
+                                        <p:tgtEl>
+                                          <p:spTgt spid="7"/>
+                                        </p:tgtEl>
+                                        <p:attrNameLst>
+                                          <p:attrName>style.visibility</p:attrName>
+                                        </p:attrNameLst>
+                                      </p:cBhvr>
+                                      <p:to>
+                                        <p:strVal val="visible"/>
+                                      </p:to>
+                                    </p:set>
+                                    <p:animEffect transition="in" filter="fade">
+                                      <p:cBhvr>
+                                        <p:cTn id="10" dur="500"/>
+                                        <p:tgtEl>
+                                          <p:spTgt spid="7"/>
+                                        </p:tgtEl>
+                                      </p:cBhvr>
+                                    </p:animEffect>
+                                  </p:childTnLst>
+                                </p:cTn>
+                              </p:par>
+                            </p:childTnLst>
+                          </p:cTn>
+                        </p:par>
+                      </p:childTnLst>
+                    </p:cTn>
+                  </p:par>
+                </p:childTnLst>
+              </p:cTn>
+              <p:prevCondLst>
+                <p:cond evt="onPrev" delay="0">
+                  <p:tgtEl>
+                    <p:sldTgt/>
+                  </p:tgtEl>
+                </p:cond>
+              </p:prevCondLst>
+              <p:nextCondLst>
+                <p:cond evt="onNext" delay="0">
+                  <p:tgtEl>
+                    <p:sldTgt/>
+                  </p:tgtEl>
+                </p:cond>
+              </p:nextCondLst>
+            </p:seq>
+          </p:childTnLst>
+        </p:cTn>
       </p:par>
     </p:tnLst>
+    <p:bldLst>
+      <p:bldP spid="7" grpId="0"/>
+    </p:bldLst>
   </p:timing>
 </p:sld>
 </file>
 
-<file path=ppt/slides/slide15.xml><?xml version="1.0" encoding="utf-8"?>
+<file path=ppt/slides/slide16.xml><?xml version="1.0" encoding="utf-8"?>
 <p:sld xmlns:a="http://schemas.openxmlformats.org/drawingml/2006/main" xmlns:r="http://schemas.openxmlformats.org/officeDocument/2006/relationships" xmlns:p="http://schemas.openxmlformats.org/presentationml/2006/main">
   <p:cSld>
     <p:spTree>
@@ -8655,7 +8957,7 @@
           <a:p>
             <a:r>
               <a:rPr lang="en-US" dirty="0" smtClean="0"/>
-              <a:t>NancyFX, </a:t>
+              <a:t>NancyFX </a:t>
             </a:r>
             <a:br>
               <a:rPr lang="en-US" dirty="0" smtClean="0"/>
@@ -8826,14 +9128,128 @@
   <p:timing>
     <p:tnLst>
       <p:par>
-        <p:cTn id="1" dur="indefinite" restart="never" nodeType="tmRoot"/>
+        <p:cTn id="1" dur="indefinite" restart="never" nodeType="tmRoot">
+          <p:childTnLst>
+            <p:seq concurrent="1" nextAc="seek">
+              <p:cTn id="2" dur="indefinite" nodeType="mainSeq">
+                <p:childTnLst>
+                  <p:par>
+                    <p:cTn id="3" fill="hold">
+                      <p:stCondLst>
+                        <p:cond delay="indefinite"/>
+                      </p:stCondLst>
+                      <p:childTnLst>
+                        <p:par>
+                          <p:cTn id="4" fill="hold">
+                            <p:stCondLst>
+                              <p:cond delay="0"/>
+                            </p:stCondLst>
+                            <p:childTnLst>
+                              <p:par>
+                                <p:cTn id="5" presetID="10" presetClass="entr" presetSubtype="0" fill="hold" grpId="0" nodeType="clickEffect">
+                                  <p:stCondLst>
+                                    <p:cond delay="0"/>
+                                  </p:stCondLst>
+                                  <p:childTnLst>
+                                    <p:set>
+                                      <p:cBhvr>
+                                        <p:cTn id="6" dur="1" fill="hold">
+                                          <p:stCondLst>
+                                            <p:cond delay="0"/>
+                                          </p:stCondLst>
+                                        </p:cTn>
+                                        <p:tgtEl>
+                                          <p:spTgt spid="4"/>
+                                        </p:tgtEl>
+                                        <p:attrNameLst>
+                                          <p:attrName>style.visibility</p:attrName>
+                                        </p:attrNameLst>
+                                      </p:cBhvr>
+                                      <p:to>
+                                        <p:strVal val="visible"/>
+                                      </p:to>
+                                    </p:set>
+                                    <p:animEffect transition="in" filter="fade">
+                                      <p:cBhvr>
+                                        <p:cTn id="7" dur="500"/>
+                                        <p:tgtEl>
+                                          <p:spTgt spid="4"/>
+                                        </p:tgtEl>
+                                      </p:cBhvr>
+                                    </p:animEffect>
+                                  </p:childTnLst>
+                                </p:cTn>
+                              </p:par>
+                              <p:par>
+                                <p:cTn id="8" presetID="10" presetClass="entr" presetSubtype="0" fill="hold" nodeType="withEffect">
+                                  <p:stCondLst>
+                                    <p:cond delay="0"/>
+                                  </p:stCondLst>
+                                  <p:childTnLst>
+                                    <p:set>
+                                      <p:cBhvr>
+                                        <p:cTn id="9" dur="1" fill="hold">
+                                          <p:stCondLst>
+                                            <p:cond delay="0"/>
+                                          </p:stCondLst>
+                                        </p:cTn>
+                                        <p:tgtEl>
+                                          <p:spTgt spid="5"/>
+                                        </p:tgtEl>
+                                        <p:attrNameLst>
+                                          <p:attrName>style.visibility</p:attrName>
+                                        </p:attrNameLst>
+                                      </p:cBhvr>
+                                      <p:to>
+                                        <p:strVal val="visible"/>
+                                      </p:to>
+                                    </p:set>
+                                    <p:animEffect transition="in" filter="fade">
+                                      <p:cBhvr>
+                                        <p:cTn id="10" dur="500"/>
+                                        <p:tgtEl>
+                                          <p:spTgt spid="5"/>
+                                        </p:tgtEl>
+                                      </p:cBhvr>
+                                    </p:animEffect>
+                                  </p:childTnLst>
+                                </p:cTn>
+                              </p:par>
+                            </p:childTnLst>
+                          </p:cTn>
+                        </p:par>
+                      </p:childTnLst>
+                    </p:cTn>
+                  </p:par>
+                </p:childTnLst>
+              </p:cTn>
+              <p:prevCondLst>
+                <p:cond evt="onPrev" delay="0">
+                  <p:tgtEl>
+                    <p:sldTgt/>
+                  </p:tgtEl>
+                </p:cond>
+              </p:prevCondLst>
+              <p:nextCondLst>
+                <p:cond evt="onNext" delay="0">
+                  <p:tgtEl>
+                    <p:sldTgt/>
+                  </p:tgtEl>
+                </p:cond>
+              </p:nextCondLst>
+            </p:seq>
+          </p:childTnLst>
+        </p:cTn>
       </p:par>
     </p:tnLst>
+    <p:bldLst>
+      <p:bldP spid="4" grpId="0" animBg="1"/>
+    </p:bldLst>
   </p:timing>
 </p:sld>
 </file>
 
-<file path=ppt/slides/slide16.xml><?xml version="1.0" encoding="utf-8"?>
+<file path=ppt/slides/slide17.xml><?xml version="1.0" encoding="utf-8"?>
 <p:sld xmlns:a="http://schemas.openxmlformats.org/drawingml/2006/main" xmlns:r="http://schemas.openxmlformats.org/officeDocument/2006/relationships" xmlns:p="http://schemas.openxmlformats.org/presentationml/2006/main">
   <p:cSld>
     <p:spTree>
@@ -9243,7 +9659,7 @@
 </p:sld>
 </file>
 
-<file path=ppt/slides/slide17.xml><?xml version="1.0" encoding="utf-8"?>
+<file path=ppt/slides/slide18.xml><?xml version="1.0" encoding="utf-8"?>
 <p:sld xmlns:a="http://schemas.openxmlformats.org/drawingml/2006/main" xmlns:r="http://schemas.openxmlformats.org/officeDocument/2006/relationships" xmlns:p="http://schemas.openxmlformats.org/presentationml/2006/main">
   <p:cSld>
     <p:spTree>
@@ -9646,7 +10062,7 @@
 </p:sld>
 </file>
 
-<file path=ppt/slides/slide18.xml><?xml version="1.0" encoding="utf-8"?>
+<file path=ppt/slides/slide19.xml><?xml version="1.0" encoding="utf-8"?>
 <p:sld xmlns:a="http://schemas.openxmlformats.org/drawingml/2006/main" xmlns:r="http://schemas.openxmlformats.org/officeDocument/2006/relationships" xmlns:p="http://schemas.openxmlformats.org/presentationml/2006/main">
   <p:cSld>
     <p:spTree>
@@ -10190,6 +10606,301 @@
 </p:sld>
 </file>
 
+<file path=ppt/slides/slide20.xml><?xml version="1.0" encoding="utf-8"?>
+<p:sld xmlns:a="http://schemas.openxmlformats.org/drawingml/2006/main" xmlns:r="http://schemas.openxmlformats.org/officeDocument/2006/relationships" xmlns:p="http://schemas.openxmlformats.org/presentationml/2006/main">
+  <p:cSld>
+    <p:spTree>
+      <p:nvGrpSpPr>
+        <p:cNvPr id="1" name=""/>
+        <p:cNvGrpSpPr/>
+        <p:nvPr/>
+      </p:nvGrpSpPr>
+      <p:grpSpPr>
+        <a:xfrm>
+          <a:off x="0" y="0"/>
+          <a:ext cx="0" cy="0"/>
+          <a:chOff x="0" y="0"/>
+          <a:chExt cx="0" cy="0"/>
+        </a:xfrm>
+      </p:grpSpPr>
+      <p:sp>
+        <p:nvSpPr>
+          <p:cNvPr id="2" name="Title 1"/>
+          <p:cNvSpPr>
+            <a:spLocks noGrp="1"/>
+          </p:cNvSpPr>
+          <p:nvPr>
+            <p:ph type="title"/>
+          </p:nvPr>
+        </p:nvSpPr>
+        <p:spPr/>
+        <p:txBody>
+          <a:bodyPr/>
+          <a:lstStyle/>
+          <a:p>
+            <a:r>
+              <a:rPr lang="en-US" dirty="0" smtClean="0"/>
+              <a:t>OWIN</a:t>
+            </a:r>
+            <a:endParaRPr lang="en-US" dirty="0"/>
+          </a:p>
+        </p:txBody>
+      </p:sp>
+      <p:sp>
+        <p:nvSpPr>
+          <p:cNvPr id="5" name="Content Placeholder 4"/>
+          <p:cNvSpPr>
+            <a:spLocks noGrp="1"/>
+          </p:cNvSpPr>
+          <p:nvPr>
+            <p:ph sz="half" idx="1"/>
+          </p:nvPr>
+        </p:nvSpPr>
+        <p:spPr>
+          <a:xfrm>
+            <a:off x="2133600" y="2332037"/>
+            <a:ext cx="4876800" cy="3230563"/>
+          </a:xfrm>
+        </p:spPr>
+        <p:txBody>
+          <a:bodyPr/>
+          <a:lstStyle/>
+          <a:p>
+            <a:pPr>
+              <a:lnSpc>
+                <a:spcPct val="200000"/>
+              </a:lnSpc>
+            </a:pPr>
+            <a:r>
+              <a:rPr lang="en-US" dirty="0" smtClean="0"/>
+              <a:t>Available Kayak, Mono etc..</a:t>
+            </a:r>
+          </a:p>
+          <a:p>
+            <a:pPr>
+              <a:lnSpc>
+                <a:spcPct val="200000"/>
+              </a:lnSpc>
+            </a:pPr>
+            <a:r>
+              <a:rPr lang="en-US" dirty="0" smtClean="0"/>
+              <a:t>Who uses it?</a:t>
+            </a:r>
+          </a:p>
+          <a:p>
+            <a:endParaRPr lang="en-US" dirty="0" smtClean="0"/>
+          </a:p>
+          <a:p>
+            <a:endParaRPr lang="en-US" dirty="0" smtClean="0"/>
+          </a:p>
+        </p:txBody>
+      </p:sp>
+      <p:sp>
+        <p:nvSpPr>
+          <p:cNvPr id="4" name="TextBox 3"/>
+          <p:cNvSpPr txBox="1"/>
+          <p:nvPr/>
+        </p:nvSpPr>
+        <p:spPr>
+          <a:xfrm>
+            <a:off x="1857956" y="1380067"/>
+            <a:ext cx="5428089" cy="584775"/>
+          </a:xfrm>
+          <a:prstGeom prst="rect">
+            <a:avLst/>
+          </a:prstGeom>
+          <a:noFill/>
+        </p:spPr>
+        <p:txBody>
+          <a:bodyPr wrap="none" rtlCol="0">
+            <a:spAutoFit/>
+          </a:bodyPr>
+          <a:lstStyle/>
+          <a:p>
+            <a:r>
+              <a:rPr lang="en-US" sz="3200" dirty="0" smtClean="0"/>
+              <a:t>Open Web Interface  for .Net</a:t>
+            </a:r>
+            <a:endParaRPr lang="en-US" sz="3200" dirty="0"/>
+          </a:p>
+        </p:txBody>
+      </p:sp>
+    </p:spTree>
+    <p:extLst>
+      <p:ext uri="{BB962C8B-B14F-4D97-AF65-F5344CB8AC3E}">
+        <p14:creationId xmlns:p14="http://schemas.microsoft.com/office/powerpoint/2010/main" val="3115513265"/>
+      </p:ext>
+    </p:extLst>
+  </p:cSld>
+  <p:clrMapOvr>
+    <a:masterClrMapping/>
+  </p:clrMapOvr>
+  <p:timing>
+    <p:tnLst>
+      <p:par>
+        <p:cTn id="1" dur="indefinite" restart="never" nodeType="tmRoot"/>
+      </p:par>
+    </p:tnLst>
+  </p:timing>
+</p:sld>
+</file>
+
+<file path=ppt/slides/slide21.xml><?xml version="1.0" encoding="utf-8"?>
+<p:sld xmlns:a="http://schemas.openxmlformats.org/drawingml/2006/main" xmlns:r="http://schemas.openxmlformats.org/officeDocument/2006/relationships" xmlns:p="http://schemas.openxmlformats.org/presentationml/2006/main">
+  <p:cSld>
+    <p:spTree>
+      <p:nvGrpSpPr>
+        <p:cNvPr id="1" name=""/>
+        <p:cNvGrpSpPr/>
+        <p:nvPr/>
+      </p:nvGrpSpPr>
+      <p:grpSpPr>
+        <a:xfrm>
+          <a:off x="0" y="0"/>
+          <a:ext cx="0" cy="0"/>
+          <a:chOff x="0" y="0"/>
+          <a:chExt cx="0" cy="0"/>
+        </a:xfrm>
+      </p:grpSpPr>
+      <p:sp>
+        <p:nvSpPr>
+          <p:cNvPr id="2" name="Title 1"/>
+          <p:cNvSpPr>
+            <a:spLocks noGrp="1"/>
+          </p:cNvSpPr>
+          <p:nvPr>
+            <p:ph type="ctrTitle"/>
+          </p:nvPr>
+        </p:nvSpPr>
+        <p:spPr/>
+        <p:txBody>
+          <a:bodyPr/>
+          <a:lstStyle/>
+          <a:p>
+            <a:r>
+              <a:rPr lang="en-US" dirty="0" smtClean="0"/>
+              <a:t>Bringing it together</a:t>
+            </a:r>
+            <a:endParaRPr lang="en-US" dirty="0"/>
+          </a:p>
+        </p:txBody>
+      </p:sp>
+    </p:spTree>
+    <p:extLst>
+      <p:ext uri="{BB962C8B-B14F-4D97-AF65-F5344CB8AC3E}">
+        <p14:creationId xmlns:p14="http://schemas.microsoft.com/office/powerpoint/2010/main" val="638396341"/>
+      </p:ext>
+    </p:extLst>
+  </p:cSld>
+  <p:clrMapOvr>
+    <a:masterClrMapping/>
+  </p:clrMapOvr>
+  <p:timing>
+    <p:tnLst>
+      <p:par>
+        <p:cTn id="1" dur="indefinite" restart="never" nodeType="tmRoot"/>
+      </p:par>
+    </p:tnLst>
+  </p:timing>
+</p:sld>
+</file>
+
+<file path=ppt/slides/slide22.xml><?xml version="1.0" encoding="utf-8"?>
+<p:sld xmlns:a="http://schemas.openxmlformats.org/drawingml/2006/main" xmlns:r="http://schemas.openxmlformats.org/officeDocument/2006/relationships" xmlns:p="http://schemas.openxmlformats.org/presentationml/2006/main">
+  <p:cSld>
+    <p:spTree>
+      <p:nvGrpSpPr>
+        <p:cNvPr id="1" name=""/>
+        <p:cNvGrpSpPr/>
+        <p:nvPr/>
+      </p:nvGrpSpPr>
+      <p:grpSpPr>
+        <a:xfrm>
+          <a:off x="0" y="0"/>
+          <a:ext cx="0" cy="0"/>
+          <a:chOff x="0" y="0"/>
+          <a:chExt cx="0" cy="0"/>
+        </a:xfrm>
+      </p:grpSpPr>
+      <p:sp>
+        <p:nvSpPr>
+          <p:cNvPr id="2" name="Title 1"/>
+          <p:cNvSpPr>
+            <a:spLocks noGrp="1"/>
+          </p:cNvSpPr>
+          <p:nvPr>
+            <p:ph type="ctrTitle"/>
+          </p:nvPr>
+        </p:nvSpPr>
+        <p:spPr/>
+        <p:txBody>
+          <a:bodyPr>
+            <a:normAutofit/>
+          </a:bodyPr>
+          <a:lstStyle/>
+          <a:p>
+            <a:r>
+              <a:rPr lang="en-US" dirty="0" smtClean="0"/>
+              <a:t>Questions/Comments</a:t>
+            </a:r>
+            <a:endParaRPr lang="en-US" dirty="0"/>
+          </a:p>
+        </p:txBody>
+      </p:sp>
+      <p:sp>
+        <p:nvSpPr>
+          <p:cNvPr id="3" name="Subtitle 2"/>
+          <p:cNvSpPr>
+            <a:spLocks noGrp="1"/>
+          </p:cNvSpPr>
+          <p:nvPr>
+            <p:ph type="subTitle" idx="1"/>
+          </p:nvPr>
+        </p:nvSpPr>
+        <p:spPr/>
+        <p:txBody>
+          <a:bodyPr/>
+          <a:lstStyle/>
+          <a:p>
+            <a:r>
+              <a:rPr lang="en-US" dirty="0" smtClean="0">
+                <a:hlinkClick r:id="rId2"/>
+              </a:rPr>
+              <a:t>Presentation Slide and Samples</a:t>
+            </a:r>
+            <a:endParaRPr lang="en-US" dirty="0" smtClean="0"/>
+          </a:p>
+          <a:p>
+            <a:r>
+              <a:rPr lang="en-US" dirty="0">
+                <a:hlinkClick r:id="rId2"/>
+              </a:rPr>
+              <a:t>https://github.com/justinsoliz/ravendb_nancyfx_presentation</a:t>
+            </a:r>
+            <a:endParaRPr lang="en-US" dirty="0"/>
+          </a:p>
+        </p:txBody>
+      </p:sp>
+    </p:spTree>
+    <p:extLst>
+      <p:ext uri="{BB962C8B-B14F-4D97-AF65-F5344CB8AC3E}">
+        <p14:creationId xmlns:p14="http://schemas.microsoft.com/office/powerpoint/2010/main" val="3342976928"/>
+      </p:ext>
+    </p:extLst>
+  </p:cSld>
+  <p:clrMapOvr>
+    <a:masterClrMapping/>
+  </p:clrMapOvr>
+  <p:timing>
+    <p:tnLst>
+      <p:par>
+        <p:cTn id="1" dur="indefinite" restart="never" nodeType="tmRoot"/>
+      </p:par>
+    </p:tnLst>
+  </p:timing>
+</p:sld>
+</file>
+
 <file path=ppt/slides/slide3.xml><?xml version="1.0" encoding="utf-8"?>
 <p:sld xmlns:a="http://schemas.openxmlformats.org/drawingml/2006/main" xmlns:r="http://schemas.openxmlformats.org/officeDocument/2006/relationships" xmlns:p="http://schemas.openxmlformats.org/presentationml/2006/main">
   <p:cSld>
@@ -10568,7 +11279,7 @@
       </p:grpSpPr>
       <p:pic>
         <p:nvPicPr>
-          <p:cNvPr id="3" name="Picture 2"/>
+          <p:cNvPr id="6" name="Picture 5"/>
           <p:cNvPicPr>
             <a:picLocks noChangeAspect="1"/>
           </p:cNvPicPr>
@@ -10588,17 +11299,47 @@
         </p:blipFill>
         <p:spPr>
           <a:xfrm>
-            <a:off x="2743200" y="304800"/>
-            <a:ext cx="2971800" cy="1981200"/>
+            <a:off x="-13040" y="838200"/>
+            <a:ext cx="9157039" cy="5486400"/>
           </a:xfrm>
           <a:prstGeom prst="rect">
             <a:avLst/>
           </a:prstGeom>
         </p:spPr>
       </p:pic>
+      <p:sp>
+        <p:nvSpPr>
+          <p:cNvPr id="7" name="TextBox 6"/>
+          <p:cNvSpPr txBox="1"/>
+          <p:nvPr/>
+        </p:nvSpPr>
+        <p:spPr>
+          <a:xfrm>
+            <a:off x="7409744" y="6441990"/>
+            <a:ext cx="1353256" cy="369332"/>
+          </a:xfrm>
+          <a:prstGeom prst="rect">
+            <a:avLst/>
+          </a:prstGeom>
+          <a:noFill/>
+        </p:spPr>
+        <p:txBody>
+          <a:bodyPr wrap="none" rtlCol="0">
+            <a:spAutoFit/>
+          </a:bodyPr>
+          <a:lstStyle/>
+          <a:p>
+            <a:r>
+              <a:rPr lang="en-US" dirty="0" smtClean="0"/>
+              <a:t>@jrecursive</a:t>
+            </a:r>
+            <a:endParaRPr lang="en-US" dirty="0"/>
+          </a:p>
+        </p:txBody>
+      </p:sp>
       <p:pic>
         <p:nvPicPr>
-          <p:cNvPr id="6" name="Picture 5"/>
+          <p:cNvPr id="3" name="Picture 2"/>
           <p:cNvPicPr>
             <a:picLocks noChangeAspect="1"/>
           </p:cNvPicPr>
@@ -10618,44 +11359,14 @@
         </p:blipFill>
         <p:spPr>
           <a:xfrm>
-            <a:off x="381000" y="2590800"/>
-            <a:ext cx="8382000" cy="3851190"/>
+            <a:off x="3048000" y="0"/>
+            <a:ext cx="2971800" cy="1981200"/>
           </a:xfrm>
           <a:prstGeom prst="rect">
             <a:avLst/>
           </a:prstGeom>
         </p:spPr>
       </p:pic>
-      <p:sp>
-        <p:nvSpPr>
-          <p:cNvPr id="7" name="TextBox 6"/>
-          <p:cNvSpPr txBox="1"/>
-          <p:nvPr/>
-        </p:nvSpPr>
-        <p:spPr>
-          <a:xfrm>
-            <a:off x="7409744" y="6441990"/>
-            <a:ext cx="1353256" cy="369332"/>
-          </a:xfrm>
-          <a:prstGeom prst="rect">
-            <a:avLst/>
-          </a:prstGeom>
-          <a:noFill/>
-        </p:spPr>
-        <p:txBody>
-          <a:bodyPr wrap="none" rtlCol="0">
-            <a:spAutoFit/>
-          </a:bodyPr>
-          <a:lstStyle/>
-          <a:p>
-            <a:r>
-              <a:rPr lang="en-US" dirty="0" smtClean="0"/>
-              <a:t>@jrecursive</a:t>
-            </a:r>
-            <a:endParaRPr lang="en-US" dirty="0"/>
-          </a:p>
-        </p:txBody>
-      </p:sp>
     </p:spTree>
     <p:extLst>
       <p:ext uri="{BB962C8B-B14F-4D97-AF65-F5344CB8AC3E}">

--- a/raven_nancy_slides.pptx
+++ b/raven_nancy_slides.pptx
@@ -6,31 +6,32 @@
     <p:sldMasterId id="2147483744" r:id="rId2"/>
   </p:sldMasterIdLst>
   <p:notesMasterIdLst>
-    <p:notesMasterId r:id="rId25"/>
+    <p:notesMasterId r:id="rId26"/>
   </p:notesMasterIdLst>
   <p:sldIdLst>
     <p:sldId id="273" r:id="rId3"/>
     <p:sldId id="256" r:id="rId4"/>
     <p:sldId id="257" r:id="rId5"/>
-    <p:sldId id="267" r:id="rId6"/>
-    <p:sldId id="258" r:id="rId7"/>
-    <p:sldId id="259" r:id="rId8"/>
-    <p:sldId id="260" r:id="rId9"/>
-    <p:sldId id="261" r:id="rId10"/>
-    <p:sldId id="268" r:id="rId11"/>
-    <p:sldId id="269" r:id="rId12"/>
-    <p:sldId id="270" r:id="rId13"/>
-    <p:sldId id="271" r:id="rId14"/>
-    <p:sldId id="276" r:id="rId15"/>
-    <p:sldId id="272" r:id="rId16"/>
-    <p:sldId id="262" r:id="rId17"/>
-    <p:sldId id="263" r:id="rId18"/>
-    <p:sldId id="266" r:id="rId19"/>
-    <p:sldId id="264" r:id="rId20"/>
-    <p:sldId id="265" r:id="rId21"/>
-    <p:sldId id="277" r:id="rId22"/>
-    <p:sldId id="275" r:id="rId23"/>
-    <p:sldId id="274" r:id="rId24"/>
+    <p:sldId id="278" r:id="rId6"/>
+    <p:sldId id="267" r:id="rId7"/>
+    <p:sldId id="258" r:id="rId8"/>
+    <p:sldId id="259" r:id="rId9"/>
+    <p:sldId id="260" r:id="rId10"/>
+    <p:sldId id="261" r:id="rId11"/>
+    <p:sldId id="268" r:id="rId12"/>
+    <p:sldId id="269" r:id="rId13"/>
+    <p:sldId id="270" r:id="rId14"/>
+    <p:sldId id="271" r:id="rId15"/>
+    <p:sldId id="276" r:id="rId16"/>
+    <p:sldId id="272" r:id="rId17"/>
+    <p:sldId id="262" r:id="rId18"/>
+    <p:sldId id="263" r:id="rId19"/>
+    <p:sldId id="266" r:id="rId20"/>
+    <p:sldId id="264" r:id="rId21"/>
+    <p:sldId id="265" r:id="rId22"/>
+    <p:sldId id="277" r:id="rId23"/>
+    <p:sldId id="275" r:id="rId24"/>
+    <p:sldId id="274" r:id="rId25"/>
   </p:sldIdLst>
   <p:sldSz cx="9144000" cy="6858000" type="screen4x3"/>
   <p:notesSz cx="6858000" cy="9144000"/>
@@ -547,7 +548,7 @@
           <a:p>
             <a:fld id="{437B0A2B-24B4-470C-B6D7-7A11D8AA68BF}" type="slidenum">
               <a:rPr lang="en-US" smtClean="0"/>
-              <a:t>17</a:t>
+              <a:t>18</a:t>
             </a:fld>
             <a:endParaRPr lang="en-US"/>
           </a:p>
@@ -7312,6 +7313,73 @@
           <a:chExt cx="0" cy="0"/>
         </a:xfrm>
       </p:grpSpPr>
+      <p:pic>
+        <p:nvPicPr>
+          <p:cNvPr id="2" name="Picture 1"/>
+          <p:cNvPicPr>
+            <a:picLocks noChangeAspect="1"/>
+          </p:cNvPicPr>
+          <p:nvPr/>
+        </p:nvPicPr>
+        <p:blipFill>
+          <a:blip r:embed="rId2">
+            <a:extLst>
+              <a:ext uri="{28A0092B-C50C-407E-A947-70E740481C1C}">
+                <a14:useLocalDpi xmlns:a14="http://schemas.microsoft.com/office/drawing/2010/main" val="0"/>
+              </a:ext>
+            </a:extLst>
+          </a:blip>
+          <a:stretch>
+            <a:fillRect/>
+          </a:stretch>
+        </p:blipFill>
+        <p:spPr>
+          <a:xfrm>
+            <a:off x="2694816" y="2952557"/>
+            <a:ext cx="3754368" cy="952885"/>
+          </a:xfrm>
+          <a:prstGeom prst="rect">
+            <a:avLst/>
+          </a:prstGeom>
+        </p:spPr>
+      </p:pic>
+    </p:spTree>
+    <p:extLst>
+      <p:ext uri="{BB962C8B-B14F-4D97-AF65-F5344CB8AC3E}">
+        <p14:creationId xmlns:p14="http://schemas.microsoft.com/office/powerpoint/2010/main" val="3483906474"/>
+      </p:ext>
+    </p:extLst>
+  </p:cSld>
+  <p:clrMapOvr>
+    <a:masterClrMapping/>
+  </p:clrMapOvr>
+  <p:timing>
+    <p:tnLst>
+      <p:par>
+        <p:cTn id="1" dur="indefinite" restart="never" nodeType="tmRoot"/>
+      </p:par>
+    </p:tnLst>
+  </p:timing>
+</p:sld>
+</file>
+
+<file path=ppt/slides/slide11.xml><?xml version="1.0" encoding="utf-8"?>
+<p:sld xmlns:a="http://schemas.openxmlformats.org/drawingml/2006/main" xmlns:r="http://schemas.openxmlformats.org/officeDocument/2006/relationships" xmlns:p="http://schemas.openxmlformats.org/presentationml/2006/main">
+  <p:cSld>
+    <p:spTree>
+      <p:nvGrpSpPr>
+        <p:cNvPr id="1" name=""/>
+        <p:cNvGrpSpPr/>
+        <p:nvPr/>
+      </p:nvGrpSpPr>
+      <p:grpSpPr>
+        <a:xfrm>
+          <a:off x="0" y="0"/>
+          <a:ext cx="0" cy="0"/>
+          <a:chOff x="0" y="0"/>
+          <a:chExt cx="0" cy="0"/>
+        </a:xfrm>
+      </p:grpSpPr>
       <p:sp>
         <p:nvSpPr>
           <p:cNvPr id="2" name="Title 1"/>
@@ -7475,7 +7543,7 @@
 </p:sld>
 </file>
 
-<file path=ppt/slides/slide11.xml><?xml version="1.0" encoding="utf-8"?>
+<file path=ppt/slides/slide12.xml><?xml version="1.0" encoding="utf-8"?>
 <p:sld xmlns:a="http://schemas.openxmlformats.org/drawingml/2006/main" xmlns:r="http://schemas.openxmlformats.org/officeDocument/2006/relationships" xmlns:p="http://schemas.openxmlformats.org/presentationml/2006/main">
   <p:cSld>
     <p:spTree>
@@ -7565,7 +7633,7 @@
 </p:sld>
 </file>
 
-<file path=ppt/slides/slide12.xml><?xml version="1.0" encoding="utf-8"?>
+<file path=ppt/slides/slide13.xml><?xml version="1.0" encoding="utf-8"?>
 <p:sld xmlns:a="http://schemas.openxmlformats.org/drawingml/2006/main" xmlns:r="http://schemas.openxmlformats.org/officeDocument/2006/relationships" xmlns:p="http://schemas.openxmlformats.org/presentationml/2006/main">
   <p:cSld>
     <p:spTree>
@@ -8173,7 +8241,7 @@
 </p:sld>
 </file>
 
-<file path=ppt/slides/slide13.xml><?xml version="1.0" encoding="utf-8"?>
+<file path=ppt/slides/slide14.xml><?xml version="1.0" encoding="utf-8"?>
 <p:sld xmlns:a="http://schemas.openxmlformats.org/drawingml/2006/main" xmlns:r="http://schemas.openxmlformats.org/officeDocument/2006/relationships" xmlns:p="http://schemas.openxmlformats.org/presentationml/2006/main">
   <p:cSld>
     <p:spTree>
@@ -8350,7 +8418,7 @@
 </p:sld>
 </file>
 
-<file path=ppt/slides/slide14.xml><?xml version="1.0" encoding="utf-8"?>
+<file path=ppt/slides/slide15.xml><?xml version="1.0" encoding="utf-8"?>
 <p:sld xmlns:a="http://schemas.openxmlformats.org/drawingml/2006/main" xmlns:r="http://schemas.openxmlformats.org/officeDocument/2006/relationships" xmlns:p="http://schemas.openxmlformats.org/presentationml/2006/main">
   <p:cSld>
     <p:spTree>
@@ -8676,7 +8744,7 @@
 </p:sld>
 </file>
 
-<file path=ppt/slides/slide15.xml><?xml version="1.0" encoding="utf-8"?>
+<file path=ppt/slides/slide16.xml><?xml version="1.0" encoding="utf-8"?>
 <p:sld xmlns:a="http://schemas.openxmlformats.org/drawingml/2006/main" xmlns:r="http://schemas.openxmlformats.org/officeDocument/2006/relationships" xmlns:p="http://schemas.openxmlformats.org/presentationml/2006/main">
   <p:cSld>
     <p:spTree>
@@ -8916,7 +8984,7 @@
 </p:sld>
 </file>
 
-<file path=ppt/slides/slide16.xml><?xml version="1.0" encoding="utf-8"?>
+<file path=ppt/slides/slide17.xml><?xml version="1.0" encoding="utf-8"?>
 <p:sld xmlns:a="http://schemas.openxmlformats.org/drawingml/2006/main" xmlns:r="http://schemas.openxmlformats.org/officeDocument/2006/relationships" xmlns:p="http://schemas.openxmlformats.org/presentationml/2006/main">
   <p:cSld>
     <p:spTree>
@@ -9249,7 +9317,7 @@
 </p:sld>
 </file>
 
-<file path=ppt/slides/slide17.xml><?xml version="1.0" encoding="utf-8"?>
+<file path=ppt/slides/slide18.xml><?xml version="1.0" encoding="utf-8"?>
 <p:sld xmlns:a="http://schemas.openxmlformats.org/drawingml/2006/main" xmlns:r="http://schemas.openxmlformats.org/officeDocument/2006/relationships" xmlns:p="http://schemas.openxmlformats.org/presentationml/2006/main">
   <p:cSld>
     <p:spTree>
@@ -9659,7 +9727,7 @@
 </p:sld>
 </file>
 
-<file path=ppt/slides/slide18.xml><?xml version="1.0" encoding="utf-8"?>
+<file path=ppt/slides/slide19.xml><?xml version="1.0" encoding="utf-8"?>
 <p:sld xmlns:a="http://schemas.openxmlformats.org/drawingml/2006/main" xmlns:r="http://schemas.openxmlformats.org/officeDocument/2006/relationships" xmlns:p="http://schemas.openxmlformats.org/presentationml/2006/main">
   <p:cSld>
     <p:spTree>
@@ -10062,7 +10130,119 @@
 </p:sld>
 </file>
 
-<file path=ppt/slides/slide19.xml><?xml version="1.0" encoding="utf-8"?>
+<file path=ppt/slides/slide2.xml><?xml version="1.0" encoding="utf-8"?>
+<p:sld xmlns:a="http://schemas.openxmlformats.org/drawingml/2006/main" xmlns:r="http://schemas.openxmlformats.org/officeDocument/2006/relationships" xmlns:p="http://schemas.openxmlformats.org/presentationml/2006/main">
+  <p:cSld>
+    <p:spTree>
+      <p:nvGrpSpPr>
+        <p:cNvPr id="1" name=""/>
+        <p:cNvGrpSpPr/>
+        <p:nvPr/>
+      </p:nvGrpSpPr>
+      <p:grpSpPr>
+        <a:xfrm>
+          <a:off x="0" y="0"/>
+          <a:ext cx="0" cy="0"/>
+          <a:chOff x="0" y="0"/>
+          <a:chExt cx="0" cy="0"/>
+        </a:xfrm>
+      </p:grpSpPr>
+      <p:sp>
+        <p:nvSpPr>
+          <p:cNvPr id="2" name="Title 1"/>
+          <p:cNvSpPr>
+            <a:spLocks noGrp="1"/>
+          </p:cNvSpPr>
+          <p:nvPr>
+            <p:ph type="ctrTitle"/>
+          </p:nvPr>
+        </p:nvSpPr>
+        <p:spPr/>
+        <p:txBody>
+          <a:bodyPr/>
+          <a:lstStyle/>
+          <a:p>
+            <a:r>
+              <a:rPr lang="en-US" cap="none" dirty="0" smtClean="0">
+                <a:effectLst>
+                  <a:outerShdw blurRad="38100" dist="38100" dir="2700000" algn="tl">
+                    <a:srgbClr val="000000">
+                      <a:alpha val="43137"/>
+                    </a:srgbClr>
+                  </a:outerShdw>
+                </a:effectLst>
+                <a:latin typeface="Verdana" pitchFamily="34" charset="0"/>
+                <a:ea typeface="Verdana" pitchFamily="34" charset="0"/>
+                <a:cs typeface="Verdana" pitchFamily="34" charset="0"/>
+              </a:rPr>
+              <a:t>Intro to RavenDB with NancyFX</a:t>
+            </a:r>
+            <a:endParaRPr lang="en-US" cap="none" dirty="0">
+              <a:effectLst>
+                <a:outerShdw blurRad="38100" dist="38100" dir="2700000" algn="tl">
+                  <a:srgbClr val="000000">
+                    <a:alpha val="43137"/>
+                  </a:srgbClr>
+                </a:outerShdw>
+              </a:effectLst>
+              <a:latin typeface="Verdana" pitchFamily="34" charset="0"/>
+              <a:ea typeface="Verdana" pitchFamily="34" charset="0"/>
+              <a:cs typeface="Verdana" pitchFamily="34" charset="0"/>
+            </a:endParaRPr>
+          </a:p>
+        </p:txBody>
+      </p:sp>
+      <p:pic>
+        <p:nvPicPr>
+          <p:cNvPr id="3" name="Picture 2"/>
+          <p:cNvPicPr>
+            <a:picLocks noChangeAspect="1"/>
+          </p:cNvPicPr>
+          <p:nvPr/>
+        </p:nvPicPr>
+        <p:blipFill>
+          <a:blip r:embed="rId2">
+            <a:extLst>
+              <a:ext uri="{28A0092B-C50C-407E-A947-70E740481C1C}">
+                <a14:useLocalDpi xmlns:a14="http://schemas.microsoft.com/office/drawing/2010/main" val="0"/>
+              </a:ext>
+            </a:extLst>
+          </a:blip>
+          <a:stretch>
+            <a:fillRect/>
+          </a:stretch>
+        </p:blipFill>
+        <p:spPr>
+          <a:xfrm>
+            <a:off x="2660949" y="4076315"/>
+            <a:ext cx="3754368" cy="952885"/>
+          </a:xfrm>
+          <a:prstGeom prst="rect">
+            <a:avLst/>
+          </a:prstGeom>
+        </p:spPr>
+      </p:pic>
+    </p:spTree>
+    <p:extLst>
+      <p:ext uri="{BB962C8B-B14F-4D97-AF65-F5344CB8AC3E}">
+        <p14:creationId xmlns:p14="http://schemas.microsoft.com/office/powerpoint/2010/main" val="3403672774"/>
+      </p:ext>
+    </p:extLst>
+  </p:cSld>
+  <p:clrMapOvr>
+    <a:masterClrMapping/>
+  </p:clrMapOvr>
+  <p:timing>
+    <p:tnLst>
+      <p:par>
+        <p:cTn id="1" dur="indefinite" restart="never" nodeType="tmRoot"/>
+      </p:par>
+    </p:tnLst>
+  </p:timing>
+</p:sld>
+</file>
+
+<file path=ppt/slides/slide20.xml><?xml version="1.0" encoding="utf-8"?>
 <p:sld xmlns:a="http://schemas.openxmlformats.org/drawingml/2006/main" xmlns:r="http://schemas.openxmlformats.org/officeDocument/2006/relationships" xmlns:p="http://schemas.openxmlformats.org/presentationml/2006/main">
   <p:cSld>
     <p:spTree>
@@ -10494,119 +10674,7 @@
 </p:sld>
 </file>
 
-<file path=ppt/slides/slide2.xml><?xml version="1.0" encoding="utf-8"?>
-<p:sld xmlns:a="http://schemas.openxmlformats.org/drawingml/2006/main" xmlns:r="http://schemas.openxmlformats.org/officeDocument/2006/relationships" xmlns:p="http://schemas.openxmlformats.org/presentationml/2006/main">
-  <p:cSld>
-    <p:spTree>
-      <p:nvGrpSpPr>
-        <p:cNvPr id="1" name=""/>
-        <p:cNvGrpSpPr/>
-        <p:nvPr/>
-      </p:nvGrpSpPr>
-      <p:grpSpPr>
-        <a:xfrm>
-          <a:off x="0" y="0"/>
-          <a:ext cx="0" cy="0"/>
-          <a:chOff x="0" y="0"/>
-          <a:chExt cx="0" cy="0"/>
-        </a:xfrm>
-      </p:grpSpPr>
-      <p:sp>
-        <p:nvSpPr>
-          <p:cNvPr id="2" name="Title 1"/>
-          <p:cNvSpPr>
-            <a:spLocks noGrp="1"/>
-          </p:cNvSpPr>
-          <p:nvPr>
-            <p:ph type="ctrTitle"/>
-          </p:nvPr>
-        </p:nvSpPr>
-        <p:spPr/>
-        <p:txBody>
-          <a:bodyPr/>
-          <a:lstStyle/>
-          <a:p>
-            <a:r>
-              <a:rPr lang="en-US" cap="none" dirty="0" smtClean="0">
-                <a:effectLst>
-                  <a:outerShdw blurRad="38100" dist="38100" dir="2700000" algn="tl">
-                    <a:srgbClr val="000000">
-                      <a:alpha val="43137"/>
-                    </a:srgbClr>
-                  </a:outerShdw>
-                </a:effectLst>
-                <a:latin typeface="Verdana" pitchFamily="34" charset="0"/>
-                <a:ea typeface="Verdana" pitchFamily="34" charset="0"/>
-                <a:cs typeface="Verdana" pitchFamily="34" charset="0"/>
-              </a:rPr>
-              <a:t>Intro to RavenDB with NancyFX</a:t>
-            </a:r>
-            <a:endParaRPr lang="en-US" cap="none" dirty="0">
-              <a:effectLst>
-                <a:outerShdw blurRad="38100" dist="38100" dir="2700000" algn="tl">
-                  <a:srgbClr val="000000">
-                    <a:alpha val="43137"/>
-                  </a:srgbClr>
-                </a:outerShdw>
-              </a:effectLst>
-              <a:latin typeface="Verdana" pitchFamily="34" charset="0"/>
-              <a:ea typeface="Verdana" pitchFamily="34" charset="0"/>
-              <a:cs typeface="Verdana" pitchFamily="34" charset="0"/>
-            </a:endParaRPr>
-          </a:p>
-        </p:txBody>
-      </p:sp>
-      <p:pic>
-        <p:nvPicPr>
-          <p:cNvPr id="3" name="Picture 2"/>
-          <p:cNvPicPr>
-            <a:picLocks noChangeAspect="1"/>
-          </p:cNvPicPr>
-          <p:nvPr/>
-        </p:nvPicPr>
-        <p:blipFill>
-          <a:blip r:embed="rId2">
-            <a:extLst>
-              <a:ext uri="{28A0092B-C50C-407E-A947-70E740481C1C}">
-                <a14:useLocalDpi xmlns:a14="http://schemas.microsoft.com/office/drawing/2010/main" val="0"/>
-              </a:ext>
-            </a:extLst>
-          </a:blip>
-          <a:stretch>
-            <a:fillRect/>
-          </a:stretch>
-        </p:blipFill>
-        <p:spPr>
-          <a:xfrm>
-            <a:off x="2660949" y="4076315"/>
-            <a:ext cx="3754368" cy="952885"/>
-          </a:xfrm>
-          <a:prstGeom prst="rect">
-            <a:avLst/>
-          </a:prstGeom>
-        </p:spPr>
-      </p:pic>
-    </p:spTree>
-    <p:extLst>
-      <p:ext uri="{BB962C8B-B14F-4D97-AF65-F5344CB8AC3E}">
-        <p14:creationId xmlns:p14="http://schemas.microsoft.com/office/powerpoint/2010/main" val="3403672774"/>
-      </p:ext>
-    </p:extLst>
-  </p:cSld>
-  <p:clrMapOvr>
-    <a:masterClrMapping/>
-  </p:clrMapOvr>
-  <p:timing>
-    <p:tnLst>
-      <p:par>
-        <p:cTn id="1" dur="indefinite" restart="never" nodeType="tmRoot"/>
-      </p:par>
-    </p:tnLst>
-  </p:timing>
-</p:sld>
-</file>
-
-<file path=ppt/slides/slide20.xml><?xml version="1.0" encoding="utf-8"?>
+<file path=ppt/slides/slide21.xml><?xml version="1.0" encoding="utf-8"?>
 <p:sld xmlns:a="http://schemas.openxmlformats.org/drawingml/2006/main" xmlns:r="http://schemas.openxmlformats.org/officeDocument/2006/relationships" xmlns:p="http://schemas.openxmlformats.org/presentationml/2006/main">
   <p:cSld>
     <p:spTree>
@@ -10745,7 +10813,7 @@
 </p:sld>
 </file>
 
-<file path=ppt/slides/slide21.xml><?xml version="1.0" encoding="utf-8"?>
+<file path=ppt/slides/slide22.xml><?xml version="1.0" encoding="utf-8"?>
 <p:sld xmlns:a="http://schemas.openxmlformats.org/drawingml/2006/main" xmlns:r="http://schemas.openxmlformats.org/officeDocument/2006/relationships" xmlns:p="http://schemas.openxmlformats.org/presentationml/2006/main">
   <p:cSld>
     <p:spTree>
@@ -10805,7 +10873,7 @@
 </p:sld>
 </file>
 
-<file path=ppt/slides/slide22.xml><?xml version="1.0" encoding="utf-8"?>
+<file path=ppt/slides/slide23.xml><?xml version="1.0" encoding="utf-8"?>
 <p:sld xmlns:a="http://schemas.openxmlformats.org/drawingml/2006/main" xmlns:r="http://schemas.openxmlformats.org/officeDocument/2006/relationships" xmlns:p="http://schemas.openxmlformats.org/presentationml/2006/main">
   <p:cSld>
     <p:spTree>
@@ -11006,6 +11074,101 @@
 </file>
 
 <file path=ppt/slides/slide4.xml><?xml version="1.0" encoding="utf-8"?>
+<p:sld xmlns:a="http://schemas.openxmlformats.org/drawingml/2006/main" xmlns:r="http://schemas.openxmlformats.org/officeDocument/2006/relationships" xmlns:p="http://schemas.openxmlformats.org/presentationml/2006/main">
+  <p:cSld>
+    <p:spTree>
+      <p:nvGrpSpPr>
+        <p:cNvPr id="1" name=""/>
+        <p:cNvGrpSpPr/>
+        <p:nvPr/>
+      </p:nvGrpSpPr>
+      <p:grpSpPr>
+        <a:xfrm>
+          <a:off x="0" y="0"/>
+          <a:ext cx="0" cy="0"/>
+          <a:chOff x="0" y="0"/>
+          <a:chExt cx="0" cy="0"/>
+        </a:xfrm>
+      </p:grpSpPr>
+      <p:sp>
+        <p:nvSpPr>
+          <p:cNvPr id="4" name="Title 3"/>
+          <p:cNvSpPr>
+            <a:spLocks noGrp="1"/>
+          </p:cNvSpPr>
+          <p:nvPr>
+            <p:ph type="title"/>
+          </p:nvPr>
+        </p:nvSpPr>
+        <p:spPr>
+          <a:xfrm>
+            <a:off x="1409700" y="609600"/>
+            <a:ext cx="7086600" cy="1828800"/>
+          </a:xfrm>
+        </p:spPr>
+        <p:txBody>
+          <a:bodyPr/>
+          <a:lstStyle/>
+          <a:p>
+            <a:r>
+              <a:rPr lang="en-US" sz="2800" dirty="0" smtClean="0"/>
+              <a:t>Slides and Samples Available on Github</a:t>
+            </a:r>
+            <a:endParaRPr lang="en-US" sz="2800" dirty="0"/>
+          </a:p>
+        </p:txBody>
+      </p:sp>
+      <p:sp>
+        <p:nvSpPr>
+          <p:cNvPr id="3" name="Text Placeholder 2"/>
+          <p:cNvSpPr>
+            <a:spLocks noGrp="1"/>
+          </p:cNvSpPr>
+          <p:nvPr>
+            <p:ph type="body" idx="1"/>
+          </p:nvPr>
+        </p:nvSpPr>
+        <p:spPr>
+          <a:xfrm>
+            <a:off x="1219200" y="2507786"/>
+            <a:ext cx="7467600" cy="1302214"/>
+          </a:xfrm>
+        </p:spPr>
+        <p:txBody>
+          <a:bodyPr/>
+          <a:lstStyle/>
+          <a:p>
+            <a:r>
+              <a:rPr lang="en-US" dirty="0" smtClean="0">
+                <a:hlinkClick r:id="rId2"/>
+              </a:rPr>
+              <a:t>https://github.com/justinsoliz/ravendb_nancyfx_presentation</a:t>
+            </a:r>
+            <a:endParaRPr lang="en-US" dirty="0"/>
+          </a:p>
+        </p:txBody>
+      </p:sp>
+    </p:spTree>
+    <p:extLst>
+      <p:ext uri="{BB962C8B-B14F-4D97-AF65-F5344CB8AC3E}">
+        <p14:creationId xmlns:p14="http://schemas.microsoft.com/office/powerpoint/2010/main" val="2034666630"/>
+      </p:ext>
+    </p:extLst>
+  </p:cSld>
+  <p:clrMapOvr>
+    <a:masterClrMapping/>
+  </p:clrMapOvr>
+  <p:timing>
+    <p:tnLst>
+      <p:par>
+        <p:cTn id="1" dur="indefinite" restart="never" nodeType="tmRoot"/>
+      </p:par>
+    </p:tnLst>
+  </p:timing>
+</p:sld>
+</file>
+
+<file path=ppt/slides/slide5.xml><?xml version="1.0" encoding="utf-8"?>
 <p:sld xmlns:a="http://schemas.openxmlformats.org/drawingml/2006/main" xmlns:r="http://schemas.openxmlformats.org/officeDocument/2006/relationships" xmlns:p="http://schemas.openxmlformats.org/presentationml/2006/main">
   <p:cSld>
     <p:spTree>
@@ -11171,7 +11334,7 @@
 </p:sld>
 </file>
 
-<file path=ppt/slides/slide5.xml><?xml version="1.0" encoding="utf-8"?>
+<file path=ppt/slides/slide6.xml><?xml version="1.0" encoding="utf-8"?>
 <p:sld xmlns:a="http://schemas.openxmlformats.org/drawingml/2006/main" xmlns:r="http://schemas.openxmlformats.org/officeDocument/2006/relationships" xmlns:p="http://schemas.openxmlformats.org/presentationml/2006/main">
   <p:cSld>
     <p:spTree>
@@ -11260,7 +11423,7 @@
 </p:sld>
 </file>
 
-<file path=ppt/slides/slide6.xml><?xml version="1.0" encoding="utf-8"?>
+<file path=ppt/slides/slide7.xml><?xml version="1.0" encoding="utf-8"?>
 <p:sld xmlns:a="http://schemas.openxmlformats.org/drawingml/2006/main" xmlns:r="http://schemas.openxmlformats.org/officeDocument/2006/relationships" xmlns:p="http://schemas.openxmlformats.org/presentationml/2006/main">
   <p:cSld>
     <p:spTree>
@@ -11501,7 +11664,7 @@
 </p:sld>
 </file>
 
-<file path=ppt/slides/slide7.xml><?xml version="1.0" encoding="utf-8"?>
+<file path=ppt/slides/slide8.xml><?xml version="1.0" encoding="utf-8"?>
 <p:sld xmlns:a="http://schemas.openxmlformats.org/drawingml/2006/main" xmlns:r="http://schemas.openxmlformats.org/officeDocument/2006/relationships" xmlns:p="http://schemas.openxmlformats.org/presentationml/2006/main">
   <p:cSld>
     <p:spTree>
@@ -11590,7 +11753,7 @@
 </p:sld>
 </file>
 
-<file path=ppt/slides/slide8.xml><?xml version="1.0" encoding="utf-8"?>
+<file path=ppt/slides/slide9.xml><?xml version="1.0" encoding="utf-8"?>
 <p:sld xmlns:a="http://schemas.openxmlformats.org/drawingml/2006/main" xmlns:r="http://schemas.openxmlformats.org/officeDocument/2006/relationships" xmlns:p="http://schemas.openxmlformats.org/presentationml/2006/main">
   <p:cSld>
     <p:spTree>
@@ -11757,73 +11920,6 @@
             </p:seq>
           </p:childTnLst>
         </p:cTn>
-      </p:par>
-    </p:tnLst>
-  </p:timing>
-</p:sld>
-</file>
-
-<file path=ppt/slides/slide9.xml><?xml version="1.0" encoding="utf-8"?>
-<p:sld xmlns:a="http://schemas.openxmlformats.org/drawingml/2006/main" xmlns:r="http://schemas.openxmlformats.org/officeDocument/2006/relationships" xmlns:p="http://schemas.openxmlformats.org/presentationml/2006/main">
-  <p:cSld>
-    <p:spTree>
-      <p:nvGrpSpPr>
-        <p:cNvPr id="1" name=""/>
-        <p:cNvGrpSpPr/>
-        <p:nvPr/>
-      </p:nvGrpSpPr>
-      <p:grpSpPr>
-        <a:xfrm>
-          <a:off x="0" y="0"/>
-          <a:ext cx="0" cy="0"/>
-          <a:chOff x="0" y="0"/>
-          <a:chExt cx="0" cy="0"/>
-        </a:xfrm>
-      </p:grpSpPr>
-      <p:pic>
-        <p:nvPicPr>
-          <p:cNvPr id="2" name="Picture 1"/>
-          <p:cNvPicPr>
-            <a:picLocks noChangeAspect="1"/>
-          </p:cNvPicPr>
-          <p:nvPr/>
-        </p:nvPicPr>
-        <p:blipFill>
-          <a:blip r:embed="rId2">
-            <a:extLst>
-              <a:ext uri="{28A0092B-C50C-407E-A947-70E740481C1C}">
-                <a14:useLocalDpi xmlns:a14="http://schemas.microsoft.com/office/drawing/2010/main" val="0"/>
-              </a:ext>
-            </a:extLst>
-          </a:blip>
-          <a:stretch>
-            <a:fillRect/>
-          </a:stretch>
-        </p:blipFill>
-        <p:spPr>
-          <a:xfrm>
-            <a:off x="2694816" y="2952557"/>
-            <a:ext cx="3754368" cy="952885"/>
-          </a:xfrm>
-          <a:prstGeom prst="rect">
-            <a:avLst/>
-          </a:prstGeom>
-        </p:spPr>
-      </p:pic>
-    </p:spTree>
-    <p:extLst>
-      <p:ext uri="{BB962C8B-B14F-4D97-AF65-F5344CB8AC3E}">
-        <p14:creationId xmlns:p14="http://schemas.microsoft.com/office/powerpoint/2010/main" val="3483906474"/>
-      </p:ext>
-    </p:extLst>
-  </p:cSld>
-  <p:clrMapOvr>
-    <a:masterClrMapping/>
-  </p:clrMapOvr>
-  <p:timing>
-    <p:tnLst>
-      <p:par>
-        <p:cTn id="1" dur="indefinite" restart="never" nodeType="tmRoot"/>
       </p:par>
     </p:tnLst>
   </p:timing>
